--- a/images_src/arraypreload_pics.pptx
+++ b/images_src/arraypreload_pics.pptx
@@ -5,7 +5,7 @@
     <p:sldMasterId id="2147483744" r:id="rId1"/>
   </p:sldMasterIdLst>
   <p:notesMasterIdLst>
-    <p:notesMasterId r:id="rId7"/>
+    <p:notesMasterId r:id="rId11"/>
   </p:notesMasterIdLst>
   <p:sldIdLst>
     <p:sldId id="256" r:id="rId2"/>
@@ -13,6 +13,10 @@
     <p:sldId id="258" r:id="rId4"/>
     <p:sldId id="259" r:id="rId5"/>
     <p:sldId id="260" r:id="rId6"/>
+    <p:sldId id="261" r:id="rId7"/>
+    <p:sldId id="262" r:id="rId8"/>
+    <p:sldId id="263" r:id="rId9"/>
+    <p:sldId id="264" r:id="rId10"/>
   </p:sldIdLst>
   <p:sldSz cx="6858000" cy="9906000" type="A4"/>
   <p:notesSz cx="6858000" cy="9144000"/>
@@ -119,6 +123,4623 @@
 </p:presentation>
 </file>
 
+<file path=ppt/charts/chart1.xml><?xml version="1.0" encoding="utf-8"?>
+<c:chartSpace xmlns:c="http://schemas.openxmlformats.org/drawingml/2006/chart" xmlns:a="http://schemas.openxmlformats.org/drawingml/2006/main" xmlns:r="http://schemas.openxmlformats.org/officeDocument/2006/relationships">
+  <c:date1904 val="0"/>
+  <c:lang val="ru-RU"/>
+  <c:roundedCorners val="0"/>
+  <mc:AlternateContent xmlns:mc="http://schemas.openxmlformats.org/markup-compatibility/2006">
+    <mc:Choice xmlns:c14="http://schemas.microsoft.com/office/drawing/2007/8/2/chart" Requires="c14">
+      <c14:style val="102"/>
+    </mc:Choice>
+    <mc:Fallback>
+      <c:style val="2"/>
+    </mc:Fallback>
+  </mc:AlternateContent>
+  <c:chart>
+    <c:autoTitleDeleted val="1"/>
+    <c:plotArea>
+      <c:layout>
+        <c:manualLayout>
+          <c:layoutTarget val="inner"/>
+          <c:xMode val="edge"/>
+          <c:yMode val="edge"/>
+          <c:x val="5.917058052418199E-2"/>
+          <c:y val="0.12131142580031137"/>
+          <c:w val="0.80995598206474195"/>
+          <c:h val="0.7474512747030938"/>
+        </c:manualLayout>
+      </c:layout>
+      <c:lineChart>
+        <c:grouping val="standard"/>
+        <c:varyColors val="0"/>
+        <c:ser>
+          <c:idx val="0"/>
+          <c:order val="0"/>
+          <c:tx>
+            <c:strRef>
+              <c:f>итог!$A$1</c:f>
+              <c:strCache>
+                <c:ptCount val="1"/>
+                <c:pt idx="0">
+                  <c:v>N=40 000; R=40 000</c:v>
+                </c:pt>
+              </c:strCache>
+            </c:strRef>
+          </c:tx>
+          <c:spPr>
+            <a:ln w="25400" cap="rnd" cmpd="sng" algn="ctr">
+              <a:solidFill>
+                <a:schemeClr val="accent2">
+                  <a:shade val="95000"/>
+                  <a:satMod val="105000"/>
+                </a:schemeClr>
+              </a:solidFill>
+              <a:prstDash val="solid"/>
+              <a:round/>
+            </a:ln>
+            <a:effectLst/>
+          </c:spPr>
+          <c:marker>
+            <c:symbol val="circle"/>
+            <c:size val="7"/>
+            <c:spPr>
+              <a:solidFill>
+                <a:schemeClr val="accent2"/>
+              </a:solidFill>
+              <a:ln w="25400" cap="flat" cmpd="sng" algn="ctr">
+                <a:solidFill>
+                  <a:schemeClr val="accent2">
+                    <a:shade val="95000"/>
+                    <a:satMod val="105000"/>
+                  </a:schemeClr>
+                </a:solidFill>
+                <a:prstDash val="solid"/>
+                <a:round/>
+              </a:ln>
+              <a:effectLst/>
+            </c:spPr>
+          </c:marker>
+          <c:val>
+            <c:numRef>
+              <c:f>итог!$C$2:$C$17</c:f>
+              <c:numCache>
+                <c:formatCode>General</c:formatCode>
+                <c:ptCount val="16"/>
+                <c:pt idx="0">
+                  <c:v>1.4265131113973379</c:v>
+                </c:pt>
+                <c:pt idx="1">
+                  <c:v>15.750798035215183</c:v>
+                </c:pt>
+                <c:pt idx="2">
+                  <c:v>15.996417783713692</c:v>
+                </c:pt>
+                <c:pt idx="3">
+                  <c:v>19.458504024905501</c:v>
+                </c:pt>
+                <c:pt idx="4">
+                  <c:v>25.712690864576825</c:v>
+                </c:pt>
+                <c:pt idx="5">
+                  <c:v>31.897148419355283</c:v>
+                </c:pt>
+                <c:pt idx="6">
+                  <c:v>37.957159591338097</c:v>
+                </c:pt>
+                <c:pt idx="7">
+                  <c:v>43.93322500427859</c:v>
+                </c:pt>
+                <c:pt idx="8">
+                  <c:v>49.69402927884255</c:v>
+                </c:pt>
+                <c:pt idx="9">
+                  <c:v>55.375188765224493</c:v>
+                </c:pt>
+                <c:pt idx="10">
+                  <c:v>60.666632068180526</c:v>
+                </c:pt>
+                <c:pt idx="11">
+                  <c:v>63.227766195676871</c:v>
+                </c:pt>
+                <c:pt idx="12">
+                  <c:v>75.420105046769024</c:v>
+                </c:pt>
+                <c:pt idx="13">
+                  <c:v>75.92703976155623</c:v>
+                </c:pt>
+                <c:pt idx="14">
+                  <c:v>79.950155373942351</c:v>
+                </c:pt>
+                <c:pt idx="15">
+                  <c:v>85.33006046608314</c:v>
+                </c:pt>
+              </c:numCache>
+            </c:numRef>
+          </c:val>
+          <c:smooth val="0"/>
+        </c:ser>
+        <c:ser>
+          <c:idx val="1"/>
+          <c:order val="1"/>
+          <c:tx>
+            <c:strRef>
+              <c:f>итог!$E$1</c:f>
+              <c:strCache>
+                <c:ptCount val="1"/>
+                <c:pt idx="0">
+                  <c:v>N=40 000; R=4 000</c:v>
+                </c:pt>
+              </c:strCache>
+            </c:strRef>
+          </c:tx>
+          <c:spPr>
+            <a:ln w="25400" cap="rnd" cmpd="sng" algn="ctr">
+              <a:solidFill>
+                <a:schemeClr val="accent4">
+                  <a:shade val="95000"/>
+                  <a:satMod val="105000"/>
+                </a:schemeClr>
+              </a:solidFill>
+              <a:prstDash val="solid"/>
+              <a:round/>
+            </a:ln>
+            <a:effectLst/>
+          </c:spPr>
+          <c:marker>
+            <c:symbol val="square"/>
+            <c:size val="7"/>
+            <c:spPr>
+              <a:solidFill>
+                <a:schemeClr val="accent4"/>
+              </a:solidFill>
+              <a:ln w="25400" cap="flat" cmpd="sng" algn="ctr">
+                <a:solidFill>
+                  <a:schemeClr val="accent4">
+                    <a:shade val="95000"/>
+                    <a:satMod val="105000"/>
+                  </a:schemeClr>
+                </a:solidFill>
+                <a:prstDash val="solid"/>
+                <a:round/>
+              </a:ln>
+              <a:effectLst/>
+            </c:spPr>
+          </c:marker>
+          <c:val>
+            <c:numRef>
+              <c:f>итог!$G$2:$G$17</c:f>
+              <c:numCache>
+                <c:formatCode>General</c:formatCode>
+                <c:ptCount val="16"/>
+                <c:pt idx="0">
+                  <c:v>1.3959126072590675</c:v>
+                </c:pt>
+                <c:pt idx="1">
+                  <c:v>15.549047758159819</c:v>
+                </c:pt>
+                <c:pt idx="2">
+                  <c:v>15.805064613103767</c:v>
+                </c:pt>
+                <c:pt idx="3">
+                  <c:v>19.296084397125814</c:v>
+                </c:pt>
+                <c:pt idx="4">
+                  <c:v>25.147175481952804</c:v>
+                </c:pt>
+                <c:pt idx="5">
+                  <c:v>30.941714133383094</c:v>
+                </c:pt>
+                <c:pt idx="6">
+                  <c:v>36.551637416690376</c:v>
+                </c:pt>
+                <c:pt idx="7">
+                  <c:v>42.247554804538495</c:v>
+                </c:pt>
+                <c:pt idx="8">
+                  <c:v>47.425007065713608</c:v>
+                </c:pt>
+                <c:pt idx="9">
+                  <c:v>52.909217545109264</c:v>
+                </c:pt>
+                <c:pt idx="10">
+                  <c:v>57.468224361034117</c:v>
+                </c:pt>
+                <c:pt idx="11">
+                  <c:v>56.340130134013592</c:v>
+                </c:pt>
+                <c:pt idx="12">
+                  <c:v>68.930375666302567</c:v>
+                </c:pt>
+                <c:pt idx="13">
+                  <c:v>68.25577058930979</c:v>
+                </c:pt>
+                <c:pt idx="14">
+                  <c:v>72.042710128078895</c:v>
+                </c:pt>
+                <c:pt idx="15">
+                  <c:v>76.004071302455671</c:v>
+                </c:pt>
+              </c:numCache>
+            </c:numRef>
+          </c:val>
+          <c:smooth val="0"/>
+        </c:ser>
+        <c:ser>
+          <c:idx val="2"/>
+          <c:order val="2"/>
+          <c:tx>
+            <c:strRef>
+              <c:f>итог!$I$1</c:f>
+              <c:strCache>
+                <c:ptCount val="1"/>
+                <c:pt idx="0">
+                  <c:v>N=40 000; R=400</c:v>
+                </c:pt>
+              </c:strCache>
+            </c:strRef>
+          </c:tx>
+          <c:spPr>
+            <a:ln w="25400" cap="rnd" cmpd="sng" algn="ctr">
+              <a:solidFill>
+                <a:schemeClr val="accent6">
+                  <a:shade val="95000"/>
+                  <a:satMod val="105000"/>
+                </a:schemeClr>
+              </a:solidFill>
+              <a:prstDash val="solid"/>
+              <a:round/>
+            </a:ln>
+            <a:effectLst/>
+          </c:spPr>
+          <c:marker>
+            <c:symbol val="triangle"/>
+            <c:size val="7"/>
+            <c:spPr>
+              <a:noFill/>
+              <a:ln w="25400" cap="flat" cmpd="sng" algn="ctr">
+                <a:solidFill>
+                  <a:schemeClr val="accent6">
+                    <a:shade val="95000"/>
+                    <a:satMod val="105000"/>
+                  </a:schemeClr>
+                </a:solidFill>
+                <a:prstDash val="solid"/>
+                <a:round/>
+              </a:ln>
+              <a:effectLst/>
+            </c:spPr>
+          </c:marker>
+          <c:val>
+            <c:numRef>
+              <c:f>итог!$K$2:$K$17</c:f>
+              <c:numCache>
+                <c:formatCode>General</c:formatCode>
+                <c:ptCount val="16"/>
+                <c:pt idx="0">
+                  <c:v>1.3835372192090747</c:v>
+                </c:pt>
+                <c:pt idx="1">
+                  <c:v>13.947667885501454</c:v>
+                </c:pt>
+                <c:pt idx="2">
+                  <c:v>13.832894260352925</c:v>
+                </c:pt>
+                <c:pt idx="3">
+                  <c:v>15.634613680791819</c:v>
+                </c:pt>
+                <c:pt idx="4">
+                  <c:v>19.032887943868261</c:v>
+                </c:pt>
+                <c:pt idx="5">
+                  <c:v>21.239804007534406</c:v>
+                </c:pt>
+                <c:pt idx="6">
+                  <c:v>24.425765556214181</c:v>
+                </c:pt>
+                <c:pt idx="7">
+                  <c:v>26.383361547495923</c:v>
+                </c:pt>
+                <c:pt idx="8">
+                  <c:v>28.379591797189153</c:v>
+                </c:pt>
+                <c:pt idx="9">
+                  <c:v>29.557512929685636</c:v>
+                </c:pt>
+                <c:pt idx="10">
+                  <c:v>31.359980118991132</c:v>
+                </c:pt>
+                <c:pt idx="11">
+                  <c:v>31.974386765673536</c:v>
+                </c:pt>
+                <c:pt idx="12">
+                  <c:v>36.721612886138075</c:v>
+                </c:pt>
+                <c:pt idx="13">
+                  <c:v>36.326322765059174</c:v>
+                </c:pt>
+                <c:pt idx="14">
+                  <c:v>34.962558091122091</c:v>
+                </c:pt>
+                <c:pt idx="15">
+                  <c:v>35.403366092326124</c:v>
+                </c:pt>
+              </c:numCache>
+            </c:numRef>
+          </c:val>
+          <c:smooth val="0"/>
+        </c:ser>
+        <c:ser>
+          <c:idx val="3"/>
+          <c:order val="3"/>
+          <c:tx>
+            <c:strRef>
+              <c:f>итог!$M$1</c:f>
+              <c:strCache>
+                <c:ptCount val="1"/>
+                <c:pt idx="0">
+                  <c:v>N=40 000; R=40</c:v>
+                </c:pt>
+              </c:strCache>
+            </c:strRef>
+          </c:tx>
+          <c:spPr>
+            <a:ln w="25400" cap="rnd" cmpd="sng" algn="ctr">
+              <a:solidFill>
+                <a:schemeClr val="accent2">
+                  <a:lumMod val="60000"/>
+                  <a:shade val="95000"/>
+                  <a:satMod val="105000"/>
+                </a:schemeClr>
+              </a:solidFill>
+              <a:prstDash val="solid"/>
+              <a:round/>
+            </a:ln>
+            <a:effectLst/>
+          </c:spPr>
+          <c:marker>
+            <c:symbol val="star"/>
+            <c:size val="7"/>
+            <c:spPr>
+              <a:noFill/>
+              <a:ln w="25400" cap="flat" cmpd="sng" algn="ctr">
+                <a:solidFill>
+                  <a:srgbClr val="000000"/>
+                </a:solidFill>
+                <a:prstDash val="solid"/>
+                <a:round/>
+              </a:ln>
+              <a:effectLst/>
+            </c:spPr>
+          </c:marker>
+          <c:val>
+            <c:numRef>
+              <c:f>итог!$O$2:$O$17</c:f>
+              <c:numCache>
+                <c:formatCode>General</c:formatCode>
+                <c:ptCount val="16"/>
+                <c:pt idx="0">
+                  <c:v>1.4299228465541793</c:v>
+                </c:pt>
+                <c:pt idx="1">
+                  <c:v>7.1480950705981812</c:v>
+                </c:pt>
+                <c:pt idx="2">
+                  <c:v>6.0982253612004911</c:v>
+                </c:pt>
+                <c:pt idx="3">
+                  <c:v>6.0353074285431401</c:v>
+                </c:pt>
+                <c:pt idx="4">
+                  <c:v>6.4282111598865894</c:v>
+                </c:pt>
+                <c:pt idx="5">
+                  <c:v>6.0999992348108147</c:v>
+                </c:pt>
+                <c:pt idx="6">
+                  <c:v>6.7467365161842539</c:v>
+                </c:pt>
+                <c:pt idx="7">
+                  <c:v>6.8243262926276831</c:v>
+                </c:pt>
+                <c:pt idx="8">
+                  <c:v>6.7882015803886633</c:v>
+                </c:pt>
+                <c:pt idx="9">
+                  <c:v>7.2953219804554452</c:v>
+                </c:pt>
+                <c:pt idx="10">
+                  <c:v>7.4922460442358982</c:v>
+                </c:pt>
+                <c:pt idx="11">
+                  <c:v>6.8728661783401321</c:v>
+                </c:pt>
+                <c:pt idx="12">
+                  <c:v>8.9469384698301937</c:v>
+                </c:pt>
+                <c:pt idx="13">
+                  <c:v>7.1166188653827946</c:v>
+                </c:pt>
+                <c:pt idx="14">
+                  <c:v>7.5535899004956999</c:v>
+                </c:pt>
+                <c:pt idx="15">
+                  <c:v>7.397671389835037</c:v>
+                </c:pt>
+              </c:numCache>
+            </c:numRef>
+          </c:val>
+          <c:smooth val="0"/>
+        </c:ser>
+        <c:dLbls>
+          <c:showLegendKey val="0"/>
+          <c:showVal val="0"/>
+          <c:showCatName val="0"/>
+          <c:showSerName val="0"/>
+          <c:showPercent val="0"/>
+          <c:showBubbleSize val="0"/>
+        </c:dLbls>
+        <c:marker val="1"/>
+        <c:smooth val="0"/>
+        <c:axId val="304158080"/>
+        <c:axId val="304161216"/>
+      </c:lineChart>
+      <c:catAx>
+        <c:axId val="304158080"/>
+        <c:scaling>
+          <c:orientation val="minMax"/>
+        </c:scaling>
+        <c:delete val="0"/>
+        <c:axPos val="b"/>
+        <c:majorGridlines>
+          <c:spPr>
+            <a:ln w="6350" cap="flat" cmpd="sng" algn="ctr">
+              <a:solidFill>
+                <a:schemeClr val="tx1"/>
+              </a:solidFill>
+              <a:prstDash val="lgDash"/>
+              <a:round/>
+            </a:ln>
+            <a:effectLst/>
+          </c:spPr>
+        </c:majorGridlines>
+        <c:title>
+          <c:tx>
+            <c:rich>
+              <a:bodyPr rot="0" spcFirstLastPara="1" vertOverflow="ellipsis" vert="horz" wrap="square" anchor="ctr" anchorCtr="1"/>
+              <a:lstStyle/>
+              <a:p>
+                <a:pPr>
+                  <a:defRPr sz="1200" b="0" i="1" u="none" strike="noStrike" kern="1200" baseline="0">
+                    <a:solidFill>
+                      <a:schemeClr val="tx1"/>
+                    </a:solidFill>
+                    <a:latin typeface="Times New Roman" panose="02020603050405020304" pitchFamily="18" charset="0"/>
+                    <a:ea typeface="+mn-ea"/>
+                    <a:cs typeface="Times New Roman" panose="02020603050405020304" pitchFamily="18" charset="0"/>
+                  </a:defRPr>
+                </a:pPr>
+                <a:r>
+                  <a:rPr lang="en-US" sz="1200" b="0" i="1">
+                    <a:latin typeface="Times New Roman" panose="02020603050405020304" pitchFamily="18" charset="0"/>
+                    <a:cs typeface="Times New Roman" panose="02020603050405020304" pitchFamily="18" charset="0"/>
+                  </a:rPr>
+                  <a:t>N</a:t>
+                </a:r>
+              </a:p>
+            </c:rich>
+          </c:tx>
+          <c:layout>
+            <c:manualLayout>
+              <c:xMode val="edge"/>
+              <c:yMode val="edge"/>
+              <c:x val="0.93527654746281719"/>
+              <c:y val="0.87686594224285785"/>
+            </c:manualLayout>
+          </c:layout>
+          <c:overlay val="0"/>
+          <c:spPr>
+            <a:noFill/>
+            <a:ln>
+              <a:noFill/>
+            </a:ln>
+            <a:effectLst/>
+          </c:spPr>
+          <c:txPr>
+            <a:bodyPr rot="0" spcFirstLastPara="1" vertOverflow="ellipsis" vert="horz" wrap="square" anchor="ctr" anchorCtr="1"/>
+            <a:lstStyle/>
+            <a:p>
+              <a:pPr>
+                <a:defRPr sz="1200" b="0" i="1" u="none" strike="noStrike" kern="1200" baseline="0">
+                  <a:solidFill>
+                    <a:schemeClr val="tx1"/>
+                  </a:solidFill>
+                  <a:latin typeface="Times New Roman" panose="02020603050405020304" pitchFamily="18" charset="0"/>
+                  <a:ea typeface="+mn-ea"/>
+                  <a:cs typeface="Times New Roman" panose="02020603050405020304" pitchFamily="18" charset="0"/>
+                </a:defRPr>
+              </a:pPr>
+              <a:endParaRPr lang="en-US"/>
+            </a:p>
+          </c:txPr>
+        </c:title>
+        <c:majorTickMark val="none"/>
+        <c:minorTickMark val="none"/>
+        <c:tickLblPos val="nextTo"/>
+        <c:spPr>
+          <a:noFill/>
+          <a:ln w="44450" cap="flat" cmpd="sng" algn="ctr">
+            <a:solidFill>
+              <a:schemeClr val="tx1"/>
+            </a:solidFill>
+            <a:prstDash val="solid"/>
+            <a:round/>
+          </a:ln>
+          <a:effectLst/>
+        </c:spPr>
+        <c:txPr>
+          <a:bodyPr rot="-60000000" spcFirstLastPara="1" vertOverflow="ellipsis" vert="horz" wrap="square" anchor="ctr" anchorCtr="1"/>
+          <a:lstStyle/>
+          <a:p>
+            <a:pPr>
+              <a:defRPr sz="1200" b="0" i="0" u="none" strike="noStrike" kern="1200" baseline="0">
+                <a:solidFill>
+                  <a:schemeClr val="tx1"/>
+                </a:solidFill>
+                <a:latin typeface="Times New Roman" panose="02020603050405020304" pitchFamily="18" charset="0"/>
+                <a:ea typeface="+mn-ea"/>
+                <a:cs typeface="Times New Roman" panose="02020603050405020304" pitchFamily="18" charset="0"/>
+              </a:defRPr>
+            </a:pPr>
+            <a:endParaRPr lang="en-US"/>
+          </a:p>
+        </c:txPr>
+        <c:crossAx val="304161216"/>
+        <c:crosses val="autoZero"/>
+        <c:auto val="1"/>
+        <c:lblAlgn val="ctr"/>
+        <c:lblOffset val="0"/>
+        <c:tickLblSkip val="3"/>
+        <c:noMultiLvlLbl val="0"/>
+      </c:catAx>
+      <c:valAx>
+        <c:axId val="304161216"/>
+        <c:scaling>
+          <c:orientation val="minMax"/>
+          <c:max val="90"/>
+          <c:min val="0"/>
+        </c:scaling>
+        <c:delete val="0"/>
+        <c:axPos val="l"/>
+        <c:majorGridlines>
+          <c:spPr>
+            <a:ln w="12700" cap="flat" cmpd="sng" algn="ctr">
+              <a:solidFill>
+                <a:schemeClr val="tx1"/>
+              </a:solidFill>
+              <a:prstDash val="lgDash"/>
+              <a:round/>
+            </a:ln>
+            <a:effectLst/>
+          </c:spPr>
+        </c:majorGridlines>
+        <c:title>
+          <c:tx>
+            <c:rich>
+              <a:bodyPr rot="0" spcFirstLastPara="1" vertOverflow="ellipsis" wrap="square" anchor="ctr" anchorCtr="1"/>
+              <a:lstStyle/>
+              <a:p>
+                <a:pPr>
+                  <a:defRPr sz="1200" b="0" i="1" u="none" strike="noStrike" kern="1200" baseline="0">
+                    <a:solidFill>
+                      <a:schemeClr val="tx1"/>
+                    </a:solidFill>
+                    <a:latin typeface="Times New Roman" panose="02020603050405020304" pitchFamily="18" charset="0"/>
+                    <a:ea typeface="+mn-ea"/>
+                    <a:cs typeface="Times New Roman" panose="02020603050405020304" pitchFamily="18" charset="0"/>
+                  </a:defRPr>
+                </a:pPr>
+                <a:r>
+                  <a:rPr lang="en-US" sz="1200" b="0" i="1">
+                    <a:latin typeface="Times New Roman" panose="02020603050405020304" pitchFamily="18" charset="0"/>
+                    <a:cs typeface="Times New Roman" panose="02020603050405020304" pitchFamily="18" charset="0"/>
+                  </a:rPr>
+                  <a:t>S</a:t>
+                </a:r>
+                <a:endParaRPr lang="ru-RU" sz="1200" b="0" i="1">
+                  <a:latin typeface="Times New Roman" panose="02020603050405020304" pitchFamily="18" charset="0"/>
+                  <a:cs typeface="Times New Roman" panose="02020603050405020304" pitchFamily="18" charset="0"/>
+                </a:endParaRPr>
+              </a:p>
+            </c:rich>
+          </c:tx>
+          <c:layout>
+            <c:manualLayout>
+              <c:xMode val="edge"/>
+              <c:yMode val="edge"/>
+              <c:x val="1.8890802712160981E-2"/>
+              <c:y val="1.8937701014114627E-2"/>
+            </c:manualLayout>
+          </c:layout>
+          <c:overlay val="0"/>
+          <c:spPr>
+            <a:noFill/>
+            <a:ln>
+              <a:noFill/>
+            </a:ln>
+            <a:effectLst/>
+          </c:spPr>
+          <c:txPr>
+            <a:bodyPr rot="0" spcFirstLastPara="1" vertOverflow="ellipsis" wrap="square" anchor="ctr" anchorCtr="1"/>
+            <a:lstStyle/>
+            <a:p>
+              <a:pPr>
+                <a:defRPr sz="1200" b="0" i="1" u="none" strike="noStrike" kern="1200" baseline="0">
+                  <a:solidFill>
+                    <a:schemeClr val="tx1"/>
+                  </a:solidFill>
+                  <a:latin typeface="Times New Roman" panose="02020603050405020304" pitchFamily="18" charset="0"/>
+                  <a:ea typeface="+mn-ea"/>
+                  <a:cs typeface="Times New Roman" panose="02020603050405020304" pitchFamily="18" charset="0"/>
+                </a:defRPr>
+              </a:pPr>
+              <a:endParaRPr lang="en-US"/>
+            </a:p>
+          </c:txPr>
+        </c:title>
+        <c:numFmt formatCode="General" sourceLinked="1"/>
+        <c:majorTickMark val="out"/>
+        <c:minorTickMark val="none"/>
+        <c:tickLblPos val="nextTo"/>
+        <c:spPr>
+          <a:noFill/>
+          <a:ln w="44450" cap="flat" cmpd="sng" algn="ctr">
+            <a:solidFill>
+              <a:schemeClr val="tx1"/>
+            </a:solidFill>
+            <a:prstDash val="solid"/>
+            <a:round/>
+          </a:ln>
+          <a:effectLst/>
+        </c:spPr>
+        <c:txPr>
+          <a:bodyPr rot="-60000000" spcFirstLastPara="1" vertOverflow="ellipsis" vert="horz" wrap="square" anchor="ctr" anchorCtr="1"/>
+          <a:lstStyle/>
+          <a:p>
+            <a:pPr>
+              <a:defRPr sz="1200" b="0" i="0" u="none" strike="noStrike" kern="1200" baseline="0">
+                <a:solidFill>
+                  <a:schemeClr val="tx1"/>
+                </a:solidFill>
+                <a:latin typeface="Times New Roman" panose="02020603050405020304" pitchFamily="18" charset="0"/>
+                <a:ea typeface="+mn-ea"/>
+                <a:cs typeface="Times New Roman" panose="02020603050405020304" pitchFamily="18" charset="0"/>
+              </a:defRPr>
+            </a:pPr>
+            <a:endParaRPr lang="en-US"/>
+          </a:p>
+        </c:txPr>
+        <c:crossAx val="304158080"/>
+        <c:crosses val="autoZero"/>
+        <c:crossBetween val="midCat"/>
+      </c:valAx>
+      <c:spPr>
+        <a:noFill/>
+        <a:ln>
+          <a:noFill/>
+        </a:ln>
+        <a:effectLst/>
+      </c:spPr>
+    </c:plotArea>
+    <c:plotVisOnly val="1"/>
+    <c:dispBlanksAs val="gap"/>
+    <c:showDLblsOverMax val="0"/>
+  </c:chart>
+  <c:spPr>
+    <a:solidFill>
+      <a:schemeClr val="bg1"/>
+    </a:solidFill>
+    <a:ln w="9525" cap="flat" cmpd="sng" algn="ctr">
+      <a:noFill/>
+      <a:prstDash val="solid"/>
+      <a:round/>
+    </a:ln>
+    <a:effectLst/>
+  </c:spPr>
+  <c:txPr>
+    <a:bodyPr/>
+    <a:lstStyle/>
+    <a:p>
+      <a:pPr>
+        <a:defRPr/>
+      </a:pPr>
+      <a:endParaRPr lang="en-US"/>
+    </a:p>
+  </c:txPr>
+  <c:externalData r:id="rId3">
+    <c:autoUpdate val="0"/>
+  </c:externalData>
+  <c:userShapes r:id="rId4"/>
+</c:chartSpace>
+</file>
+
+<file path=ppt/charts/chart2.xml><?xml version="1.0" encoding="utf-8"?>
+<c:chartSpace xmlns:c="http://schemas.openxmlformats.org/drawingml/2006/chart" xmlns:a="http://schemas.openxmlformats.org/drawingml/2006/main" xmlns:r="http://schemas.openxmlformats.org/officeDocument/2006/relationships">
+  <c:date1904 val="0"/>
+  <c:lang val="ru-RU"/>
+  <c:roundedCorners val="0"/>
+  <mc:AlternateContent xmlns:mc="http://schemas.openxmlformats.org/markup-compatibility/2006">
+    <mc:Choice xmlns:c14="http://schemas.microsoft.com/office/drawing/2007/8/2/chart" Requires="c14">
+      <c14:style val="102"/>
+    </mc:Choice>
+    <mc:Fallback>
+      <c:style val="2"/>
+    </mc:Fallback>
+  </mc:AlternateContent>
+  <c:clrMapOvr bg1="lt1" tx1="dk1" bg2="lt2" tx2="dk2" accent1="accent1" accent2="accent2" accent3="accent3" accent4="accent4" accent5="accent5" accent6="accent6" hlink="hlink" folHlink="folHlink"/>
+  <c:chart>
+    <c:autoTitleDeleted val="1"/>
+    <c:plotArea>
+      <c:layout>
+        <c:manualLayout>
+          <c:layoutTarget val="inner"/>
+          <c:xMode val="edge"/>
+          <c:yMode val="edge"/>
+          <c:x val="7.205834046136031E-2"/>
+          <c:y val="0.10554950901407595"/>
+          <c:w val="0.80553094925634294"/>
+          <c:h val="0.741196404503491"/>
+        </c:manualLayout>
+      </c:layout>
+      <c:lineChart>
+        <c:grouping val="standard"/>
+        <c:varyColors val="0"/>
+        <c:ser>
+          <c:idx val="0"/>
+          <c:order val="0"/>
+          <c:tx>
+            <c:strRef>
+              <c:f>итог!$A$1</c:f>
+              <c:strCache>
+                <c:ptCount val="1"/>
+                <c:pt idx="0">
+                  <c:v>N = 40000; R = 40000</c:v>
+                </c:pt>
+              </c:strCache>
+            </c:strRef>
+          </c:tx>
+          <c:spPr>
+            <a:ln w="28575" cap="rnd" cmpd="sng" algn="ctr">
+              <a:solidFill>
+                <a:srgbClr val="ED7D31"/>
+              </a:solidFill>
+              <a:prstDash val="solid"/>
+              <a:round/>
+            </a:ln>
+            <a:effectLst/>
+          </c:spPr>
+          <c:marker>
+            <c:symbol val="circle"/>
+            <c:size val="7"/>
+            <c:spPr>
+              <a:solidFill>
+                <a:srgbClr val="ED7D31"/>
+              </a:solidFill>
+              <a:ln w="25400" cap="flat" cmpd="sng" algn="ctr">
+                <a:solidFill>
+                  <a:srgbClr val="ED7D31"/>
+                </a:solidFill>
+                <a:prstDash val="solid"/>
+                <a:round/>
+              </a:ln>
+              <a:effectLst/>
+            </c:spPr>
+          </c:marker>
+          <c:val>
+            <c:numRef>
+              <c:f>итог!$C$2:$C$17</c:f>
+              <c:numCache>
+                <c:formatCode>General</c:formatCode>
+                <c:ptCount val="16"/>
+                <c:pt idx="0">
+                  <c:v>1.4208757635945912</c:v>
+                </c:pt>
+                <c:pt idx="1">
+                  <c:v>15.245311562078083</c:v>
+                </c:pt>
+                <c:pt idx="2">
+                  <c:v>15.750195135455694</c:v>
+                </c:pt>
+                <c:pt idx="3">
+                  <c:v>19.214209568624323</c:v>
+                </c:pt>
+                <c:pt idx="4">
+                  <c:v>25.277041919927555</c:v>
+                </c:pt>
+                <c:pt idx="5">
+                  <c:v>31.283820323704866</c:v>
+                </c:pt>
+                <c:pt idx="6">
+                  <c:v>37.189083868501811</c:v>
+                </c:pt>
+                <c:pt idx="7">
+                  <c:v>42.862724855031239</c:v>
+                </c:pt>
+                <c:pt idx="8">
+                  <c:v>48.336441576504576</c:v>
+                </c:pt>
+                <c:pt idx="9">
+                  <c:v>53.721717020506162</c:v>
+                </c:pt>
+                <c:pt idx="10">
+                  <c:v>58.745362994769891</c:v>
+                </c:pt>
+                <c:pt idx="11">
+                  <c:v>63.853480775293384</c:v>
+                </c:pt>
+                <c:pt idx="12">
+                  <c:v>74.073538371183702</c:v>
+                </c:pt>
+                <c:pt idx="13">
+                  <c:v>74.109974527662871</c:v>
+                </c:pt>
+                <c:pt idx="14">
+                  <c:v>76.946779594300494</c:v>
+                </c:pt>
+                <c:pt idx="15">
+                  <c:v>80.987112467985867</c:v>
+                </c:pt>
+              </c:numCache>
+            </c:numRef>
+          </c:val>
+          <c:smooth val="0"/>
+        </c:ser>
+        <c:ser>
+          <c:idx val="1"/>
+          <c:order val="1"/>
+          <c:tx>
+            <c:strRef>
+              <c:f>итог!$E$1</c:f>
+              <c:strCache>
+                <c:ptCount val="1"/>
+                <c:pt idx="0">
+                  <c:v>N = 40000; R = 4000</c:v>
+                </c:pt>
+              </c:strCache>
+            </c:strRef>
+          </c:tx>
+          <c:spPr>
+            <a:ln w="28575" cap="rnd" cmpd="sng" algn="ctr">
+              <a:solidFill>
+                <a:srgbClr val="FFC000"/>
+              </a:solidFill>
+              <a:prstDash val="solid"/>
+              <a:round/>
+            </a:ln>
+            <a:effectLst/>
+          </c:spPr>
+          <c:marker>
+            <c:symbol val="square"/>
+            <c:size val="7"/>
+            <c:spPr>
+              <a:solidFill>
+                <a:srgbClr val="FFC000"/>
+              </a:solidFill>
+              <a:ln w="25400" cap="flat" cmpd="sng" algn="ctr">
+                <a:solidFill>
+                  <a:srgbClr val="FFC000">
+                    <a:shade val="95000"/>
+                    <a:satMod val="105000"/>
+                  </a:srgbClr>
+                </a:solidFill>
+                <a:prstDash val="solid"/>
+                <a:round/>
+              </a:ln>
+              <a:effectLst/>
+            </c:spPr>
+          </c:marker>
+          <c:val>
+            <c:numRef>
+              <c:f>итог!$G$2:$G$17</c:f>
+              <c:numCache>
+                <c:formatCode>General</c:formatCode>
+                <c:ptCount val="16"/>
+                <c:pt idx="0">
+                  <c:v>1.3907957843753518</c:v>
+                </c:pt>
+                <c:pt idx="1">
+                  <c:v>15.525845312084851</c:v>
+                </c:pt>
+                <c:pt idx="2">
+                  <c:v>15.487708372229244</c:v>
+                </c:pt>
+                <c:pt idx="3">
+                  <c:v>18.710565650701156</c:v>
+                </c:pt>
+                <c:pt idx="4">
+                  <c:v>24.099954616173246</c:v>
+                </c:pt>
+                <c:pt idx="5">
+                  <c:v>29.259434323815167</c:v>
+                </c:pt>
+                <c:pt idx="6">
+                  <c:v>33.906020706122071</c:v>
+                </c:pt>
+                <c:pt idx="7">
+                  <c:v>38.139444999315614</c:v>
+                </c:pt>
+                <c:pt idx="8">
+                  <c:v>42.27635260375407</c:v>
+                </c:pt>
+                <c:pt idx="9">
+                  <c:v>45.783812815173448</c:v>
+                </c:pt>
+                <c:pt idx="10">
+                  <c:v>48.952981668581479</c:v>
+                </c:pt>
+                <c:pt idx="11">
+                  <c:v>51.316280611457515</c:v>
+                </c:pt>
+                <c:pt idx="12">
+                  <c:v>54.025269977361972</c:v>
+                </c:pt>
+                <c:pt idx="13">
+                  <c:v>52.855621208339223</c:v>
+                </c:pt>
+                <c:pt idx="14">
+                  <c:v>53.666542009110763</c:v>
+                </c:pt>
+                <c:pt idx="15">
+                  <c:v>55.646818750107819</c:v>
+                </c:pt>
+              </c:numCache>
+            </c:numRef>
+          </c:val>
+          <c:smooth val="0"/>
+        </c:ser>
+        <c:ser>
+          <c:idx val="2"/>
+          <c:order val="2"/>
+          <c:tx>
+            <c:strRef>
+              <c:f>итог!$I$1</c:f>
+              <c:strCache>
+                <c:ptCount val="1"/>
+                <c:pt idx="0">
+                  <c:v>N = 40000; R = 400</c:v>
+                </c:pt>
+              </c:strCache>
+            </c:strRef>
+          </c:tx>
+          <c:spPr>
+            <a:ln w="28575" cap="rnd" cmpd="sng" algn="ctr">
+              <a:solidFill>
+                <a:srgbClr val="70AD47"/>
+              </a:solidFill>
+              <a:prstDash val="solid"/>
+              <a:round/>
+            </a:ln>
+            <a:effectLst/>
+          </c:spPr>
+          <c:marker>
+            <c:symbol val="triangle"/>
+            <c:size val="7"/>
+            <c:spPr>
+              <a:noFill/>
+              <a:ln w="25400" cap="flat" cmpd="sng" algn="ctr">
+                <a:solidFill>
+                  <a:srgbClr val="70AD47"/>
+                </a:solidFill>
+                <a:prstDash val="solid"/>
+                <a:round/>
+              </a:ln>
+              <a:effectLst/>
+            </c:spPr>
+          </c:marker>
+          <c:val>
+            <c:numRef>
+              <c:f>итог!$K$2:$K$17</c:f>
+              <c:numCache>
+                <c:formatCode>General</c:formatCode>
+                <c:ptCount val="16"/>
+                <c:pt idx="0">
+                  <c:v>1.3575893249877398</c:v>
+                </c:pt>
+                <c:pt idx="1">
+                  <c:v>12.879773342283878</c:v>
+                </c:pt>
+                <c:pt idx="2">
+                  <c:v>11.79900054682434</c:v>
+                </c:pt>
+                <c:pt idx="3">
+                  <c:v>12.220787100908479</c:v>
+                </c:pt>
+                <c:pt idx="4">
+                  <c:v>14.194991709228248</c:v>
+                </c:pt>
+                <c:pt idx="5">
+                  <c:v>15.160971528903048</c:v>
+                </c:pt>
+                <c:pt idx="6">
+                  <c:v>16.045334705953444</c:v>
+                </c:pt>
+                <c:pt idx="7">
+                  <c:v>16.429953850963237</c:v>
+                </c:pt>
+                <c:pt idx="8">
+                  <c:v>16.154366683951693</c:v>
+                </c:pt>
+                <c:pt idx="9">
+                  <c:v>16.350245398212607</c:v>
+                </c:pt>
+                <c:pt idx="10">
+                  <c:v>16.222929278243161</c:v>
+                </c:pt>
+                <c:pt idx="11">
+                  <c:v>15.724324719386408</c:v>
+                </c:pt>
+                <c:pt idx="12">
+                  <c:v>13.48437294554247</c:v>
+                </c:pt>
+                <c:pt idx="13">
+                  <c:v>12.856075843939539</c:v>
+                </c:pt>
+                <c:pt idx="14">
+                  <c:v>12.228163448532342</c:v>
+                </c:pt>
+                <c:pt idx="15">
+                  <c:v>12.701770186265524</c:v>
+                </c:pt>
+              </c:numCache>
+            </c:numRef>
+          </c:val>
+          <c:smooth val="0"/>
+        </c:ser>
+        <c:ser>
+          <c:idx val="3"/>
+          <c:order val="3"/>
+          <c:tx>
+            <c:strRef>
+              <c:f>итог!$M$1</c:f>
+              <c:strCache>
+                <c:ptCount val="1"/>
+                <c:pt idx="0">
+                  <c:v>N = 40000; R = 40</c:v>
+                </c:pt>
+              </c:strCache>
+            </c:strRef>
+          </c:tx>
+          <c:spPr>
+            <a:ln w="28575" cap="rnd" cmpd="sng" algn="ctr">
+              <a:solidFill>
+                <a:schemeClr val="accent2">
+                  <a:lumMod val="60000"/>
+                  <a:shade val="95000"/>
+                  <a:satMod val="105000"/>
+                </a:schemeClr>
+              </a:solidFill>
+              <a:prstDash val="solid"/>
+              <a:round/>
+            </a:ln>
+            <a:effectLst/>
+          </c:spPr>
+          <c:marker>
+            <c:symbol val="star"/>
+            <c:size val="7"/>
+            <c:spPr>
+              <a:noFill/>
+              <a:ln w="25400" cap="flat" cmpd="sng" algn="ctr">
+                <a:solidFill>
+                  <a:sysClr val="windowText" lastClr="000000"/>
+                </a:solidFill>
+                <a:prstDash val="solid"/>
+                <a:round/>
+              </a:ln>
+              <a:effectLst/>
+            </c:spPr>
+          </c:marker>
+          <c:val>
+            <c:numRef>
+              <c:f>итог!$O$2:$O$17</c:f>
+              <c:numCache>
+                <c:formatCode>General</c:formatCode>
+                <c:ptCount val="16"/>
+                <c:pt idx="0">
+                  <c:v>1.3416897564223855</c:v>
+                </c:pt>
+                <c:pt idx="1">
+                  <c:v>5.3559161129969919</c:v>
+                </c:pt>
+                <c:pt idx="2">
+                  <c:v>3.9024441824632787</c:v>
+                </c:pt>
+                <c:pt idx="3">
+                  <c:v>3.120133810724663</c:v>
+                </c:pt>
+                <c:pt idx="4">
+                  <c:v>3.1142007520466195</c:v>
+                </c:pt>
+                <c:pt idx="5">
+                  <c:v>2.9444058815741734</c:v>
+                </c:pt>
+                <c:pt idx="6">
+                  <c:v>2.8411791358728684</c:v>
+                </c:pt>
+                <c:pt idx="7">
+                  <c:v>2.7239814742973225</c:v>
+                </c:pt>
+                <c:pt idx="8">
+                  <c:v>2.6129942353099933</c:v>
+                </c:pt>
+                <c:pt idx="9">
+                  <c:v>2.5246569841638569</c:v>
+                </c:pt>
+                <c:pt idx="10">
+                  <c:v>2.4260924311886511</c:v>
+                </c:pt>
+                <c:pt idx="11">
+                  <c:v>2.2646701444008874</c:v>
+                </c:pt>
+                <c:pt idx="12">
+                  <c:v>1.9654338340813091</c:v>
+                </c:pt>
+                <c:pt idx="13">
+                  <c:v>1.6092733707393478</c:v>
+                </c:pt>
+                <c:pt idx="14">
+                  <c:v>1.5704801577776042</c:v>
+                </c:pt>
+                <c:pt idx="15">
+                  <c:v>1.5896312205843788</c:v>
+                </c:pt>
+              </c:numCache>
+            </c:numRef>
+          </c:val>
+          <c:smooth val="0"/>
+        </c:ser>
+        <c:dLbls>
+          <c:showLegendKey val="0"/>
+          <c:showVal val="0"/>
+          <c:showCatName val="0"/>
+          <c:showSerName val="0"/>
+          <c:showPercent val="0"/>
+          <c:showBubbleSize val="0"/>
+        </c:dLbls>
+        <c:marker val="1"/>
+        <c:smooth val="0"/>
+        <c:axId val="374578496"/>
+        <c:axId val="374578104"/>
+      </c:lineChart>
+      <c:catAx>
+        <c:axId val="374578496"/>
+        <c:scaling>
+          <c:orientation val="minMax"/>
+        </c:scaling>
+        <c:delete val="0"/>
+        <c:axPos val="b"/>
+        <c:majorGridlines>
+          <c:spPr>
+            <a:ln w="12700" cap="flat" cmpd="sng" algn="ctr">
+              <a:solidFill>
+                <a:schemeClr val="tx1"/>
+              </a:solidFill>
+              <a:prstDash val="lgDash"/>
+              <a:round/>
+            </a:ln>
+            <a:effectLst/>
+          </c:spPr>
+        </c:majorGridlines>
+        <c:majorTickMark val="none"/>
+        <c:minorTickMark val="none"/>
+        <c:tickLblPos val="nextTo"/>
+        <c:spPr>
+          <a:noFill/>
+          <a:ln w="44450" cap="flat" cmpd="sng" algn="ctr">
+            <a:solidFill>
+              <a:schemeClr val="tx1"/>
+            </a:solidFill>
+            <a:prstDash val="solid"/>
+            <a:round/>
+            <a:headEnd type="none"/>
+          </a:ln>
+          <a:effectLst/>
+        </c:spPr>
+        <c:txPr>
+          <a:bodyPr rot="-60000000" spcFirstLastPara="1" vertOverflow="ellipsis" vert="horz" wrap="square" anchor="ctr" anchorCtr="1"/>
+          <a:lstStyle/>
+          <a:p>
+            <a:pPr>
+              <a:defRPr sz="1200" b="0" i="0" u="none" strike="noStrike" kern="1200" baseline="0">
+                <a:solidFill>
+                  <a:schemeClr val="tx1"/>
+                </a:solidFill>
+                <a:latin typeface="Times New Roman" panose="02020603050405020304" pitchFamily="18" charset="0"/>
+                <a:ea typeface="+mn-ea"/>
+                <a:cs typeface="Times New Roman" panose="02020603050405020304" pitchFamily="18" charset="0"/>
+              </a:defRPr>
+            </a:pPr>
+            <a:endParaRPr lang="en-US"/>
+          </a:p>
+        </c:txPr>
+        <c:crossAx val="374578104"/>
+        <c:crosses val="autoZero"/>
+        <c:auto val="1"/>
+        <c:lblAlgn val="ctr"/>
+        <c:lblOffset val="0"/>
+        <c:tickLblSkip val="3"/>
+        <c:tickMarkSkip val="1"/>
+        <c:noMultiLvlLbl val="0"/>
+      </c:catAx>
+      <c:valAx>
+        <c:axId val="374578104"/>
+        <c:scaling>
+          <c:orientation val="minMax"/>
+          <c:max val="90"/>
+          <c:min val="0"/>
+        </c:scaling>
+        <c:delete val="0"/>
+        <c:axPos val="l"/>
+        <c:majorGridlines>
+          <c:spPr>
+            <a:ln w="12700" cap="flat" cmpd="sng" algn="ctr">
+              <a:solidFill>
+                <a:schemeClr val="tx1"/>
+              </a:solidFill>
+              <a:prstDash val="lgDash"/>
+              <a:round/>
+            </a:ln>
+            <a:effectLst/>
+          </c:spPr>
+        </c:majorGridlines>
+        <c:title>
+          <c:tx>
+            <c:rich>
+              <a:bodyPr rot="0" spcFirstLastPara="1" vertOverflow="ellipsis" wrap="square" anchor="ctr" anchorCtr="1"/>
+              <a:lstStyle/>
+              <a:p>
+                <a:pPr>
+                  <a:defRPr sz="1200" b="1" i="0" u="none" strike="noStrike" kern="1200" baseline="0">
+                    <a:solidFill>
+                      <a:schemeClr val="tx1"/>
+                    </a:solidFill>
+                    <a:latin typeface="Times New Roman" panose="02020603050405020304" pitchFamily="18" charset="0"/>
+                    <a:ea typeface="+mn-ea"/>
+                    <a:cs typeface="Times New Roman" panose="02020603050405020304" pitchFamily="18" charset="0"/>
+                  </a:defRPr>
+                </a:pPr>
+                <a:r>
+                  <a:rPr lang="en-US" sz="1200" b="0" i="1">
+                    <a:latin typeface="Times New Roman" panose="02020603050405020304" pitchFamily="18" charset="0"/>
+                    <a:cs typeface="Times New Roman" panose="02020603050405020304" pitchFamily="18" charset="0"/>
+                  </a:rPr>
+                  <a:t>S</a:t>
+                </a:r>
+                <a:endParaRPr lang="ru-RU" sz="1200" b="0" i="1">
+                  <a:latin typeface="Times New Roman" panose="02020603050405020304" pitchFamily="18" charset="0"/>
+                  <a:cs typeface="Times New Roman" panose="02020603050405020304" pitchFamily="18" charset="0"/>
+                </a:endParaRPr>
+              </a:p>
+            </c:rich>
+          </c:tx>
+          <c:layout>
+            <c:manualLayout>
+              <c:xMode val="edge"/>
+              <c:yMode val="edge"/>
+              <c:x val="2.1303245297462813E-2"/>
+              <c:y val="4.9408688778767515E-3"/>
+            </c:manualLayout>
+          </c:layout>
+          <c:overlay val="0"/>
+          <c:spPr>
+            <a:noFill/>
+            <a:ln>
+              <a:noFill/>
+            </a:ln>
+            <a:effectLst/>
+          </c:spPr>
+          <c:txPr>
+            <a:bodyPr rot="0" spcFirstLastPara="1" vertOverflow="ellipsis" wrap="square" anchor="ctr" anchorCtr="1"/>
+            <a:lstStyle/>
+            <a:p>
+              <a:pPr>
+                <a:defRPr sz="1200" b="1" i="0" u="none" strike="noStrike" kern="1200" baseline="0">
+                  <a:solidFill>
+                    <a:schemeClr val="tx1"/>
+                  </a:solidFill>
+                  <a:latin typeface="Times New Roman" panose="02020603050405020304" pitchFamily="18" charset="0"/>
+                  <a:ea typeface="+mn-ea"/>
+                  <a:cs typeface="Times New Roman" panose="02020603050405020304" pitchFamily="18" charset="0"/>
+                </a:defRPr>
+              </a:pPr>
+              <a:endParaRPr lang="en-US"/>
+            </a:p>
+          </c:txPr>
+        </c:title>
+        <c:numFmt formatCode="General" sourceLinked="1"/>
+        <c:majorTickMark val="none"/>
+        <c:minorTickMark val="none"/>
+        <c:tickLblPos val="nextTo"/>
+        <c:spPr>
+          <a:noFill/>
+          <a:ln w="44450" cap="flat" cmpd="sng" algn="ctr">
+            <a:solidFill>
+              <a:schemeClr val="tx1"/>
+            </a:solidFill>
+            <a:prstDash val="solid"/>
+            <a:round/>
+          </a:ln>
+          <a:effectLst/>
+        </c:spPr>
+        <c:txPr>
+          <a:bodyPr rot="-60000000" spcFirstLastPara="1" vertOverflow="ellipsis" vert="horz" wrap="square" anchor="ctr" anchorCtr="1"/>
+          <a:lstStyle/>
+          <a:p>
+            <a:pPr>
+              <a:defRPr sz="1200" b="0" i="0" u="none" strike="noStrike" kern="1200" baseline="0">
+                <a:solidFill>
+                  <a:schemeClr val="tx1"/>
+                </a:solidFill>
+                <a:latin typeface="Times New Roman" panose="02020603050405020304" pitchFamily="18" charset="0"/>
+                <a:ea typeface="+mn-ea"/>
+                <a:cs typeface="Times New Roman" panose="02020603050405020304" pitchFamily="18" charset="0"/>
+              </a:defRPr>
+            </a:pPr>
+            <a:endParaRPr lang="en-US"/>
+          </a:p>
+        </c:txPr>
+        <c:crossAx val="374578496"/>
+        <c:crosses val="autoZero"/>
+        <c:crossBetween val="midCat"/>
+      </c:valAx>
+      <c:spPr>
+        <a:noFill/>
+        <a:ln>
+          <a:noFill/>
+        </a:ln>
+        <a:effectLst/>
+      </c:spPr>
+    </c:plotArea>
+    <c:plotVisOnly val="1"/>
+    <c:dispBlanksAs val="gap"/>
+    <c:showDLblsOverMax val="0"/>
+  </c:chart>
+  <c:spPr>
+    <a:solidFill>
+      <a:schemeClr val="bg1"/>
+    </a:solidFill>
+    <a:ln w="0" cap="flat" cmpd="sng" algn="ctr">
+      <a:noFill/>
+      <a:prstDash val="solid"/>
+      <a:round/>
+    </a:ln>
+    <a:effectLst/>
+  </c:spPr>
+  <c:txPr>
+    <a:bodyPr/>
+    <a:lstStyle/>
+    <a:p>
+      <a:pPr>
+        <a:defRPr/>
+      </a:pPr>
+      <a:endParaRPr lang="en-US"/>
+    </a:p>
+  </c:txPr>
+  <c:externalData r:id="rId4">
+    <c:autoUpdate val="0"/>
+  </c:externalData>
+  <c:userShapes r:id="rId5"/>
+</c:chartSpace>
+</file>
+
+<file path=ppt/charts/chart3.xml><?xml version="1.0" encoding="utf-8"?>
+<c:chartSpace xmlns:c="http://schemas.openxmlformats.org/drawingml/2006/chart" xmlns:a="http://schemas.openxmlformats.org/drawingml/2006/main" xmlns:r="http://schemas.openxmlformats.org/officeDocument/2006/relationships">
+  <c:date1904 val="0"/>
+  <c:lang val="ru-RU"/>
+  <c:roundedCorners val="0"/>
+  <mc:AlternateContent xmlns:mc="http://schemas.openxmlformats.org/markup-compatibility/2006">
+    <mc:Choice xmlns:c14="http://schemas.microsoft.com/office/drawing/2007/8/2/chart" Requires="c14">
+      <c14:style val="102"/>
+    </mc:Choice>
+    <mc:Fallback>
+      <c:style val="2"/>
+    </mc:Fallback>
+  </mc:AlternateContent>
+  <c:chart>
+    <c:autoTitleDeleted val="1"/>
+    <c:plotArea>
+      <c:layout>
+        <c:manualLayout>
+          <c:layoutTarget val="inner"/>
+          <c:xMode val="edge"/>
+          <c:yMode val="edge"/>
+          <c:x val="8.7814814814814818E-2"/>
+          <c:y val="0.13185077576298485"/>
+          <c:w val="0.8342038495188101"/>
+          <c:h val="0.74830926998576286"/>
+        </c:manualLayout>
+      </c:layout>
+      <c:lineChart>
+        <c:grouping val="standard"/>
+        <c:varyColors val="0"/>
+        <c:ser>
+          <c:idx val="0"/>
+          <c:order val="0"/>
+          <c:tx>
+            <c:strRef>
+              <c:f>итог!$A$1</c:f>
+              <c:strCache>
+                <c:ptCount val="1"/>
+                <c:pt idx="0">
+                  <c:v>N=40 000; R=40 000</c:v>
+                </c:pt>
+              </c:strCache>
+            </c:strRef>
+          </c:tx>
+          <c:spPr>
+            <a:ln>
+              <a:solidFill>
+                <a:schemeClr val="accent2"/>
+              </a:solidFill>
+            </a:ln>
+          </c:spPr>
+          <c:marker>
+            <c:symbol val="circle"/>
+            <c:size val="7"/>
+            <c:spPr>
+              <a:solidFill>
+                <a:schemeClr val="accent2"/>
+              </a:solidFill>
+              <a:ln w="25400">
+                <a:solidFill>
+                  <a:schemeClr val="accent2"/>
+                </a:solidFill>
+              </a:ln>
+            </c:spPr>
+          </c:marker>
+          <c:dLbls>
+            <c:dLbl>
+              <c:idx val="15"/>
+              <c:tx>
+                <c:rich>
+                  <a:bodyPr/>
+                  <a:lstStyle/>
+                  <a:p>
+                    <a:r>
+                      <a:rPr lang="en-US"/>
+                      <a:t>R=40 000</a:t>
+                    </a:r>
+                  </a:p>
+                </c:rich>
+              </c:tx>
+              <c:dLblPos val="r"/>
+              <c:showLegendKey val="0"/>
+              <c:showVal val="1"/>
+              <c:showCatName val="0"/>
+              <c:showSerName val="1"/>
+              <c:showPercent val="0"/>
+              <c:showBubbleSize val="0"/>
+              <c:extLst>
+                <c:ext xmlns:c15="http://schemas.microsoft.com/office/drawing/2012/chart" uri="{CE6537A1-D6FC-4f65-9D91-7224C49458BB}"/>
+              </c:extLst>
+            </c:dLbl>
+            <c:spPr>
+              <a:noFill/>
+              <a:ln>
+                <a:noFill/>
+              </a:ln>
+              <a:effectLst/>
+            </c:spPr>
+            <c:showLegendKey val="0"/>
+            <c:showVal val="0"/>
+            <c:showCatName val="0"/>
+            <c:showSerName val="0"/>
+            <c:showPercent val="0"/>
+            <c:showBubbleSize val="0"/>
+            <c:extLst>
+              <c:ext xmlns:c15="http://schemas.microsoft.com/office/drawing/2012/chart" uri="{CE6537A1-D6FC-4f65-9D91-7224C49458BB}">
+                <c15:showLeaderLines val="0"/>
+              </c:ext>
+            </c:extLst>
+          </c:dLbls>
+          <c:cat>
+            <c:numRef>
+              <c:f>итог!$A$21:$A$26</c:f>
+              <c:numCache>
+                <c:formatCode>General</c:formatCode>
+                <c:ptCount val="6"/>
+                <c:pt idx="0">
+                  <c:v>1</c:v>
+                </c:pt>
+                <c:pt idx="1">
+                  <c:v>2</c:v>
+                </c:pt>
+                <c:pt idx="2">
+                  <c:v>3</c:v>
+                </c:pt>
+                <c:pt idx="3">
+                  <c:v>4</c:v>
+                </c:pt>
+                <c:pt idx="4">
+                  <c:v>5</c:v>
+                </c:pt>
+                <c:pt idx="5">
+                  <c:v>6</c:v>
+                </c:pt>
+              </c:numCache>
+            </c:numRef>
+          </c:cat>
+          <c:val>
+            <c:numRef>
+              <c:f>итог!$C$2:$C$7</c:f>
+              <c:numCache>
+                <c:formatCode>General</c:formatCode>
+                <c:ptCount val="6"/>
+                <c:pt idx="0">
+                  <c:v>1.0912773829631477</c:v>
+                </c:pt>
+                <c:pt idx="1">
+                  <c:v>7.6375122256555841</c:v>
+                </c:pt>
+                <c:pt idx="2">
+                  <c:v>7.6220315590894128</c:v>
+                </c:pt>
+                <c:pt idx="3">
+                  <c:v>7.5621502192603103</c:v>
+                </c:pt>
+                <c:pt idx="4">
+                  <c:v>7.5168995720418419</c:v>
+                </c:pt>
+                <c:pt idx="5">
+                  <c:v>7.501562055463987</c:v>
+                </c:pt>
+              </c:numCache>
+            </c:numRef>
+          </c:val>
+          <c:smooth val="0"/>
+        </c:ser>
+        <c:ser>
+          <c:idx val="1"/>
+          <c:order val="1"/>
+          <c:tx>
+            <c:strRef>
+              <c:f>итог!$E$1</c:f>
+              <c:strCache>
+                <c:ptCount val="1"/>
+                <c:pt idx="0">
+                  <c:v>N=40 000; R=4 000</c:v>
+                </c:pt>
+              </c:strCache>
+            </c:strRef>
+          </c:tx>
+          <c:spPr>
+            <a:ln>
+              <a:solidFill>
+                <a:schemeClr val="accent4"/>
+              </a:solidFill>
+            </a:ln>
+          </c:spPr>
+          <c:marker>
+            <c:symbol val="square"/>
+            <c:size val="7"/>
+            <c:spPr>
+              <a:solidFill>
+                <a:schemeClr val="accent4"/>
+              </a:solidFill>
+              <a:ln w="25400">
+                <a:solidFill>
+                  <a:schemeClr val="accent4"/>
+                </a:solidFill>
+              </a:ln>
+            </c:spPr>
+          </c:marker>
+          <c:dLbls>
+            <c:dLbl>
+              <c:idx val="15"/>
+              <c:tx>
+                <c:rich>
+                  <a:bodyPr/>
+                  <a:lstStyle/>
+                  <a:p>
+                    <a:r>
+                      <a:rPr lang="en-US"/>
+                      <a:t>R=4 000</a:t>
+                    </a:r>
+                  </a:p>
+                </c:rich>
+              </c:tx>
+              <c:dLblPos val="r"/>
+              <c:showLegendKey val="0"/>
+              <c:showVal val="1"/>
+              <c:showCatName val="0"/>
+              <c:showSerName val="1"/>
+              <c:showPercent val="0"/>
+              <c:showBubbleSize val="0"/>
+              <c:extLst>
+                <c:ext xmlns:c15="http://schemas.microsoft.com/office/drawing/2012/chart" uri="{CE6537A1-D6FC-4f65-9D91-7224C49458BB}"/>
+              </c:extLst>
+            </c:dLbl>
+            <c:spPr>
+              <a:noFill/>
+              <a:ln>
+                <a:noFill/>
+              </a:ln>
+              <a:effectLst/>
+            </c:spPr>
+            <c:showLegendKey val="0"/>
+            <c:showVal val="0"/>
+            <c:showCatName val="0"/>
+            <c:showSerName val="0"/>
+            <c:showPercent val="0"/>
+            <c:showBubbleSize val="0"/>
+            <c:extLst>
+              <c:ext xmlns:c15="http://schemas.microsoft.com/office/drawing/2012/chart" uri="{CE6537A1-D6FC-4f65-9D91-7224C49458BB}">
+                <c15:showLeaderLines val="0"/>
+              </c:ext>
+            </c:extLst>
+          </c:dLbls>
+          <c:cat>
+            <c:numRef>
+              <c:f>итог!$A$21:$A$26</c:f>
+              <c:numCache>
+                <c:formatCode>General</c:formatCode>
+                <c:ptCount val="6"/>
+                <c:pt idx="0">
+                  <c:v>1</c:v>
+                </c:pt>
+                <c:pt idx="1">
+                  <c:v>2</c:v>
+                </c:pt>
+                <c:pt idx="2">
+                  <c:v>3</c:v>
+                </c:pt>
+                <c:pt idx="3">
+                  <c:v>4</c:v>
+                </c:pt>
+                <c:pt idx="4">
+                  <c:v>5</c:v>
+                </c:pt>
+                <c:pt idx="5">
+                  <c:v>6</c:v>
+                </c:pt>
+              </c:numCache>
+            </c:numRef>
+          </c:cat>
+          <c:val>
+            <c:numRef>
+              <c:f>итог!$G$2:$G$7</c:f>
+              <c:numCache>
+                <c:formatCode>General</c:formatCode>
+                <c:ptCount val="6"/>
+                <c:pt idx="0">
+                  <c:v>1.0617020456606747</c:v>
+                </c:pt>
+                <c:pt idx="1">
+                  <c:v>7.3610373925581696</c:v>
+                </c:pt>
+                <c:pt idx="2">
+                  <c:v>7.4957624279907717</c:v>
+                </c:pt>
+                <c:pt idx="3">
+                  <c:v>7.2458944843105453</c:v>
+                </c:pt>
+                <c:pt idx="4">
+                  <c:v>7.2397115794412814</c:v>
+                </c:pt>
+                <c:pt idx="5">
+                  <c:v>7.208291167718893</c:v>
+                </c:pt>
+              </c:numCache>
+            </c:numRef>
+          </c:val>
+          <c:smooth val="0"/>
+        </c:ser>
+        <c:ser>
+          <c:idx val="2"/>
+          <c:order val="2"/>
+          <c:tx>
+            <c:strRef>
+              <c:f>итог!$I$1</c:f>
+              <c:strCache>
+                <c:ptCount val="1"/>
+                <c:pt idx="0">
+                  <c:v>N=40 000; R=400</c:v>
+                </c:pt>
+              </c:strCache>
+            </c:strRef>
+          </c:tx>
+          <c:spPr>
+            <a:ln>
+              <a:solidFill>
+                <a:schemeClr val="accent6"/>
+              </a:solidFill>
+            </a:ln>
+          </c:spPr>
+          <c:marker>
+            <c:symbol val="triangle"/>
+            <c:size val="7"/>
+            <c:spPr>
+              <a:noFill/>
+              <a:ln w="25400">
+                <a:solidFill>
+                  <a:schemeClr val="accent6"/>
+                </a:solidFill>
+              </a:ln>
+            </c:spPr>
+          </c:marker>
+          <c:dLbls>
+            <c:dLbl>
+              <c:idx val="15"/>
+              <c:tx>
+                <c:rich>
+                  <a:bodyPr/>
+                  <a:lstStyle/>
+                  <a:p>
+                    <a:r>
+                      <a:rPr lang="en-US"/>
+                      <a:t>R=400</a:t>
+                    </a:r>
+                  </a:p>
+                </c:rich>
+              </c:tx>
+              <c:dLblPos val="r"/>
+              <c:showLegendKey val="0"/>
+              <c:showVal val="1"/>
+              <c:showCatName val="0"/>
+              <c:showSerName val="1"/>
+              <c:showPercent val="0"/>
+              <c:showBubbleSize val="0"/>
+              <c:extLst>
+                <c:ext xmlns:c15="http://schemas.microsoft.com/office/drawing/2012/chart" uri="{CE6537A1-D6FC-4f65-9D91-7224C49458BB}"/>
+              </c:extLst>
+            </c:dLbl>
+            <c:spPr>
+              <a:noFill/>
+              <a:ln>
+                <a:noFill/>
+              </a:ln>
+              <a:effectLst/>
+            </c:spPr>
+            <c:showLegendKey val="0"/>
+            <c:showVal val="0"/>
+            <c:showCatName val="0"/>
+            <c:showSerName val="0"/>
+            <c:showPercent val="0"/>
+            <c:showBubbleSize val="0"/>
+            <c:extLst>
+              <c:ext xmlns:c15="http://schemas.microsoft.com/office/drawing/2012/chart" uri="{CE6537A1-D6FC-4f65-9D91-7224C49458BB}">
+                <c15:showLeaderLines val="0"/>
+              </c:ext>
+            </c:extLst>
+          </c:dLbls>
+          <c:cat>
+            <c:numRef>
+              <c:f>итог!$A$21:$A$26</c:f>
+              <c:numCache>
+                <c:formatCode>General</c:formatCode>
+                <c:ptCount val="6"/>
+                <c:pt idx="0">
+                  <c:v>1</c:v>
+                </c:pt>
+                <c:pt idx="1">
+                  <c:v>2</c:v>
+                </c:pt>
+                <c:pt idx="2">
+                  <c:v>3</c:v>
+                </c:pt>
+                <c:pt idx="3">
+                  <c:v>4</c:v>
+                </c:pt>
+                <c:pt idx="4">
+                  <c:v>5</c:v>
+                </c:pt>
+                <c:pt idx="5">
+                  <c:v>6</c:v>
+                </c:pt>
+              </c:numCache>
+            </c:numRef>
+          </c:cat>
+          <c:val>
+            <c:numRef>
+              <c:f>итог!$K$2:$K$7</c:f>
+              <c:numCache>
+                <c:formatCode>General</c:formatCode>
+                <c:ptCount val="6"/>
+                <c:pt idx="0">
+                  <c:v>1.1627498674842436</c:v>
+                </c:pt>
+                <c:pt idx="1">
+                  <c:v>6.1853157116610049</c:v>
+                </c:pt>
+                <c:pt idx="2">
+                  <c:v>6.0694309623647404</c:v>
+                </c:pt>
+                <c:pt idx="3">
+                  <c:v>5.0421103810301702</c:v>
+                </c:pt>
+                <c:pt idx="4">
+                  <c:v>4.73507999481384</c:v>
+                </c:pt>
+                <c:pt idx="5">
+                  <c:v>4.2683290777063583</c:v>
+                </c:pt>
+              </c:numCache>
+            </c:numRef>
+          </c:val>
+          <c:smooth val="0"/>
+        </c:ser>
+        <c:ser>
+          <c:idx val="3"/>
+          <c:order val="3"/>
+          <c:tx>
+            <c:strRef>
+              <c:f>итог!$M$1</c:f>
+              <c:strCache>
+                <c:ptCount val="1"/>
+                <c:pt idx="0">
+                  <c:v>N=40 000; R=40</c:v>
+                </c:pt>
+              </c:strCache>
+            </c:strRef>
+          </c:tx>
+          <c:spPr>
+            <a:ln>
+              <a:solidFill>
+                <a:schemeClr val="accent2">
+                  <a:lumMod val="50000"/>
+                </a:schemeClr>
+              </a:solidFill>
+            </a:ln>
+          </c:spPr>
+          <c:marker>
+            <c:symbol val="star"/>
+            <c:size val="7"/>
+            <c:spPr>
+              <a:noFill/>
+              <a:ln w="25400">
+                <a:solidFill>
+                  <a:schemeClr val="accent2">
+                    <a:lumMod val="50000"/>
+                  </a:schemeClr>
+                </a:solidFill>
+              </a:ln>
+            </c:spPr>
+          </c:marker>
+          <c:dLbls>
+            <c:dLbl>
+              <c:idx val="15"/>
+              <c:tx>
+                <c:rich>
+                  <a:bodyPr/>
+                  <a:lstStyle/>
+                  <a:p>
+                    <a:r>
+                      <a:rPr lang="en-US"/>
+                      <a:t>R=40</a:t>
+                    </a:r>
+                  </a:p>
+                </c:rich>
+              </c:tx>
+              <c:dLblPos val="r"/>
+              <c:showLegendKey val="0"/>
+              <c:showVal val="1"/>
+              <c:showCatName val="0"/>
+              <c:showSerName val="1"/>
+              <c:showPercent val="0"/>
+              <c:showBubbleSize val="0"/>
+              <c:extLst>
+                <c:ext xmlns:c15="http://schemas.microsoft.com/office/drawing/2012/chart" uri="{CE6537A1-D6FC-4f65-9D91-7224C49458BB}"/>
+              </c:extLst>
+            </c:dLbl>
+            <c:spPr>
+              <a:noFill/>
+              <a:ln>
+                <a:noFill/>
+              </a:ln>
+              <a:effectLst/>
+            </c:spPr>
+            <c:showLegendKey val="0"/>
+            <c:showVal val="0"/>
+            <c:showCatName val="0"/>
+            <c:showSerName val="0"/>
+            <c:showPercent val="0"/>
+            <c:showBubbleSize val="0"/>
+            <c:extLst>
+              <c:ext xmlns:c15="http://schemas.microsoft.com/office/drawing/2012/chart" uri="{CE6537A1-D6FC-4f65-9D91-7224C49458BB}">
+                <c15:showLeaderLines val="0"/>
+              </c:ext>
+            </c:extLst>
+          </c:dLbls>
+          <c:cat>
+            <c:numRef>
+              <c:f>итог!$A$21:$A$26</c:f>
+              <c:numCache>
+                <c:formatCode>General</c:formatCode>
+                <c:ptCount val="6"/>
+                <c:pt idx="0">
+                  <c:v>1</c:v>
+                </c:pt>
+                <c:pt idx="1">
+                  <c:v>2</c:v>
+                </c:pt>
+                <c:pt idx="2">
+                  <c:v>3</c:v>
+                </c:pt>
+                <c:pt idx="3">
+                  <c:v>4</c:v>
+                </c:pt>
+                <c:pt idx="4">
+                  <c:v>5</c:v>
+                </c:pt>
+                <c:pt idx="5">
+                  <c:v>6</c:v>
+                </c:pt>
+              </c:numCache>
+            </c:numRef>
+          </c:cat>
+          <c:val>
+            <c:numRef>
+              <c:f>итог!$O$2:$O$7</c:f>
+              <c:numCache>
+                <c:formatCode>General</c:formatCode>
+                <c:ptCount val="6"/>
+                <c:pt idx="0">
+                  <c:v>1.0307260817899748</c:v>
+                </c:pt>
+                <c:pt idx="1">
+                  <c:v>3.5716539192040848</c:v>
+                </c:pt>
+                <c:pt idx="2">
+                  <c:v>2.5791832386128757</c:v>
+                </c:pt>
+                <c:pt idx="3">
+                  <c:v>2.1709533574190987</c:v>
+                </c:pt>
+                <c:pt idx="4">
+                  <c:v>1.8268238527845828</c:v>
+                </c:pt>
+                <c:pt idx="5">
+                  <c:v>1.5992118383608729</c:v>
+                </c:pt>
+              </c:numCache>
+            </c:numRef>
+          </c:val>
+          <c:smooth val="0"/>
+        </c:ser>
+        <c:dLbls>
+          <c:showLegendKey val="0"/>
+          <c:showVal val="0"/>
+          <c:showCatName val="0"/>
+          <c:showSerName val="0"/>
+          <c:showPercent val="0"/>
+          <c:showBubbleSize val="0"/>
+        </c:dLbls>
+        <c:marker val="1"/>
+        <c:smooth val="0"/>
+        <c:axId val="372432776"/>
+        <c:axId val="372429248"/>
+      </c:lineChart>
+      <c:catAx>
+        <c:axId val="372432776"/>
+        <c:scaling>
+          <c:orientation val="minMax"/>
+        </c:scaling>
+        <c:delete val="0"/>
+        <c:axPos val="b"/>
+        <c:majorGridlines>
+          <c:spPr>
+            <a:ln w="6350">
+              <a:solidFill>
+                <a:schemeClr val="tx1"/>
+              </a:solidFill>
+              <a:prstDash val="lgDash"/>
+            </a:ln>
+          </c:spPr>
+        </c:majorGridlines>
+        <c:title>
+          <c:tx>
+            <c:rich>
+              <a:bodyPr rot="0" anchor="ctr" anchorCtr="0"/>
+              <a:lstStyle/>
+              <a:p>
+                <a:pPr>
+                  <a:defRPr sz="1200">
+                    <a:latin typeface="Times New Roman" panose="02020603050405020304" pitchFamily="18" charset="0"/>
+                    <a:cs typeface="Times New Roman" panose="02020603050405020304" pitchFamily="18" charset="0"/>
+                  </a:defRPr>
+                </a:pPr>
+                <a:r>
+                  <a:rPr lang="en-US" sz="1200" b="0" i="1" dirty="0" smtClean="0">
+                    <a:latin typeface="Times New Roman" panose="02020603050405020304" pitchFamily="18" charset="0"/>
+                    <a:cs typeface="Times New Roman" panose="02020603050405020304" pitchFamily="18" charset="0"/>
+                  </a:rPr>
+                  <a:t>N</a:t>
+                </a:r>
+                <a:endParaRPr lang="ru-RU" sz="1200" b="0" i="1" dirty="0">
+                  <a:latin typeface="Times New Roman" panose="02020603050405020304" pitchFamily="18" charset="0"/>
+                  <a:cs typeface="Times New Roman" panose="02020603050405020304" pitchFamily="18" charset="0"/>
+                </a:endParaRPr>
+              </a:p>
+            </c:rich>
+          </c:tx>
+          <c:layout>
+            <c:manualLayout>
+              <c:xMode val="edge"/>
+              <c:yMode val="edge"/>
+              <c:x val="0.93440944881889765"/>
+              <c:y val="0.8282773059778793"/>
+            </c:manualLayout>
+          </c:layout>
+          <c:overlay val="0"/>
+        </c:title>
+        <c:numFmt formatCode="General" sourceLinked="1"/>
+        <c:majorTickMark val="none"/>
+        <c:minorTickMark val="none"/>
+        <c:tickLblPos val="nextTo"/>
+        <c:spPr>
+          <a:ln w="44450">
+            <a:solidFill>
+              <a:schemeClr val="tx1"/>
+            </a:solidFill>
+          </a:ln>
+        </c:spPr>
+        <c:txPr>
+          <a:bodyPr/>
+          <a:lstStyle/>
+          <a:p>
+            <a:pPr>
+              <a:defRPr sz="1200">
+                <a:latin typeface="Times New Roman" panose="02020603050405020304" pitchFamily="18" charset="0"/>
+                <a:cs typeface="Times New Roman" panose="02020603050405020304" pitchFamily="18" charset="0"/>
+              </a:defRPr>
+            </a:pPr>
+            <a:endParaRPr lang="en-US"/>
+          </a:p>
+        </c:txPr>
+        <c:crossAx val="372429248"/>
+        <c:crosses val="autoZero"/>
+        <c:auto val="1"/>
+        <c:lblAlgn val="ctr"/>
+        <c:lblOffset val="100"/>
+        <c:noMultiLvlLbl val="0"/>
+      </c:catAx>
+      <c:valAx>
+        <c:axId val="372429248"/>
+        <c:scaling>
+          <c:orientation val="minMax"/>
+        </c:scaling>
+        <c:delete val="0"/>
+        <c:axPos val="l"/>
+        <c:majorGridlines>
+          <c:spPr>
+            <a:ln w="12700">
+              <a:solidFill>
+                <a:schemeClr val="tx1"/>
+              </a:solidFill>
+              <a:prstDash val="lgDash"/>
+            </a:ln>
+          </c:spPr>
+        </c:majorGridlines>
+        <c:title>
+          <c:tx>
+            <c:rich>
+              <a:bodyPr rot="0" vert="horz"/>
+              <a:lstStyle/>
+              <a:p>
+                <a:pPr>
+                  <a:defRPr sz="1200" b="0" i="1">
+                    <a:latin typeface="Times New Roman" panose="02020603050405020304" pitchFamily="18" charset="0"/>
+                    <a:cs typeface="Times New Roman" panose="02020603050405020304" pitchFamily="18" charset="0"/>
+                  </a:defRPr>
+                </a:pPr>
+                <a:r>
+                  <a:rPr lang="en-US" sz="1200" b="0" i="1">
+                    <a:latin typeface="Times New Roman" panose="02020603050405020304" pitchFamily="18" charset="0"/>
+                    <a:cs typeface="Times New Roman" panose="02020603050405020304" pitchFamily="18" charset="0"/>
+                  </a:rPr>
+                  <a:t>S</a:t>
+                </a:r>
+                <a:endParaRPr lang="ru-RU" sz="1200" b="0" i="1">
+                  <a:latin typeface="Times New Roman" panose="02020603050405020304" pitchFamily="18" charset="0"/>
+                  <a:cs typeface="Times New Roman" panose="02020603050405020304" pitchFamily="18" charset="0"/>
+                </a:endParaRPr>
+              </a:p>
+            </c:rich>
+          </c:tx>
+          <c:layout>
+            <c:manualLayout>
+              <c:xMode val="edge"/>
+              <c:yMode val="edge"/>
+              <c:x val="6.6257801108194805E-2"/>
+              <c:y val="3.064257214722883E-2"/>
+            </c:manualLayout>
+          </c:layout>
+          <c:overlay val="0"/>
+        </c:title>
+        <c:numFmt formatCode="General" sourceLinked="1"/>
+        <c:majorTickMark val="out"/>
+        <c:minorTickMark val="none"/>
+        <c:tickLblPos val="nextTo"/>
+        <c:spPr>
+          <a:ln w="44450">
+            <a:solidFill>
+              <a:schemeClr val="tx1"/>
+            </a:solidFill>
+          </a:ln>
+        </c:spPr>
+        <c:txPr>
+          <a:bodyPr/>
+          <a:lstStyle/>
+          <a:p>
+            <a:pPr>
+              <a:defRPr sz="1200">
+                <a:latin typeface="Times New Roman" panose="02020603050405020304" pitchFamily="18" charset="0"/>
+                <a:cs typeface="Times New Roman" panose="02020603050405020304" pitchFamily="18" charset="0"/>
+              </a:defRPr>
+            </a:pPr>
+            <a:endParaRPr lang="en-US"/>
+          </a:p>
+        </c:txPr>
+        <c:crossAx val="372432776"/>
+        <c:crosses val="autoZero"/>
+        <c:crossBetween val="midCat"/>
+      </c:valAx>
+    </c:plotArea>
+    <c:plotVisOnly val="1"/>
+    <c:dispBlanksAs val="gap"/>
+    <c:showDLblsOverMax val="0"/>
+  </c:chart>
+  <c:spPr>
+    <a:ln>
+      <a:noFill/>
+    </a:ln>
+  </c:spPr>
+  <c:externalData r:id="rId1">
+    <c:autoUpdate val="0"/>
+  </c:externalData>
+  <c:userShapes r:id="rId2"/>
+</c:chartSpace>
+</file>
+
+<file path=ppt/charts/colors1.xml><?xml version="1.0" encoding="utf-8"?>
+<cs:colorStyle xmlns:cs="http://schemas.microsoft.com/office/drawing/2012/chartStyle" xmlns:a="http://schemas.openxmlformats.org/drawingml/2006/main" meth="cycle" id="12">
+  <a:schemeClr val="accent2"/>
+  <a:schemeClr val="accent4"/>
+  <a:schemeClr val="accent6"/>
+  <cs:variation/>
+  <cs:variation>
+    <a:lumMod val="60000"/>
+  </cs:variation>
+  <cs:variation>
+    <a:lumMod val="80000"/>
+    <a:lumOff val="20000"/>
+  </cs:variation>
+  <cs:variation>
+    <a:lumMod val="80000"/>
+  </cs:variation>
+  <cs:variation>
+    <a:lumMod val="60000"/>
+    <a:lumOff val="40000"/>
+  </cs:variation>
+  <cs:variation>
+    <a:lumMod val="50000"/>
+  </cs:variation>
+  <cs:variation>
+    <a:lumMod val="70000"/>
+    <a:lumOff val="30000"/>
+  </cs:variation>
+  <cs:variation>
+    <a:lumMod val="70000"/>
+  </cs:variation>
+  <cs:variation>
+    <a:lumMod val="50000"/>
+    <a:lumOff val="50000"/>
+  </cs:variation>
+</cs:colorStyle>
+</file>
+
+<file path=ppt/charts/colors2.xml><?xml version="1.0" encoding="utf-8"?>
+<cs:colorStyle xmlns:cs="http://schemas.microsoft.com/office/drawing/2012/chartStyle" xmlns:a="http://schemas.openxmlformats.org/drawingml/2006/main" meth="cycle" id="12">
+  <a:schemeClr val="accent2"/>
+  <a:schemeClr val="accent4"/>
+  <a:schemeClr val="accent6"/>
+  <cs:variation/>
+  <cs:variation>
+    <a:lumMod val="60000"/>
+  </cs:variation>
+  <cs:variation>
+    <a:lumMod val="80000"/>
+    <a:lumOff val="20000"/>
+  </cs:variation>
+  <cs:variation>
+    <a:lumMod val="80000"/>
+  </cs:variation>
+  <cs:variation>
+    <a:lumMod val="60000"/>
+    <a:lumOff val="40000"/>
+  </cs:variation>
+  <cs:variation>
+    <a:lumMod val="50000"/>
+  </cs:variation>
+  <cs:variation>
+    <a:lumMod val="70000"/>
+    <a:lumOff val="30000"/>
+  </cs:variation>
+  <cs:variation>
+    <a:lumMod val="70000"/>
+  </cs:variation>
+  <cs:variation>
+    <a:lumMod val="50000"/>
+    <a:lumOff val="50000"/>
+  </cs:variation>
+</cs:colorStyle>
+</file>
+
+<file path=ppt/charts/style1.xml><?xml version="1.0" encoding="utf-8"?>
+<cs:chartStyle xmlns:cs="http://schemas.microsoft.com/office/drawing/2012/chartStyle" xmlns:a="http://schemas.openxmlformats.org/drawingml/2006/main" id="102">
+  <cs:axisTitle>
+    <cs:lnRef idx="0"/>
+    <cs:fillRef idx="0"/>
+    <cs:effectRef idx="0"/>
+    <cs:fontRef idx="minor">
+      <a:schemeClr val="tx1"/>
+    </cs:fontRef>
+    <cs:defRPr sz="1000" b="1" kern="1200"/>
+  </cs:axisTitle>
+  <cs:categoryAxis>
+    <cs:lnRef idx="1">
+      <a:schemeClr val="tx1">
+        <a:tint val="75000"/>
+      </a:schemeClr>
+    </cs:lnRef>
+    <cs:fillRef idx="0"/>
+    <cs:effectRef idx="0"/>
+    <cs:fontRef idx="minor">
+      <a:schemeClr val="tx1"/>
+    </cs:fontRef>
+    <cs:spPr>
+      <a:ln>
+        <a:round/>
+      </a:ln>
+    </cs:spPr>
+    <cs:defRPr sz="1000" kern="1200"/>
+  </cs:categoryAxis>
+  <cs:chartArea mods="allowNoFillOverride allowNoLineOverride">
+    <cs:lnRef idx="1">
+      <a:schemeClr val="tx1">
+        <a:tint val="75000"/>
+      </a:schemeClr>
+    </cs:lnRef>
+    <cs:fillRef idx="1">
+      <a:schemeClr val="bg1"/>
+    </cs:fillRef>
+    <cs:effectRef idx="0"/>
+    <cs:fontRef idx="minor">
+      <a:schemeClr val="tx1"/>
+    </cs:fontRef>
+    <cs:spPr>
+      <a:ln>
+        <a:round/>
+      </a:ln>
+    </cs:spPr>
+    <cs:defRPr sz="1000" kern="1200"/>
+  </cs:chartArea>
+  <cs:dataLabel>
+    <cs:lnRef idx="0"/>
+    <cs:fillRef idx="0"/>
+    <cs:effectRef idx="0"/>
+    <cs:fontRef idx="minor">
+      <a:schemeClr val="tx1"/>
+    </cs:fontRef>
+    <cs:defRPr sz="1000" kern="1200"/>
+  </cs:dataLabel>
+  <cs:dataLabelCallout>
+    <cs:lnRef idx="0"/>
+    <cs:fillRef idx="0"/>
+    <cs:effectRef idx="0"/>
+    <cs:fontRef idx="minor">
+      <a:schemeClr val="dk1"/>
+    </cs:fontRef>
+    <cs:spPr>
+      <a:solidFill>
+        <a:schemeClr val="lt1"/>
+      </a:solidFill>
+      <a:ln>
+        <a:solidFill>
+          <a:schemeClr val="dk1">
+            <a:lumMod val="65000"/>
+            <a:lumOff val="35000"/>
+          </a:schemeClr>
+        </a:solidFill>
+      </a:ln>
+    </cs:spPr>
+    <cs:defRPr sz="1000" kern="1200"/>
+  </cs:dataLabelCallout>
+  <cs:dataPoint>
+    <cs:lnRef idx="0"/>
+    <cs:fillRef idx="1">
+      <cs:styleClr val="auto"/>
+    </cs:fillRef>
+    <cs:effectRef idx="0"/>
+    <cs:fontRef idx="minor">
+      <a:schemeClr val="tx1"/>
+    </cs:fontRef>
+  </cs:dataPoint>
+  <cs:dataPoint3D>
+    <cs:lnRef idx="0"/>
+    <cs:fillRef idx="1">
+      <cs:styleClr val="auto"/>
+    </cs:fillRef>
+    <cs:effectRef idx="0"/>
+    <cs:fontRef idx="minor">
+      <a:schemeClr val="tx1"/>
+    </cs:fontRef>
+  </cs:dataPoint3D>
+  <cs:dataPointLine>
+    <cs:lnRef idx="1">
+      <cs:styleClr val="auto"/>
+    </cs:lnRef>
+    <cs:lineWidthScale>3</cs:lineWidthScale>
+    <cs:fillRef idx="0"/>
+    <cs:effectRef idx="0"/>
+    <cs:fontRef idx="minor">
+      <a:schemeClr val="tx1"/>
+    </cs:fontRef>
+    <cs:spPr>
+      <a:ln cap="rnd">
+        <a:round/>
+      </a:ln>
+    </cs:spPr>
+  </cs:dataPointLine>
+  <cs:dataPointMarker>
+    <cs:lnRef idx="1">
+      <cs:styleClr val="auto"/>
+    </cs:lnRef>
+    <cs:fillRef idx="1">
+      <cs:styleClr val="auto"/>
+    </cs:fillRef>
+    <cs:effectRef idx="0"/>
+    <cs:fontRef idx="minor">
+      <a:schemeClr val="tx1"/>
+    </cs:fontRef>
+    <cs:spPr>
+      <a:ln>
+        <a:round/>
+      </a:ln>
+    </cs:spPr>
+  </cs:dataPointMarker>
+  <cs:dataPointMarkerLayout/>
+  <cs:dataPointWireframe>
+    <cs:lnRef idx="1">
+      <cs:styleClr val="auto"/>
+    </cs:lnRef>
+    <cs:fillRef idx="0"/>
+    <cs:effectRef idx="0"/>
+    <cs:fontRef idx="minor">
+      <a:schemeClr val="tx1"/>
+    </cs:fontRef>
+    <cs:spPr>
+      <a:ln>
+        <a:round/>
+      </a:ln>
+    </cs:spPr>
+  </cs:dataPointWireframe>
+  <cs:dataTable>
+    <cs:lnRef idx="1">
+      <a:schemeClr val="tx1">
+        <a:tint val="75000"/>
+      </a:schemeClr>
+    </cs:lnRef>
+    <cs:fillRef idx="0"/>
+    <cs:effectRef idx="0"/>
+    <cs:fontRef idx="minor">
+      <a:schemeClr val="tx1"/>
+    </cs:fontRef>
+    <cs:spPr>
+      <a:ln>
+        <a:round/>
+      </a:ln>
+    </cs:spPr>
+    <cs:defRPr sz="1000" kern="1200"/>
+  </cs:dataTable>
+  <cs:downBar>
+    <cs:lnRef idx="1">
+      <a:schemeClr val="tx1"/>
+    </cs:lnRef>
+    <cs:fillRef idx="1">
+      <a:schemeClr val="dk1">
+        <a:tint val="95000"/>
+      </a:schemeClr>
+    </cs:fillRef>
+    <cs:effectRef idx="0"/>
+    <cs:fontRef idx="minor">
+      <a:schemeClr val="tx1"/>
+    </cs:fontRef>
+    <cs:spPr>
+      <a:ln>
+        <a:round/>
+      </a:ln>
+    </cs:spPr>
+  </cs:downBar>
+  <cs:dropLine>
+    <cs:lnRef idx="1">
+      <a:schemeClr val="tx1"/>
+    </cs:lnRef>
+    <cs:fillRef idx="0"/>
+    <cs:effectRef idx="0"/>
+    <cs:fontRef idx="minor">
+      <a:schemeClr val="tx1"/>
+    </cs:fontRef>
+    <cs:spPr>
+      <a:ln>
+        <a:round/>
+      </a:ln>
+    </cs:spPr>
+  </cs:dropLine>
+  <cs:errorBar>
+    <cs:lnRef idx="1">
+      <a:schemeClr val="tx1"/>
+    </cs:lnRef>
+    <cs:fillRef idx="1">
+      <a:schemeClr val="tx1"/>
+    </cs:fillRef>
+    <cs:effectRef idx="0"/>
+    <cs:fontRef idx="minor">
+      <a:schemeClr val="tx1"/>
+    </cs:fontRef>
+    <cs:spPr>
+      <a:ln>
+        <a:round/>
+      </a:ln>
+    </cs:spPr>
+  </cs:errorBar>
+  <cs:floor>
+    <cs:lnRef idx="1">
+      <a:schemeClr val="tx1">
+        <a:tint val="75000"/>
+      </a:schemeClr>
+    </cs:lnRef>
+    <cs:fillRef idx="0"/>
+    <cs:effectRef idx="0"/>
+    <cs:fontRef idx="minor">
+      <a:schemeClr val="tx1"/>
+    </cs:fontRef>
+    <cs:spPr>
+      <a:ln>
+        <a:round/>
+      </a:ln>
+    </cs:spPr>
+  </cs:floor>
+  <cs:gridlineMajor>
+    <cs:lnRef idx="1">
+      <a:schemeClr val="tx1">
+        <a:tint val="75000"/>
+      </a:schemeClr>
+    </cs:lnRef>
+    <cs:fillRef idx="0"/>
+    <cs:effectRef idx="0"/>
+    <cs:fontRef idx="minor">
+      <a:schemeClr val="tx1"/>
+    </cs:fontRef>
+    <cs:spPr>
+      <a:ln>
+        <a:round/>
+      </a:ln>
+    </cs:spPr>
+  </cs:gridlineMajor>
+  <cs:gridlineMinor>
+    <cs:lnRef idx="1">
+      <a:schemeClr val="tx1">
+        <a:tint val="50000"/>
+      </a:schemeClr>
+    </cs:lnRef>
+    <cs:fillRef idx="0"/>
+    <cs:effectRef idx="0"/>
+    <cs:fontRef idx="minor">
+      <a:schemeClr val="tx1"/>
+    </cs:fontRef>
+    <cs:spPr>
+      <a:ln>
+        <a:round/>
+      </a:ln>
+    </cs:spPr>
+  </cs:gridlineMinor>
+  <cs:hiLoLine>
+    <cs:lnRef idx="1">
+      <a:schemeClr val="tx1"/>
+    </cs:lnRef>
+    <cs:fillRef idx="0"/>
+    <cs:effectRef idx="0"/>
+    <cs:fontRef idx="minor">
+      <a:schemeClr val="tx1"/>
+    </cs:fontRef>
+    <cs:spPr>
+      <a:ln>
+        <a:round/>
+      </a:ln>
+    </cs:spPr>
+  </cs:hiLoLine>
+  <cs:leaderLine>
+    <cs:lnRef idx="1">
+      <a:schemeClr val="tx1"/>
+    </cs:lnRef>
+    <cs:fillRef idx="0"/>
+    <cs:effectRef idx="0"/>
+    <cs:fontRef idx="minor">
+      <a:schemeClr val="tx1"/>
+    </cs:fontRef>
+    <cs:spPr>
+      <a:ln>
+        <a:round/>
+      </a:ln>
+    </cs:spPr>
+  </cs:leaderLine>
+  <cs:legend>
+    <cs:lnRef idx="0"/>
+    <cs:fillRef idx="0"/>
+    <cs:effectRef idx="0"/>
+    <cs:fontRef idx="minor">
+      <a:schemeClr val="tx1"/>
+    </cs:fontRef>
+    <cs:defRPr sz="1000" kern="1200"/>
+  </cs:legend>
+  <cs:plotArea mods="allowNoFillOverride allowNoLineOverride">
+    <cs:lnRef idx="0"/>
+    <cs:fillRef idx="1">
+      <a:schemeClr val="bg1"/>
+    </cs:fillRef>
+    <cs:effectRef idx="0"/>
+    <cs:fontRef idx="minor">
+      <a:schemeClr val="tx1"/>
+    </cs:fontRef>
+  </cs:plotArea>
+  <cs:plotArea3D>
+    <cs:lnRef idx="0"/>
+    <cs:fillRef idx="0"/>
+    <cs:effectRef idx="0"/>
+    <cs:fontRef idx="minor">
+      <a:schemeClr val="tx1"/>
+    </cs:fontRef>
+  </cs:plotArea3D>
+  <cs:seriesAxis>
+    <cs:lnRef idx="1">
+      <a:schemeClr val="tx1">
+        <a:tint val="75000"/>
+      </a:schemeClr>
+    </cs:lnRef>
+    <cs:fillRef idx="0"/>
+    <cs:effectRef idx="0"/>
+    <cs:fontRef idx="minor">
+      <a:schemeClr val="tx1"/>
+    </cs:fontRef>
+    <cs:spPr>
+      <a:ln>
+        <a:round/>
+      </a:ln>
+    </cs:spPr>
+    <cs:defRPr sz="1000" kern="1200"/>
+  </cs:seriesAxis>
+  <cs:seriesLine>
+    <cs:lnRef idx="1">
+      <a:schemeClr val="tx1"/>
+    </cs:lnRef>
+    <cs:fillRef idx="0"/>
+    <cs:effectRef idx="0"/>
+    <cs:fontRef idx="minor">
+      <a:schemeClr val="tx1"/>
+    </cs:fontRef>
+    <cs:spPr>
+      <a:ln>
+        <a:round/>
+      </a:ln>
+    </cs:spPr>
+  </cs:seriesLine>
+  <cs:title>
+    <cs:lnRef idx="0"/>
+    <cs:fillRef idx="0"/>
+    <cs:effectRef idx="0"/>
+    <cs:fontRef idx="minor">
+      <a:schemeClr val="tx1"/>
+    </cs:fontRef>
+    <cs:defRPr sz="1800" b="1" kern="1200"/>
+  </cs:title>
+  <cs:trendline>
+    <cs:lnRef idx="1">
+      <a:schemeClr val="tx1"/>
+    </cs:lnRef>
+    <cs:fillRef idx="0"/>
+    <cs:effectRef idx="0"/>
+    <cs:fontRef idx="minor">
+      <a:schemeClr val="tx1"/>
+    </cs:fontRef>
+    <cs:spPr>
+      <a:ln cap="rnd">
+        <a:round/>
+      </a:ln>
+    </cs:spPr>
+  </cs:trendline>
+  <cs:trendlineLabel>
+    <cs:lnRef idx="0"/>
+    <cs:fillRef idx="0"/>
+    <cs:effectRef idx="0"/>
+    <cs:fontRef idx="minor">
+      <a:schemeClr val="tx1"/>
+    </cs:fontRef>
+    <cs:defRPr sz="1000" kern="1200"/>
+  </cs:trendlineLabel>
+  <cs:upBar>
+    <cs:lnRef idx="1">
+      <a:schemeClr val="tx1"/>
+    </cs:lnRef>
+    <cs:fillRef idx="1">
+      <a:schemeClr val="dk1">
+        <a:tint val="5000"/>
+      </a:schemeClr>
+    </cs:fillRef>
+    <cs:effectRef idx="0"/>
+    <cs:fontRef idx="minor">
+      <a:schemeClr val="tx1"/>
+    </cs:fontRef>
+    <cs:spPr>
+      <a:ln>
+        <a:round/>
+      </a:ln>
+    </cs:spPr>
+  </cs:upBar>
+  <cs:valueAxis>
+    <cs:lnRef idx="1">
+      <a:schemeClr val="tx1">
+        <a:tint val="75000"/>
+      </a:schemeClr>
+    </cs:lnRef>
+    <cs:fillRef idx="0"/>
+    <cs:effectRef idx="0"/>
+    <cs:fontRef idx="minor">
+      <a:schemeClr val="tx1"/>
+    </cs:fontRef>
+    <cs:spPr>
+      <a:ln>
+        <a:round/>
+      </a:ln>
+    </cs:spPr>
+    <cs:defRPr sz="1000" kern="1200"/>
+  </cs:valueAxis>
+  <cs:wall>
+    <cs:lnRef idx="0"/>
+    <cs:fillRef idx="0"/>
+    <cs:effectRef idx="0"/>
+    <cs:fontRef idx="minor">
+      <a:schemeClr val="tx1"/>
+    </cs:fontRef>
+  </cs:wall>
+</cs:chartStyle>
+</file>
+
+<file path=ppt/charts/style2.xml><?xml version="1.0" encoding="utf-8"?>
+<cs:chartStyle xmlns:cs="http://schemas.microsoft.com/office/drawing/2012/chartStyle" xmlns:a="http://schemas.openxmlformats.org/drawingml/2006/main" id="102">
+  <cs:axisTitle>
+    <cs:lnRef idx="0"/>
+    <cs:fillRef idx="0"/>
+    <cs:effectRef idx="0"/>
+    <cs:fontRef idx="minor">
+      <a:schemeClr val="tx1"/>
+    </cs:fontRef>
+    <cs:defRPr sz="1000" b="1" kern="1200"/>
+  </cs:axisTitle>
+  <cs:categoryAxis>
+    <cs:lnRef idx="1">
+      <a:schemeClr val="tx1">
+        <a:tint val="75000"/>
+      </a:schemeClr>
+    </cs:lnRef>
+    <cs:fillRef idx="0"/>
+    <cs:effectRef idx="0"/>
+    <cs:fontRef idx="minor">
+      <a:schemeClr val="tx1"/>
+    </cs:fontRef>
+    <cs:spPr>
+      <a:ln>
+        <a:round/>
+      </a:ln>
+    </cs:spPr>
+    <cs:defRPr sz="1000" kern="1200"/>
+  </cs:categoryAxis>
+  <cs:chartArea mods="allowNoFillOverride allowNoLineOverride">
+    <cs:lnRef idx="1">
+      <a:schemeClr val="tx1">
+        <a:tint val="75000"/>
+      </a:schemeClr>
+    </cs:lnRef>
+    <cs:fillRef idx="1">
+      <a:schemeClr val="bg1"/>
+    </cs:fillRef>
+    <cs:effectRef idx="0"/>
+    <cs:fontRef idx="minor">
+      <a:schemeClr val="tx1"/>
+    </cs:fontRef>
+    <cs:spPr>
+      <a:ln>
+        <a:round/>
+      </a:ln>
+    </cs:spPr>
+    <cs:defRPr sz="1000" kern="1200"/>
+  </cs:chartArea>
+  <cs:dataLabel>
+    <cs:lnRef idx="0"/>
+    <cs:fillRef idx="0"/>
+    <cs:effectRef idx="0"/>
+    <cs:fontRef idx="minor">
+      <a:schemeClr val="tx1"/>
+    </cs:fontRef>
+    <cs:defRPr sz="1000" kern="1200"/>
+  </cs:dataLabel>
+  <cs:dataLabelCallout>
+    <cs:lnRef idx="0"/>
+    <cs:fillRef idx="0"/>
+    <cs:effectRef idx="0"/>
+    <cs:fontRef idx="minor">
+      <a:schemeClr val="dk1"/>
+    </cs:fontRef>
+    <cs:spPr>
+      <a:solidFill>
+        <a:schemeClr val="lt1"/>
+      </a:solidFill>
+      <a:ln>
+        <a:solidFill>
+          <a:schemeClr val="dk1">
+            <a:lumMod val="65000"/>
+            <a:lumOff val="35000"/>
+          </a:schemeClr>
+        </a:solidFill>
+      </a:ln>
+    </cs:spPr>
+    <cs:defRPr sz="1000" kern="1200"/>
+  </cs:dataLabelCallout>
+  <cs:dataPoint>
+    <cs:lnRef idx="0"/>
+    <cs:fillRef idx="1">
+      <cs:styleClr val="auto"/>
+    </cs:fillRef>
+    <cs:effectRef idx="0"/>
+    <cs:fontRef idx="minor">
+      <a:schemeClr val="tx1"/>
+    </cs:fontRef>
+  </cs:dataPoint>
+  <cs:dataPoint3D>
+    <cs:lnRef idx="0"/>
+    <cs:fillRef idx="1">
+      <cs:styleClr val="auto"/>
+    </cs:fillRef>
+    <cs:effectRef idx="0"/>
+    <cs:fontRef idx="minor">
+      <a:schemeClr val="tx1"/>
+    </cs:fontRef>
+  </cs:dataPoint3D>
+  <cs:dataPointLine>
+    <cs:lnRef idx="1">
+      <cs:styleClr val="auto"/>
+    </cs:lnRef>
+    <cs:lineWidthScale>3</cs:lineWidthScale>
+    <cs:fillRef idx="0"/>
+    <cs:effectRef idx="0"/>
+    <cs:fontRef idx="minor">
+      <a:schemeClr val="tx1"/>
+    </cs:fontRef>
+    <cs:spPr>
+      <a:ln cap="rnd">
+        <a:round/>
+      </a:ln>
+    </cs:spPr>
+  </cs:dataPointLine>
+  <cs:dataPointMarker>
+    <cs:lnRef idx="1">
+      <cs:styleClr val="auto"/>
+    </cs:lnRef>
+    <cs:fillRef idx="1">
+      <cs:styleClr val="auto"/>
+    </cs:fillRef>
+    <cs:effectRef idx="0"/>
+    <cs:fontRef idx="minor">
+      <a:schemeClr val="tx1"/>
+    </cs:fontRef>
+    <cs:spPr>
+      <a:ln>
+        <a:round/>
+      </a:ln>
+    </cs:spPr>
+  </cs:dataPointMarker>
+  <cs:dataPointMarkerLayout/>
+  <cs:dataPointWireframe>
+    <cs:lnRef idx="1">
+      <cs:styleClr val="auto"/>
+    </cs:lnRef>
+    <cs:fillRef idx="0"/>
+    <cs:effectRef idx="0"/>
+    <cs:fontRef idx="minor">
+      <a:schemeClr val="tx1"/>
+    </cs:fontRef>
+    <cs:spPr>
+      <a:ln>
+        <a:round/>
+      </a:ln>
+    </cs:spPr>
+  </cs:dataPointWireframe>
+  <cs:dataTable>
+    <cs:lnRef idx="1">
+      <a:schemeClr val="tx1">
+        <a:tint val="75000"/>
+      </a:schemeClr>
+    </cs:lnRef>
+    <cs:fillRef idx="0"/>
+    <cs:effectRef idx="0"/>
+    <cs:fontRef idx="minor">
+      <a:schemeClr val="tx1"/>
+    </cs:fontRef>
+    <cs:spPr>
+      <a:ln>
+        <a:round/>
+      </a:ln>
+    </cs:spPr>
+    <cs:defRPr sz="1000" kern="1200"/>
+  </cs:dataTable>
+  <cs:downBar>
+    <cs:lnRef idx="1">
+      <a:schemeClr val="tx1"/>
+    </cs:lnRef>
+    <cs:fillRef idx="1">
+      <a:schemeClr val="dk1">
+        <a:tint val="95000"/>
+      </a:schemeClr>
+    </cs:fillRef>
+    <cs:effectRef idx="0"/>
+    <cs:fontRef idx="minor">
+      <a:schemeClr val="tx1"/>
+    </cs:fontRef>
+    <cs:spPr>
+      <a:ln>
+        <a:round/>
+      </a:ln>
+    </cs:spPr>
+  </cs:downBar>
+  <cs:dropLine>
+    <cs:lnRef idx="1">
+      <a:schemeClr val="tx1"/>
+    </cs:lnRef>
+    <cs:fillRef idx="0"/>
+    <cs:effectRef idx="0"/>
+    <cs:fontRef idx="minor">
+      <a:schemeClr val="tx1"/>
+    </cs:fontRef>
+    <cs:spPr>
+      <a:ln>
+        <a:round/>
+      </a:ln>
+    </cs:spPr>
+  </cs:dropLine>
+  <cs:errorBar>
+    <cs:lnRef idx="1">
+      <a:schemeClr val="tx1"/>
+    </cs:lnRef>
+    <cs:fillRef idx="1">
+      <a:schemeClr val="tx1"/>
+    </cs:fillRef>
+    <cs:effectRef idx="0"/>
+    <cs:fontRef idx="minor">
+      <a:schemeClr val="tx1"/>
+    </cs:fontRef>
+    <cs:spPr>
+      <a:ln>
+        <a:round/>
+      </a:ln>
+    </cs:spPr>
+  </cs:errorBar>
+  <cs:floor>
+    <cs:lnRef idx="1">
+      <a:schemeClr val="tx1">
+        <a:tint val="75000"/>
+      </a:schemeClr>
+    </cs:lnRef>
+    <cs:fillRef idx="0"/>
+    <cs:effectRef idx="0"/>
+    <cs:fontRef idx="minor">
+      <a:schemeClr val="tx1"/>
+    </cs:fontRef>
+    <cs:spPr>
+      <a:ln>
+        <a:round/>
+      </a:ln>
+    </cs:spPr>
+  </cs:floor>
+  <cs:gridlineMajor>
+    <cs:lnRef idx="1">
+      <a:schemeClr val="tx1">
+        <a:tint val="75000"/>
+      </a:schemeClr>
+    </cs:lnRef>
+    <cs:fillRef idx="0"/>
+    <cs:effectRef idx="0"/>
+    <cs:fontRef idx="minor">
+      <a:schemeClr val="tx1"/>
+    </cs:fontRef>
+    <cs:spPr>
+      <a:ln>
+        <a:round/>
+      </a:ln>
+    </cs:spPr>
+  </cs:gridlineMajor>
+  <cs:gridlineMinor>
+    <cs:lnRef idx="1">
+      <a:schemeClr val="tx1">
+        <a:tint val="50000"/>
+      </a:schemeClr>
+    </cs:lnRef>
+    <cs:fillRef idx="0"/>
+    <cs:effectRef idx="0"/>
+    <cs:fontRef idx="minor">
+      <a:schemeClr val="tx1"/>
+    </cs:fontRef>
+    <cs:spPr>
+      <a:ln>
+        <a:round/>
+      </a:ln>
+    </cs:spPr>
+  </cs:gridlineMinor>
+  <cs:hiLoLine>
+    <cs:lnRef idx="1">
+      <a:schemeClr val="tx1"/>
+    </cs:lnRef>
+    <cs:fillRef idx="0"/>
+    <cs:effectRef idx="0"/>
+    <cs:fontRef idx="minor">
+      <a:schemeClr val="tx1"/>
+    </cs:fontRef>
+    <cs:spPr>
+      <a:ln>
+        <a:round/>
+      </a:ln>
+    </cs:spPr>
+  </cs:hiLoLine>
+  <cs:leaderLine>
+    <cs:lnRef idx="1">
+      <a:schemeClr val="tx1"/>
+    </cs:lnRef>
+    <cs:fillRef idx="0"/>
+    <cs:effectRef idx="0"/>
+    <cs:fontRef idx="minor">
+      <a:schemeClr val="tx1"/>
+    </cs:fontRef>
+    <cs:spPr>
+      <a:ln>
+        <a:round/>
+      </a:ln>
+    </cs:spPr>
+  </cs:leaderLine>
+  <cs:legend>
+    <cs:lnRef idx="0"/>
+    <cs:fillRef idx="0"/>
+    <cs:effectRef idx="0"/>
+    <cs:fontRef idx="minor">
+      <a:schemeClr val="tx1"/>
+    </cs:fontRef>
+    <cs:defRPr sz="1000" kern="1200"/>
+  </cs:legend>
+  <cs:plotArea mods="allowNoFillOverride allowNoLineOverride">
+    <cs:lnRef idx="0"/>
+    <cs:fillRef idx="1">
+      <a:schemeClr val="bg1"/>
+    </cs:fillRef>
+    <cs:effectRef idx="0"/>
+    <cs:fontRef idx="minor">
+      <a:schemeClr val="tx1"/>
+    </cs:fontRef>
+  </cs:plotArea>
+  <cs:plotArea3D>
+    <cs:lnRef idx="0"/>
+    <cs:fillRef idx="0"/>
+    <cs:effectRef idx="0"/>
+    <cs:fontRef idx="minor">
+      <a:schemeClr val="tx1"/>
+    </cs:fontRef>
+  </cs:plotArea3D>
+  <cs:seriesAxis>
+    <cs:lnRef idx="1">
+      <a:schemeClr val="tx1">
+        <a:tint val="75000"/>
+      </a:schemeClr>
+    </cs:lnRef>
+    <cs:fillRef idx="0"/>
+    <cs:effectRef idx="0"/>
+    <cs:fontRef idx="minor">
+      <a:schemeClr val="tx1"/>
+    </cs:fontRef>
+    <cs:spPr>
+      <a:ln>
+        <a:round/>
+      </a:ln>
+    </cs:spPr>
+    <cs:defRPr sz="1000" kern="1200"/>
+  </cs:seriesAxis>
+  <cs:seriesLine>
+    <cs:lnRef idx="1">
+      <a:schemeClr val="tx1"/>
+    </cs:lnRef>
+    <cs:fillRef idx="0"/>
+    <cs:effectRef idx="0"/>
+    <cs:fontRef idx="minor">
+      <a:schemeClr val="tx1"/>
+    </cs:fontRef>
+    <cs:spPr>
+      <a:ln>
+        <a:round/>
+      </a:ln>
+    </cs:spPr>
+  </cs:seriesLine>
+  <cs:title>
+    <cs:lnRef idx="0"/>
+    <cs:fillRef idx="0"/>
+    <cs:effectRef idx="0"/>
+    <cs:fontRef idx="minor">
+      <a:schemeClr val="tx1"/>
+    </cs:fontRef>
+    <cs:defRPr sz="1800" b="1" kern="1200"/>
+  </cs:title>
+  <cs:trendline>
+    <cs:lnRef idx="1">
+      <a:schemeClr val="tx1"/>
+    </cs:lnRef>
+    <cs:fillRef idx="0"/>
+    <cs:effectRef idx="0"/>
+    <cs:fontRef idx="minor">
+      <a:schemeClr val="tx1"/>
+    </cs:fontRef>
+    <cs:spPr>
+      <a:ln cap="rnd">
+        <a:round/>
+      </a:ln>
+    </cs:spPr>
+  </cs:trendline>
+  <cs:trendlineLabel>
+    <cs:lnRef idx="0"/>
+    <cs:fillRef idx="0"/>
+    <cs:effectRef idx="0"/>
+    <cs:fontRef idx="minor">
+      <a:schemeClr val="tx1"/>
+    </cs:fontRef>
+    <cs:defRPr sz="1000" kern="1200"/>
+  </cs:trendlineLabel>
+  <cs:upBar>
+    <cs:lnRef idx="1">
+      <a:schemeClr val="tx1"/>
+    </cs:lnRef>
+    <cs:fillRef idx="1">
+      <a:schemeClr val="dk1">
+        <a:tint val="5000"/>
+      </a:schemeClr>
+    </cs:fillRef>
+    <cs:effectRef idx="0"/>
+    <cs:fontRef idx="minor">
+      <a:schemeClr val="tx1"/>
+    </cs:fontRef>
+    <cs:spPr>
+      <a:ln>
+        <a:round/>
+      </a:ln>
+    </cs:spPr>
+  </cs:upBar>
+  <cs:valueAxis>
+    <cs:lnRef idx="1">
+      <a:schemeClr val="tx1">
+        <a:tint val="75000"/>
+      </a:schemeClr>
+    </cs:lnRef>
+    <cs:fillRef idx="0"/>
+    <cs:effectRef idx="0"/>
+    <cs:fontRef idx="minor">
+      <a:schemeClr val="tx1"/>
+    </cs:fontRef>
+    <cs:spPr>
+      <a:ln>
+        <a:round/>
+      </a:ln>
+    </cs:spPr>
+    <cs:defRPr sz="1000" kern="1200"/>
+  </cs:valueAxis>
+  <cs:wall>
+    <cs:lnRef idx="0"/>
+    <cs:fillRef idx="0"/>
+    <cs:effectRef idx="0"/>
+    <cs:fontRef idx="minor">
+      <a:schemeClr val="tx1"/>
+    </cs:fontRef>
+  </cs:wall>
+</cs:chartStyle>
+</file>
+
+<file path=ppt/drawings/drawing1.xml><?xml version="1.0" encoding="utf-8"?>
+<c:userShapes xmlns:c="http://schemas.openxmlformats.org/drawingml/2006/chart">
+  <cdr:relSizeAnchor xmlns:cdr="http://schemas.openxmlformats.org/drawingml/2006/chartDrawing">
+    <cdr:from>
+      <cdr:x>0.91353</cdr:x>
+      <cdr:y>0.20143</cdr:y>
+    </cdr:from>
+    <cdr:to>
+      <cdr:x>0.97464</cdr:x>
+      <cdr:y>0.32166</cdr:y>
+    </cdr:to>
+    <cdr:sp macro="" textlink="">
+      <cdr:nvSpPr>
+        <cdr:cNvPr id="2" name="TextBox 3"/>
+        <cdr:cNvSpPr txBox="1"/>
+      </cdr:nvSpPr>
+      <cdr:spPr>
+        <a:xfrm xmlns:a="http://schemas.openxmlformats.org/drawingml/2006/main">
+          <a:off x="2673048" y="477732"/>
+          <a:ext cx="178828" cy="285164"/>
+        </a:xfrm>
+        <a:prstGeom xmlns:a="http://schemas.openxmlformats.org/drawingml/2006/main" prst="rect">
+          <a:avLst/>
+        </a:prstGeom>
+        <a:noFill xmlns:a="http://schemas.openxmlformats.org/drawingml/2006/main"/>
+      </cdr:spPr>
+      <cdr:style>
+        <a:lnRef xmlns:a="http://schemas.openxmlformats.org/drawingml/2006/main" idx="0">
+          <a:scrgbClr r="0" g="0" b="0"/>
+        </a:lnRef>
+        <a:fillRef xmlns:a="http://schemas.openxmlformats.org/drawingml/2006/main" idx="0">
+          <a:scrgbClr r="0" g="0" b="0"/>
+        </a:fillRef>
+        <a:effectRef xmlns:a="http://schemas.openxmlformats.org/drawingml/2006/main" idx="0">
+          <a:scrgbClr r="0" g="0" b="0"/>
+        </a:effectRef>
+        <a:fontRef xmlns:a="http://schemas.openxmlformats.org/drawingml/2006/main" idx="minor">
+          <a:schemeClr val="tx1"/>
+        </a:fontRef>
+      </cdr:style>
+      <cdr:txBody>
+        <a:bodyPr xmlns:a="http://schemas.openxmlformats.org/drawingml/2006/main" wrap="square" rtlCol="0" anchor="t">
+          <a:spAutoFit/>
+        </a:bodyPr>
+        <a:lstStyle xmlns:a="http://schemas.openxmlformats.org/drawingml/2006/main">
+          <a:lvl1pPr marL="0" indent="0">
+            <a:defRPr sz="1100">
+              <a:solidFill>
+                <a:schemeClr val="tx1"/>
+              </a:solidFill>
+              <a:latin typeface="+mn-lt"/>
+              <a:ea typeface="+mn-ea"/>
+              <a:cs typeface="+mn-cs"/>
+            </a:defRPr>
+          </a:lvl1pPr>
+          <a:lvl2pPr marL="457200" indent="0">
+            <a:defRPr sz="1100">
+              <a:solidFill>
+                <a:schemeClr val="tx1"/>
+              </a:solidFill>
+              <a:latin typeface="+mn-lt"/>
+              <a:ea typeface="+mn-ea"/>
+              <a:cs typeface="+mn-cs"/>
+            </a:defRPr>
+          </a:lvl2pPr>
+          <a:lvl3pPr marL="914400" indent="0">
+            <a:defRPr sz="1100">
+              <a:solidFill>
+                <a:schemeClr val="tx1"/>
+              </a:solidFill>
+              <a:latin typeface="+mn-lt"/>
+              <a:ea typeface="+mn-ea"/>
+              <a:cs typeface="+mn-cs"/>
+            </a:defRPr>
+          </a:lvl3pPr>
+          <a:lvl4pPr marL="1371600" indent="0">
+            <a:defRPr sz="1100">
+              <a:solidFill>
+                <a:schemeClr val="tx1"/>
+              </a:solidFill>
+              <a:latin typeface="+mn-lt"/>
+              <a:ea typeface="+mn-ea"/>
+              <a:cs typeface="+mn-cs"/>
+            </a:defRPr>
+          </a:lvl4pPr>
+          <a:lvl5pPr marL="1828800" indent="0">
+            <a:defRPr sz="1100">
+              <a:solidFill>
+                <a:schemeClr val="tx1"/>
+              </a:solidFill>
+              <a:latin typeface="+mn-lt"/>
+              <a:ea typeface="+mn-ea"/>
+              <a:cs typeface="+mn-cs"/>
+            </a:defRPr>
+          </a:lvl5pPr>
+          <a:lvl6pPr marL="2286000" indent="0">
+            <a:defRPr sz="1100">
+              <a:solidFill>
+                <a:schemeClr val="tx1"/>
+              </a:solidFill>
+              <a:latin typeface="+mn-lt"/>
+              <a:ea typeface="+mn-ea"/>
+              <a:cs typeface="+mn-cs"/>
+            </a:defRPr>
+          </a:lvl6pPr>
+          <a:lvl7pPr marL="2743200" indent="0">
+            <a:defRPr sz="1100">
+              <a:solidFill>
+                <a:schemeClr val="tx1"/>
+              </a:solidFill>
+              <a:latin typeface="+mn-lt"/>
+              <a:ea typeface="+mn-ea"/>
+              <a:cs typeface="+mn-cs"/>
+            </a:defRPr>
+          </a:lvl7pPr>
+          <a:lvl8pPr marL="3200400" indent="0">
+            <a:defRPr sz="1100">
+              <a:solidFill>
+                <a:schemeClr val="tx1"/>
+              </a:solidFill>
+              <a:latin typeface="+mn-lt"/>
+              <a:ea typeface="+mn-ea"/>
+              <a:cs typeface="+mn-cs"/>
+            </a:defRPr>
+          </a:lvl8pPr>
+          <a:lvl9pPr marL="3657600" indent="0">
+            <a:defRPr sz="1100">
+              <a:solidFill>
+                <a:schemeClr val="tx1"/>
+              </a:solidFill>
+              <a:latin typeface="+mn-lt"/>
+              <a:ea typeface="+mn-ea"/>
+              <a:cs typeface="+mn-cs"/>
+            </a:defRPr>
+          </a:lvl9pPr>
+        </a:lstStyle>
+        <a:p xmlns:a="http://schemas.openxmlformats.org/drawingml/2006/main">
+          <a:r>
+            <a:rPr lang="en-US" sz="1200" dirty="0">
+              <a:latin typeface="Times New Roman" panose="02020603050405020304" pitchFamily="18" charset="0"/>
+              <a:cs typeface="Times New Roman" panose="02020603050405020304" pitchFamily="18" charset="0"/>
+            </a:rPr>
+            <a:t>2</a:t>
+          </a:r>
+          <a:endParaRPr lang="ru-RU" sz="1200" dirty="0">
+            <a:latin typeface="Times New Roman" panose="02020603050405020304" pitchFamily="18" charset="0"/>
+            <a:cs typeface="Times New Roman" panose="02020603050405020304" pitchFamily="18" charset="0"/>
+          </a:endParaRPr>
+        </a:p>
+      </cdr:txBody>
+    </cdr:sp>
+  </cdr:relSizeAnchor>
+  <cdr:relSizeAnchor xmlns:cdr="http://schemas.openxmlformats.org/drawingml/2006/chartDrawing">
+    <cdr:from>
+      <cdr:x>0.91925</cdr:x>
+      <cdr:y>0.52767</cdr:y>
+    </cdr:from>
+    <cdr:to>
+      <cdr:x>0.97821</cdr:x>
+      <cdr:y>0.64791</cdr:y>
+    </cdr:to>
+    <cdr:sp macro="" textlink="">
+      <cdr:nvSpPr>
+        <cdr:cNvPr id="3" name="TextBox 3"/>
+        <cdr:cNvSpPr txBox="1"/>
+      </cdr:nvSpPr>
+      <cdr:spPr>
+        <a:xfrm xmlns:a="http://schemas.openxmlformats.org/drawingml/2006/main">
+          <a:off x="2689811" y="1251489"/>
+          <a:ext cx="172497" cy="285164"/>
+        </a:xfrm>
+        <a:prstGeom xmlns:a="http://schemas.openxmlformats.org/drawingml/2006/main" prst="rect">
+          <a:avLst/>
+        </a:prstGeom>
+        <a:noFill xmlns:a="http://schemas.openxmlformats.org/drawingml/2006/main"/>
+      </cdr:spPr>
+      <cdr:style>
+        <a:lnRef xmlns:a="http://schemas.openxmlformats.org/drawingml/2006/main" idx="0">
+          <a:scrgbClr r="0" g="0" b="0"/>
+        </a:lnRef>
+        <a:fillRef xmlns:a="http://schemas.openxmlformats.org/drawingml/2006/main" idx="0">
+          <a:scrgbClr r="0" g="0" b="0"/>
+        </a:fillRef>
+        <a:effectRef xmlns:a="http://schemas.openxmlformats.org/drawingml/2006/main" idx="0">
+          <a:scrgbClr r="0" g="0" b="0"/>
+        </a:effectRef>
+        <a:fontRef xmlns:a="http://schemas.openxmlformats.org/drawingml/2006/main" idx="minor">
+          <a:schemeClr val="tx1"/>
+        </a:fontRef>
+      </cdr:style>
+      <cdr:txBody>
+        <a:bodyPr xmlns:a="http://schemas.openxmlformats.org/drawingml/2006/main" wrap="square" rtlCol="0" anchor="t">
+          <a:spAutoFit/>
+        </a:bodyPr>
+        <a:lstStyle xmlns:a="http://schemas.openxmlformats.org/drawingml/2006/main">
+          <a:lvl1pPr marL="0" indent="0">
+            <a:defRPr sz="1100">
+              <a:solidFill>
+                <a:schemeClr val="tx1"/>
+              </a:solidFill>
+              <a:latin typeface="+mn-lt"/>
+              <a:ea typeface="+mn-ea"/>
+              <a:cs typeface="+mn-cs"/>
+            </a:defRPr>
+          </a:lvl1pPr>
+          <a:lvl2pPr marL="457200" indent="0">
+            <a:defRPr sz="1100">
+              <a:solidFill>
+                <a:schemeClr val="tx1"/>
+              </a:solidFill>
+              <a:latin typeface="+mn-lt"/>
+              <a:ea typeface="+mn-ea"/>
+              <a:cs typeface="+mn-cs"/>
+            </a:defRPr>
+          </a:lvl2pPr>
+          <a:lvl3pPr marL="914400" indent="0">
+            <a:defRPr sz="1100">
+              <a:solidFill>
+                <a:schemeClr val="tx1"/>
+              </a:solidFill>
+              <a:latin typeface="+mn-lt"/>
+              <a:ea typeface="+mn-ea"/>
+              <a:cs typeface="+mn-cs"/>
+            </a:defRPr>
+          </a:lvl3pPr>
+          <a:lvl4pPr marL="1371600" indent="0">
+            <a:defRPr sz="1100">
+              <a:solidFill>
+                <a:schemeClr val="tx1"/>
+              </a:solidFill>
+              <a:latin typeface="+mn-lt"/>
+              <a:ea typeface="+mn-ea"/>
+              <a:cs typeface="+mn-cs"/>
+            </a:defRPr>
+          </a:lvl4pPr>
+          <a:lvl5pPr marL="1828800" indent="0">
+            <a:defRPr sz="1100">
+              <a:solidFill>
+                <a:schemeClr val="tx1"/>
+              </a:solidFill>
+              <a:latin typeface="+mn-lt"/>
+              <a:ea typeface="+mn-ea"/>
+              <a:cs typeface="+mn-cs"/>
+            </a:defRPr>
+          </a:lvl5pPr>
+          <a:lvl6pPr marL="2286000" indent="0">
+            <a:defRPr sz="1100">
+              <a:solidFill>
+                <a:schemeClr val="tx1"/>
+              </a:solidFill>
+              <a:latin typeface="+mn-lt"/>
+              <a:ea typeface="+mn-ea"/>
+              <a:cs typeface="+mn-cs"/>
+            </a:defRPr>
+          </a:lvl6pPr>
+          <a:lvl7pPr marL="2743200" indent="0">
+            <a:defRPr sz="1100">
+              <a:solidFill>
+                <a:schemeClr val="tx1"/>
+              </a:solidFill>
+              <a:latin typeface="+mn-lt"/>
+              <a:ea typeface="+mn-ea"/>
+              <a:cs typeface="+mn-cs"/>
+            </a:defRPr>
+          </a:lvl7pPr>
+          <a:lvl8pPr marL="3200400" indent="0">
+            <a:defRPr sz="1100">
+              <a:solidFill>
+                <a:schemeClr val="tx1"/>
+              </a:solidFill>
+              <a:latin typeface="+mn-lt"/>
+              <a:ea typeface="+mn-ea"/>
+              <a:cs typeface="+mn-cs"/>
+            </a:defRPr>
+          </a:lvl8pPr>
+          <a:lvl9pPr marL="3657600" indent="0">
+            <a:defRPr sz="1100">
+              <a:solidFill>
+                <a:schemeClr val="tx1"/>
+              </a:solidFill>
+              <a:latin typeface="+mn-lt"/>
+              <a:ea typeface="+mn-ea"/>
+              <a:cs typeface="+mn-cs"/>
+            </a:defRPr>
+          </a:lvl9pPr>
+        </a:lstStyle>
+        <a:p xmlns:a="http://schemas.openxmlformats.org/drawingml/2006/main">
+          <a:r>
+            <a:rPr lang="en-US" sz="1200" dirty="0">
+              <a:latin typeface="Times New Roman" panose="02020603050405020304" pitchFamily="18" charset="0"/>
+              <a:cs typeface="Times New Roman" panose="02020603050405020304" pitchFamily="18" charset="0"/>
+            </a:rPr>
+            <a:t>3</a:t>
+          </a:r>
+          <a:endParaRPr lang="ru-RU" sz="1200" dirty="0">
+            <a:latin typeface="Times New Roman" panose="02020603050405020304" pitchFamily="18" charset="0"/>
+            <a:cs typeface="Times New Roman" panose="02020603050405020304" pitchFamily="18" charset="0"/>
+          </a:endParaRPr>
+        </a:p>
+      </cdr:txBody>
+    </cdr:sp>
+  </cdr:relSizeAnchor>
+  <cdr:relSizeAnchor xmlns:cdr="http://schemas.openxmlformats.org/drawingml/2006/chartDrawing">
+    <cdr:from>
+      <cdr:x>0.92294</cdr:x>
+      <cdr:y>0.74399</cdr:y>
+    </cdr:from>
+    <cdr:to>
+      <cdr:x>0.9653</cdr:x>
+      <cdr:y>0.86423</cdr:y>
+    </cdr:to>
+    <cdr:sp macro="" textlink="">
+      <cdr:nvSpPr>
+        <cdr:cNvPr id="4" name="TextBox 3"/>
+        <cdr:cNvSpPr txBox="1"/>
+      </cdr:nvSpPr>
+      <cdr:spPr>
+        <a:xfrm xmlns:a="http://schemas.openxmlformats.org/drawingml/2006/main">
+          <a:off x="2700594" y="1764545"/>
+          <a:ext cx="123949" cy="285165"/>
+        </a:xfrm>
+        <a:prstGeom xmlns:a="http://schemas.openxmlformats.org/drawingml/2006/main" prst="rect">
+          <a:avLst/>
+        </a:prstGeom>
+        <a:noFill xmlns:a="http://schemas.openxmlformats.org/drawingml/2006/main"/>
+      </cdr:spPr>
+      <cdr:style>
+        <a:lnRef xmlns:a="http://schemas.openxmlformats.org/drawingml/2006/main" idx="0">
+          <a:scrgbClr r="0" g="0" b="0"/>
+        </a:lnRef>
+        <a:fillRef xmlns:a="http://schemas.openxmlformats.org/drawingml/2006/main" idx="0">
+          <a:scrgbClr r="0" g="0" b="0"/>
+        </a:fillRef>
+        <a:effectRef xmlns:a="http://schemas.openxmlformats.org/drawingml/2006/main" idx="0">
+          <a:scrgbClr r="0" g="0" b="0"/>
+        </a:effectRef>
+        <a:fontRef xmlns:a="http://schemas.openxmlformats.org/drawingml/2006/main" idx="minor">
+          <a:schemeClr val="tx1"/>
+        </a:fontRef>
+      </cdr:style>
+      <cdr:txBody>
+        <a:bodyPr xmlns:a="http://schemas.openxmlformats.org/drawingml/2006/main" wrap="square" rtlCol="0" anchor="t">
+          <a:spAutoFit/>
+        </a:bodyPr>
+        <a:lstStyle xmlns:a="http://schemas.openxmlformats.org/drawingml/2006/main">
+          <a:lvl1pPr marL="0" indent="0">
+            <a:defRPr sz="1100">
+              <a:solidFill>
+                <a:schemeClr val="tx1"/>
+              </a:solidFill>
+              <a:latin typeface="+mn-lt"/>
+              <a:ea typeface="+mn-ea"/>
+              <a:cs typeface="+mn-cs"/>
+            </a:defRPr>
+          </a:lvl1pPr>
+          <a:lvl2pPr marL="457200" indent="0">
+            <a:defRPr sz="1100">
+              <a:solidFill>
+                <a:schemeClr val="tx1"/>
+              </a:solidFill>
+              <a:latin typeface="+mn-lt"/>
+              <a:ea typeface="+mn-ea"/>
+              <a:cs typeface="+mn-cs"/>
+            </a:defRPr>
+          </a:lvl2pPr>
+          <a:lvl3pPr marL="914400" indent="0">
+            <a:defRPr sz="1100">
+              <a:solidFill>
+                <a:schemeClr val="tx1"/>
+              </a:solidFill>
+              <a:latin typeface="+mn-lt"/>
+              <a:ea typeface="+mn-ea"/>
+              <a:cs typeface="+mn-cs"/>
+            </a:defRPr>
+          </a:lvl3pPr>
+          <a:lvl4pPr marL="1371600" indent="0">
+            <a:defRPr sz="1100">
+              <a:solidFill>
+                <a:schemeClr val="tx1"/>
+              </a:solidFill>
+              <a:latin typeface="+mn-lt"/>
+              <a:ea typeface="+mn-ea"/>
+              <a:cs typeface="+mn-cs"/>
+            </a:defRPr>
+          </a:lvl4pPr>
+          <a:lvl5pPr marL="1828800" indent="0">
+            <a:defRPr sz="1100">
+              <a:solidFill>
+                <a:schemeClr val="tx1"/>
+              </a:solidFill>
+              <a:latin typeface="+mn-lt"/>
+              <a:ea typeface="+mn-ea"/>
+              <a:cs typeface="+mn-cs"/>
+            </a:defRPr>
+          </a:lvl5pPr>
+          <a:lvl6pPr marL="2286000" indent="0">
+            <a:defRPr sz="1100">
+              <a:solidFill>
+                <a:schemeClr val="tx1"/>
+              </a:solidFill>
+              <a:latin typeface="+mn-lt"/>
+              <a:ea typeface="+mn-ea"/>
+              <a:cs typeface="+mn-cs"/>
+            </a:defRPr>
+          </a:lvl6pPr>
+          <a:lvl7pPr marL="2743200" indent="0">
+            <a:defRPr sz="1100">
+              <a:solidFill>
+                <a:schemeClr val="tx1"/>
+              </a:solidFill>
+              <a:latin typeface="+mn-lt"/>
+              <a:ea typeface="+mn-ea"/>
+              <a:cs typeface="+mn-cs"/>
+            </a:defRPr>
+          </a:lvl7pPr>
+          <a:lvl8pPr marL="3200400" indent="0">
+            <a:defRPr sz="1100">
+              <a:solidFill>
+                <a:schemeClr val="tx1"/>
+              </a:solidFill>
+              <a:latin typeface="+mn-lt"/>
+              <a:ea typeface="+mn-ea"/>
+              <a:cs typeface="+mn-cs"/>
+            </a:defRPr>
+          </a:lvl8pPr>
+          <a:lvl9pPr marL="3657600" indent="0">
+            <a:defRPr sz="1100">
+              <a:solidFill>
+                <a:schemeClr val="tx1"/>
+              </a:solidFill>
+              <a:latin typeface="+mn-lt"/>
+              <a:ea typeface="+mn-ea"/>
+              <a:cs typeface="+mn-cs"/>
+            </a:defRPr>
+          </a:lvl9pPr>
+        </a:lstStyle>
+        <a:p xmlns:a="http://schemas.openxmlformats.org/drawingml/2006/main">
+          <a:r>
+            <a:rPr lang="en-US" sz="1200" dirty="0">
+              <a:latin typeface="Times New Roman" panose="02020603050405020304" pitchFamily="18" charset="0"/>
+              <a:cs typeface="Times New Roman" panose="02020603050405020304" pitchFamily="18" charset="0"/>
+            </a:rPr>
+            <a:t>4</a:t>
+          </a:r>
+          <a:endParaRPr lang="ru-RU" sz="1200" dirty="0">
+            <a:latin typeface="Times New Roman" panose="02020603050405020304" pitchFamily="18" charset="0"/>
+            <a:cs typeface="Times New Roman" panose="02020603050405020304" pitchFamily="18" charset="0"/>
+          </a:endParaRPr>
+        </a:p>
+      </cdr:txBody>
+    </cdr:sp>
+  </cdr:relSizeAnchor>
+  <cdr:relSizeAnchor xmlns:cdr="http://schemas.openxmlformats.org/drawingml/2006/chartDrawing">
+    <cdr:from>
+      <cdr:x>0.91415</cdr:x>
+      <cdr:y>0.09271</cdr:y>
+    </cdr:from>
+    <cdr:to>
+      <cdr:x>0.98534</cdr:x>
+      <cdr:y>0.21295</cdr:y>
+    </cdr:to>
+    <cdr:sp macro="" textlink="">
+      <cdr:nvSpPr>
+        <cdr:cNvPr id="5" name="TextBox 3"/>
+        <cdr:cNvSpPr txBox="1"/>
+      </cdr:nvSpPr>
+      <cdr:spPr>
+        <a:xfrm xmlns:a="http://schemas.openxmlformats.org/drawingml/2006/main">
+          <a:off x="2674888" y="219887"/>
+          <a:ext cx="208284" cy="285164"/>
+        </a:xfrm>
+        <a:prstGeom xmlns:a="http://schemas.openxmlformats.org/drawingml/2006/main" prst="rect">
+          <a:avLst/>
+        </a:prstGeom>
+        <a:noFill xmlns:a="http://schemas.openxmlformats.org/drawingml/2006/main"/>
+      </cdr:spPr>
+      <cdr:style>
+        <a:lnRef xmlns:a="http://schemas.openxmlformats.org/drawingml/2006/main" idx="0">
+          <a:scrgbClr r="0" g="0" b="0"/>
+        </a:lnRef>
+        <a:fillRef xmlns:a="http://schemas.openxmlformats.org/drawingml/2006/main" idx="0">
+          <a:scrgbClr r="0" g="0" b="0"/>
+        </a:fillRef>
+        <a:effectRef xmlns:a="http://schemas.openxmlformats.org/drawingml/2006/main" idx="0">
+          <a:scrgbClr r="0" g="0" b="0"/>
+        </a:effectRef>
+        <a:fontRef xmlns:a="http://schemas.openxmlformats.org/drawingml/2006/main" idx="minor">
+          <a:schemeClr val="tx1"/>
+        </a:fontRef>
+      </cdr:style>
+      <cdr:txBody>
+        <a:bodyPr xmlns:a="http://schemas.openxmlformats.org/drawingml/2006/main" wrap="square" rtlCol="0" anchor="t">
+          <a:spAutoFit/>
+        </a:bodyPr>
+        <a:lstStyle xmlns:a="http://schemas.openxmlformats.org/drawingml/2006/main">
+          <a:lvl1pPr marL="0" indent="0">
+            <a:defRPr sz="1100">
+              <a:solidFill>
+                <a:schemeClr val="tx1"/>
+              </a:solidFill>
+              <a:latin typeface="+mn-lt"/>
+              <a:ea typeface="+mn-ea"/>
+              <a:cs typeface="+mn-cs"/>
+            </a:defRPr>
+          </a:lvl1pPr>
+          <a:lvl2pPr marL="457200" indent="0">
+            <a:defRPr sz="1100">
+              <a:solidFill>
+                <a:schemeClr val="tx1"/>
+              </a:solidFill>
+              <a:latin typeface="+mn-lt"/>
+              <a:ea typeface="+mn-ea"/>
+              <a:cs typeface="+mn-cs"/>
+            </a:defRPr>
+          </a:lvl2pPr>
+          <a:lvl3pPr marL="914400" indent="0">
+            <a:defRPr sz="1100">
+              <a:solidFill>
+                <a:schemeClr val="tx1"/>
+              </a:solidFill>
+              <a:latin typeface="+mn-lt"/>
+              <a:ea typeface="+mn-ea"/>
+              <a:cs typeface="+mn-cs"/>
+            </a:defRPr>
+          </a:lvl3pPr>
+          <a:lvl4pPr marL="1371600" indent="0">
+            <a:defRPr sz="1100">
+              <a:solidFill>
+                <a:schemeClr val="tx1"/>
+              </a:solidFill>
+              <a:latin typeface="+mn-lt"/>
+              <a:ea typeface="+mn-ea"/>
+              <a:cs typeface="+mn-cs"/>
+            </a:defRPr>
+          </a:lvl4pPr>
+          <a:lvl5pPr marL="1828800" indent="0">
+            <a:defRPr sz="1100">
+              <a:solidFill>
+                <a:schemeClr val="tx1"/>
+              </a:solidFill>
+              <a:latin typeface="+mn-lt"/>
+              <a:ea typeface="+mn-ea"/>
+              <a:cs typeface="+mn-cs"/>
+            </a:defRPr>
+          </a:lvl5pPr>
+          <a:lvl6pPr marL="2286000" indent="0">
+            <a:defRPr sz="1100">
+              <a:solidFill>
+                <a:schemeClr val="tx1"/>
+              </a:solidFill>
+              <a:latin typeface="+mn-lt"/>
+              <a:ea typeface="+mn-ea"/>
+              <a:cs typeface="+mn-cs"/>
+            </a:defRPr>
+          </a:lvl6pPr>
+          <a:lvl7pPr marL="2743200" indent="0">
+            <a:defRPr sz="1100">
+              <a:solidFill>
+                <a:schemeClr val="tx1"/>
+              </a:solidFill>
+              <a:latin typeface="+mn-lt"/>
+              <a:ea typeface="+mn-ea"/>
+              <a:cs typeface="+mn-cs"/>
+            </a:defRPr>
+          </a:lvl7pPr>
+          <a:lvl8pPr marL="3200400" indent="0">
+            <a:defRPr sz="1100">
+              <a:solidFill>
+                <a:schemeClr val="tx1"/>
+              </a:solidFill>
+              <a:latin typeface="+mn-lt"/>
+              <a:ea typeface="+mn-ea"/>
+              <a:cs typeface="+mn-cs"/>
+            </a:defRPr>
+          </a:lvl8pPr>
+          <a:lvl9pPr marL="3657600" indent="0">
+            <a:defRPr sz="1100">
+              <a:solidFill>
+                <a:schemeClr val="tx1"/>
+              </a:solidFill>
+              <a:latin typeface="+mn-lt"/>
+              <a:ea typeface="+mn-ea"/>
+              <a:cs typeface="+mn-cs"/>
+            </a:defRPr>
+          </a:lvl9pPr>
+        </a:lstStyle>
+        <a:p xmlns:a="http://schemas.openxmlformats.org/drawingml/2006/main">
+          <a:r>
+            <a:rPr lang="en-US" sz="1200" dirty="0">
+              <a:latin typeface="Times New Roman" panose="02020603050405020304" pitchFamily="18" charset="0"/>
+              <a:cs typeface="Times New Roman" panose="02020603050405020304" pitchFamily="18" charset="0"/>
+            </a:rPr>
+            <a:t>1</a:t>
+          </a:r>
+          <a:endParaRPr lang="ru-RU" sz="1200" dirty="0">
+            <a:latin typeface="Times New Roman" panose="02020603050405020304" pitchFamily="18" charset="0"/>
+            <a:cs typeface="Times New Roman" panose="02020603050405020304" pitchFamily="18" charset="0"/>
+          </a:endParaRPr>
+        </a:p>
+      </cdr:txBody>
+    </cdr:sp>
+  </cdr:relSizeAnchor>
+</c:userShapes>
+</file>
+
+<file path=ppt/drawings/drawing2.xml><?xml version="1.0" encoding="utf-8"?>
+<c:userShapes xmlns:c="http://schemas.openxmlformats.org/drawingml/2006/chart">
+  <cdr:relSizeAnchor xmlns:cdr="http://schemas.openxmlformats.org/drawingml/2006/chartDrawing">
+    <cdr:from>
+      <cdr:x>0.95139</cdr:x>
+      <cdr:y>0.85756</cdr:y>
+    </cdr:from>
+    <cdr:to>
+      <cdr:x>1</cdr:x>
+      <cdr:y>0.95045</cdr:y>
+    </cdr:to>
+    <cdr:sp macro="" textlink="">
+      <cdr:nvSpPr>
+        <cdr:cNvPr id="2" name="TextBox 1"/>
+        <cdr:cNvSpPr txBox="1"/>
+      </cdr:nvSpPr>
+      <cdr:spPr>
+        <a:xfrm xmlns:a="http://schemas.openxmlformats.org/drawingml/2006/main">
+          <a:off x="3090138" y="2115587"/>
+          <a:ext cx="157887" cy="229157"/>
+        </a:xfrm>
+        <a:prstGeom xmlns:a="http://schemas.openxmlformats.org/drawingml/2006/main" prst="rect">
+          <a:avLst/>
+        </a:prstGeom>
+      </cdr:spPr>
+      <cdr:txBody>
+        <a:bodyPr xmlns:a="http://schemas.openxmlformats.org/drawingml/2006/main" wrap="none" lIns="0" tIns="0" rIns="0" bIns="0" rtlCol="0"/>
+        <a:lstStyle xmlns:a="http://schemas.openxmlformats.org/drawingml/2006/main"/>
+        <a:p xmlns:a="http://schemas.openxmlformats.org/drawingml/2006/main">
+          <a:pPr algn="ctr"/>
+          <a:r>
+            <a:rPr lang="en-US" sz="1200" i="1" dirty="0" smtClean="0">
+              <a:latin typeface="Times New Roman" panose="02020603050405020304" pitchFamily="18" charset="0"/>
+              <a:cs typeface="Times New Roman" panose="02020603050405020304" pitchFamily="18" charset="0"/>
+            </a:rPr>
+            <a:t>N</a:t>
+          </a:r>
+          <a:endParaRPr lang="ru-RU" sz="1200" i="1" dirty="0">
+            <a:latin typeface="Times New Roman" panose="02020603050405020304" pitchFamily="18" charset="0"/>
+            <a:cs typeface="Times New Roman" panose="02020603050405020304" pitchFamily="18" charset="0"/>
+          </a:endParaRPr>
+        </a:p>
+      </cdr:txBody>
+    </cdr:sp>
+  </cdr:relSizeAnchor>
+  <cdr:relSizeAnchor xmlns:cdr="http://schemas.openxmlformats.org/drawingml/2006/chartDrawing">
+    <cdr:from>
+      <cdr:x>0.92783</cdr:x>
+      <cdr:y>0.32534</cdr:y>
+    </cdr:from>
+    <cdr:to>
+      <cdr:x>0.97006</cdr:x>
+      <cdr:y>0.44008</cdr:y>
+    </cdr:to>
+    <cdr:sp macro="" textlink="">
+      <cdr:nvSpPr>
+        <cdr:cNvPr id="4" name="TextBox 3"/>
+        <cdr:cNvSpPr txBox="1"/>
+      </cdr:nvSpPr>
+      <cdr:spPr>
+        <a:xfrm xmlns:a="http://schemas.openxmlformats.org/drawingml/2006/main">
+          <a:off x="2714896" y="802601"/>
+          <a:ext cx="123568" cy="283060"/>
+        </a:xfrm>
+        <a:prstGeom xmlns:a="http://schemas.openxmlformats.org/drawingml/2006/main" prst="rect">
+          <a:avLst/>
+        </a:prstGeom>
+      </cdr:spPr>
+      <cdr:txBody>
+        <a:bodyPr xmlns:a="http://schemas.openxmlformats.org/drawingml/2006/main" vertOverflow="clip" wrap="none" rtlCol="0"/>
+        <a:lstStyle xmlns:a="http://schemas.openxmlformats.org/drawingml/2006/main"/>
+        <a:p xmlns:a="http://schemas.openxmlformats.org/drawingml/2006/main">
+          <a:r>
+            <a:rPr lang="en-US" sz="1200" dirty="0">
+              <a:latin typeface="Times New Roman" panose="02020603050405020304" pitchFamily="18" charset="0"/>
+              <a:cs typeface="Times New Roman" panose="02020603050405020304" pitchFamily="18" charset="0"/>
+            </a:rPr>
+            <a:t>2</a:t>
+          </a:r>
+          <a:endParaRPr lang="ru-RU" sz="1200" dirty="0">
+            <a:latin typeface="Times New Roman" panose="02020603050405020304" pitchFamily="18" charset="0"/>
+            <a:cs typeface="Times New Roman" panose="02020603050405020304" pitchFamily="18" charset="0"/>
+          </a:endParaRPr>
+        </a:p>
+      </cdr:txBody>
+    </cdr:sp>
+  </cdr:relSizeAnchor>
+  <cdr:relSizeAnchor xmlns:cdr="http://schemas.openxmlformats.org/drawingml/2006/chartDrawing">
+    <cdr:from>
+      <cdr:x>0.91853</cdr:x>
+      <cdr:y>0.74238</cdr:y>
+    </cdr:from>
+    <cdr:to>
+      <cdr:x>0.96983</cdr:x>
+      <cdr:y>0.85466</cdr:y>
+    </cdr:to>
+    <cdr:sp macro="" textlink="">
+      <cdr:nvSpPr>
+        <cdr:cNvPr id="6" name="TextBox 4"/>
+        <cdr:cNvSpPr txBox="1"/>
+      </cdr:nvSpPr>
+      <cdr:spPr>
+        <a:xfrm xmlns:a="http://schemas.openxmlformats.org/drawingml/2006/main">
+          <a:off x="2687678" y="1831436"/>
+          <a:ext cx="150108" cy="276991"/>
+        </a:xfrm>
+        <a:prstGeom xmlns:a="http://schemas.openxmlformats.org/drawingml/2006/main" prst="rect">
+          <a:avLst/>
+        </a:prstGeom>
+        <a:noFill xmlns:a="http://schemas.openxmlformats.org/drawingml/2006/main"/>
+      </cdr:spPr>
+      <cdr:style>
+        <a:lnRef xmlns:a="http://schemas.openxmlformats.org/drawingml/2006/main" idx="0">
+          <a:scrgbClr r="0" g="0" b="0"/>
+        </a:lnRef>
+        <a:fillRef xmlns:a="http://schemas.openxmlformats.org/drawingml/2006/main" idx="0">
+          <a:scrgbClr r="0" g="0" b="0"/>
+        </a:fillRef>
+        <a:effectRef xmlns:a="http://schemas.openxmlformats.org/drawingml/2006/main" idx="0">
+          <a:scrgbClr r="0" g="0" b="0"/>
+        </a:effectRef>
+        <a:fontRef xmlns:a="http://schemas.openxmlformats.org/drawingml/2006/main" idx="minor">
+          <a:schemeClr val="tx1"/>
+        </a:fontRef>
+      </cdr:style>
+      <cdr:txBody>
+        <a:bodyPr xmlns:a="http://schemas.openxmlformats.org/drawingml/2006/main" wrap="square" rtlCol="0" anchor="t">
+          <a:spAutoFit/>
+        </a:bodyPr>
+        <a:lstStyle xmlns:a="http://schemas.openxmlformats.org/drawingml/2006/main">
+          <a:lvl1pPr marL="0" indent="0">
+            <a:defRPr sz="1100">
+              <a:solidFill>
+                <a:schemeClr val="tx1"/>
+              </a:solidFill>
+              <a:latin typeface="+mn-lt"/>
+              <a:ea typeface="+mn-ea"/>
+              <a:cs typeface="+mn-cs"/>
+            </a:defRPr>
+          </a:lvl1pPr>
+          <a:lvl2pPr marL="457200" indent="0">
+            <a:defRPr sz="1100">
+              <a:solidFill>
+                <a:schemeClr val="tx1"/>
+              </a:solidFill>
+              <a:latin typeface="+mn-lt"/>
+              <a:ea typeface="+mn-ea"/>
+              <a:cs typeface="+mn-cs"/>
+            </a:defRPr>
+          </a:lvl2pPr>
+          <a:lvl3pPr marL="914400" indent="0">
+            <a:defRPr sz="1100">
+              <a:solidFill>
+                <a:schemeClr val="tx1"/>
+              </a:solidFill>
+              <a:latin typeface="+mn-lt"/>
+              <a:ea typeface="+mn-ea"/>
+              <a:cs typeface="+mn-cs"/>
+            </a:defRPr>
+          </a:lvl3pPr>
+          <a:lvl4pPr marL="1371600" indent="0">
+            <a:defRPr sz="1100">
+              <a:solidFill>
+                <a:schemeClr val="tx1"/>
+              </a:solidFill>
+              <a:latin typeface="+mn-lt"/>
+              <a:ea typeface="+mn-ea"/>
+              <a:cs typeface="+mn-cs"/>
+            </a:defRPr>
+          </a:lvl4pPr>
+          <a:lvl5pPr marL="1828800" indent="0">
+            <a:defRPr sz="1100">
+              <a:solidFill>
+                <a:schemeClr val="tx1"/>
+              </a:solidFill>
+              <a:latin typeface="+mn-lt"/>
+              <a:ea typeface="+mn-ea"/>
+              <a:cs typeface="+mn-cs"/>
+            </a:defRPr>
+          </a:lvl5pPr>
+          <a:lvl6pPr marL="2286000" indent="0">
+            <a:defRPr sz="1100">
+              <a:solidFill>
+                <a:schemeClr val="tx1"/>
+              </a:solidFill>
+              <a:latin typeface="+mn-lt"/>
+              <a:ea typeface="+mn-ea"/>
+              <a:cs typeface="+mn-cs"/>
+            </a:defRPr>
+          </a:lvl6pPr>
+          <a:lvl7pPr marL="2743200" indent="0">
+            <a:defRPr sz="1100">
+              <a:solidFill>
+                <a:schemeClr val="tx1"/>
+              </a:solidFill>
+              <a:latin typeface="+mn-lt"/>
+              <a:ea typeface="+mn-ea"/>
+              <a:cs typeface="+mn-cs"/>
+            </a:defRPr>
+          </a:lvl7pPr>
+          <a:lvl8pPr marL="3200400" indent="0">
+            <a:defRPr sz="1100">
+              <a:solidFill>
+                <a:schemeClr val="tx1"/>
+              </a:solidFill>
+              <a:latin typeface="+mn-lt"/>
+              <a:ea typeface="+mn-ea"/>
+              <a:cs typeface="+mn-cs"/>
+            </a:defRPr>
+          </a:lvl8pPr>
+          <a:lvl9pPr marL="3657600" indent="0">
+            <a:defRPr sz="1100">
+              <a:solidFill>
+                <a:schemeClr val="tx1"/>
+              </a:solidFill>
+              <a:latin typeface="+mn-lt"/>
+              <a:ea typeface="+mn-ea"/>
+              <a:cs typeface="+mn-cs"/>
+            </a:defRPr>
+          </a:lvl9pPr>
+        </a:lstStyle>
+        <a:p xmlns:a="http://schemas.openxmlformats.org/drawingml/2006/main">
+          <a:r>
+            <a:rPr lang="en-US" sz="1200" dirty="0">
+              <a:latin typeface="Times New Roman" panose="02020603050405020304" pitchFamily="18" charset="0"/>
+              <a:cs typeface="Times New Roman" panose="02020603050405020304" pitchFamily="18" charset="0"/>
+            </a:rPr>
+            <a:t>4</a:t>
+          </a:r>
+          <a:endParaRPr lang="ru-RU" sz="1200" dirty="0">
+            <a:latin typeface="Times New Roman" panose="02020603050405020304" pitchFamily="18" charset="0"/>
+            <a:cs typeface="Times New Roman" panose="02020603050405020304" pitchFamily="18" charset="0"/>
+          </a:endParaRPr>
+        </a:p>
+      </cdr:txBody>
+    </cdr:sp>
+  </cdr:relSizeAnchor>
+  <cdr:relSizeAnchor xmlns:cdr="http://schemas.openxmlformats.org/drawingml/2006/chartDrawing">
+    <cdr:from>
+      <cdr:x>0.92532</cdr:x>
+      <cdr:y>0.12286</cdr:y>
+    </cdr:from>
+    <cdr:to>
+      <cdr:x>0.95917</cdr:x>
+      <cdr:y>0.22188</cdr:y>
+    </cdr:to>
+    <cdr:sp macro="" textlink="">
+      <cdr:nvSpPr>
+        <cdr:cNvPr id="5" name="TextBox 1"/>
+        <cdr:cNvSpPr txBox="1"/>
+      </cdr:nvSpPr>
+      <cdr:spPr>
+        <a:xfrm xmlns:a="http://schemas.openxmlformats.org/drawingml/2006/main">
+          <a:off x="2707565" y="303094"/>
+          <a:ext cx="99050" cy="244275"/>
+        </a:xfrm>
+        <a:prstGeom xmlns:a="http://schemas.openxmlformats.org/drawingml/2006/main" prst="rect">
+          <a:avLst/>
+        </a:prstGeom>
+      </cdr:spPr>
+      <cdr:txBody>
+        <a:bodyPr xmlns:a="http://schemas.openxmlformats.org/drawingml/2006/main" wrap="none" rtlCol="0"/>
+        <a:lstStyle xmlns:a="http://schemas.openxmlformats.org/drawingml/2006/main">
+          <a:lvl1pPr marL="0" indent="0">
+            <a:defRPr sz="1100">
+              <a:latin typeface="+mn-lt"/>
+              <a:ea typeface="+mn-ea"/>
+              <a:cs typeface="+mn-cs"/>
+            </a:defRPr>
+          </a:lvl1pPr>
+          <a:lvl2pPr marL="457200" indent="0">
+            <a:defRPr sz="1100">
+              <a:latin typeface="+mn-lt"/>
+              <a:ea typeface="+mn-ea"/>
+              <a:cs typeface="+mn-cs"/>
+            </a:defRPr>
+          </a:lvl2pPr>
+          <a:lvl3pPr marL="914400" indent="0">
+            <a:defRPr sz="1100">
+              <a:latin typeface="+mn-lt"/>
+              <a:ea typeface="+mn-ea"/>
+              <a:cs typeface="+mn-cs"/>
+            </a:defRPr>
+          </a:lvl3pPr>
+          <a:lvl4pPr marL="1371600" indent="0">
+            <a:defRPr sz="1100">
+              <a:latin typeface="+mn-lt"/>
+              <a:ea typeface="+mn-ea"/>
+              <a:cs typeface="+mn-cs"/>
+            </a:defRPr>
+          </a:lvl4pPr>
+          <a:lvl5pPr marL="1828800" indent="0">
+            <a:defRPr sz="1100">
+              <a:latin typeface="+mn-lt"/>
+              <a:ea typeface="+mn-ea"/>
+              <a:cs typeface="+mn-cs"/>
+            </a:defRPr>
+          </a:lvl5pPr>
+          <a:lvl6pPr marL="2286000" indent="0">
+            <a:defRPr sz="1100">
+              <a:latin typeface="+mn-lt"/>
+              <a:ea typeface="+mn-ea"/>
+              <a:cs typeface="+mn-cs"/>
+            </a:defRPr>
+          </a:lvl6pPr>
+          <a:lvl7pPr marL="2743200" indent="0">
+            <a:defRPr sz="1100">
+              <a:latin typeface="+mn-lt"/>
+              <a:ea typeface="+mn-ea"/>
+              <a:cs typeface="+mn-cs"/>
+            </a:defRPr>
+          </a:lvl7pPr>
+          <a:lvl8pPr marL="3200400" indent="0">
+            <a:defRPr sz="1100">
+              <a:latin typeface="+mn-lt"/>
+              <a:ea typeface="+mn-ea"/>
+              <a:cs typeface="+mn-cs"/>
+            </a:defRPr>
+          </a:lvl8pPr>
+          <a:lvl9pPr marL="3657600" indent="0">
+            <a:defRPr sz="1100">
+              <a:latin typeface="+mn-lt"/>
+              <a:ea typeface="+mn-ea"/>
+              <a:cs typeface="+mn-cs"/>
+            </a:defRPr>
+          </a:lvl9pPr>
+        </a:lstStyle>
+        <a:p xmlns:a="http://schemas.openxmlformats.org/drawingml/2006/main">
+          <a:r>
+            <a:rPr lang="en-US" sz="1200" dirty="0">
+              <a:latin typeface="Times New Roman" panose="02020603050405020304" pitchFamily="18" charset="0"/>
+              <a:cs typeface="Times New Roman" panose="02020603050405020304" pitchFamily="18" charset="0"/>
+            </a:rPr>
+            <a:t>1</a:t>
+          </a:r>
+          <a:endParaRPr lang="ru-RU" sz="1200" dirty="0">
+            <a:latin typeface="Times New Roman" panose="02020603050405020304" pitchFamily="18" charset="0"/>
+            <a:cs typeface="Times New Roman" panose="02020603050405020304" pitchFamily="18" charset="0"/>
+          </a:endParaRPr>
+        </a:p>
+      </cdr:txBody>
+    </cdr:sp>
+  </cdr:relSizeAnchor>
+  <cdr:relSizeAnchor xmlns:cdr="http://schemas.openxmlformats.org/drawingml/2006/chartDrawing">
+    <cdr:from>
+      <cdr:x>0.92578</cdr:x>
+      <cdr:y>0.66673</cdr:y>
+    </cdr:from>
+    <cdr:to>
+      <cdr:x>0.95948</cdr:x>
+      <cdr:y>0.77272</cdr:y>
+    </cdr:to>
+    <cdr:sp macro="" textlink="">
+      <cdr:nvSpPr>
+        <cdr:cNvPr id="7" name="TextBox 1"/>
+        <cdr:cNvSpPr txBox="1"/>
+      </cdr:nvSpPr>
+      <cdr:spPr>
+        <a:xfrm xmlns:a="http://schemas.openxmlformats.org/drawingml/2006/main">
+          <a:off x="2708892" y="1644800"/>
+          <a:ext cx="98609" cy="261469"/>
+        </a:xfrm>
+        <a:prstGeom xmlns:a="http://schemas.openxmlformats.org/drawingml/2006/main" prst="rect">
+          <a:avLst/>
+        </a:prstGeom>
+      </cdr:spPr>
+      <cdr:txBody>
+        <a:bodyPr xmlns:a="http://schemas.openxmlformats.org/drawingml/2006/main" wrap="none" rtlCol="0"/>
+        <a:lstStyle xmlns:a="http://schemas.openxmlformats.org/drawingml/2006/main">
+          <a:lvl1pPr marL="0" indent="0">
+            <a:defRPr sz="1100">
+              <a:latin typeface="+mn-lt"/>
+              <a:ea typeface="+mn-ea"/>
+              <a:cs typeface="+mn-cs"/>
+            </a:defRPr>
+          </a:lvl1pPr>
+          <a:lvl2pPr marL="457200" indent="0">
+            <a:defRPr sz="1100">
+              <a:latin typeface="+mn-lt"/>
+              <a:ea typeface="+mn-ea"/>
+              <a:cs typeface="+mn-cs"/>
+            </a:defRPr>
+          </a:lvl2pPr>
+          <a:lvl3pPr marL="914400" indent="0">
+            <a:defRPr sz="1100">
+              <a:latin typeface="+mn-lt"/>
+              <a:ea typeface="+mn-ea"/>
+              <a:cs typeface="+mn-cs"/>
+            </a:defRPr>
+          </a:lvl3pPr>
+          <a:lvl4pPr marL="1371600" indent="0">
+            <a:defRPr sz="1100">
+              <a:latin typeface="+mn-lt"/>
+              <a:ea typeface="+mn-ea"/>
+              <a:cs typeface="+mn-cs"/>
+            </a:defRPr>
+          </a:lvl4pPr>
+          <a:lvl5pPr marL="1828800" indent="0">
+            <a:defRPr sz="1100">
+              <a:latin typeface="+mn-lt"/>
+              <a:ea typeface="+mn-ea"/>
+              <a:cs typeface="+mn-cs"/>
+            </a:defRPr>
+          </a:lvl5pPr>
+          <a:lvl6pPr marL="2286000" indent="0">
+            <a:defRPr sz="1100">
+              <a:latin typeface="+mn-lt"/>
+              <a:ea typeface="+mn-ea"/>
+              <a:cs typeface="+mn-cs"/>
+            </a:defRPr>
+          </a:lvl6pPr>
+          <a:lvl7pPr marL="2743200" indent="0">
+            <a:defRPr sz="1100">
+              <a:latin typeface="+mn-lt"/>
+              <a:ea typeface="+mn-ea"/>
+              <a:cs typeface="+mn-cs"/>
+            </a:defRPr>
+          </a:lvl7pPr>
+          <a:lvl8pPr marL="3200400" indent="0">
+            <a:defRPr sz="1100">
+              <a:latin typeface="+mn-lt"/>
+              <a:ea typeface="+mn-ea"/>
+              <a:cs typeface="+mn-cs"/>
+            </a:defRPr>
+          </a:lvl8pPr>
+          <a:lvl9pPr marL="3657600" indent="0">
+            <a:defRPr sz="1100">
+              <a:latin typeface="+mn-lt"/>
+              <a:ea typeface="+mn-ea"/>
+              <a:cs typeface="+mn-cs"/>
+            </a:defRPr>
+          </a:lvl9pPr>
+        </a:lstStyle>
+        <a:p xmlns:a="http://schemas.openxmlformats.org/drawingml/2006/main">
+          <a:r>
+            <a:rPr lang="en-US" sz="1200" dirty="0">
+              <a:latin typeface="Times New Roman" panose="02020603050405020304" pitchFamily="18" charset="0"/>
+              <a:cs typeface="Times New Roman" panose="02020603050405020304" pitchFamily="18" charset="0"/>
+            </a:rPr>
+            <a:t>3</a:t>
+          </a:r>
+          <a:endParaRPr lang="ru-RU" sz="1200" dirty="0">
+            <a:latin typeface="Times New Roman" panose="02020603050405020304" pitchFamily="18" charset="0"/>
+            <a:cs typeface="Times New Roman" panose="02020603050405020304" pitchFamily="18" charset="0"/>
+          </a:endParaRPr>
+        </a:p>
+      </cdr:txBody>
+    </cdr:sp>
+  </cdr:relSizeAnchor>
+</c:userShapes>
+</file>
+
+<file path=ppt/drawings/drawing3.xml><?xml version="1.0" encoding="utf-8"?>
+<c:userShapes xmlns:c="http://schemas.openxmlformats.org/drawingml/2006/chart">
+  <cdr:relSizeAnchor xmlns:cdr="http://schemas.openxmlformats.org/drawingml/2006/chartDrawing">
+    <cdr:from>
+      <cdr:x>0.92142</cdr:x>
+      <cdr:y>0.15311</cdr:y>
+    </cdr:from>
+    <cdr:to>
+      <cdr:x>1</cdr:x>
+      <cdr:y>0.29228</cdr:y>
+    </cdr:to>
+    <cdr:sp macro="" textlink="">
+      <cdr:nvSpPr>
+        <cdr:cNvPr id="2" name="TextBox 1"/>
+        <cdr:cNvSpPr txBox="1"/>
+      </cdr:nvSpPr>
+      <cdr:spPr>
+        <a:xfrm xmlns:a="http://schemas.openxmlformats.org/drawingml/2006/main">
+          <a:off x="3159561" y="349287"/>
+          <a:ext cx="269439" cy="317463"/>
+        </a:xfrm>
+        <a:prstGeom xmlns:a="http://schemas.openxmlformats.org/drawingml/2006/main" prst="rect">
+          <a:avLst/>
+        </a:prstGeom>
+      </cdr:spPr>
+      <cdr:txBody>
+        <a:bodyPr xmlns:a="http://schemas.openxmlformats.org/drawingml/2006/main" wrap="none" rtlCol="0"/>
+        <a:lstStyle xmlns:a="http://schemas.openxmlformats.org/drawingml/2006/main">
+          <a:lvl1pPr marL="0" indent="0">
+            <a:defRPr sz="1100">
+              <a:latin typeface="+mn-lt"/>
+              <a:ea typeface="+mn-ea"/>
+              <a:cs typeface="+mn-cs"/>
+            </a:defRPr>
+          </a:lvl1pPr>
+          <a:lvl2pPr marL="457200" indent="0">
+            <a:defRPr sz="1100">
+              <a:latin typeface="+mn-lt"/>
+              <a:ea typeface="+mn-ea"/>
+              <a:cs typeface="+mn-cs"/>
+            </a:defRPr>
+          </a:lvl2pPr>
+          <a:lvl3pPr marL="914400" indent="0">
+            <a:defRPr sz="1100">
+              <a:latin typeface="+mn-lt"/>
+              <a:ea typeface="+mn-ea"/>
+              <a:cs typeface="+mn-cs"/>
+            </a:defRPr>
+          </a:lvl3pPr>
+          <a:lvl4pPr marL="1371600" indent="0">
+            <a:defRPr sz="1100">
+              <a:latin typeface="+mn-lt"/>
+              <a:ea typeface="+mn-ea"/>
+              <a:cs typeface="+mn-cs"/>
+            </a:defRPr>
+          </a:lvl4pPr>
+          <a:lvl5pPr marL="1828800" indent="0">
+            <a:defRPr sz="1100">
+              <a:latin typeface="+mn-lt"/>
+              <a:ea typeface="+mn-ea"/>
+              <a:cs typeface="+mn-cs"/>
+            </a:defRPr>
+          </a:lvl5pPr>
+          <a:lvl6pPr marL="2286000" indent="0">
+            <a:defRPr sz="1100">
+              <a:latin typeface="+mn-lt"/>
+              <a:ea typeface="+mn-ea"/>
+              <a:cs typeface="+mn-cs"/>
+            </a:defRPr>
+          </a:lvl6pPr>
+          <a:lvl7pPr marL="2743200" indent="0">
+            <a:defRPr sz="1100">
+              <a:latin typeface="+mn-lt"/>
+              <a:ea typeface="+mn-ea"/>
+              <a:cs typeface="+mn-cs"/>
+            </a:defRPr>
+          </a:lvl7pPr>
+          <a:lvl8pPr marL="3200400" indent="0">
+            <a:defRPr sz="1100">
+              <a:latin typeface="+mn-lt"/>
+              <a:ea typeface="+mn-ea"/>
+              <a:cs typeface="+mn-cs"/>
+            </a:defRPr>
+          </a:lvl8pPr>
+          <a:lvl9pPr marL="3657600" indent="0">
+            <a:defRPr sz="1100">
+              <a:latin typeface="+mn-lt"/>
+              <a:ea typeface="+mn-ea"/>
+              <a:cs typeface="+mn-cs"/>
+            </a:defRPr>
+          </a:lvl9pPr>
+        </a:lstStyle>
+        <a:p xmlns:a="http://schemas.openxmlformats.org/drawingml/2006/main">
+          <a:r>
+            <a:rPr lang="en-US" sz="1200" dirty="0">
+              <a:latin typeface="Times New Roman" panose="02020603050405020304" pitchFamily="18" charset="0"/>
+              <a:cs typeface="Times New Roman" panose="02020603050405020304" pitchFamily="18" charset="0"/>
+            </a:rPr>
+            <a:t>1</a:t>
+          </a:r>
+          <a:endParaRPr lang="ru-RU" sz="1200" dirty="0">
+            <a:latin typeface="Times New Roman" panose="02020603050405020304" pitchFamily="18" charset="0"/>
+            <a:cs typeface="Times New Roman" panose="02020603050405020304" pitchFamily="18" charset="0"/>
+          </a:endParaRPr>
+        </a:p>
+      </cdr:txBody>
+    </cdr:sp>
+  </cdr:relSizeAnchor>
+  <cdr:relSizeAnchor xmlns:cdr="http://schemas.openxmlformats.org/drawingml/2006/chartDrawing">
+    <cdr:from>
+      <cdr:x>0.92054</cdr:x>
+      <cdr:y>0.24293</cdr:y>
+    </cdr:from>
+    <cdr:to>
+      <cdr:x>1</cdr:x>
+      <cdr:y>0.37369</cdr:y>
+    </cdr:to>
+    <cdr:sp macro="" textlink="">
+      <cdr:nvSpPr>
+        <cdr:cNvPr id="3" name="TextBox 1"/>
+        <cdr:cNvSpPr txBox="1"/>
+      </cdr:nvSpPr>
+      <cdr:spPr>
+        <a:xfrm xmlns:a="http://schemas.openxmlformats.org/drawingml/2006/main">
+          <a:off x="3156516" y="554170"/>
+          <a:ext cx="272484" cy="298317"/>
+        </a:xfrm>
+        <a:prstGeom xmlns:a="http://schemas.openxmlformats.org/drawingml/2006/main" prst="rect">
+          <a:avLst/>
+        </a:prstGeom>
+      </cdr:spPr>
+      <cdr:txBody>
+        <a:bodyPr xmlns:a="http://schemas.openxmlformats.org/drawingml/2006/main" wrap="none" rtlCol="0"/>
+        <a:lstStyle xmlns:a="http://schemas.openxmlformats.org/drawingml/2006/main">
+          <a:lvl1pPr marL="0" indent="0">
+            <a:defRPr sz="1100">
+              <a:latin typeface="+mn-lt"/>
+              <a:ea typeface="+mn-ea"/>
+              <a:cs typeface="+mn-cs"/>
+            </a:defRPr>
+          </a:lvl1pPr>
+          <a:lvl2pPr marL="457200" indent="0">
+            <a:defRPr sz="1100">
+              <a:latin typeface="+mn-lt"/>
+              <a:ea typeface="+mn-ea"/>
+              <a:cs typeface="+mn-cs"/>
+            </a:defRPr>
+          </a:lvl2pPr>
+          <a:lvl3pPr marL="914400" indent="0">
+            <a:defRPr sz="1100">
+              <a:latin typeface="+mn-lt"/>
+              <a:ea typeface="+mn-ea"/>
+              <a:cs typeface="+mn-cs"/>
+            </a:defRPr>
+          </a:lvl3pPr>
+          <a:lvl4pPr marL="1371600" indent="0">
+            <a:defRPr sz="1100">
+              <a:latin typeface="+mn-lt"/>
+              <a:ea typeface="+mn-ea"/>
+              <a:cs typeface="+mn-cs"/>
+            </a:defRPr>
+          </a:lvl4pPr>
+          <a:lvl5pPr marL="1828800" indent="0">
+            <a:defRPr sz="1100">
+              <a:latin typeface="+mn-lt"/>
+              <a:ea typeface="+mn-ea"/>
+              <a:cs typeface="+mn-cs"/>
+            </a:defRPr>
+          </a:lvl5pPr>
+          <a:lvl6pPr marL="2286000" indent="0">
+            <a:defRPr sz="1100">
+              <a:latin typeface="+mn-lt"/>
+              <a:ea typeface="+mn-ea"/>
+              <a:cs typeface="+mn-cs"/>
+            </a:defRPr>
+          </a:lvl6pPr>
+          <a:lvl7pPr marL="2743200" indent="0">
+            <a:defRPr sz="1100">
+              <a:latin typeface="+mn-lt"/>
+              <a:ea typeface="+mn-ea"/>
+              <a:cs typeface="+mn-cs"/>
+            </a:defRPr>
+          </a:lvl7pPr>
+          <a:lvl8pPr marL="3200400" indent="0">
+            <a:defRPr sz="1100">
+              <a:latin typeface="+mn-lt"/>
+              <a:ea typeface="+mn-ea"/>
+              <a:cs typeface="+mn-cs"/>
+            </a:defRPr>
+          </a:lvl8pPr>
+          <a:lvl9pPr marL="3657600" indent="0">
+            <a:defRPr sz="1100">
+              <a:latin typeface="+mn-lt"/>
+              <a:ea typeface="+mn-ea"/>
+              <a:cs typeface="+mn-cs"/>
+            </a:defRPr>
+          </a:lvl9pPr>
+        </a:lstStyle>
+        <a:p xmlns:a="http://schemas.openxmlformats.org/drawingml/2006/main">
+          <a:r>
+            <a:rPr lang="en-US" sz="1200" dirty="0">
+              <a:latin typeface="Times New Roman" panose="02020603050405020304" pitchFamily="18" charset="0"/>
+              <a:cs typeface="Times New Roman" panose="02020603050405020304" pitchFamily="18" charset="0"/>
+            </a:rPr>
+            <a:t>2</a:t>
+          </a:r>
+          <a:endParaRPr lang="ru-RU" sz="1200" dirty="0">
+            <a:latin typeface="Times New Roman" panose="02020603050405020304" pitchFamily="18" charset="0"/>
+            <a:cs typeface="Times New Roman" panose="02020603050405020304" pitchFamily="18" charset="0"/>
+          </a:endParaRPr>
+        </a:p>
+      </cdr:txBody>
+    </cdr:sp>
+  </cdr:relSizeAnchor>
+  <cdr:relSizeAnchor xmlns:cdr="http://schemas.openxmlformats.org/drawingml/2006/chartDrawing">
+    <cdr:from>
+      <cdr:x>0.91726</cdr:x>
+      <cdr:y>0.46249</cdr:y>
+    </cdr:from>
+    <cdr:to>
+      <cdr:x>1</cdr:x>
+      <cdr:y>0.5837</cdr:y>
+    </cdr:to>
+    <cdr:sp macro="" textlink="">
+      <cdr:nvSpPr>
+        <cdr:cNvPr id="4" name="TextBox 1"/>
+        <cdr:cNvSpPr txBox="1"/>
+      </cdr:nvSpPr>
+      <cdr:spPr>
+        <a:xfrm xmlns:a="http://schemas.openxmlformats.org/drawingml/2006/main">
+          <a:off x="3145273" y="1092131"/>
+          <a:ext cx="283727" cy="286223"/>
+        </a:xfrm>
+        <a:prstGeom xmlns:a="http://schemas.openxmlformats.org/drawingml/2006/main" prst="rect">
+          <a:avLst/>
+        </a:prstGeom>
+      </cdr:spPr>
+      <cdr:txBody>
+        <a:bodyPr xmlns:a="http://schemas.openxmlformats.org/drawingml/2006/main" wrap="none" rtlCol="0"/>
+        <a:lstStyle xmlns:a="http://schemas.openxmlformats.org/drawingml/2006/main">
+          <a:lvl1pPr marL="0" indent="0">
+            <a:defRPr sz="1100">
+              <a:latin typeface="+mn-lt"/>
+              <a:ea typeface="+mn-ea"/>
+              <a:cs typeface="+mn-cs"/>
+            </a:defRPr>
+          </a:lvl1pPr>
+          <a:lvl2pPr marL="457200" indent="0">
+            <a:defRPr sz="1100">
+              <a:latin typeface="+mn-lt"/>
+              <a:ea typeface="+mn-ea"/>
+              <a:cs typeface="+mn-cs"/>
+            </a:defRPr>
+          </a:lvl2pPr>
+          <a:lvl3pPr marL="914400" indent="0">
+            <a:defRPr sz="1100">
+              <a:latin typeface="+mn-lt"/>
+              <a:ea typeface="+mn-ea"/>
+              <a:cs typeface="+mn-cs"/>
+            </a:defRPr>
+          </a:lvl3pPr>
+          <a:lvl4pPr marL="1371600" indent="0">
+            <a:defRPr sz="1100">
+              <a:latin typeface="+mn-lt"/>
+              <a:ea typeface="+mn-ea"/>
+              <a:cs typeface="+mn-cs"/>
+            </a:defRPr>
+          </a:lvl4pPr>
+          <a:lvl5pPr marL="1828800" indent="0">
+            <a:defRPr sz="1100">
+              <a:latin typeface="+mn-lt"/>
+              <a:ea typeface="+mn-ea"/>
+              <a:cs typeface="+mn-cs"/>
+            </a:defRPr>
+          </a:lvl5pPr>
+          <a:lvl6pPr marL="2286000" indent="0">
+            <a:defRPr sz="1100">
+              <a:latin typeface="+mn-lt"/>
+              <a:ea typeface="+mn-ea"/>
+              <a:cs typeface="+mn-cs"/>
+            </a:defRPr>
+          </a:lvl6pPr>
+          <a:lvl7pPr marL="2743200" indent="0">
+            <a:defRPr sz="1100">
+              <a:latin typeface="+mn-lt"/>
+              <a:ea typeface="+mn-ea"/>
+              <a:cs typeface="+mn-cs"/>
+            </a:defRPr>
+          </a:lvl7pPr>
+          <a:lvl8pPr marL="3200400" indent="0">
+            <a:defRPr sz="1100">
+              <a:latin typeface="+mn-lt"/>
+              <a:ea typeface="+mn-ea"/>
+              <a:cs typeface="+mn-cs"/>
+            </a:defRPr>
+          </a:lvl8pPr>
+          <a:lvl9pPr marL="3657600" indent="0">
+            <a:defRPr sz="1100">
+              <a:latin typeface="+mn-lt"/>
+              <a:ea typeface="+mn-ea"/>
+              <a:cs typeface="+mn-cs"/>
+            </a:defRPr>
+          </a:lvl9pPr>
+        </a:lstStyle>
+        <a:p xmlns:a="http://schemas.openxmlformats.org/drawingml/2006/main">
+          <a:r>
+            <a:rPr lang="en-US" sz="1200" dirty="0">
+              <a:latin typeface="Times New Roman" panose="02020603050405020304" pitchFamily="18" charset="0"/>
+              <a:cs typeface="Times New Roman" panose="02020603050405020304" pitchFamily="18" charset="0"/>
+            </a:rPr>
+            <a:t>3</a:t>
+          </a:r>
+          <a:endParaRPr lang="ru-RU" sz="1200" dirty="0">
+            <a:latin typeface="Times New Roman" panose="02020603050405020304" pitchFamily="18" charset="0"/>
+            <a:cs typeface="Times New Roman" panose="02020603050405020304" pitchFamily="18" charset="0"/>
+          </a:endParaRPr>
+        </a:p>
+      </cdr:txBody>
+    </cdr:sp>
+  </cdr:relSizeAnchor>
+  <cdr:relSizeAnchor xmlns:cdr="http://schemas.openxmlformats.org/drawingml/2006/chartDrawing">
+    <cdr:from>
+      <cdr:x>0.9251</cdr:x>
+      <cdr:y>0.67804</cdr:y>
+    </cdr:from>
+    <cdr:to>
+      <cdr:x>1</cdr:x>
+      <cdr:y>0.78978</cdr:y>
+    </cdr:to>
+    <cdr:sp macro="" textlink="">
+      <cdr:nvSpPr>
+        <cdr:cNvPr id="5" name="TextBox 1"/>
+        <cdr:cNvSpPr txBox="1"/>
+      </cdr:nvSpPr>
+      <cdr:spPr>
+        <a:xfrm xmlns:a="http://schemas.openxmlformats.org/drawingml/2006/main">
+          <a:off x="3172164" y="1601130"/>
+          <a:ext cx="256836" cy="263861"/>
+        </a:xfrm>
+        <a:prstGeom xmlns:a="http://schemas.openxmlformats.org/drawingml/2006/main" prst="rect">
+          <a:avLst/>
+        </a:prstGeom>
+      </cdr:spPr>
+      <cdr:txBody>
+        <a:bodyPr xmlns:a="http://schemas.openxmlformats.org/drawingml/2006/main" wrap="none" rtlCol="0"/>
+        <a:lstStyle xmlns:a="http://schemas.openxmlformats.org/drawingml/2006/main">
+          <a:lvl1pPr marL="0" indent="0">
+            <a:defRPr sz="1100">
+              <a:latin typeface="+mn-lt"/>
+              <a:ea typeface="+mn-ea"/>
+              <a:cs typeface="+mn-cs"/>
+            </a:defRPr>
+          </a:lvl1pPr>
+          <a:lvl2pPr marL="457200" indent="0">
+            <a:defRPr sz="1100">
+              <a:latin typeface="+mn-lt"/>
+              <a:ea typeface="+mn-ea"/>
+              <a:cs typeface="+mn-cs"/>
+            </a:defRPr>
+          </a:lvl2pPr>
+          <a:lvl3pPr marL="914400" indent="0">
+            <a:defRPr sz="1100">
+              <a:latin typeface="+mn-lt"/>
+              <a:ea typeface="+mn-ea"/>
+              <a:cs typeface="+mn-cs"/>
+            </a:defRPr>
+          </a:lvl3pPr>
+          <a:lvl4pPr marL="1371600" indent="0">
+            <a:defRPr sz="1100">
+              <a:latin typeface="+mn-lt"/>
+              <a:ea typeface="+mn-ea"/>
+              <a:cs typeface="+mn-cs"/>
+            </a:defRPr>
+          </a:lvl4pPr>
+          <a:lvl5pPr marL="1828800" indent="0">
+            <a:defRPr sz="1100">
+              <a:latin typeface="+mn-lt"/>
+              <a:ea typeface="+mn-ea"/>
+              <a:cs typeface="+mn-cs"/>
+            </a:defRPr>
+          </a:lvl5pPr>
+          <a:lvl6pPr marL="2286000" indent="0">
+            <a:defRPr sz="1100">
+              <a:latin typeface="+mn-lt"/>
+              <a:ea typeface="+mn-ea"/>
+              <a:cs typeface="+mn-cs"/>
+            </a:defRPr>
+          </a:lvl6pPr>
+          <a:lvl7pPr marL="2743200" indent="0">
+            <a:defRPr sz="1100">
+              <a:latin typeface="+mn-lt"/>
+              <a:ea typeface="+mn-ea"/>
+              <a:cs typeface="+mn-cs"/>
+            </a:defRPr>
+          </a:lvl7pPr>
+          <a:lvl8pPr marL="3200400" indent="0">
+            <a:defRPr sz="1100">
+              <a:latin typeface="+mn-lt"/>
+              <a:ea typeface="+mn-ea"/>
+              <a:cs typeface="+mn-cs"/>
+            </a:defRPr>
+          </a:lvl8pPr>
+          <a:lvl9pPr marL="3657600" indent="0">
+            <a:defRPr sz="1100">
+              <a:latin typeface="+mn-lt"/>
+              <a:ea typeface="+mn-ea"/>
+              <a:cs typeface="+mn-cs"/>
+            </a:defRPr>
+          </a:lvl9pPr>
+        </a:lstStyle>
+        <a:p xmlns:a="http://schemas.openxmlformats.org/drawingml/2006/main">
+          <a:r>
+            <a:rPr lang="en-US" sz="1200" dirty="0">
+              <a:latin typeface="Times New Roman" panose="02020603050405020304" pitchFamily="18" charset="0"/>
+              <a:cs typeface="Times New Roman" panose="02020603050405020304" pitchFamily="18" charset="0"/>
+            </a:rPr>
+            <a:t>4</a:t>
+          </a:r>
+          <a:endParaRPr lang="ru-RU" sz="1200" dirty="0">
+            <a:latin typeface="Times New Roman" panose="02020603050405020304" pitchFamily="18" charset="0"/>
+            <a:cs typeface="Times New Roman" panose="02020603050405020304" pitchFamily="18" charset="0"/>
+          </a:endParaRPr>
+        </a:p>
+      </cdr:txBody>
+    </cdr:sp>
+  </cdr:relSizeAnchor>
+</c:userShapes>
+</file>
+
 <file path=ppt/notesMasters/notesMaster1.xml><?xml version="1.0" encoding="utf-8"?>
 <p:notesMaster xmlns:a="http://schemas.openxmlformats.org/drawingml/2006/main" xmlns:r="http://schemas.openxmlformats.org/officeDocument/2006/relationships" xmlns:p="http://schemas.openxmlformats.org/presentationml/2006/main">
   <p:cSld>
@@ -201,7 +4822,7 @@
           <a:p>
             <a:fld id="{868F2153-3B61-4DC9-88E5-A6CB59E5381F}" type="datetimeFigureOut">
               <a:rPr lang="ru-RU" smtClean="0"/>
-              <a:t>14.10.2016</a:t>
+              <a:t>15.03.2017</a:t>
             </a:fld>
             <a:endParaRPr lang="ru-RU"/>
           </a:p>
@@ -655,6 +5276,325 @@
 </p:notes>
 </file>
 
+<file path=ppt/notesSlides/notesSlide3.xml><?xml version="1.0" encoding="utf-8"?>
+<p:notes xmlns:a="http://schemas.openxmlformats.org/drawingml/2006/main" xmlns:r="http://schemas.openxmlformats.org/officeDocument/2006/relationships" xmlns:p="http://schemas.openxmlformats.org/presentationml/2006/main">
+  <p:cSld>
+    <p:spTree>
+      <p:nvGrpSpPr>
+        <p:cNvPr id="1" name=""/>
+        <p:cNvGrpSpPr/>
+        <p:nvPr/>
+      </p:nvGrpSpPr>
+      <p:grpSpPr>
+        <a:xfrm>
+          <a:off x="0" y="0"/>
+          <a:ext cx="0" cy="0"/>
+          <a:chOff x="0" y="0"/>
+          <a:chExt cx="0" cy="0"/>
+        </a:xfrm>
+      </p:grpSpPr>
+      <p:sp>
+        <p:nvSpPr>
+          <p:cNvPr id="2" name="Образ слайда 1"/>
+          <p:cNvSpPr>
+            <a:spLocks noGrp="1" noRot="1" noChangeAspect="1"/>
+          </p:cNvSpPr>
+          <p:nvPr>
+            <p:ph type="sldImg"/>
+          </p:nvPr>
+        </p:nvSpPr>
+        <p:spPr/>
+      </p:sp>
+      <p:sp>
+        <p:nvSpPr>
+          <p:cNvPr id="3" name="Заметки 2"/>
+          <p:cNvSpPr>
+            <a:spLocks noGrp="1"/>
+          </p:cNvSpPr>
+          <p:nvPr>
+            <p:ph type="body" idx="1"/>
+          </p:nvPr>
+        </p:nvSpPr>
+        <p:spPr/>
+        <p:txBody>
+          <a:bodyPr/>
+          <a:lstStyle/>
+          <a:p>
+            <a:r>
+              <a:rPr lang="en-US" dirty="0" err="1" smtClean="0"/>
+              <a:t>Comm_opt</a:t>
+            </a:r>
+            <a:r>
+              <a:rPr lang="en-US" dirty="0" smtClean="0"/>
+              <a:t> Jet N=40 000</a:t>
+            </a:r>
+            <a:endParaRPr lang="en-US" dirty="0"/>
+          </a:p>
+        </p:txBody>
+      </p:sp>
+      <p:sp>
+        <p:nvSpPr>
+          <p:cNvPr id="4" name="Номер слайда 3"/>
+          <p:cNvSpPr>
+            <a:spLocks noGrp="1"/>
+          </p:cNvSpPr>
+          <p:nvPr>
+            <p:ph type="sldNum" sz="quarter" idx="10"/>
+          </p:nvPr>
+        </p:nvSpPr>
+        <p:spPr/>
+        <p:txBody>
+          <a:bodyPr/>
+          <a:lstStyle/>
+          <a:p>
+            <a:fld id="{9AD91DA6-3EC0-4889-8375-667BFEECAFC1}" type="slidenum">
+              <a:rPr lang="ru-RU" smtClean="0"/>
+              <a:t>7</a:t>
+            </a:fld>
+            <a:endParaRPr lang="ru-RU"/>
+          </a:p>
+        </p:txBody>
+      </p:sp>
+    </p:spTree>
+    <p:extLst>
+      <p:ext uri="{BB962C8B-B14F-4D97-AF65-F5344CB8AC3E}">
+        <p14:creationId xmlns:p14="http://schemas.microsoft.com/office/powerpoint/2010/main" val="3454306040"/>
+      </p:ext>
+    </p:extLst>
+  </p:cSld>
+  <p:clrMapOvr>
+    <a:masterClrMapping/>
+  </p:clrMapOvr>
+</p:notes>
+</file>
+
+<file path=ppt/notesSlides/notesSlide4.xml><?xml version="1.0" encoding="utf-8"?>
+<p:notes xmlns:a="http://schemas.openxmlformats.org/drawingml/2006/main" xmlns:r="http://schemas.openxmlformats.org/officeDocument/2006/relationships" xmlns:p="http://schemas.openxmlformats.org/presentationml/2006/main">
+  <p:cSld>
+    <p:spTree>
+      <p:nvGrpSpPr>
+        <p:cNvPr id="1" name=""/>
+        <p:cNvGrpSpPr/>
+        <p:nvPr/>
+      </p:nvGrpSpPr>
+      <p:grpSpPr>
+        <a:xfrm>
+          <a:off x="0" y="0"/>
+          <a:ext cx="0" cy="0"/>
+          <a:chOff x="0" y="0"/>
+          <a:chExt cx="0" cy="0"/>
+        </a:xfrm>
+      </p:grpSpPr>
+      <p:sp>
+        <p:nvSpPr>
+          <p:cNvPr id="2" name="Образ слайда 1"/>
+          <p:cNvSpPr>
+            <a:spLocks noGrp="1" noRot="1" noChangeAspect="1"/>
+          </p:cNvSpPr>
+          <p:nvPr>
+            <p:ph type="sldImg"/>
+          </p:nvPr>
+        </p:nvSpPr>
+        <p:spPr/>
+      </p:sp>
+      <p:sp>
+        <p:nvSpPr>
+          <p:cNvPr id="3" name="Заметки 2"/>
+          <p:cNvSpPr>
+            <a:spLocks noGrp="1"/>
+          </p:cNvSpPr>
+          <p:nvPr>
+            <p:ph type="body" idx="1"/>
+          </p:nvPr>
+        </p:nvSpPr>
+        <p:spPr/>
+        <p:txBody>
+          <a:bodyPr/>
+          <a:lstStyle/>
+          <a:p>
+            <a:pPr marL="0" marR="0" indent="0" algn="l" defTabSz="751357" rtl="0" eaLnBrk="1" fontAlgn="auto" latinLnBrk="0" hangingPunct="1">
+              <a:lnSpc>
+                <a:spcPct val="100000"/>
+              </a:lnSpc>
+              <a:spcBef>
+                <a:spcPts val="0"/>
+              </a:spcBef>
+              <a:spcAft>
+                <a:spcPts val="0"/>
+              </a:spcAft>
+              <a:buClrTx/>
+              <a:buSzTx/>
+              <a:buFontTx/>
+              <a:buNone/>
+              <a:tabLst/>
+              <a:defRPr/>
+            </a:pPr>
+            <a:r>
+              <a:rPr lang="en-US" dirty="0" err="1" smtClean="0"/>
+              <a:t>ArrayPreload</a:t>
+            </a:r>
+            <a:r>
+              <a:rPr lang="en-US" baseline="0" dirty="0" smtClean="0"/>
+              <a:t> </a:t>
+            </a:r>
+            <a:r>
+              <a:rPr lang="en-US" dirty="0" smtClean="0"/>
+              <a:t>Jet N=40 000</a:t>
+            </a:r>
+          </a:p>
+          <a:p>
+            <a:endParaRPr lang="en-US" dirty="0"/>
+          </a:p>
+        </p:txBody>
+      </p:sp>
+      <p:sp>
+        <p:nvSpPr>
+          <p:cNvPr id="4" name="Номер слайда 3"/>
+          <p:cNvSpPr>
+            <a:spLocks noGrp="1"/>
+          </p:cNvSpPr>
+          <p:nvPr>
+            <p:ph type="sldNum" sz="quarter" idx="10"/>
+          </p:nvPr>
+        </p:nvSpPr>
+        <p:spPr/>
+        <p:txBody>
+          <a:bodyPr/>
+          <a:lstStyle/>
+          <a:p>
+            <a:fld id="{9AD91DA6-3EC0-4889-8375-667BFEECAFC1}" type="slidenum">
+              <a:rPr lang="ru-RU" smtClean="0"/>
+              <a:t>8</a:t>
+            </a:fld>
+            <a:endParaRPr lang="ru-RU"/>
+          </a:p>
+        </p:txBody>
+      </p:sp>
+    </p:spTree>
+    <p:extLst>
+      <p:ext uri="{BB962C8B-B14F-4D97-AF65-F5344CB8AC3E}">
+        <p14:creationId xmlns:p14="http://schemas.microsoft.com/office/powerpoint/2010/main" val="1163100303"/>
+      </p:ext>
+    </p:extLst>
+  </p:cSld>
+  <p:clrMapOvr>
+    <a:masterClrMapping/>
+  </p:clrMapOvr>
+</p:notes>
+</file>
+
+<file path=ppt/notesSlides/notesSlide5.xml><?xml version="1.0" encoding="utf-8"?>
+<p:notes xmlns:a="http://schemas.openxmlformats.org/drawingml/2006/main" xmlns:r="http://schemas.openxmlformats.org/officeDocument/2006/relationships" xmlns:p="http://schemas.openxmlformats.org/presentationml/2006/main">
+  <p:cSld>
+    <p:spTree>
+      <p:nvGrpSpPr>
+        <p:cNvPr id="1" name=""/>
+        <p:cNvGrpSpPr/>
+        <p:nvPr/>
+      </p:nvGrpSpPr>
+      <p:grpSpPr>
+        <a:xfrm>
+          <a:off x="0" y="0"/>
+          <a:ext cx="0" cy="0"/>
+          <a:chOff x="0" y="0"/>
+          <a:chExt cx="0" cy="0"/>
+        </a:xfrm>
+      </p:grpSpPr>
+      <p:sp>
+        <p:nvSpPr>
+          <p:cNvPr id="2" name="Образ слайда 1"/>
+          <p:cNvSpPr>
+            <a:spLocks noGrp="1" noRot="1" noChangeAspect="1"/>
+          </p:cNvSpPr>
+          <p:nvPr>
+            <p:ph type="sldImg"/>
+          </p:nvPr>
+        </p:nvSpPr>
+        <p:spPr/>
+      </p:sp>
+      <p:sp>
+        <p:nvSpPr>
+          <p:cNvPr id="3" name="Заметки 2"/>
+          <p:cNvSpPr>
+            <a:spLocks noGrp="1"/>
+          </p:cNvSpPr>
+          <p:nvPr>
+            <p:ph type="body" idx="1"/>
+          </p:nvPr>
+        </p:nvSpPr>
+        <p:spPr/>
+        <p:txBody>
+          <a:bodyPr/>
+          <a:lstStyle/>
+          <a:p>
+            <a:pPr marL="0" marR="0" indent="0" algn="l" defTabSz="751357" rtl="0" eaLnBrk="1" fontAlgn="auto" latinLnBrk="0" hangingPunct="1">
+              <a:lnSpc>
+                <a:spcPct val="100000"/>
+              </a:lnSpc>
+              <a:spcBef>
+                <a:spcPts val="0"/>
+              </a:spcBef>
+              <a:spcAft>
+                <a:spcPts val="0"/>
+              </a:spcAft>
+              <a:buClrTx/>
+              <a:buSzTx/>
+              <a:buFontTx/>
+              <a:buNone/>
+              <a:tabLst/>
+              <a:defRPr/>
+            </a:pPr>
+            <a:r>
+              <a:rPr lang="en-US" dirty="0" err="1" smtClean="0"/>
+              <a:t>ArrayPreload</a:t>
+            </a:r>
+            <a:r>
+              <a:rPr lang="en-US" dirty="0" smtClean="0"/>
+              <a:t> Oak </a:t>
+            </a:r>
+            <a:r>
+              <a:rPr lang="en-US" dirty="0" smtClean="0"/>
+              <a:t>N=40 000</a:t>
+            </a:r>
+          </a:p>
+        </p:txBody>
+      </p:sp>
+      <p:sp>
+        <p:nvSpPr>
+          <p:cNvPr id="4" name="Номер слайда 3"/>
+          <p:cNvSpPr>
+            <a:spLocks noGrp="1"/>
+          </p:cNvSpPr>
+          <p:nvPr>
+            <p:ph type="sldNum" sz="quarter" idx="10"/>
+          </p:nvPr>
+        </p:nvSpPr>
+        <p:spPr/>
+        <p:txBody>
+          <a:bodyPr/>
+          <a:lstStyle/>
+          <a:p>
+            <a:fld id="{9AD91DA6-3EC0-4889-8375-667BFEECAFC1}" type="slidenum">
+              <a:rPr lang="ru-RU" smtClean="0"/>
+              <a:t>9</a:t>
+            </a:fld>
+            <a:endParaRPr lang="ru-RU"/>
+          </a:p>
+        </p:txBody>
+      </p:sp>
+    </p:spTree>
+    <p:extLst>
+      <p:ext uri="{BB962C8B-B14F-4D97-AF65-F5344CB8AC3E}">
+        <p14:creationId xmlns:p14="http://schemas.microsoft.com/office/powerpoint/2010/main" val="1833721525"/>
+      </p:ext>
+    </p:extLst>
+  </p:cSld>
+  <p:clrMapOvr>
+    <a:masterClrMapping/>
+  </p:clrMapOvr>
+</p:notes>
+</file>
+
 <file path=ppt/slideLayouts/slideLayout1.xml><?xml version="1.0" encoding="utf-8"?>
 <p:sldLayout xmlns:a="http://schemas.openxmlformats.org/drawingml/2006/main" xmlns:r="http://schemas.openxmlformats.org/officeDocument/2006/relationships" xmlns:p="http://schemas.openxmlformats.org/presentationml/2006/main" type="title" preserve="1">
   <p:cSld name="Титульный слайд">
@@ -786,7 +5726,7 @@
           <a:p>
             <a:fld id="{15652027-E97C-4D29-AC2B-624FDA49C33D}" type="datetimeFigureOut">
               <a:rPr lang="ru-RU" smtClean="0"/>
-              <a:t>14.10.2016</a:t>
+              <a:t>15.03.2017</a:t>
             </a:fld>
             <a:endParaRPr lang="ru-RU"/>
           </a:p>
@@ -956,7 +5896,7 @@
           <a:p>
             <a:fld id="{15652027-E97C-4D29-AC2B-624FDA49C33D}" type="datetimeFigureOut">
               <a:rPr lang="ru-RU" smtClean="0"/>
-              <a:t>14.10.2016</a:t>
+              <a:t>15.03.2017</a:t>
             </a:fld>
             <a:endParaRPr lang="ru-RU"/>
           </a:p>
@@ -1136,7 +6076,7 @@
           <a:p>
             <a:fld id="{15652027-E97C-4D29-AC2B-624FDA49C33D}" type="datetimeFigureOut">
               <a:rPr lang="ru-RU" smtClean="0"/>
-              <a:t>14.10.2016</a:t>
+              <a:t>15.03.2017</a:t>
             </a:fld>
             <a:endParaRPr lang="ru-RU"/>
           </a:p>
@@ -1306,7 +6246,7 @@
           <a:p>
             <a:fld id="{15652027-E97C-4D29-AC2B-624FDA49C33D}" type="datetimeFigureOut">
               <a:rPr lang="ru-RU" smtClean="0"/>
-              <a:t>14.10.2016</a:t>
+              <a:t>15.03.2017</a:t>
             </a:fld>
             <a:endParaRPr lang="ru-RU"/>
           </a:p>
@@ -1550,7 +6490,7 @@
           <a:p>
             <a:fld id="{15652027-E97C-4D29-AC2B-624FDA49C33D}" type="datetimeFigureOut">
               <a:rPr lang="ru-RU" smtClean="0"/>
-              <a:t>14.10.2016</a:t>
+              <a:t>15.03.2017</a:t>
             </a:fld>
             <a:endParaRPr lang="ru-RU"/>
           </a:p>
@@ -1782,7 +6722,7 @@
           <a:p>
             <a:fld id="{15652027-E97C-4D29-AC2B-624FDA49C33D}" type="datetimeFigureOut">
               <a:rPr lang="ru-RU" smtClean="0"/>
-              <a:t>14.10.2016</a:t>
+              <a:t>15.03.2017</a:t>
             </a:fld>
             <a:endParaRPr lang="ru-RU"/>
           </a:p>
@@ -2149,7 +7089,7 @@
           <a:p>
             <a:fld id="{15652027-E97C-4D29-AC2B-624FDA49C33D}" type="datetimeFigureOut">
               <a:rPr lang="ru-RU" smtClean="0"/>
-              <a:t>14.10.2016</a:t>
+              <a:t>15.03.2017</a:t>
             </a:fld>
             <a:endParaRPr lang="ru-RU"/>
           </a:p>
@@ -2267,7 +7207,7 @@
           <a:p>
             <a:fld id="{15652027-E97C-4D29-AC2B-624FDA49C33D}" type="datetimeFigureOut">
               <a:rPr lang="ru-RU" smtClean="0"/>
-              <a:t>14.10.2016</a:t>
+              <a:t>15.03.2017</a:t>
             </a:fld>
             <a:endParaRPr lang="ru-RU"/>
           </a:p>
@@ -2362,7 +7302,7 @@
           <a:p>
             <a:fld id="{15652027-E97C-4D29-AC2B-624FDA49C33D}" type="datetimeFigureOut">
               <a:rPr lang="ru-RU" smtClean="0"/>
-              <a:t>14.10.2016</a:t>
+              <a:t>15.03.2017</a:t>
             </a:fld>
             <a:endParaRPr lang="ru-RU"/>
           </a:p>
@@ -2639,7 +7579,7 @@
           <a:p>
             <a:fld id="{15652027-E97C-4D29-AC2B-624FDA49C33D}" type="datetimeFigureOut">
               <a:rPr lang="ru-RU" smtClean="0"/>
-              <a:t>14.10.2016</a:t>
+              <a:t>15.03.2017</a:t>
             </a:fld>
             <a:endParaRPr lang="ru-RU"/>
           </a:p>
@@ -2896,7 +7836,7 @@
           <a:p>
             <a:fld id="{15652027-E97C-4D29-AC2B-624FDA49C33D}" type="datetimeFigureOut">
               <a:rPr lang="ru-RU" smtClean="0"/>
-              <a:t>14.10.2016</a:t>
+              <a:t>15.03.2017</a:t>
             </a:fld>
             <a:endParaRPr lang="ru-RU"/>
           </a:p>
@@ -3109,7 +8049,7 @@
           <a:p>
             <a:fld id="{15652027-E97C-4D29-AC2B-624FDA49C33D}" type="datetimeFigureOut">
               <a:rPr lang="ru-RU" smtClean="0"/>
-              <a:t>14.10.2016</a:t>
+              <a:t>15.03.2017</a:t>
             </a:fld>
             <a:endParaRPr lang="ru-RU"/>
           </a:p>
@@ -3628,13 +8568,6 @@
               </a:rPr>
               <a:t>1</a:t>
             </a:r>
-            <a:endParaRPr lang="ru-RU" sz="1939" dirty="0">
-              <a:solidFill>
-                <a:schemeClr val="tx1"/>
-              </a:solidFill>
-              <a:latin typeface="Times New Roman" panose="02020603050405020304" pitchFamily="18" charset="0"/>
-              <a:cs typeface="Times New Roman" panose="02020603050405020304" pitchFamily="18" charset="0"/>
-            </a:endParaRPr>
           </a:p>
         </p:txBody>
       </p:sp>
@@ -3690,13 +8623,6 @@
               </a:rPr>
               <a:t>…</a:t>
             </a:r>
-            <a:endParaRPr lang="ru-RU" sz="1939" dirty="0">
-              <a:solidFill>
-                <a:schemeClr val="tx1"/>
-              </a:solidFill>
-              <a:latin typeface="Times New Roman" panose="02020603050405020304" pitchFamily="18" charset="0"/>
-              <a:cs typeface="Times New Roman" panose="02020603050405020304" pitchFamily="18" charset="0"/>
-            </a:endParaRPr>
           </a:p>
         </p:txBody>
       </p:sp>
@@ -4084,10 +9010,6 @@
               </a:rPr>
               <a:t>ВУ1</a:t>
             </a:r>
-            <a:endParaRPr lang="ru-RU" sz="1939" dirty="0">
-              <a:latin typeface="Times New Roman" panose="02020603050405020304" pitchFamily="18" charset="0"/>
-              <a:cs typeface="Times New Roman" panose="02020603050405020304" pitchFamily="18" charset="0"/>
-            </a:endParaRPr>
           </a:p>
         </p:txBody>
       </p:sp>
@@ -4205,13 +9127,6 @@
               </a:rPr>
               <a:t>1</a:t>
             </a:r>
-            <a:endParaRPr lang="ru-RU" sz="1939" dirty="0">
-              <a:solidFill>
-                <a:schemeClr val="tx1"/>
-              </a:solidFill>
-              <a:latin typeface="Times New Roman" panose="02020603050405020304" pitchFamily="18" charset="0"/>
-              <a:cs typeface="Times New Roman" panose="02020603050405020304" pitchFamily="18" charset="0"/>
-            </a:endParaRPr>
           </a:p>
         </p:txBody>
       </p:sp>
@@ -4267,13 +9182,6 @@
               </a:rPr>
               <a:t>…</a:t>
             </a:r>
-            <a:endParaRPr lang="ru-RU" sz="1939" dirty="0">
-              <a:solidFill>
-                <a:schemeClr val="tx1"/>
-              </a:solidFill>
-              <a:latin typeface="Times New Roman" panose="02020603050405020304" pitchFamily="18" charset="0"/>
-              <a:cs typeface="Times New Roman" panose="02020603050405020304" pitchFamily="18" charset="0"/>
-            </a:endParaRPr>
           </a:p>
         </p:txBody>
       </p:sp>
@@ -5044,10 +9952,6 @@
               </a:rPr>
               <a:t>массива в память ВУ 2</a:t>
             </a:r>
-            <a:endParaRPr lang="ru-RU" sz="1939" dirty="0">
-              <a:latin typeface="Times New Roman" panose="02020603050405020304" pitchFamily="18" charset="0"/>
-              <a:cs typeface="Times New Roman" panose="02020603050405020304" pitchFamily="18" charset="0"/>
-            </a:endParaRPr>
           </a:p>
         </p:txBody>
       </p:sp>
@@ -5133,14 +10037,7 @@
                 <a:latin typeface="Consolas" panose="020B0609020204030204" pitchFamily="49" charset="0"/>
                 <a:cs typeface="Consolas" panose="020B0609020204030204" pitchFamily="49" charset="0"/>
               </a:rPr>
-              <a:t> = a(0</a:t>
-            </a:r>
-            <a:r>
-              <a:rPr lang="en-US" sz="1939" dirty="0">
-                <a:latin typeface="Consolas" panose="020B0609020204030204" pitchFamily="49" charset="0"/>
-                <a:cs typeface="Consolas" panose="020B0609020204030204" pitchFamily="49" charset="0"/>
-              </a:rPr>
-              <a:t>);</a:t>
+              <a:t> = a(0);</a:t>
             </a:r>
             <a:br>
               <a:rPr lang="en-US" sz="1939" dirty="0">
@@ -5313,13 +10210,6 @@
               </a:rPr>
               <a:t>1</a:t>
             </a:r>
-            <a:endParaRPr lang="ru-RU" sz="1939" dirty="0">
-              <a:solidFill>
-                <a:schemeClr val="tx1"/>
-              </a:solidFill>
-              <a:latin typeface="Times New Roman" panose="02020603050405020304" pitchFamily="18" charset="0"/>
-              <a:cs typeface="Times New Roman" panose="02020603050405020304" pitchFamily="18" charset="0"/>
-            </a:endParaRPr>
           </a:p>
         </p:txBody>
       </p:sp>
@@ -5375,13 +10265,6 @@
               </a:rPr>
               <a:t>…</a:t>
             </a:r>
-            <a:endParaRPr lang="ru-RU" sz="1939" dirty="0">
-              <a:solidFill>
-                <a:schemeClr val="tx1"/>
-              </a:solidFill>
-              <a:latin typeface="Times New Roman" panose="02020603050405020304" pitchFamily="18" charset="0"/>
-              <a:cs typeface="Times New Roman" panose="02020603050405020304" pitchFamily="18" charset="0"/>
-            </a:endParaRPr>
           </a:p>
         </p:txBody>
       </p:sp>
@@ -5769,10 +10652,6 @@
               </a:rPr>
               <a:t>ВУ1</a:t>
             </a:r>
-            <a:endParaRPr lang="ru-RU" sz="1939" dirty="0">
-              <a:latin typeface="Times New Roman" panose="02020603050405020304" pitchFamily="18" charset="0"/>
-              <a:cs typeface="Times New Roman" panose="02020603050405020304" pitchFamily="18" charset="0"/>
-            </a:endParaRPr>
           </a:p>
         </p:txBody>
       </p:sp>
@@ -5890,13 +10769,6 @@
               </a:rPr>
               <a:t>1</a:t>
             </a:r>
-            <a:endParaRPr lang="ru-RU" sz="1939" dirty="0">
-              <a:solidFill>
-                <a:schemeClr val="tx1"/>
-              </a:solidFill>
-              <a:latin typeface="Times New Roman" panose="02020603050405020304" pitchFamily="18" charset="0"/>
-              <a:cs typeface="Times New Roman" panose="02020603050405020304" pitchFamily="18" charset="0"/>
-            </a:endParaRPr>
           </a:p>
         </p:txBody>
       </p:sp>
@@ -5952,13 +10824,6 @@
               </a:rPr>
               <a:t>…</a:t>
             </a:r>
-            <a:endParaRPr lang="ru-RU" sz="1939" dirty="0">
-              <a:solidFill>
-                <a:schemeClr val="tx1"/>
-              </a:solidFill>
-              <a:latin typeface="Times New Roman" panose="02020603050405020304" pitchFamily="18" charset="0"/>
-              <a:cs typeface="Times New Roman" panose="02020603050405020304" pitchFamily="18" charset="0"/>
-            </a:endParaRPr>
           </a:p>
         </p:txBody>
       </p:sp>
@@ -6373,10 +11238,6 @@
               </a:rPr>
               <a:t>временного скаляра</a:t>
             </a:r>
-            <a:endParaRPr lang="ru-RU" sz="1939" dirty="0">
-              <a:latin typeface="Times New Roman" panose="02020603050405020304" pitchFamily="18" charset="0"/>
-              <a:cs typeface="Times New Roman" panose="02020603050405020304" pitchFamily="18" charset="0"/>
-            </a:endParaRPr>
           </a:p>
         </p:txBody>
       </p:sp>
@@ -6741,13 +11602,6 @@
               </a:rPr>
               <a:t>1</a:t>
             </a:r>
-            <a:endParaRPr lang="ru-RU" sz="1939" dirty="0">
-              <a:solidFill>
-                <a:schemeClr val="tx1"/>
-              </a:solidFill>
-              <a:latin typeface="Times New Roman" panose="02020603050405020304" pitchFamily="18" charset="0"/>
-              <a:cs typeface="Times New Roman" panose="02020603050405020304" pitchFamily="18" charset="0"/>
-            </a:endParaRPr>
           </a:p>
         </p:txBody>
       </p:sp>
@@ -6803,13 +11657,6 @@
               </a:rPr>
               <a:t>…</a:t>
             </a:r>
-            <a:endParaRPr lang="ru-RU" sz="1939" dirty="0">
-              <a:solidFill>
-                <a:schemeClr val="tx1"/>
-              </a:solidFill>
-              <a:latin typeface="Times New Roman" panose="02020603050405020304" pitchFamily="18" charset="0"/>
-              <a:cs typeface="Times New Roman" panose="02020603050405020304" pitchFamily="18" charset="0"/>
-            </a:endParaRPr>
           </a:p>
         </p:txBody>
       </p:sp>
@@ -7197,10 +12044,6 @@
               </a:rPr>
               <a:t>ВУ1</a:t>
             </a:r>
-            <a:endParaRPr lang="ru-RU" sz="1939" dirty="0">
-              <a:latin typeface="Times New Roman" panose="02020603050405020304" pitchFamily="18" charset="0"/>
-              <a:cs typeface="Times New Roman" panose="02020603050405020304" pitchFamily="18" charset="0"/>
-            </a:endParaRPr>
           </a:p>
         </p:txBody>
       </p:sp>
@@ -7318,13 +12161,6 @@
               </a:rPr>
               <a:t>1</a:t>
             </a:r>
-            <a:endParaRPr lang="ru-RU" sz="1939" dirty="0">
-              <a:solidFill>
-                <a:schemeClr val="tx1"/>
-              </a:solidFill>
-              <a:latin typeface="Times New Roman" panose="02020603050405020304" pitchFamily="18" charset="0"/>
-              <a:cs typeface="Times New Roman" panose="02020603050405020304" pitchFamily="18" charset="0"/>
-            </a:endParaRPr>
           </a:p>
         </p:txBody>
       </p:sp>
@@ -7380,13 +12216,6 @@
               </a:rPr>
               <a:t>…</a:t>
             </a:r>
-            <a:endParaRPr lang="ru-RU" sz="1939" dirty="0">
-              <a:solidFill>
-                <a:schemeClr val="tx1"/>
-              </a:solidFill>
-              <a:latin typeface="Times New Roman" panose="02020603050405020304" pitchFamily="18" charset="0"/>
-              <a:cs typeface="Times New Roman" panose="02020603050405020304" pitchFamily="18" charset="0"/>
-            </a:endParaRPr>
           </a:p>
         </p:txBody>
       </p:sp>
@@ -7929,10 +12758,6 @@
               </a:rPr>
               <a:t>массива в память ВУ 2</a:t>
             </a:r>
-            <a:endParaRPr lang="ru-RU" sz="1939" dirty="0">
-              <a:latin typeface="Times New Roman" panose="02020603050405020304" pitchFamily="18" charset="0"/>
-              <a:cs typeface="Times New Roman" panose="02020603050405020304" pitchFamily="18" charset="0"/>
-            </a:endParaRPr>
           </a:p>
         </p:txBody>
       </p:sp>
@@ -8052,14 +12877,7 @@
                 <a:latin typeface="Consolas" panose="020B0609020204030204" pitchFamily="49" charset="0"/>
                 <a:cs typeface="Consolas" panose="020B0609020204030204" pitchFamily="49" charset="0"/>
               </a:rPr>
-              <a:t> = </a:t>
-            </a:r>
-            <a:r>
-              <a:rPr lang="en-US" sz="1939" dirty="0">
-                <a:latin typeface="Consolas" panose="020B0609020204030204" pitchFamily="49" charset="0"/>
-                <a:cs typeface="Consolas" panose="020B0609020204030204" pitchFamily="49" charset="0"/>
-              </a:rPr>
-              <a:t>a(</a:t>
+              <a:t> = a(</a:t>
             </a:r>
             <a:r>
               <a:rPr lang="en-US" sz="1939" dirty="0" err="1">
@@ -8147,10 +12965,6 @@
               </a:rPr>
               <a:t>итерация 1</a:t>
             </a:r>
-            <a:endParaRPr lang="ru-RU" sz="1939" dirty="0">
-              <a:latin typeface="Times New Roman" panose="02020603050405020304" pitchFamily="18" charset="0"/>
-              <a:cs typeface="Times New Roman" panose="02020603050405020304" pitchFamily="18" charset="0"/>
-            </a:endParaRPr>
           </a:p>
         </p:txBody>
       </p:sp>
@@ -8462,10 +13276,6 @@
               </a:rPr>
               <a:t>массива в память ВУ 2</a:t>
             </a:r>
-            <a:endParaRPr lang="ru-RU" sz="1939" dirty="0">
-              <a:latin typeface="Times New Roman" panose="02020603050405020304" pitchFamily="18" charset="0"/>
-              <a:cs typeface="Times New Roman" panose="02020603050405020304" pitchFamily="18" charset="0"/>
-            </a:endParaRPr>
           </a:p>
         </p:txBody>
       </p:sp>
@@ -8818,10 +13628,6 @@
               </a:rPr>
               <a:t>массива в память ВУ 2</a:t>
             </a:r>
-            <a:endParaRPr lang="ru-RU" sz="1939" dirty="0">
-              <a:latin typeface="Times New Roman" panose="02020603050405020304" pitchFamily="18" charset="0"/>
-              <a:cs typeface="Times New Roman" panose="02020603050405020304" pitchFamily="18" charset="0"/>
-            </a:endParaRPr>
           </a:p>
         </p:txBody>
       </p:sp>
@@ -9013,13 +13819,6 @@
               </a:rPr>
               <a:t>1</a:t>
             </a:r>
-            <a:endParaRPr lang="ru-RU" sz="1939" dirty="0">
-              <a:solidFill>
-                <a:schemeClr val="tx1"/>
-              </a:solidFill>
-              <a:latin typeface="Times New Roman" panose="02020603050405020304" pitchFamily="18" charset="0"/>
-              <a:cs typeface="Times New Roman" panose="02020603050405020304" pitchFamily="18" charset="0"/>
-            </a:endParaRPr>
           </a:p>
         </p:txBody>
       </p:sp>
@@ -9075,13 +13874,6 @@
               </a:rPr>
               <a:t>…</a:t>
             </a:r>
-            <a:endParaRPr lang="ru-RU" sz="1939" dirty="0">
-              <a:solidFill>
-                <a:schemeClr val="tx1"/>
-              </a:solidFill>
-              <a:latin typeface="Times New Roman" panose="02020603050405020304" pitchFamily="18" charset="0"/>
-              <a:cs typeface="Times New Roman" panose="02020603050405020304" pitchFamily="18" charset="0"/>
-            </a:endParaRPr>
           </a:p>
         </p:txBody>
       </p:sp>
@@ -9469,10 +14261,6 @@
               </a:rPr>
               <a:t>ВУ1</a:t>
             </a:r>
-            <a:endParaRPr lang="ru-RU" sz="1939" dirty="0">
-              <a:latin typeface="Times New Roman" panose="02020603050405020304" pitchFamily="18" charset="0"/>
-              <a:cs typeface="Times New Roman" panose="02020603050405020304" pitchFamily="18" charset="0"/>
-            </a:endParaRPr>
           </a:p>
         </p:txBody>
       </p:sp>
@@ -9590,13 +14378,6 @@
               </a:rPr>
               <a:t>1</a:t>
             </a:r>
-            <a:endParaRPr lang="ru-RU" sz="1939" dirty="0">
-              <a:solidFill>
-                <a:schemeClr val="tx1"/>
-              </a:solidFill>
-              <a:latin typeface="Times New Roman" panose="02020603050405020304" pitchFamily="18" charset="0"/>
-              <a:cs typeface="Times New Roman" panose="02020603050405020304" pitchFamily="18" charset="0"/>
-            </a:endParaRPr>
           </a:p>
         </p:txBody>
       </p:sp>
@@ -9652,13 +14433,6 @@
               </a:rPr>
               <a:t>…</a:t>
             </a:r>
-            <a:endParaRPr lang="ru-RU" sz="1939" dirty="0">
-              <a:solidFill>
-                <a:schemeClr val="tx1"/>
-              </a:solidFill>
-              <a:latin typeface="Times New Roman" panose="02020603050405020304" pitchFamily="18" charset="0"/>
-              <a:cs typeface="Times New Roman" panose="02020603050405020304" pitchFamily="18" charset="0"/>
-            </a:endParaRPr>
           </a:p>
         </p:txBody>
       </p:sp>
@@ -10409,10 +15183,6 @@
               </a:rPr>
               <a:t>всего массива в память ВУ 2</a:t>
             </a:r>
-            <a:endParaRPr lang="ru-RU" sz="1939" dirty="0">
-              <a:latin typeface="Times New Roman" panose="02020603050405020304" pitchFamily="18" charset="0"/>
-              <a:cs typeface="Times New Roman" panose="02020603050405020304" pitchFamily="18" charset="0"/>
-            </a:endParaRPr>
           </a:p>
         </p:txBody>
       </p:sp>
@@ -10655,14 +15425,7 @@
                 <a:latin typeface="Consolas" panose="020B0609020204030204" pitchFamily="49" charset="0"/>
                 <a:cs typeface="Consolas" panose="020B0609020204030204" pitchFamily="49" charset="0"/>
               </a:rPr>
-              <a:t> </a:t>
-            </a:r>
-            <a:r>
-              <a:rPr lang="en-US" sz="1939" dirty="0">
-                <a:latin typeface="Consolas" panose="020B0609020204030204" pitchFamily="49" charset="0"/>
-                <a:cs typeface="Consolas" panose="020B0609020204030204" pitchFamily="49" charset="0"/>
-              </a:rPr>
-              <a:t>% D);</a:t>
+              <a:t> % D);</a:t>
             </a:r>
             <a:br>
               <a:rPr lang="en-US" sz="1939" dirty="0">
@@ -10834,13 +15597,13 @@
           <a:p>
             <a:pPr algn="ctr"/>
             <a:r>
-              <a:rPr lang="en-US" sz="1400" dirty="0">
+              <a:rPr lang="en-US" sz="1200" dirty="0">
                 <a:latin typeface="Times New Roman" panose="02020603050405020304" pitchFamily="18" charset="0"/>
                 <a:cs typeface="Times New Roman" panose="02020603050405020304" pitchFamily="18" charset="0"/>
               </a:rPr>
               <a:t>Root</a:t>
             </a:r>
-            <a:endParaRPr lang="ru-RU" sz="1400" dirty="0">
+            <a:endParaRPr lang="ru-RU" sz="1200" dirty="0">
               <a:latin typeface="Times New Roman" panose="02020603050405020304" pitchFamily="18" charset="0"/>
               <a:cs typeface="Times New Roman" panose="02020603050405020304" pitchFamily="18" charset="0"/>
             </a:endParaRPr>
@@ -10876,27 +15639,27 @@
           <a:p>
             <a:pPr algn="ctr"/>
             <a:r>
-              <a:rPr lang="en-US" sz="1400" dirty="0">
+              <a:rPr lang="en-US" sz="1200" dirty="0">
                 <a:latin typeface="Times New Roman" panose="02020603050405020304" pitchFamily="18" charset="0"/>
                 <a:cs typeface="Times New Roman" panose="02020603050405020304" pitchFamily="18" charset="0"/>
               </a:rPr>
               <a:t>for (</a:t>
             </a:r>
             <a:r>
-              <a:rPr lang="en-US" sz="1400" dirty="0" err="1">
+              <a:rPr lang="en-US" sz="1200" dirty="0" err="1">
                 <a:latin typeface="Times New Roman" panose="02020603050405020304" pitchFamily="18" charset="0"/>
                 <a:cs typeface="Times New Roman" panose="02020603050405020304" pitchFamily="18" charset="0"/>
               </a:rPr>
               <a:t>i</a:t>
             </a:r>
             <a:r>
-              <a:rPr lang="en-US" sz="1400" dirty="0">
+              <a:rPr lang="en-US" sz="1200" dirty="0">
                 <a:latin typeface="Times New Roman" panose="02020603050405020304" pitchFamily="18" charset="0"/>
                 <a:cs typeface="Times New Roman" panose="02020603050405020304" pitchFamily="18" charset="0"/>
               </a:rPr>
               <a:t> in 0..R)</a:t>
             </a:r>
-            <a:endParaRPr lang="ru-RU" sz="1400" dirty="0">
+            <a:endParaRPr lang="ru-RU" sz="1200" dirty="0">
               <a:latin typeface="Times New Roman" panose="02020603050405020304" pitchFamily="18" charset="0"/>
               <a:cs typeface="Times New Roman" panose="02020603050405020304" pitchFamily="18" charset="0"/>
             </a:endParaRPr>
@@ -10932,27 +15695,27 @@
           <a:p>
             <a:pPr algn="ctr"/>
             <a:r>
-              <a:rPr lang="en-US" sz="1400" dirty="0">
+              <a:rPr lang="en-US" sz="1200" dirty="0">
                 <a:latin typeface="Times New Roman" panose="02020603050405020304" pitchFamily="18" charset="0"/>
                 <a:cs typeface="Times New Roman" panose="02020603050405020304" pitchFamily="18" charset="0"/>
               </a:rPr>
               <a:t>at (</a:t>
             </a:r>
             <a:r>
-              <a:rPr lang="en-US" sz="1400" dirty="0" err="1">
+              <a:rPr lang="en-US" sz="1200" dirty="0" err="1">
                 <a:latin typeface="Times New Roman" panose="02020603050405020304" pitchFamily="18" charset="0"/>
                 <a:cs typeface="Times New Roman" panose="02020603050405020304" pitchFamily="18" charset="0"/>
               </a:rPr>
               <a:t>Place.place</a:t>
             </a:r>
             <a:r>
-              <a:rPr lang="en-US" sz="1400" dirty="0">
+              <a:rPr lang="en-US" sz="1200" dirty="0">
                 <a:latin typeface="Times New Roman" panose="02020603050405020304" pitchFamily="18" charset="0"/>
                 <a:cs typeface="Times New Roman" panose="02020603050405020304" pitchFamily="18" charset="0"/>
               </a:rPr>
               <a:t>(id))</a:t>
             </a:r>
-            <a:endParaRPr lang="ru-RU" sz="1400" dirty="0">
+            <a:endParaRPr lang="ru-RU" sz="1200" dirty="0">
               <a:latin typeface="Times New Roman" panose="02020603050405020304" pitchFamily="18" charset="0"/>
               <a:cs typeface="Times New Roman" panose="02020603050405020304" pitchFamily="18" charset="0"/>
             </a:endParaRPr>
@@ -10988,48 +15751,48 @@
           <a:p>
             <a:pPr algn="ctr"/>
             <a:r>
-              <a:rPr lang="en-US" sz="1400" spc="-167" dirty="0" err="1">
+              <a:rPr lang="en-US" sz="1200" spc="-70" dirty="0" err="1">
                 <a:latin typeface="Times New Roman" panose="02020603050405020304" pitchFamily="18" charset="0"/>
                 <a:cs typeface="Times New Roman" panose="02020603050405020304" pitchFamily="18" charset="0"/>
               </a:rPr>
               <a:t>var</a:t>
             </a:r>
             <a:r>
-              <a:rPr lang="en-US" sz="1400" spc="-167" dirty="0">
+              <a:rPr lang="en-US" sz="1200" spc="-70" dirty="0">
                 <a:latin typeface="Times New Roman" panose="02020603050405020304" pitchFamily="18" charset="0"/>
                 <a:cs typeface="Times New Roman" panose="02020603050405020304" pitchFamily="18" charset="0"/>
               </a:rPr>
               <a:t> </a:t>
             </a:r>
             <a:r>
-              <a:rPr lang="en-US" sz="1400" spc="-167" dirty="0" smtClean="0">
+              <a:rPr lang="en-US" sz="1200" spc="-70" dirty="0" smtClean="0">
                 <a:latin typeface="Times New Roman" panose="02020603050405020304" pitchFamily="18" charset="0"/>
                 <a:cs typeface="Times New Roman" panose="02020603050405020304" pitchFamily="18" charset="0"/>
               </a:rPr>
               <a:t>  a</a:t>
             </a:r>
             <a:r>
-              <a:rPr lang="en-US" sz="1400" spc="-167" dirty="0">
+              <a:rPr lang="en-US" sz="1200" spc="-70" dirty="0">
                 <a:latin typeface="Times New Roman" panose="02020603050405020304" pitchFamily="18" charset="0"/>
                 <a:cs typeface="Times New Roman" panose="02020603050405020304" pitchFamily="18" charset="0"/>
               </a:rPr>
               <a:t>: Long = A(</a:t>
             </a:r>
             <a:r>
-              <a:rPr lang="en-US" sz="1400" spc="-167" dirty="0" err="1">
+              <a:rPr lang="en-US" sz="1200" spc="-70" dirty="0" err="1">
                 <a:latin typeface="Times New Roman" panose="02020603050405020304" pitchFamily="18" charset="0"/>
                 <a:cs typeface="Times New Roman" panose="02020603050405020304" pitchFamily="18" charset="0"/>
               </a:rPr>
               <a:t>i</a:t>
             </a:r>
             <a:r>
-              <a:rPr lang="en-US" sz="1400" spc="-167" dirty="0">
+              <a:rPr lang="en-US" sz="1200" spc="-70" dirty="0">
                 <a:latin typeface="Times New Roman" panose="02020603050405020304" pitchFamily="18" charset="0"/>
                 <a:cs typeface="Times New Roman" panose="02020603050405020304" pitchFamily="18" charset="0"/>
               </a:rPr>
               <a:t> % size)</a:t>
             </a:r>
-            <a:endParaRPr lang="ru-RU" sz="1400" spc="-167" dirty="0">
+            <a:endParaRPr lang="ru-RU" sz="1200" spc="-70" dirty="0">
               <a:latin typeface="Times New Roman" panose="02020603050405020304" pitchFamily="18" charset="0"/>
               <a:cs typeface="Times New Roman" panose="02020603050405020304" pitchFamily="18" charset="0"/>
             </a:endParaRPr>
@@ -11065,20 +15828,20 @@
           <a:p>
             <a:pPr algn="ctr"/>
             <a:r>
-              <a:rPr lang="en-US" sz="1400" dirty="0" err="1">
+              <a:rPr lang="en-US" sz="1200" dirty="0" err="1">
                 <a:latin typeface="Times New Roman" panose="02020603050405020304" pitchFamily="18" charset="0"/>
                 <a:cs typeface="Times New Roman" panose="02020603050405020304" pitchFamily="18" charset="0"/>
               </a:rPr>
               <a:t>var</a:t>
             </a:r>
             <a:r>
-              <a:rPr lang="en-US" sz="1400" dirty="0">
+              <a:rPr lang="en-US" sz="1200" dirty="0">
                 <a:latin typeface="Times New Roman" panose="02020603050405020304" pitchFamily="18" charset="0"/>
                 <a:cs typeface="Times New Roman" panose="02020603050405020304" pitchFamily="18" charset="0"/>
               </a:rPr>
               <a:t> a:Long</a:t>
             </a:r>
-            <a:endParaRPr lang="ru-RU" sz="1400" dirty="0">
+            <a:endParaRPr lang="ru-RU" sz="1200" dirty="0">
               <a:latin typeface="Times New Roman" panose="02020603050405020304" pitchFamily="18" charset="0"/>
               <a:cs typeface="Times New Roman" panose="02020603050405020304" pitchFamily="18" charset="0"/>
             </a:endParaRPr>
@@ -11114,20 +15877,20 @@
           <a:p>
             <a:pPr algn="ctr"/>
             <a:r>
-              <a:rPr lang="en-US" sz="1400" dirty="0" err="1">
+              <a:rPr lang="en-US" sz="1200" dirty="0" err="1">
                 <a:latin typeface="Times New Roman" panose="02020603050405020304" pitchFamily="18" charset="0"/>
                 <a:cs typeface="Times New Roman" panose="02020603050405020304" pitchFamily="18" charset="0"/>
               </a:rPr>
               <a:t>i</a:t>
             </a:r>
             <a:r>
-              <a:rPr lang="en-US" sz="1400" dirty="0">
+              <a:rPr lang="en-US" sz="1200" dirty="0">
                 <a:latin typeface="Times New Roman" panose="02020603050405020304" pitchFamily="18" charset="0"/>
                 <a:cs typeface="Times New Roman" panose="02020603050405020304" pitchFamily="18" charset="0"/>
               </a:rPr>
               <a:t> % size</a:t>
             </a:r>
-            <a:endParaRPr lang="ru-RU" sz="1400" dirty="0">
+            <a:endParaRPr lang="ru-RU" sz="1200" dirty="0">
               <a:latin typeface="Times New Roman" panose="02020603050405020304" pitchFamily="18" charset="0"/>
               <a:cs typeface="Times New Roman" panose="02020603050405020304" pitchFamily="18" charset="0"/>
             </a:endParaRPr>
@@ -11163,27 +15926,27 @@
           <a:p>
             <a:pPr algn="ctr"/>
             <a:r>
-              <a:rPr lang="en-US" sz="1400" dirty="0">
+              <a:rPr lang="en-US" sz="1200" dirty="0">
                 <a:latin typeface="Times New Roman" panose="02020603050405020304" pitchFamily="18" charset="0"/>
                 <a:cs typeface="Times New Roman" panose="02020603050405020304" pitchFamily="18" charset="0"/>
               </a:rPr>
               <a:t>A(</a:t>
             </a:r>
             <a:r>
-              <a:rPr lang="en-US" sz="1400" dirty="0" err="1">
+              <a:rPr lang="en-US" sz="1200" dirty="0" err="1">
                 <a:latin typeface="Times New Roman" panose="02020603050405020304" pitchFamily="18" charset="0"/>
                 <a:cs typeface="Times New Roman" panose="02020603050405020304" pitchFamily="18" charset="0"/>
               </a:rPr>
               <a:t>i</a:t>
             </a:r>
             <a:r>
-              <a:rPr lang="en-US" sz="1400" dirty="0">
+              <a:rPr lang="en-US" sz="1200" dirty="0">
                 <a:latin typeface="Times New Roman" panose="02020603050405020304" pitchFamily="18" charset="0"/>
                 <a:cs typeface="Times New Roman" panose="02020603050405020304" pitchFamily="18" charset="0"/>
               </a:rPr>
               <a:t> % size)</a:t>
             </a:r>
-            <a:endParaRPr lang="ru-RU" sz="1400" dirty="0">
+            <a:endParaRPr lang="ru-RU" sz="1200" dirty="0">
               <a:latin typeface="Times New Roman" panose="02020603050405020304" pitchFamily="18" charset="0"/>
               <a:cs typeface="Times New Roman" panose="02020603050405020304" pitchFamily="18" charset="0"/>
             </a:endParaRPr>
@@ -11219,13 +15982,13 @@
           <a:p>
             <a:pPr algn="ctr"/>
             <a:r>
-              <a:rPr lang="en-US" sz="1400" dirty="0">
+              <a:rPr lang="en-US" sz="1200" dirty="0">
                 <a:latin typeface="Times New Roman" panose="02020603050405020304" pitchFamily="18" charset="0"/>
                 <a:cs typeface="Times New Roman" panose="02020603050405020304" pitchFamily="18" charset="0"/>
               </a:rPr>
               <a:t>A</a:t>
             </a:r>
-            <a:endParaRPr lang="ru-RU" sz="1400" dirty="0">
+            <a:endParaRPr lang="ru-RU" sz="1200" dirty="0">
               <a:latin typeface="Times New Roman" panose="02020603050405020304" pitchFamily="18" charset="0"/>
               <a:cs typeface="Times New Roman" panose="02020603050405020304" pitchFamily="18" charset="0"/>
             </a:endParaRPr>
@@ -11261,68 +16024,68 @@
           <a:p>
             <a:pPr algn="ctr"/>
             <a:r>
-              <a:rPr lang="en-US" sz="1400" spc="-167" dirty="0" err="1">
+              <a:rPr lang="en-US" sz="1200" spc="-70" dirty="0" err="1">
                 <a:latin typeface="Times New Roman" panose="02020603050405020304" pitchFamily="18" charset="0"/>
                 <a:cs typeface="Times New Roman" panose="02020603050405020304" pitchFamily="18" charset="0"/>
               </a:rPr>
               <a:t>var</a:t>
             </a:r>
             <a:r>
-              <a:rPr lang="en-US" sz="1400" spc="-167" dirty="0">
+              <a:rPr lang="en-US" sz="1200" spc="-70" dirty="0">
                 <a:latin typeface="Times New Roman" panose="02020603050405020304" pitchFamily="18" charset="0"/>
                 <a:cs typeface="Times New Roman" panose="02020603050405020304" pitchFamily="18" charset="0"/>
               </a:rPr>
               <a:t> </a:t>
             </a:r>
             <a:r>
-              <a:rPr lang="en-US" sz="1400" spc="-167" dirty="0" smtClean="0">
+              <a:rPr lang="en-US" sz="1200" spc="-70" dirty="0" smtClean="0">
                 <a:latin typeface="Times New Roman" panose="02020603050405020304" pitchFamily="18" charset="0"/>
                 <a:cs typeface="Times New Roman" panose="02020603050405020304" pitchFamily="18" charset="0"/>
               </a:rPr>
               <a:t>  id</a:t>
             </a:r>
             <a:r>
-              <a:rPr lang="en-US" sz="1400" spc="-167" dirty="0">
+              <a:rPr lang="en-US" sz="1200" spc="-70" dirty="0">
                 <a:latin typeface="Times New Roman" panose="02020603050405020304" pitchFamily="18" charset="0"/>
                 <a:cs typeface="Times New Roman" panose="02020603050405020304" pitchFamily="18" charset="0"/>
               </a:rPr>
               <a:t>: Long = </a:t>
             </a:r>
             <a:br>
-              <a:rPr lang="en-US" sz="1400" spc="-167" dirty="0">
+              <a:rPr lang="en-US" sz="1200" spc="-70" dirty="0">
                 <a:latin typeface="Times New Roman" panose="02020603050405020304" pitchFamily="18" charset="0"/>
                 <a:cs typeface="Times New Roman" panose="02020603050405020304" pitchFamily="18" charset="0"/>
               </a:rPr>
             </a:br>
             <a:r>
-              <a:rPr lang="en-US" sz="1400" spc="-167" dirty="0" err="1">
+              <a:rPr lang="en-US" sz="1200" spc="-70" dirty="0" err="1">
                 <a:latin typeface="Times New Roman" panose="02020603050405020304" pitchFamily="18" charset="0"/>
                 <a:cs typeface="Times New Roman" panose="02020603050405020304" pitchFamily="18" charset="0"/>
               </a:rPr>
               <a:t>i</a:t>
             </a:r>
             <a:r>
-              <a:rPr lang="en-US" sz="1400" spc="-167" dirty="0">
+              <a:rPr lang="en-US" sz="1200" spc="-70" dirty="0">
                 <a:latin typeface="Times New Roman" panose="02020603050405020304" pitchFamily="18" charset="0"/>
                 <a:cs typeface="Times New Roman" panose="02020603050405020304" pitchFamily="18" charset="0"/>
               </a:rPr>
               <a:t> </a:t>
             </a:r>
             <a:r>
-              <a:rPr lang="en-US" sz="1400" spc="-167" dirty="0" smtClean="0">
+              <a:rPr lang="en-US" sz="1200" spc="-70" dirty="0" smtClean="0">
                 <a:latin typeface="Times New Roman" panose="02020603050405020304" pitchFamily="18" charset="0"/>
                 <a:cs typeface="Times New Roman" panose="02020603050405020304" pitchFamily="18" charset="0"/>
               </a:rPr>
               <a:t> %  </a:t>
             </a:r>
             <a:r>
-              <a:rPr lang="en-US" sz="1400" spc="-167" dirty="0" err="1" smtClean="0">
+              <a:rPr lang="en-US" sz="1200" spc="-70" dirty="0" err="1" smtClean="0">
                 <a:latin typeface="Times New Roman" panose="02020603050405020304" pitchFamily="18" charset="0"/>
                 <a:cs typeface="Times New Roman" panose="02020603050405020304" pitchFamily="18" charset="0"/>
               </a:rPr>
               <a:t>Places.MAX_PLACES</a:t>
             </a:r>
-            <a:endParaRPr lang="ru-RU" sz="1400" spc="-167" dirty="0">
+            <a:endParaRPr lang="ru-RU" sz="1200" spc="-70" dirty="0">
               <a:latin typeface="Times New Roman" panose="02020603050405020304" pitchFamily="18" charset="0"/>
               <a:cs typeface="Times New Roman" panose="02020603050405020304" pitchFamily="18" charset="0"/>
             </a:endParaRPr>
@@ -11358,13 +16121,27 @@
           <a:p>
             <a:pPr algn="ctr"/>
             <a:r>
-              <a:rPr lang="en-US" sz="1400" dirty="0">
-                <a:latin typeface="Times New Roman" panose="02020603050405020304" pitchFamily="18" charset="0"/>
-                <a:cs typeface="Times New Roman" panose="02020603050405020304" pitchFamily="18" charset="0"/>
-              </a:rPr>
-              <a:t>Statement …</a:t>
-            </a:r>
-            <a:endParaRPr lang="ru-RU" sz="1400" dirty="0">
+              <a:rPr lang="ru-RU" sz="1200" dirty="0" smtClean="0">
+                <a:latin typeface="Times New Roman" panose="02020603050405020304" pitchFamily="18" charset="0"/>
+                <a:cs typeface="Times New Roman" panose="02020603050405020304" pitchFamily="18" charset="0"/>
+              </a:rPr>
+              <a:t>Инструкция</a:t>
+            </a:r>
+            <a:r>
+              <a:rPr lang="en-US" sz="1200" dirty="0" smtClean="0">
+                <a:latin typeface="Times New Roman" panose="02020603050405020304" pitchFamily="18" charset="0"/>
+                <a:cs typeface="Times New Roman" panose="02020603050405020304" pitchFamily="18" charset="0"/>
+              </a:rPr>
+              <a:t> </a:t>
+            </a:r>
+            <a:r>
+              <a:rPr lang="en-US" sz="1200" dirty="0">
+                <a:latin typeface="Times New Roman" panose="02020603050405020304" pitchFamily="18" charset="0"/>
+                <a:cs typeface="Times New Roman" panose="02020603050405020304" pitchFamily="18" charset="0"/>
+              </a:rPr>
+              <a:t>…</a:t>
+            </a:r>
+            <a:endParaRPr lang="ru-RU" sz="1200" dirty="0">
               <a:latin typeface="Times New Roman" panose="02020603050405020304" pitchFamily="18" charset="0"/>
               <a:cs typeface="Times New Roman" panose="02020603050405020304" pitchFamily="18" charset="0"/>
             </a:endParaRPr>
@@ -11400,13 +16177,20 @@
           <a:p>
             <a:pPr algn="ctr"/>
             <a:r>
-              <a:rPr lang="en-US" sz="1400" dirty="0">
-                <a:latin typeface="Times New Roman" panose="02020603050405020304" pitchFamily="18" charset="0"/>
-                <a:cs typeface="Times New Roman" panose="02020603050405020304" pitchFamily="18" charset="0"/>
-              </a:rPr>
-              <a:t>Statement …</a:t>
-            </a:r>
-            <a:endParaRPr lang="ru-RU" sz="1400" dirty="0">
+              <a:rPr lang="ru-RU" sz="1200" dirty="0" smtClean="0">
+                <a:latin typeface="Times New Roman" panose="02020603050405020304" pitchFamily="18" charset="0"/>
+                <a:cs typeface="Times New Roman" panose="02020603050405020304" pitchFamily="18" charset="0"/>
+              </a:rPr>
+              <a:t>Инструкция</a:t>
+            </a:r>
+            <a:r>
+              <a:rPr lang="en-US" sz="1200" dirty="0" smtClean="0">
+                <a:latin typeface="Times New Roman" panose="02020603050405020304" pitchFamily="18" charset="0"/>
+                <a:cs typeface="Times New Roman" panose="02020603050405020304" pitchFamily="18" charset="0"/>
+              </a:rPr>
+              <a:t>…</a:t>
+            </a:r>
+            <a:endParaRPr lang="ru-RU" sz="1200" dirty="0">
               <a:latin typeface="Times New Roman" panose="02020603050405020304" pitchFamily="18" charset="0"/>
               <a:cs typeface="Times New Roman" panose="02020603050405020304" pitchFamily="18" charset="0"/>
             </a:endParaRPr>
@@ -11715,13 +16499,27 @@
           <a:p>
             <a:pPr algn="ctr"/>
             <a:r>
-              <a:rPr lang="en-US" sz="1400" dirty="0">
-                <a:latin typeface="Times New Roman" panose="02020603050405020304" pitchFamily="18" charset="0"/>
-                <a:cs typeface="Times New Roman" panose="02020603050405020304" pitchFamily="18" charset="0"/>
-              </a:rPr>
-              <a:t>Statement …</a:t>
-            </a:r>
-            <a:endParaRPr lang="ru-RU" sz="1400" dirty="0">
+              <a:rPr lang="ru-RU" sz="1200" dirty="0" smtClean="0">
+                <a:latin typeface="Times New Roman" panose="02020603050405020304" pitchFamily="18" charset="0"/>
+                <a:cs typeface="Times New Roman" panose="02020603050405020304" pitchFamily="18" charset="0"/>
+              </a:rPr>
+              <a:t>Инструкция</a:t>
+            </a:r>
+            <a:r>
+              <a:rPr lang="en-US" sz="1200" dirty="0" smtClean="0">
+                <a:latin typeface="Times New Roman" panose="02020603050405020304" pitchFamily="18" charset="0"/>
+                <a:cs typeface="Times New Roman" panose="02020603050405020304" pitchFamily="18" charset="0"/>
+              </a:rPr>
+              <a:t> </a:t>
+            </a:r>
+            <a:r>
+              <a:rPr lang="en-US" sz="1200" dirty="0">
+                <a:latin typeface="Times New Roman" panose="02020603050405020304" pitchFamily="18" charset="0"/>
+                <a:cs typeface="Times New Roman" panose="02020603050405020304" pitchFamily="18" charset="0"/>
+              </a:rPr>
+              <a:t>…</a:t>
+            </a:r>
+            <a:endParaRPr lang="ru-RU" sz="1200" dirty="0">
               <a:latin typeface="Times New Roman" panose="02020603050405020304" pitchFamily="18" charset="0"/>
               <a:cs typeface="Times New Roman" panose="02020603050405020304" pitchFamily="18" charset="0"/>
             </a:endParaRPr>
@@ -11759,13 +16557,13 @@
           <a:p>
             <a:pPr algn="ctr"/>
             <a:r>
-              <a:rPr lang="en-US" sz="1400" dirty="0">
+              <a:rPr lang="en-US" sz="1200" dirty="0">
                 <a:latin typeface="Times New Roman" panose="02020603050405020304" pitchFamily="18" charset="0"/>
                 <a:cs typeface="Times New Roman" panose="02020603050405020304" pitchFamily="18" charset="0"/>
               </a:rPr>
               <a:t>(Long)</a:t>
             </a:r>
-            <a:endParaRPr lang="ru-RU" sz="1400" dirty="0">
+            <a:endParaRPr lang="ru-RU" sz="1200" dirty="0">
               <a:latin typeface="Times New Roman" panose="02020603050405020304" pitchFamily="18" charset="0"/>
               <a:cs typeface="Times New Roman" panose="02020603050405020304" pitchFamily="18" charset="0"/>
             </a:endParaRPr>
@@ -11801,27 +16599,27 @@
           <a:p>
             <a:pPr algn="ctr"/>
             <a:r>
-              <a:rPr lang="en-US" sz="1400" spc="-167" dirty="0" err="1">
+              <a:rPr lang="en-US" sz="1200" spc="-70" dirty="0" err="1">
                 <a:latin typeface="Times New Roman" panose="02020603050405020304" pitchFamily="18" charset="0"/>
                 <a:cs typeface="Times New Roman" panose="02020603050405020304" pitchFamily="18" charset="0"/>
               </a:rPr>
               <a:t>i</a:t>
             </a:r>
             <a:r>
-              <a:rPr lang="en-US" sz="1400" spc="-167" dirty="0">
+              <a:rPr lang="en-US" sz="1200" spc="-70" dirty="0">
                 <a:latin typeface="Times New Roman" panose="02020603050405020304" pitchFamily="18" charset="0"/>
                 <a:cs typeface="Times New Roman" panose="02020603050405020304" pitchFamily="18" charset="0"/>
               </a:rPr>
               <a:t> % </a:t>
             </a:r>
             <a:r>
-              <a:rPr lang="en-US" sz="1400" spc="-167" dirty="0" err="1">
+              <a:rPr lang="en-US" sz="1200" spc="-70" dirty="0" err="1">
                 <a:latin typeface="Times New Roman" panose="02020603050405020304" pitchFamily="18" charset="0"/>
                 <a:cs typeface="Times New Roman" panose="02020603050405020304" pitchFamily="18" charset="0"/>
               </a:rPr>
               <a:t>Places.MAX_PLACES</a:t>
             </a:r>
-            <a:endParaRPr lang="ru-RU" sz="1400" spc="-167" dirty="0">
+            <a:endParaRPr lang="ru-RU" sz="1200" spc="-70" dirty="0">
               <a:latin typeface="Times New Roman" panose="02020603050405020304" pitchFamily="18" charset="0"/>
               <a:cs typeface="Times New Roman" panose="02020603050405020304" pitchFamily="18" charset="0"/>
             </a:endParaRPr>
@@ -11857,13 +16655,13 @@
           <a:p>
             <a:pPr algn="ctr"/>
             <a:r>
-              <a:rPr lang="en-US" sz="1400" dirty="0">
+              <a:rPr lang="en-US" sz="1200" dirty="0">
                 <a:latin typeface="Times New Roman" panose="02020603050405020304" pitchFamily="18" charset="0"/>
                 <a:cs typeface="Times New Roman" panose="02020603050405020304" pitchFamily="18" charset="0"/>
               </a:rPr>
               <a:t>id: Long</a:t>
             </a:r>
-            <a:endParaRPr lang="ru-RU" sz="1400" dirty="0">
+            <a:endParaRPr lang="ru-RU" sz="1200" dirty="0">
               <a:latin typeface="Times New Roman" panose="02020603050405020304" pitchFamily="18" charset="0"/>
               <a:cs typeface="Times New Roman" panose="02020603050405020304" pitchFamily="18" charset="0"/>
             </a:endParaRPr>
@@ -12166,13 +16964,13 @@
           <a:lstStyle/>
           <a:p>
             <a:r>
-              <a:rPr lang="en-US" sz="1400" dirty="0" err="1">
-                <a:latin typeface="Times New Roman" panose="02020603050405020304" pitchFamily="18" charset="0"/>
-                <a:cs typeface="Times New Roman" panose="02020603050405020304" pitchFamily="18" charset="0"/>
-              </a:rPr>
-              <a:t>Statemment</a:t>
-            </a:r>
-            <a:endParaRPr lang="ru-RU" sz="1400" dirty="0">
+              <a:rPr lang="ru-RU" sz="1200" dirty="0" smtClean="0">
+                <a:latin typeface="Times New Roman" panose="02020603050405020304" pitchFamily="18" charset="0"/>
+                <a:cs typeface="Times New Roman" panose="02020603050405020304" pitchFamily="18" charset="0"/>
+              </a:rPr>
+              <a:t>Инструкция</a:t>
+            </a:r>
+            <a:endParaRPr lang="ru-RU" sz="1200" dirty="0">
               <a:latin typeface="Times New Roman" panose="02020603050405020304" pitchFamily="18" charset="0"/>
               <a:cs typeface="Times New Roman" panose="02020603050405020304" pitchFamily="18" charset="0"/>
             </a:endParaRPr>
@@ -12202,13 +17000,13 @@
           <a:lstStyle/>
           <a:p>
             <a:r>
-              <a:rPr lang="en-US" sz="1400" dirty="0" err="1">
-                <a:latin typeface="Times New Roman" panose="02020603050405020304" pitchFamily="18" charset="0"/>
-                <a:cs typeface="Times New Roman" panose="02020603050405020304" pitchFamily="18" charset="0"/>
-              </a:rPr>
-              <a:t>Statemment</a:t>
-            </a:r>
-            <a:endParaRPr lang="ru-RU" sz="1400" dirty="0">
+              <a:rPr lang="ru-RU" sz="1200" dirty="0" smtClean="0">
+                <a:latin typeface="Times New Roman" panose="02020603050405020304" pitchFamily="18" charset="0"/>
+                <a:cs typeface="Times New Roman" panose="02020603050405020304" pitchFamily="18" charset="0"/>
+              </a:rPr>
+              <a:t>Инструкция</a:t>
+            </a:r>
+            <a:endParaRPr lang="ru-RU" sz="1200" dirty="0">
               <a:latin typeface="Times New Roman" panose="02020603050405020304" pitchFamily="18" charset="0"/>
               <a:cs typeface="Times New Roman" panose="02020603050405020304" pitchFamily="18" charset="0"/>
             </a:endParaRPr>
@@ -12223,7 +17021,7 @@
         </p:nvSpPr>
         <p:spPr>
           <a:xfrm rot="20813320">
-            <a:off x="985859" y="94115"/>
+            <a:off x="711539" y="231275"/>
             <a:ext cx="1989958" cy="426325"/>
           </a:xfrm>
           <a:prstGeom prst="rect">
@@ -12237,21 +17035,22 @@
           </a:bodyPr>
           <a:lstStyle/>
           <a:p>
-            <a:r>
-              <a:rPr lang="en-US" sz="1400" dirty="0">
-                <a:latin typeface="Times New Roman" panose="02020603050405020304" pitchFamily="18" charset="0"/>
-                <a:cs typeface="Times New Roman" panose="02020603050405020304" pitchFamily="18" charset="0"/>
-              </a:rPr>
-              <a:t>Loop </a:t>
-            </a:r>
-            <a:r>
-              <a:rPr lang="en-US" sz="1400" dirty="0" err="1">
-                <a:latin typeface="Times New Roman" panose="02020603050405020304" pitchFamily="18" charset="0"/>
-                <a:cs typeface="Times New Roman" panose="02020603050405020304" pitchFamily="18" charset="0"/>
-              </a:rPr>
-              <a:t>statemment</a:t>
-            </a:r>
-            <a:endParaRPr lang="ru-RU" sz="1400" dirty="0">
+            <a:pPr algn="ctr"/>
+            <a:r>
+              <a:rPr lang="ru-RU" sz="1200" dirty="0" smtClean="0">
+                <a:latin typeface="Times New Roman" panose="02020603050405020304" pitchFamily="18" charset="0"/>
+                <a:cs typeface="Times New Roman" panose="02020603050405020304" pitchFamily="18" charset="0"/>
+              </a:rPr>
+              <a:t>Инструкция </a:t>
+            </a:r>
+            <a:r>
+              <a:rPr lang="en-US" sz="1200" dirty="0" smtClean="0">
+                <a:latin typeface="Times New Roman" panose="02020603050405020304" pitchFamily="18" charset="0"/>
+                <a:cs typeface="Times New Roman" panose="02020603050405020304" pitchFamily="18" charset="0"/>
+              </a:rPr>
+              <a:t>Loop</a:t>
+            </a:r>
+            <a:endParaRPr lang="ru-RU" sz="1200" dirty="0">
               <a:latin typeface="Times New Roman" panose="02020603050405020304" pitchFamily="18" charset="0"/>
               <a:cs typeface="Times New Roman" panose="02020603050405020304" pitchFamily="18" charset="0"/>
             </a:endParaRPr>
@@ -12266,8 +17065,8 @@
         </p:nvSpPr>
         <p:spPr>
           <a:xfrm rot="16200000">
-            <a:off x="415660" y="1257011"/>
-            <a:ext cx="1017871" cy="724751"/>
+            <a:off x="315500" y="1372411"/>
+            <a:ext cx="1017871" cy="493950"/>
           </a:xfrm>
           <a:prstGeom prst="rect">
             <a:avLst/>
@@ -12282,30 +17081,31 @@
           <a:p>
             <a:pPr algn="ctr"/>
             <a:r>
-              <a:rPr lang="en-US" sz="1400" dirty="0">
-                <a:latin typeface="Times New Roman" panose="02020603050405020304" pitchFamily="18" charset="0"/>
-                <a:cs typeface="Times New Roman" panose="02020603050405020304" pitchFamily="18" charset="0"/>
-              </a:rPr>
-              <a:t>at </a:t>
-            </a:r>
-            <a:br>
-              <a:rPr lang="en-US" sz="1400" dirty="0">
-                <a:latin typeface="Times New Roman" panose="02020603050405020304" pitchFamily="18" charset="0"/>
-                <a:cs typeface="Times New Roman" panose="02020603050405020304" pitchFamily="18" charset="0"/>
-              </a:rPr>
-            </a:br>
-            <a:r>
-              <a:rPr lang="en-US" sz="1400" dirty="0" err="1">
-                <a:latin typeface="Times New Roman" panose="02020603050405020304" pitchFamily="18" charset="0"/>
-                <a:cs typeface="Times New Roman" panose="02020603050405020304" pitchFamily="18" charset="0"/>
-              </a:rPr>
-              <a:t>statemment</a:t>
-            </a:r>
-            <a:endParaRPr lang="ru-RU" sz="1400" dirty="0">
+              <a:rPr lang="ru-RU" sz="1200" dirty="0">
+                <a:latin typeface="Times New Roman" panose="02020603050405020304" pitchFamily="18" charset="0"/>
+                <a:cs typeface="Times New Roman" panose="02020603050405020304" pitchFamily="18" charset="0"/>
+              </a:rPr>
+              <a:t>Инструкция </a:t>
+            </a:r>
+            <a:endParaRPr lang="ru-RU" sz="1200" dirty="0" smtClean="0">
               <a:latin typeface="Times New Roman" panose="02020603050405020304" pitchFamily="18" charset="0"/>
               <a:cs typeface="Times New Roman" panose="02020603050405020304" pitchFamily="18" charset="0"/>
             </a:endParaRPr>
           </a:p>
+          <a:p>
+            <a:pPr algn="ctr"/>
+            <a:r>
+              <a:rPr lang="en-US" sz="1200" dirty="0" smtClean="0">
+                <a:latin typeface="Times New Roman" panose="02020603050405020304" pitchFamily="18" charset="0"/>
+                <a:cs typeface="Times New Roman" panose="02020603050405020304" pitchFamily="18" charset="0"/>
+              </a:rPr>
+              <a:t>at</a:t>
+            </a:r>
+            <a:endParaRPr lang="ru-RU" sz="1200" dirty="0">
+              <a:latin typeface="Times New Roman" panose="02020603050405020304" pitchFamily="18" charset="0"/>
+              <a:cs typeface="Times New Roman" panose="02020603050405020304" pitchFamily="18" charset="0"/>
+            </a:endParaRPr>
+          </a:p>
         </p:txBody>
       </p:sp>
       <p:sp>
@@ -12316,7 +17116,7 @@
         </p:nvSpPr>
         <p:spPr>
           <a:xfrm rot="1963007">
-            <a:off x="1987042" y="1309149"/>
+            <a:off x="1872742" y="1278669"/>
             <a:ext cx="1421754" cy="426325"/>
           </a:xfrm>
           <a:prstGeom prst="rect">
@@ -12330,14 +17130,28 @@
           </a:bodyPr>
           <a:lstStyle/>
           <a:p>
-            <a:r>
-              <a:rPr lang="en-US" sz="1400" dirty="0">
-                <a:latin typeface="Times New Roman" panose="02020603050405020304" pitchFamily="18" charset="0"/>
-                <a:cs typeface="Times New Roman" panose="02020603050405020304" pitchFamily="18" charset="0"/>
-              </a:rPr>
-              <a:t>Local declaration</a:t>
-            </a:r>
-            <a:endParaRPr lang="ru-RU" sz="1400" dirty="0">
+            <a:pPr algn="ctr"/>
+            <a:r>
+              <a:rPr lang="ru-RU" sz="1200" dirty="0" smtClean="0">
+                <a:latin typeface="Times New Roman" panose="02020603050405020304" pitchFamily="18" charset="0"/>
+                <a:cs typeface="Times New Roman" panose="02020603050405020304" pitchFamily="18" charset="0"/>
+              </a:rPr>
+              <a:t>Локальное</a:t>
+            </a:r>
+            <a:br>
+              <a:rPr lang="ru-RU" sz="1200" dirty="0" smtClean="0">
+                <a:latin typeface="Times New Roman" panose="02020603050405020304" pitchFamily="18" charset="0"/>
+                <a:cs typeface="Times New Roman" panose="02020603050405020304" pitchFamily="18" charset="0"/>
+              </a:rPr>
+            </a:br>
+            <a:r>
+              <a:rPr lang="ru-RU" sz="1200" dirty="0" smtClean="0">
+                <a:latin typeface="Times New Roman" panose="02020603050405020304" pitchFamily="18" charset="0"/>
+                <a:cs typeface="Times New Roman" panose="02020603050405020304" pitchFamily="18" charset="0"/>
+              </a:rPr>
+              <a:t>объявление</a:t>
+            </a:r>
+            <a:endParaRPr lang="ru-RU" sz="1200" dirty="0">
               <a:latin typeface="Times New Roman" panose="02020603050405020304" pitchFamily="18" charset="0"/>
               <a:cs typeface="Times New Roman" panose="02020603050405020304" pitchFamily="18" charset="0"/>
             </a:endParaRPr>
@@ -12352,7 +17166,7 @@
         </p:nvSpPr>
         <p:spPr>
           <a:xfrm rot="1904181">
-            <a:off x="4512281" y="2643566"/>
+            <a:off x="4474181" y="2651186"/>
             <a:ext cx="1525882" cy="556407"/>
           </a:xfrm>
           <a:prstGeom prst="rect">
@@ -12368,26 +17182,26 @@
           <a:p>
             <a:pPr algn="ctr"/>
             <a:r>
-              <a:rPr lang="en-US" sz="1400" dirty="0">
-                <a:latin typeface="Times New Roman" panose="02020603050405020304" pitchFamily="18" charset="0"/>
-                <a:cs typeface="Times New Roman" panose="02020603050405020304" pitchFamily="18" charset="0"/>
-              </a:rPr>
-              <a:t>Initialization</a:t>
+              <a:rPr lang="ru-RU" sz="1200" dirty="0" smtClean="0">
+                <a:latin typeface="Times New Roman" panose="02020603050405020304" pitchFamily="18" charset="0"/>
+                <a:cs typeface="Times New Roman" panose="02020603050405020304" pitchFamily="18" charset="0"/>
+              </a:rPr>
+              <a:t>Выражение</a:t>
             </a:r>
             <a:br>
-              <a:rPr lang="en-US" sz="1400" dirty="0">
+              <a:rPr lang="ru-RU" sz="1200" dirty="0" smtClean="0">
                 <a:latin typeface="Times New Roman" panose="02020603050405020304" pitchFamily="18" charset="0"/>
                 <a:cs typeface="Times New Roman" panose="02020603050405020304" pitchFamily="18" charset="0"/>
               </a:rPr>
             </a:br>
             <a:r>
-              <a:rPr lang="en-US" sz="1400" dirty="0" smtClean="0">
-                <a:latin typeface="Times New Roman" panose="02020603050405020304" pitchFamily="18" charset="0"/>
-                <a:cs typeface="Times New Roman" panose="02020603050405020304" pitchFamily="18" charset="0"/>
-              </a:rPr>
-              <a:t>statement</a:t>
-            </a:r>
-            <a:endParaRPr lang="ru-RU" sz="1400" dirty="0">
+              <a:rPr lang="ru-RU" sz="1200" dirty="0" smtClean="0">
+                <a:latin typeface="Times New Roman" panose="02020603050405020304" pitchFamily="18" charset="0"/>
+                <a:cs typeface="Times New Roman" panose="02020603050405020304" pitchFamily="18" charset="0"/>
+              </a:rPr>
+              <a:t>инициализации</a:t>
+            </a:r>
+            <a:endParaRPr lang="ru-RU" sz="1200" dirty="0">
               <a:latin typeface="Times New Roman" panose="02020603050405020304" pitchFamily="18" charset="0"/>
               <a:cs typeface="Times New Roman" panose="02020603050405020304" pitchFamily="18" charset="0"/>
             </a:endParaRPr>
@@ -12402,7 +17216,7 @@
         </p:nvSpPr>
         <p:spPr>
           <a:xfrm>
-            <a:off x="4304244" y="2019886"/>
+            <a:off x="4327104" y="1882726"/>
             <a:ext cx="798435" cy="426325"/>
           </a:xfrm>
           <a:prstGeom prst="rect">
@@ -12416,21 +17230,28 @@
           </a:bodyPr>
           <a:lstStyle/>
           <a:p>
-            <a:r>
-              <a:rPr lang="en-US" sz="1400" dirty="0" err="1">
-                <a:latin typeface="Times New Roman" panose="02020603050405020304" pitchFamily="18" charset="0"/>
-                <a:cs typeface="Times New Roman" panose="02020603050405020304" pitchFamily="18" charset="0"/>
-              </a:rPr>
-              <a:t>Var</a:t>
-            </a:r>
-            <a:r>
-              <a:rPr lang="en-US" sz="1400" dirty="0">
-                <a:latin typeface="Times New Roman" panose="02020603050405020304" pitchFamily="18" charset="0"/>
-                <a:cs typeface="Times New Roman" panose="02020603050405020304" pitchFamily="18" charset="0"/>
-              </a:rPr>
-              <a:t> name</a:t>
-            </a:r>
-            <a:endParaRPr lang="ru-RU" sz="1400" dirty="0">
+            <a:pPr algn="ctr"/>
+            <a:r>
+              <a:rPr lang="ru-RU" sz="1200" dirty="0" smtClean="0">
+                <a:latin typeface="Times New Roman" panose="02020603050405020304" pitchFamily="18" charset="0"/>
+                <a:cs typeface="Times New Roman" panose="02020603050405020304" pitchFamily="18" charset="0"/>
+              </a:rPr>
+              <a:t>Имя</a:t>
+            </a:r>
+            <a:br>
+              <a:rPr lang="ru-RU" sz="1200" dirty="0" smtClean="0">
+                <a:latin typeface="Times New Roman" panose="02020603050405020304" pitchFamily="18" charset="0"/>
+                <a:cs typeface="Times New Roman" panose="02020603050405020304" pitchFamily="18" charset="0"/>
+              </a:rPr>
+            </a:br>
+            <a:r>
+              <a:rPr lang="ru-RU" sz="1200" dirty="0" smtClean="0">
+                <a:latin typeface="Times New Roman" panose="02020603050405020304" pitchFamily="18" charset="0"/>
+                <a:cs typeface="Times New Roman" panose="02020603050405020304" pitchFamily="18" charset="0"/>
+              </a:rPr>
+              <a:t>переменной</a:t>
+            </a:r>
+            <a:endParaRPr lang="ru-RU" sz="1200" dirty="0">
               <a:latin typeface="Times New Roman" panose="02020603050405020304" pitchFamily="18" charset="0"/>
               <a:cs typeface="Times New Roman" panose="02020603050405020304" pitchFamily="18" charset="0"/>
             </a:endParaRPr>
@@ -12439,14 +17260,14 @@
       </p:sp>
       <p:sp>
         <p:nvSpPr>
-          <p:cNvPr id="98" name="TextBox 97"/>
+          <p:cNvPr id="103" name="TextBox 102"/>
           <p:cNvSpPr txBox="1"/>
           <p:nvPr/>
         </p:nvSpPr>
         <p:spPr>
           <a:xfrm rot="16200000">
-            <a:off x="315993" y="2725970"/>
-            <a:ext cx="994979" cy="515854"/>
+            <a:off x="2901975" y="5419912"/>
+            <a:ext cx="917854" cy="426325"/>
           </a:xfrm>
           <a:prstGeom prst="rect">
             <a:avLst/>
@@ -12461,33 +17282,13 @@
           <a:p>
             <a:pPr algn="ctr"/>
             <a:r>
-              <a:rPr lang="en-US" sz="1400" dirty="0">
-                <a:latin typeface="Times New Roman" panose="02020603050405020304" pitchFamily="18" charset="0"/>
-                <a:cs typeface="Times New Roman" panose="02020603050405020304" pitchFamily="18" charset="0"/>
-              </a:rPr>
-              <a:t>Local </a:t>
-            </a:r>
-            <a:r>
-              <a:rPr lang="en-US" sz="1400" dirty="0" smtClean="0">
-                <a:latin typeface="Times New Roman" panose="02020603050405020304" pitchFamily="18" charset="0"/>
-                <a:cs typeface="Times New Roman" panose="02020603050405020304" pitchFamily="18" charset="0"/>
-              </a:rPr>
-              <a:t/>
-            </a:r>
-            <a:br>
-              <a:rPr lang="en-US" sz="1400" dirty="0" smtClean="0">
-                <a:latin typeface="Times New Roman" panose="02020603050405020304" pitchFamily="18" charset="0"/>
-                <a:cs typeface="Times New Roman" panose="02020603050405020304" pitchFamily="18" charset="0"/>
-              </a:rPr>
-            </a:br>
-            <a:r>
-              <a:rPr lang="en-US" sz="1400" dirty="0" smtClean="0">
-                <a:latin typeface="Times New Roman" panose="02020603050405020304" pitchFamily="18" charset="0"/>
-                <a:cs typeface="Times New Roman" panose="02020603050405020304" pitchFamily="18" charset="0"/>
-              </a:rPr>
-              <a:t>declaration</a:t>
-            </a:r>
-            <a:endParaRPr lang="ru-RU" sz="1400" dirty="0">
+              <a:rPr lang="ru-RU" sz="1200" dirty="0" smtClean="0">
+                <a:latin typeface="Times New Roman" panose="02020603050405020304" pitchFamily="18" charset="0"/>
+                <a:cs typeface="Times New Roman" panose="02020603050405020304" pitchFamily="18" charset="0"/>
+              </a:rPr>
+              <a:t>Аргументы</a:t>
+            </a:r>
+            <a:endParaRPr lang="ru-RU" sz="1200" dirty="0">
               <a:latin typeface="Times New Roman" panose="02020603050405020304" pitchFamily="18" charset="0"/>
               <a:cs typeface="Times New Roman" panose="02020603050405020304" pitchFamily="18" charset="0"/>
             </a:endParaRPr>
@@ -12496,14 +17297,14 @@
       </p:sp>
       <p:sp>
         <p:nvSpPr>
-          <p:cNvPr id="100" name="TextBox 99"/>
+          <p:cNvPr id="104" name="TextBox 103"/>
           <p:cNvSpPr txBox="1"/>
           <p:nvPr/>
         </p:nvSpPr>
         <p:spPr>
-          <a:xfrm rot="19692990">
-            <a:off x="1218134" y="5273895"/>
-            <a:ext cx="809017" cy="315843"/>
+          <a:xfrm rot="1877745">
+            <a:off x="4664527" y="5239129"/>
+            <a:ext cx="1041974" cy="426325"/>
           </a:xfrm>
           <a:prstGeom prst="rect">
             <a:avLst/>
@@ -12517,20 +17318,13 @@
           <a:lstStyle/>
           <a:p>
             <a:r>
-              <a:rPr lang="en-US" sz="1400" dirty="0" err="1">
-                <a:latin typeface="Times New Roman" panose="02020603050405020304" pitchFamily="18" charset="0"/>
-                <a:cs typeface="Times New Roman" panose="02020603050405020304" pitchFamily="18" charset="0"/>
-              </a:rPr>
-              <a:t>Var</a:t>
-            </a:r>
-            <a:r>
-              <a:rPr lang="en-US" sz="1400" dirty="0">
-                <a:latin typeface="Times New Roman" panose="02020603050405020304" pitchFamily="18" charset="0"/>
-                <a:cs typeface="Times New Roman" panose="02020603050405020304" pitchFamily="18" charset="0"/>
-              </a:rPr>
-              <a:t> name</a:t>
-            </a:r>
-            <a:endParaRPr lang="ru-RU" sz="1400" dirty="0">
+              <a:rPr lang="ru-RU" sz="1200" dirty="0" smtClean="0">
+                <a:latin typeface="Times New Roman" panose="02020603050405020304" pitchFamily="18" charset="0"/>
+                <a:cs typeface="Times New Roman" panose="02020603050405020304" pitchFamily="18" charset="0"/>
+              </a:rPr>
+              <a:t>Имя функции</a:t>
+            </a:r>
+            <a:endParaRPr lang="ru-RU" sz="1200" dirty="0">
               <a:latin typeface="Times New Roman" panose="02020603050405020304" pitchFamily="18" charset="0"/>
               <a:cs typeface="Times New Roman" panose="02020603050405020304" pitchFamily="18" charset="0"/>
             </a:endParaRPr>
@@ -12539,14 +17333,14 @@
       </p:sp>
       <p:sp>
         <p:nvSpPr>
-          <p:cNvPr id="101" name="TextBox 100"/>
+          <p:cNvPr id="105" name="TextBox 104"/>
           <p:cNvSpPr txBox="1"/>
           <p:nvPr/>
         </p:nvSpPr>
         <p:spPr>
-          <a:xfrm rot="1925388">
-            <a:off x="1721350" y="3881014"/>
-            <a:ext cx="1525882" cy="724751"/>
+          <a:xfrm>
+            <a:off x="1638463" y="639556"/>
+            <a:ext cx="1017359" cy="426325"/>
           </a:xfrm>
           <a:prstGeom prst="rect">
             <a:avLst/>
@@ -12559,28 +17353,14 @@
           </a:bodyPr>
           <a:lstStyle/>
           <a:p>
-            <a:pPr algn="ctr"/>
-            <a:r>
-              <a:rPr lang="en-US" sz="1400" dirty="0">
-                <a:latin typeface="Times New Roman" panose="02020603050405020304" pitchFamily="18" charset="0"/>
-                <a:cs typeface="Times New Roman" panose="02020603050405020304" pitchFamily="18" charset="0"/>
-              </a:rPr>
-              <a:t>Initialization</a:t>
-            </a:r>
-            <a:br>
-              <a:rPr lang="en-US" sz="1400" dirty="0">
-                <a:latin typeface="Times New Roman" panose="02020603050405020304" pitchFamily="18" charset="0"/>
-                <a:cs typeface="Times New Roman" panose="02020603050405020304" pitchFamily="18" charset="0"/>
-              </a:rPr>
-            </a:br>
-            <a:r>
-              <a:rPr lang="en-US" sz="1400" dirty="0" err="1">
-                <a:latin typeface="Times New Roman" panose="02020603050405020304" pitchFamily="18" charset="0"/>
-                <a:cs typeface="Times New Roman" panose="02020603050405020304" pitchFamily="18" charset="0"/>
-              </a:rPr>
-              <a:t>statemment</a:t>
-            </a:r>
-            <a:endParaRPr lang="ru-RU" sz="1400" dirty="0">
+            <a:r>
+              <a:rPr lang="ru-RU" sz="1200" dirty="0" smtClean="0">
+                <a:latin typeface="Times New Roman" panose="02020603050405020304" pitchFamily="18" charset="0"/>
+                <a:cs typeface="Times New Roman" panose="02020603050405020304" pitchFamily="18" charset="0"/>
+              </a:rPr>
+              <a:t>Инструкция</a:t>
+            </a:r>
+            <a:endParaRPr lang="ru-RU" sz="1200" dirty="0">
               <a:latin typeface="Times New Roman" panose="02020603050405020304" pitchFamily="18" charset="0"/>
               <a:cs typeface="Times New Roman" panose="02020603050405020304" pitchFamily="18" charset="0"/>
             </a:endParaRPr>
@@ -12589,14 +17369,14 @@
       </p:sp>
       <p:sp>
         <p:nvSpPr>
-          <p:cNvPr id="102" name="TextBox 101"/>
+          <p:cNvPr id="45" name="TextBox 44"/>
           <p:cNvSpPr txBox="1"/>
           <p:nvPr/>
         </p:nvSpPr>
         <p:spPr>
           <a:xfrm rot="16200000">
-            <a:off x="326623" y="4080328"/>
-            <a:ext cx="863231" cy="426325"/>
+            <a:off x="366745" y="2734368"/>
+            <a:ext cx="896408" cy="426325"/>
           </a:xfrm>
           <a:prstGeom prst="rect">
             <a:avLst/>
@@ -12609,21 +17389,28 @@
           </a:bodyPr>
           <a:lstStyle/>
           <a:p>
-            <a:r>
-              <a:rPr lang="en-US" sz="1400" dirty="0" err="1">
-                <a:latin typeface="Times New Roman" panose="02020603050405020304" pitchFamily="18" charset="0"/>
-                <a:cs typeface="Times New Roman" panose="02020603050405020304" pitchFamily="18" charset="0"/>
-              </a:rPr>
-              <a:t>Var</a:t>
-            </a:r>
-            <a:r>
-              <a:rPr lang="en-US" sz="1400" dirty="0">
-                <a:latin typeface="Times New Roman" panose="02020603050405020304" pitchFamily="18" charset="0"/>
-                <a:cs typeface="Times New Roman" panose="02020603050405020304" pitchFamily="18" charset="0"/>
-              </a:rPr>
-              <a:t> name</a:t>
-            </a:r>
-            <a:endParaRPr lang="ru-RU" sz="1400" dirty="0">
+            <a:pPr algn="ctr"/>
+            <a:r>
+              <a:rPr lang="ru-RU" sz="1200" dirty="0" smtClean="0">
+                <a:latin typeface="Times New Roman" panose="02020603050405020304" pitchFamily="18" charset="0"/>
+                <a:cs typeface="Times New Roman" panose="02020603050405020304" pitchFamily="18" charset="0"/>
+              </a:rPr>
+              <a:t>Локальное</a:t>
+            </a:r>
+            <a:br>
+              <a:rPr lang="ru-RU" sz="1200" dirty="0" smtClean="0">
+                <a:latin typeface="Times New Roman" panose="02020603050405020304" pitchFamily="18" charset="0"/>
+                <a:cs typeface="Times New Roman" panose="02020603050405020304" pitchFamily="18" charset="0"/>
+              </a:rPr>
+            </a:br>
+            <a:r>
+              <a:rPr lang="ru-RU" sz="1200" dirty="0" smtClean="0">
+                <a:latin typeface="Times New Roman" panose="02020603050405020304" pitchFamily="18" charset="0"/>
+                <a:cs typeface="Times New Roman" panose="02020603050405020304" pitchFamily="18" charset="0"/>
+              </a:rPr>
+              <a:t>объявление</a:t>
+            </a:r>
+            <a:endParaRPr lang="ru-RU" sz="1200" dirty="0">
               <a:latin typeface="Times New Roman" panose="02020603050405020304" pitchFamily="18" charset="0"/>
               <a:cs typeface="Times New Roman" panose="02020603050405020304" pitchFamily="18" charset="0"/>
             </a:endParaRPr>
@@ -12632,14 +17419,14 @@
       </p:sp>
       <p:sp>
         <p:nvSpPr>
-          <p:cNvPr id="103" name="TextBox 102"/>
+          <p:cNvPr id="46" name="TextBox 45"/>
           <p:cNvSpPr txBox="1"/>
           <p:nvPr/>
         </p:nvSpPr>
         <p:spPr>
           <a:xfrm rot="16200000">
-            <a:off x="2845182" y="5385981"/>
-            <a:ext cx="1016199" cy="426325"/>
+            <a:off x="408696" y="4076111"/>
+            <a:ext cx="798435" cy="426325"/>
           </a:xfrm>
           <a:prstGeom prst="rect">
             <a:avLst/>
@@ -12652,14 +17439,28 @@
           </a:bodyPr>
           <a:lstStyle/>
           <a:p>
-            <a:r>
-              <a:rPr lang="en-US" sz="1400" dirty="0">
-                <a:latin typeface="Times New Roman" panose="02020603050405020304" pitchFamily="18" charset="0"/>
-                <a:cs typeface="Times New Roman" panose="02020603050405020304" pitchFamily="18" charset="0"/>
-              </a:rPr>
-              <a:t>Arguments</a:t>
-            </a:r>
-            <a:endParaRPr lang="ru-RU" sz="1400" dirty="0">
+            <a:pPr algn="ctr"/>
+            <a:r>
+              <a:rPr lang="ru-RU" sz="1200" dirty="0" smtClean="0">
+                <a:latin typeface="Times New Roman" panose="02020603050405020304" pitchFamily="18" charset="0"/>
+                <a:cs typeface="Times New Roman" panose="02020603050405020304" pitchFamily="18" charset="0"/>
+              </a:rPr>
+              <a:t>Имя</a:t>
+            </a:r>
+            <a:br>
+              <a:rPr lang="ru-RU" sz="1200" dirty="0" smtClean="0">
+                <a:latin typeface="Times New Roman" panose="02020603050405020304" pitchFamily="18" charset="0"/>
+                <a:cs typeface="Times New Roman" panose="02020603050405020304" pitchFamily="18" charset="0"/>
+              </a:rPr>
+            </a:br>
+            <a:r>
+              <a:rPr lang="ru-RU" sz="1200" dirty="0" smtClean="0">
+                <a:latin typeface="Times New Roman" panose="02020603050405020304" pitchFamily="18" charset="0"/>
+                <a:cs typeface="Times New Roman" panose="02020603050405020304" pitchFamily="18" charset="0"/>
+              </a:rPr>
+              <a:t>переменной</a:t>
+            </a:r>
+            <a:endParaRPr lang="ru-RU" sz="1200" dirty="0">
               <a:latin typeface="Times New Roman" panose="02020603050405020304" pitchFamily="18" charset="0"/>
               <a:cs typeface="Times New Roman" panose="02020603050405020304" pitchFamily="18" charset="0"/>
             </a:endParaRPr>
@@ -12668,14 +17469,14 @@
       </p:sp>
       <p:sp>
         <p:nvSpPr>
-          <p:cNvPr id="104" name="TextBox 103"/>
+          <p:cNvPr id="47" name="TextBox 46"/>
           <p:cNvSpPr txBox="1"/>
           <p:nvPr/>
         </p:nvSpPr>
         <p:spPr>
-          <a:xfrm rot="1877745">
-            <a:off x="4657574" y="5263947"/>
-            <a:ext cx="1137533" cy="426325"/>
+          <a:xfrm rot="19676787">
+            <a:off x="1256782" y="5287804"/>
+            <a:ext cx="798435" cy="426325"/>
           </a:xfrm>
           <a:prstGeom prst="rect">
             <a:avLst/>
@@ -12688,14 +17489,28 @@
           </a:bodyPr>
           <a:lstStyle/>
           <a:p>
-            <a:r>
-              <a:rPr lang="en-US" sz="1400" dirty="0">
-                <a:latin typeface="Times New Roman" panose="02020603050405020304" pitchFamily="18" charset="0"/>
-                <a:cs typeface="Times New Roman" panose="02020603050405020304" pitchFamily="18" charset="0"/>
-              </a:rPr>
-              <a:t>Method name</a:t>
-            </a:r>
-            <a:endParaRPr lang="ru-RU" sz="1400" dirty="0">
+            <a:pPr algn="ctr"/>
+            <a:r>
+              <a:rPr lang="ru-RU" sz="1200" dirty="0" smtClean="0">
+                <a:latin typeface="Times New Roman" panose="02020603050405020304" pitchFamily="18" charset="0"/>
+                <a:cs typeface="Times New Roman" panose="02020603050405020304" pitchFamily="18" charset="0"/>
+              </a:rPr>
+              <a:t>Имя</a:t>
+            </a:r>
+            <a:br>
+              <a:rPr lang="ru-RU" sz="1200" dirty="0" smtClean="0">
+                <a:latin typeface="Times New Roman" panose="02020603050405020304" pitchFamily="18" charset="0"/>
+                <a:cs typeface="Times New Roman" panose="02020603050405020304" pitchFamily="18" charset="0"/>
+              </a:rPr>
+            </a:br>
+            <a:r>
+              <a:rPr lang="ru-RU" sz="1200" dirty="0" smtClean="0">
+                <a:latin typeface="Times New Roman" panose="02020603050405020304" pitchFamily="18" charset="0"/>
+                <a:cs typeface="Times New Roman" panose="02020603050405020304" pitchFamily="18" charset="0"/>
+              </a:rPr>
+              <a:t>переменной</a:t>
+            </a:r>
+            <a:endParaRPr lang="ru-RU" sz="1200" dirty="0">
               <a:latin typeface="Times New Roman" panose="02020603050405020304" pitchFamily="18" charset="0"/>
               <a:cs typeface="Times New Roman" panose="02020603050405020304" pitchFamily="18" charset="0"/>
             </a:endParaRPr>
@@ -12704,14 +17519,14 @@
       </p:sp>
       <p:sp>
         <p:nvSpPr>
-          <p:cNvPr id="105" name="TextBox 104"/>
+          <p:cNvPr id="50" name="TextBox 49"/>
           <p:cNvSpPr txBox="1"/>
           <p:nvPr/>
         </p:nvSpPr>
         <p:spPr>
-          <a:xfrm>
-            <a:off x="1615603" y="593836"/>
-            <a:ext cx="1017359" cy="426325"/>
+          <a:xfrm rot="1904181">
+            <a:off x="1772082" y="3922264"/>
+            <a:ext cx="1525882" cy="556407"/>
           </a:xfrm>
           <a:prstGeom prst="rect">
             <a:avLst/>
@@ -12724,14 +17539,28 @@
           </a:bodyPr>
           <a:lstStyle/>
           <a:p>
-            <a:r>
-              <a:rPr lang="en-US" sz="1400" dirty="0" err="1">
-                <a:latin typeface="Times New Roman" panose="02020603050405020304" pitchFamily="18" charset="0"/>
-                <a:cs typeface="Times New Roman" panose="02020603050405020304" pitchFamily="18" charset="0"/>
-              </a:rPr>
-              <a:t>Statemment</a:t>
-            </a:r>
-            <a:endParaRPr lang="ru-RU" sz="1400" dirty="0">
+            <a:pPr algn="ctr"/>
+            <a:r>
+              <a:rPr lang="ru-RU" sz="1200" dirty="0" smtClean="0">
+                <a:latin typeface="Times New Roman" panose="02020603050405020304" pitchFamily="18" charset="0"/>
+                <a:cs typeface="Times New Roman" panose="02020603050405020304" pitchFamily="18" charset="0"/>
+              </a:rPr>
+              <a:t>Выражение</a:t>
+            </a:r>
+            <a:br>
+              <a:rPr lang="ru-RU" sz="1200" dirty="0" smtClean="0">
+                <a:latin typeface="Times New Roman" panose="02020603050405020304" pitchFamily="18" charset="0"/>
+                <a:cs typeface="Times New Roman" panose="02020603050405020304" pitchFamily="18" charset="0"/>
+              </a:rPr>
+            </a:br>
+            <a:r>
+              <a:rPr lang="ru-RU" sz="1200" dirty="0" smtClean="0">
+                <a:latin typeface="Times New Roman" panose="02020603050405020304" pitchFamily="18" charset="0"/>
+                <a:cs typeface="Times New Roman" panose="02020603050405020304" pitchFamily="18" charset="0"/>
+              </a:rPr>
+              <a:t>инициализации</a:t>
+            </a:r>
+            <a:endParaRPr lang="ru-RU" sz="1200" dirty="0">
               <a:latin typeface="Times New Roman" panose="02020603050405020304" pitchFamily="18" charset="0"/>
               <a:cs typeface="Times New Roman" panose="02020603050405020304" pitchFamily="18" charset="0"/>
             </a:endParaRPr>
@@ -12755,6 +17584,2459 @@
       </p:par>
     </p:tnLst>
   </p:timing>
+</p:sld>
+</file>
+
+<file path=ppt/slides/slide6.xml><?xml version="1.0" encoding="utf-8"?>
+<p:sld xmlns:a="http://schemas.openxmlformats.org/drawingml/2006/main" xmlns:r="http://schemas.openxmlformats.org/officeDocument/2006/relationships" xmlns:p="http://schemas.openxmlformats.org/presentationml/2006/main">
+  <p:cSld>
+    <p:spTree>
+      <p:nvGrpSpPr>
+        <p:cNvPr id="1" name=""/>
+        <p:cNvGrpSpPr/>
+        <p:nvPr/>
+      </p:nvGrpSpPr>
+      <p:grpSpPr>
+        <a:xfrm>
+          <a:off x="0" y="0"/>
+          <a:ext cx="0" cy="0"/>
+          <a:chOff x="0" y="0"/>
+          <a:chExt cx="0" cy="0"/>
+        </a:xfrm>
+      </p:grpSpPr>
+      <p:sp>
+        <p:nvSpPr>
+          <p:cNvPr id="3" name="TextBox 2"/>
+          <p:cNvSpPr txBox="1"/>
+          <p:nvPr/>
+        </p:nvSpPr>
+        <p:spPr>
+          <a:xfrm>
+            <a:off x="2601000" y="47878"/>
+            <a:ext cx="1656000" cy="468000"/>
+          </a:xfrm>
+          <a:prstGeom prst="rect">
+            <a:avLst/>
+          </a:prstGeom>
+          <a:noFill/>
+          <a:ln>
+            <a:solidFill>
+              <a:schemeClr val="tx1"/>
+            </a:solidFill>
+          </a:ln>
+        </p:spPr>
+        <p:txBody>
+          <a:bodyPr wrap="square" rtlCol="0" anchor="ctr">
+            <a:noAutofit/>
+          </a:bodyPr>
+          <a:lstStyle/>
+          <a:p>
+            <a:pPr algn="ctr"/>
+            <a:r>
+              <a:rPr lang="en-US" sz="1200" dirty="0">
+                <a:latin typeface="Times New Roman" panose="02020603050405020304" pitchFamily="18" charset="0"/>
+                <a:cs typeface="Times New Roman" panose="02020603050405020304" pitchFamily="18" charset="0"/>
+              </a:rPr>
+              <a:t>Root</a:t>
+            </a:r>
+            <a:endParaRPr lang="ru-RU" sz="1200" dirty="0">
+              <a:latin typeface="Times New Roman" panose="02020603050405020304" pitchFamily="18" charset="0"/>
+              <a:cs typeface="Times New Roman" panose="02020603050405020304" pitchFamily="18" charset="0"/>
+            </a:endParaRPr>
+          </a:p>
+        </p:txBody>
+      </p:sp>
+      <p:sp>
+        <p:nvSpPr>
+          <p:cNvPr id="5" name="TextBox 4"/>
+          <p:cNvSpPr txBox="1"/>
+          <p:nvPr/>
+        </p:nvSpPr>
+        <p:spPr>
+          <a:xfrm>
+            <a:off x="2598522" y="1462010"/>
+            <a:ext cx="1656000" cy="468000"/>
+          </a:xfrm>
+          <a:prstGeom prst="rect">
+            <a:avLst/>
+          </a:prstGeom>
+          <a:noFill/>
+          <a:ln>
+            <a:solidFill>
+              <a:schemeClr val="tx1"/>
+            </a:solidFill>
+          </a:ln>
+        </p:spPr>
+        <p:txBody>
+          <a:bodyPr wrap="square" rtlCol="0" anchor="ctr">
+            <a:noAutofit/>
+          </a:bodyPr>
+          <a:lstStyle/>
+          <a:p>
+            <a:pPr algn="ctr"/>
+            <a:r>
+              <a:rPr lang="en-US" sz="1200" dirty="0">
+                <a:latin typeface="Times New Roman" panose="02020603050405020304" pitchFamily="18" charset="0"/>
+                <a:cs typeface="Times New Roman" panose="02020603050405020304" pitchFamily="18" charset="0"/>
+              </a:rPr>
+              <a:t>for (</a:t>
+            </a:r>
+            <a:r>
+              <a:rPr lang="en-US" sz="1200" dirty="0" err="1">
+                <a:latin typeface="Times New Roman" panose="02020603050405020304" pitchFamily="18" charset="0"/>
+                <a:cs typeface="Times New Roman" panose="02020603050405020304" pitchFamily="18" charset="0"/>
+              </a:rPr>
+              <a:t>i</a:t>
+            </a:r>
+            <a:r>
+              <a:rPr lang="en-US" sz="1200" dirty="0">
+                <a:latin typeface="Times New Roman" panose="02020603050405020304" pitchFamily="18" charset="0"/>
+                <a:cs typeface="Times New Roman" panose="02020603050405020304" pitchFamily="18" charset="0"/>
+              </a:rPr>
+              <a:t> in 0..R)</a:t>
+            </a:r>
+            <a:endParaRPr lang="ru-RU" sz="1200" dirty="0">
+              <a:latin typeface="Times New Roman" panose="02020603050405020304" pitchFamily="18" charset="0"/>
+              <a:cs typeface="Times New Roman" panose="02020603050405020304" pitchFamily="18" charset="0"/>
+            </a:endParaRPr>
+          </a:p>
+        </p:txBody>
+      </p:sp>
+      <p:sp>
+        <p:nvSpPr>
+          <p:cNvPr id="6" name="TextBox 5"/>
+          <p:cNvSpPr txBox="1"/>
+          <p:nvPr/>
+        </p:nvSpPr>
+        <p:spPr>
+          <a:xfrm>
+            <a:off x="284036" y="2865358"/>
+            <a:ext cx="1656000" cy="468000"/>
+          </a:xfrm>
+          <a:prstGeom prst="rect">
+            <a:avLst/>
+          </a:prstGeom>
+          <a:noFill/>
+          <a:ln>
+            <a:solidFill>
+              <a:schemeClr val="tx1"/>
+            </a:solidFill>
+          </a:ln>
+        </p:spPr>
+        <p:txBody>
+          <a:bodyPr wrap="square" rtlCol="0" anchor="ctr">
+            <a:noAutofit/>
+          </a:bodyPr>
+          <a:lstStyle/>
+          <a:p>
+            <a:pPr algn="ctr"/>
+            <a:r>
+              <a:rPr lang="en-US" sz="1200" dirty="0">
+                <a:latin typeface="Times New Roman" panose="02020603050405020304" pitchFamily="18" charset="0"/>
+                <a:cs typeface="Times New Roman" panose="02020603050405020304" pitchFamily="18" charset="0"/>
+              </a:rPr>
+              <a:t>at (</a:t>
+            </a:r>
+            <a:r>
+              <a:rPr lang="en-US" sz="1200" dirty="0" err="1">
+                <a:latin typeface="Times New Roman" panose="02020603050405020304" pitchFamily="18" charset="0"/>
+                <a:cs typeface="Times New Roman" panose="02020603050405020304" pitchFamily="18" charset="0"/>
+              </a:rPr>
+              <a:t>Place.place</a:t>
+            </a:r>
+            <a:r>
+              <a:rPr lang="en-US" sz="1200" dirty="0">
+                <a:latin typeface="Times New Roman" panose="02020603050405020304" pitchFamily="18" charset="0"/>
+                <a:cs typeface="Times New Roman" panose="02020603050405020304" pitchFamily="18" charset="0"/>
+              </a:rPr>
+              <a:t>(id))</a:t>
+            </a:r>
+            <a:endParaRPr lang="ru-RU" sz="1200" dirty="0">
+              <a:latin typeface="Times New Roman" panose="02020603050405020304" pitchFamily="18" charset="0"/>
+              <a:cs typeface="Times New Roman" panose="02020603050405020304" pitchFamily="18" charset="0"/>
+            </a:endParaRPr>
+          </a:p>
+        </p:txBody>
+      </p:sp>
+      <p:sp>
+        <p:nvSpPr>
+          <p:cNvPr id="7" name="TextBox 6"/>
+          <p:cNvSpPr txBox="1"/>
+          <p:nvPr/>
+        </p:nvSpPr>
+        <p:spPr>
+          <a:xfrm>
+            <a:off x="284036" y="4264136"/>
+            <a:ext cx="1656000" cy="468000"/>
+          </a:xfrm>
+          <a:prstGeom prst="rect">
+            <a:avLst/>
+          </a:prstGeom>
+          <a:noFill/>
+          <a:ln w="38100">
+            <a:solidFill>
+              <a:schemeClr val="tx1"/>
+            </a:solidFill>
+          </a:ln>
+        </p:spPr>
+        <p:txBody>
+          <a:bodyPr wrap="none" rtlCol="0" anchor="ctr">
+            <a:noAutofit/>
+          </a:bodyPr>
+          <a:lstStyle/>
+          <a:p>
+            <a:pPr algn="ctr"/>
+            <a:r>
+              <a:rPr lang="en-US" sz="1200" dirty="0" err="1">
+                <a:latin typeface="Times New Roman" panose="02020603050405020304" pitchFamily="18" charset="0"/>
+                <a:cs typeface="Times New Roman" panose="02020603050405020304" pitchFamily="18" charset="0"/>
+              </a:rPr>
+              <a:t>var</a:t>
+            </a:r>
+            <a:r>
+              <a:rPr lang="en-US" sz="1200" dirty="0">
+                <a:latin typeface="Times New Roman" panose="02020603050405020304" pitchFamily="18" charset="0"/>
+                <a:cs typeface="Times New Roman" panose="02020603050405020304" pitchFamily="18" charset="0"/>
+              </a:rPr>
+              <a:t> a: Long = </a:t>
+            </a:r>
+            <a:r>
+              <a:rPr lang="ru-RU" sz="1200" dirty="0" smtClean="0">
+                <a:latin typeface="Times New Roman" panose="02020603050405020304" pitchFamily="18" charset="0"/>
+                <a:cs typeface="Times New Roman" panose="02020603050405020304" pitchFamily="18" charset="0"/>
+              </a:rPr>
+              <a:t/>
+            </a:r>
+            <a:br>
+              <a:rPr lang="ru-RU" sz="1200" dirty="0" smtClean="0">
+                <a:latin typeface="Times New Roman" panose="02020603050405020304" pitchFamily="18" charset="0"/>
+                <a:cs typeface="Times New Roman" panose="02020603050405020304" pitchFamily="18" charset="0"/>
+              </a:rPr>
+            </a:br>
+            <a:r>
+              <a:rPr lang="en-US" sz="1200" dirty="0" err="1" smtClean="0">
+                <a:latin typeface="Times New Roman" panose="02020603050405020304" pitchFamily="18" charset="0"/>
+                <a:cs typeface="Times New Roman" panose="02020603050405020304" pitchFamily="18" charset="0"/>
+              </a:rPr>
+              <a:t>localA</a:t>
+            </a:r>
+            <a:r>
+              <a:rPr lang="en-US" sz="1200" dirty="0" smtClean="0">
+                <a:latin typeface="Times New Roman" panose="02020603050405020304" pitchFamily="18" charset="0"/>
+                <a:cs typeface="Times New Roman" panose="02020603050405020304" pitchFamily="18" charset="0"/>
+              </a:rPr>
+              <a:t>(id</a:t>
+            </a:r>
+            <a:r>
+              <a:rPr lang="en-US" sz="1200" dirty="0">
+                <a:latin typeface="Times New Roman" panose="02020603050405020304" pitchFamily="18" charset="0"/>
+                <a:cs typeface="Times New Roman" panose="02020603050405020304" pitchFamily="18" charset="0"/>
+              </a:rPr>
+              <a:t>)(</a:t>
+            </a:r>
+            <a:r>
+              <a:rPr lang="en-US" sz="1200" dirty="0" err="1">
+                <a:latin typeface="Times New Roman" panose="02020603050405020304" pitchFamily="18" charset="0"/>
+                <a:cs typeface="Times New Roman" panose="02020603050405020304" pitchFamily="18" charset="0"/>
+              </a:rPr>
+              <a:t>i</a:t>
+            </a:r>
+            <a:r>
+              <a:rPr lang="en-US" sz="1200" dirty="0">
+                <a:latin typeface="Times New Roman" panose="02020603050405020304" pitchFamily="18" charset="0"/>
+                <a:cs typeface="Times New Roman" panose="02020603050405020304" pitchFamily="18" charset="0"/>
+              </a:rPr>
+              <a:t> % Size);</a:t>
+            </a:r>
+            <a:endParaRPr lang="ru-RU" sz="1200" dirty="0">
+              <a:latin typeface="Times New Roman" panose="02020603050405020304" pitchFamily="18" charset="0"/>
+              <a:cs typeface="Times New Roman" panose="02020603050405020304" pitchFamily="18" charset="0"/>
+            </a:endParaRPr>
+          </a:p>
+        </p:txBody>
+      </p:sp>
+      <p:sp>
+        <p:nvSpPr>
+          <p:cNvPr id="8" name="TextBox 7"/>
+          <p:cNvSpPr txBox="1"/>
+          <p:nvPr/>
+        </p:nvSpPr>
+        <p:spPr>
+          <a:xfrm>
+            <a:off x="284036" y="5674574"/>
+            <a:ext cx="1656000" cy="468000"/>
+          </a:xfrm>
+          <a:prstGeom prst="rect">
+            <a:avLst/>
+          </a:prstGeom>
+          <a:noFill/>
+          <a:ln>
+            <a:solidFill>
+              <a:schemeClr val="tx1"/>
+            </a:solidFill>
+          </a:ln>
+        </p:spPr>
+        <p:txBody>
+          <a:bodyPr wrap="square" rtlCol="0" anchor="ctr">
+            <a:noAutofit/>
+          </a:bodyPr>
+          <a:lstStyle/>
+          <a:p>
+            <a:pPr algn="ctr"/>
+            <a:r>
+              <a:rPr lang="en-US" sz="1200" dirty="0" err="1">
+                <a:latin typeface="Times New Roman" panose="02020603050405020304" pitchFamily="18" charset="0"/>
+                <a:cs typeface="Times New Roman" panose="02020603050405020304" pitchFamily="18" charset="0"/>
+              </a:rPr>
+              <a:t>var</a:t>
+            </a:r>
+            <a:r>
+              <a:rPr lang="en-US" sz="1200" dirty="0">
+                <a:latin typeface="Times New Roman" panose="02020603050405020304" pitchFamily="18" charset="0"/>
+                <a:cs typeface="Times New Roman" panose="02020603050405020304" pitchFamily="18" charset="0"/>
+              </a:rPr>
+              <a:t> a:Long</a:t>
+            </a:r>
+            <a:endParaRPr lang="ru-RU" sz="1200" dirty="0">
+              <a:latin typeface="Times New Roman" panose="02020603050405020304" pitchFamily="18" charset="0"/>
+              <a:cs typeface="Times New Roman" panose="02020603050405020304" pitchFamily="18" charset="0"/>
+            </a:endParaRPr>
+          </a:p>
+        </p:txBody>
+      </p:sp>
+      <p:sp>
+        <p:nvSpPr>
+          <p:cNvPr id="9" name="TextBox 8"/>
+          <p:cNvSpPr txBox="1"/>
+          <p:nvPr/>
+        </p:nvSpPr>
+        <p:spPr>
+          <a:xfrm>
+            <a:off x="2607091" y="8277846"/>
+            <a:ext cx="1656000" cy="468000"/>
+          </a:xfrm>
+          <a:prstGeom prst="rect">
+            <a:avLst/>
+          </a:prstGeom>
+          <a:noFill/>
+          <a:ln>
+            <a:solidFill>
+              <a:schemeClr val="tx1"/>
+            </a:solidFill>
+          </a:ln>
+        </p:spPr>
+        <p:txBody>
+          <a:bodyPr wrap="square" rtlCol="0" anchor="ctr">
+            <a:noAutofit/>
+          </a:bodyPr>
+          <a:lstStyle/>
+          <a:p>
+            <a:pPr algn="ctr"/>
+            <a:r>
+              <a:rPr lang="en-US" sz="1200" dirty="0">
+                <a:latin typeface="Times New Roman" panose="02020603050405020304" pitchFamily="18" charset="0"/>
+                <a:cs typeface="Times New Roman" panose="02020603050405020304" pitchFamily="18" charset="0"/>
+              </a:rPr>
+              <a:t>(Long)</a:t>
+            </a:r>
+            <a:endParaRPr lang="ru-RU" sz="1200" dirty="0">
+              <a:latin typeface="Times New Roman" panose="02020603050405020304" pitchFamily="18" charset="0"/>
+              <a:cs typeface="Times New Roman" panose="02020603050405020304" pitchFamily="18" charset="0"/>
+            </a:endParaRPr>
+          </a:p>
+        </p:txBody>
+      </p:sp>
+      <p:sp>
+        <p:nvSpPr>
+          <p:cNvPr id="10" name="TextBox 9"/>
+          <p:cNvSpPr txBox="1"/>
+          <p:nvPr/>
+        </p:nvSpPr>
+        <p:spPr>
+          <a:xfrm>
+            <a:off x="2607091" y="7032331"/>
+            <a:ext cx="1656000" cy="468000"/>
+          </a:xfrm>
+          <a:prstGeom prst="rect">
+            <a:avLst/>
+          </a:prstGeom>
+          <a:noFill/>
+          <a:ln w="38100">
+            <a:solidFill>
+              <a:schemeClr val="tx1"/>
+            </a:solidFill>
+          </a:ln>
+        </p:spPr>
+        <p:txBody>
+          <a:bodyPr wrap="square" rtlCol="0" anchor="ctr">
+            <a:noAutofit/>
+          </a:bodyPr>
+          <a:lstStyle/>
+          <a:p>
+            <a:pPr algn="ctr"/>
+            <a:r>
+              <a:rPr lang="en-US" sz="1200" dirty="0" err="1">
+                <a:latin typeface="Times New Roman" panose="02020603050405020304" pitchFamily="18" charset="0"/>
+                <a:cs typeface="Times New Roman" panose="02020603050405020304" pitchFamily="18" charset="0"/>
+              </a:rPr>
+              <a:t>localA</a:t>
+            </a:r>
+            <a:r>
+              <a:rPr lang="en-US" sz="1200" dirty="0">
+                <a:latin typeface="Times New Roman" panose="02020603050405020304" pitchFamily="18" charset="0"/>
+                <a:cs typeface="Times New Roman" panose="02020603050405020304" pitchFamily="18" charset="0"/>
+              </a:rPr>
+              <a:t>(id)(</a:t>
+            </a:r>
+            <a:r>
+              <a:rPr lang="en-US" sz="1200" dirty="0" err="1">
+                <a:latin typeface="Times New Roman" panose="02020603050405020304" pitchFamily="18" charset="0"/>
+                <a:cs typeface="Times New Roman" panose="02020603050405020304" pitchFamily="18" charset="0"/>
+              </a:rPr>
+              <a:t>i</a:t>
+            </a:r>
+            <a:r>
+              <a:rPr lang="en-US" sz="1200" dirty="0">
+                <a:latin typeface="Times New Roman" panose="02020603050405020304" pitchFamily="18" charset="0"/>
+                <a:cs typeface="Times New Roman" panose="02020603050405020304" pitchFamily="18" charset="0"/>
+              </a:rPr>
+              <a:t> % Size);</a:t>
+            </a:r>
+            <a:endParaRPr lang="ru-RU" sz="1200" dirty="0">
+              <a:latin typeface="Times New Roman" panose="02020603050405020304" pitchFamily="18" charset="0"/>
+              <a:cs typeface="Times New Roman" panose="02020603050405020304" pitchFamily="18" charset="0"/>
+            </a:endParaRPr>
+          </a:p>
+        </p:txBody>
+      </p:sp>
+      <p:sp>
+        <p:nvSpPr>
+          <p:cNvPr id="12" name="TextBox 11"/>
+          <p:cNvSpPr txBox="1"/>
+          <p:nvPr/>
+        </p:nvSpPr>
+        <p:spPr>
+          <a:xfrm>
+            <a:off x="284036" y="8277846"/>
+            <a:ext cx="1656000" cy="468000"/>
+          </a:xfrm>
+          <a:prstGeom prst="rect">
+            <a:avLst/>
+          </a:prstGeom>
+          <a:noFill/>
+          <a:ln w="38100">
+            <a:solidFill>
+              <a:schemeClr val="tx1"/>
+            </a:solidFill>
+          </a:ln>
+        </p:spPr>
+        <p:txBody>
+          <a:bodyPr wrap="square" rtlCol="0" anchor="ctr">
+            <a:noAutofit/>
+          </a:bodyPr>
+          <a:lstStyle/>
+          <a:p>
+            <a:pPr algn="ctr"/>
+            <a:r>
+              <a:rPr lang="en-US" sz="1200" dirty="0" err="1" smtClean="0">
+                <a:latin typeface="Times New Roman" panose="02020603050405020304" pitchFamily="18" charset="0"/>
+                <a:cs typeface="Times New Roman" panose="02020603050405020304" pitchFamily="18" charset="0"/>
+              </a:rPr>
+              <a:t>localA</a:t>
+            </a:r>
+            <a:endParaRPr lang="ru-RU" sz="1200" dirty="0">
+              <a:latin typeface="Times New Roman" panose="02020603050405020304" pitchFamily="18" charset="0"/>
+              <a:cs typeface="Times New Roman" panose="02020603050405020304" pitchFamily="18" charset="0"/>
+            </a:endParaRPr>
+          </a:p>
+        </p:txBody>
+      </p:sp>
+      <p:sp>
+        <p:nvSpPr>
+          <p:cNvPr id="13" name="TextBox 12"/>
+          <p:cNvSpPr txBox="1"/>
+          <p:nvPr/>
+        </p:nvSpPr>
+        <p:spPr>
+          <a:xfrm>
+            <a:off x="4930146" y="2864076"/>
+            <a:ext cx="1656000" cy="468000"/>
+          </a:xfrm>
+          <a:prstGeom prst="rect">
+            <a:avLst/>
+          </a:prstGeom>
+          <a:noFill/>
+          <a:ln>
+            <a:solidFill>
+              <a:schemeClr val="tx1"/>
+            </a:solidFill>
+          </a:ln>
+        </p:spPr>
+        <p:txBody>
+          <a:bodyPr wrap="none" rtlCol="0" anchor="ctr">
+            <a:noAutofit/>
+          </a:bodyPr>
+          <a:lstStyle/>
+          <a:p>
+            <a:pPr algn="ctr"/>
+            <a:r>
+              <a:rPr lang="en-US" sz="1200" spc="-70" dirty="0" err="1">
+                <a:latin typeface="Times New Roman" panose="02020603050405020304" pitchFamily="18" charset="0"/>
+                <a:cs typeface="Times New Roman" panose="02020603050405020304" pitchFamily="18" charset="0"/>
+              </a:rPr>
+              <a:t>var</a:t>
+            </a:r>
+            <a:r>
+              <a:rPr lang="en-US" sz="1200" spc="-70" dirty="0">
+                <a:latin typeface="Times New Roman" panose="02020603050405020304" pitchFamily="18" charset="0"/>
+                <a:cs typeface="Times New Roman" panose="02020603050405020304" pitchFamily="18" charset="0"/>
+              </a:rPr>
+              <a:t> </a:t>
+            </a:r>
+            <a:r>
+              <a:rPr lang="en-US" sz="1200" spc="-70" dirty="0" smtClean="0">
+                <a:latin typeface="Times New Roman" panose="02020603050405020304" pitchFamily="18" charset="0"/>
+                <a:cs typeface="Times New Roman" panose="02020603050405020304" pitchFamily="18" charset="0"/>
+              </a:rPr>
+              <a:t>  id</a:t>
+            </a:r>
+            <a:r>
+              <a:rPr lang="en-US" sz="1200" spc="-70" dirty="0">
+                <a:latin typeface="Times New Roman" panose="02020603050405020304" pitchFamily="18" charset="0"/>
+                <a:cs typeface="Times New Roman" panose="02020603050405020304" pitchFamily="18" charset="0"/>
+              </a:rPr>
+              <a:t>: Long = </a:t>
+            </a:r>
+            <a:br>
+              <a:rPr lang="en-US" sz="1200" spc="-70" dirty="0">
+                <a:latin typeface="Times New Roman" panose="02020603050405020304" pitchFamily="18" charset="0"/>
+                <a:cs typeface="Times New Roman" panose="02020603050405020304" pitchFamily="18" charset="0"/>
+              </a:rPr>
+            </a:br>
+            <a:r>
+              <a:rPr lang="en-US" sz="1200" spc="-70" dirty="0" err="1">
+                <a:latin typeface="Times New Roman" panose="02020603050405020304" pitchFamily="18" charset="0"/>
+                <a:cs typeface="Times New Roman" panose="02020603050405020304" pitchFamily="18" charset="0"/>
+              </a:rPr>
+              <a:t>i</a:t>
+            </a:r>
+            <a:r>
+              <a:rPr lang="en-US" sz="1200" spc="-70" dirty="0">
+                <a:latin typeface="Times New Roman" panose="02020603050405020304" pitchFamily="18" charset="0"/>
+                <a:cs typeface="Times New Roman" panose="02020603050405020304" pitchFamily="18" charset="0"/>
+              </a:rPr>
+              <a:t> </a:t>
+            </a:r>
+            <a:r>
+              <a:rPr lang="en-US" sz="1200" spc="-70" dirty="0" smtClean="0">
+                <a:latin typeface="Times New Roman" panose="02020603050405020304" pitchFamily="18" charset="0"/>
+                <a:cs typeface="Times New Roman" panose="02020603050405020304" pitchFamily="18" charset="0"/>
+              </a:rPr>
+              <a:t> %  </a:t>
+            </a:r>
+            <a:r>
+              <a:rPr lang="en-US" sz="1200" spc="-70" dirty="0" err="1" smtClean="0">
+                <a:latin typeface="Times New Roman" panose="02020603050405020304" pitchFamily="18" charset="0"/>
+                <a:cs typeface="Times New Roman" panose="02020603050405020304" pitchFamily="18" charset="0"/>
+              </a:rPr>
+              <a:t>Places.MAX_PLACES</a:t>
+            </a:r>
+            <a:endParaRPr lang="ru-RU" sz="1200" spc="-70" dirty="0">
+              <a:latin typeface="Times New Roman" panose="02020603050405020304" pitchFamily="18" charset="0"/>
+              <a:cs typeface="Times New Roman" panose="02020603050405020304" pitchFamily="18" charset="0"/>
+            </a:endParaRPr>
+          </a:p>
+        </p:txBody>
+      </p:sp>
+      <p:sp>
+        <p:nvSpPr>
+          <p:cNvPr id="14" name="TextBox 13"/>
+          <p:cNvSpPr txBox="1"/>
+          <p:nvPr/>
+        </p:nvSpPr>
+        <p:spPr>
+          <a:xfrm>
+            <a:off x="2598522" y="2864076"/>
+            <a:ext cx="1656000" cy="468000"/>
+          </a:xfrm>
+          <a:prstGeom prst="rect">
+            <a:avLst/>
+          </a:prstGeom>
+          <a:noFill/>
+          <a:ln>
+            <a:solidFill>
+              <a:schemeClr val="tx1"/>
+            </a:solidFill>
+          </a:ln>
+        </p:spPr>
+        <p:txBody>
+          <a:bodyPr wrap="square" rtlCol="0" anchor="ctr">
+            <a:noAutofit/>
+          </a:bodyPr>
+          <a:lstStyle/>
+          <a:p>
+            <a:pPr algn="ctr"/>
+            <a:r>
+              <a:rPr lang="ru-RU" sz="1200" dirty="0" smtClean="0">
+                <a:latin typeface="Times New Roman" panose="02020603050405020304" pitchFamily="18" charset="0"/>
+                <a:cs typeface="Times New Roman" panose="02020603050405020304" pitchFamily="18" charset="0"/>
+              </a:rPr>
+              <a:t>Инструкция</a:t>
+            </a:r>
+            <a:r>
+              <a:rPr lang="en-US" sz="1200" dirty="0" smtClean="0">
+                <a:latin typeface="Times New Roman" panose="02020603050405020304" pitchFamily="18" charset="0"/>
+                <a:cs typeface="Times New Roman" panose="02020603050405020304" pitchFamily="18" charset="0"/>
+              </a:rPr>
+              <a:t> </a:t>
+            </a:r>
+            <a:r>
+              <a:rPr lang="en-US" sz="1200" dirty="0">
+                <a:latin typeface="Times New Roman" panose="02020603050405020304" pitchFamily="18" charset="0"/>
+                <a:cs typeface="Times New Roman" panose="02020603050405020304" pitchFamily="18" charset="0"/>
+              </a:rPr>
+              <a:t>…</a:t>
+            </a:r>
+            <a:endParaRPr lang="ru-RU" sz="1200" dirty="0">
+              <a:latin typeface="Times New Roman" panose="02020603050405020304" pitchFamily="18" charset="0"/>
+              <a:cs typeface="Times New Roman" panose="02020603050405020304" pitchFamily="18" charset="0"/>
+            </a:endParaRPr>
+          </a:p>
+        </p:txBody>
+      </p:sp>
+      <p:sp>
+        <p:nvSpPr>
+          <p:cNvPr id="15" name="TextBox 14"/>
+          <p:cNvSpPr txBox="1"/>
+          <p:nvPr/>
+        </p:nvSpPr>
+        <p:spPr>
+          <a:xfrm>
+            <a:off x="2607091" y="5679895"/>
+            <a:ext cx="1656000" cy="468000"/>
+          </a:xfrm>
+          <a:prstGeom prst="rect">
+            <a:avLst/>
+          </a:prstGeom>
+          <a:noFill/>
+          <a:ln>
+            <a:solidFill>
+              <a:schemeClr val="tx1"/>
+            </a:solidFill>
+          </a:ln>
+        </p:spPr>
+        <p:txBody>
+          <a:bodyPr wrap="square" rtlCol="0" anchor="ctr">
+            <a:noAutofit/>
+          </a:bodyPr>
+          <a:lstStyle/>
+          <a:p>
+            <a:pPr algn="ctr"/>
+            <a:r>
+              <a:rPr lang="ru-RU" sz="1200" dirty="0" smtClean="0">
+                <a:latin typeface="Times New Roman" panose="02020603050405020304" pitchFamily="18" charset="0"/>
+                <a:cs typeface="Times New Roman" panose="02020603050405020304" pitchFamily="18" charset="0"/>
+              </a:rPr>
+              <a:t>Инструкция</a:t>
+            </a:r>
+            <a:r>
+              <a:rPr lang="en-US" sz="1200" dirty="0" smtClean="0">
+                <a:latin typeface="Times New Roman" panose="02020603050405020304" pitchFamily="18" charset="0"/>
+                <a:cs typeface="Times New Roman" panose="02020603050405020304" pitchFamily="18" charset="0"/>
+              </a:rPr>
+              <a:t>…</a:t>
+            </a:r>
+            <a:endParaRPr lang="ru-RU" sz="1200" dirty="0">
+              <a:latin typeface="Times New Roman" panose="02020603050405020304" pitchFamily="18" charset="0"/>
+              <a:cs typeface="Times New Roman" panose="02020603050405020304" pitchFamily="18" charset="0"/>
+            </a:endParaRPr>
+          </a:p>
+        </p:txBody>
+      </p:sp>
+      <p:cxnSp>
+        <p:nvCxnSpPr>
+          <p:cNvPr id="17" name="Прямая со стрелкой 16"/>
+          <p:cNvCxnSpPr>
+            <a:stCxn id="3" idx="2"/>
+            <a:endCxn id="5" idx="0"/>
+          </p:cNvCxnSpPr>
+          <p:nvPr/>
+        </p:nvCxnSpPr>
+        <p:spPr>
+          <a:xfrm flipH="1">
+            <a:off x="3426522" y="515878"/>
+            <a:ext cx="2478" cy="946132"/>
+          </a:xfrm>
+          <a:prstGeom prst="straightConnector1">
+            <a:avLst/>
+          </a:prstGeom>
+          <a:ln>
+            <a:solidFill>
+              <a:schemeClr val="tx1"/>
+            </a:solidFill>
+            <a:tailEnd type="triangle"/>
+          </a:ln>
+        </p:spPr>
+        <p:style>
+          <a:lnRef idx="1">
+            <a:schemeClr val="accent1"/>
+          </a:lnRef>
+          <a:fillRef idx="0">
+            <a:schemeClr val="accent1"/>
+          </a:fillRef>
+          <a:effectRef idx="0">
+            <a:schemeClr val="accent1"/>
+          </a:effectRef>
+          <a:fontRef idx="minor">
+            <a:schemeClr val="tx1"/>
+          </a:fontRef>
+        </p:style>
+      </p:cxnSp>
+      <p:cxnSp>
+        <p:nvCxnSpPr>
+          <p:cNvPr id="19" name="Прямая со стрелкой 18"/>
+          <p:cNvCxnSpPr>
+            <a:stCxn id="3" idx="3"/>
+            <a:endCxn id="44" idx="0"/>
+          </p:cNvCxnSpPr>
+          <p:nvPr/>
+        </p:nvCxnSpPr>
+        <p:spPr>
+          <a:xfrm>
+            <a:off x="4257000" y="281878"/>
+            <a:ext cx="1501146" cy="1176696"/>
+          </a:xfrm>
+          <a:prstGeom prst="straightConnector1">
+            <a:avLst/>
+          </a:prstGeom>
+          <a:ln>
+            <a:solidFill>
+              <a:schemeClr val="tx1"/>
+            </a:solidFill>
+            <a:tailEnd type="triangle"/>
+          </a:ln>
+        </p:spPr>
+        <p:style>
+          <a:lnRef idx="1">
+            <a:schemeClr val="accent1"/>
+          </a:lnRef>
+          <a:fillRef idx="0">
+            <a:schemeClr val="accent1"/>
+          </a:fillRef>
+          <a:effectRef idx="0">
+            <a:schemeClr val="accent1"/>
+          </a:effectRef>
+          <a:fontRef idx="minor">
+            <a:schemeClr val="tx1"/>
+          </a:fontRef>
+        </p:style>
+      </p:cxnSp>
+      <p:cxnSp>
+        <p:nvCxnSpPr>
+          <p:cNvPr id="21" name="Прямая со стрелкой 20"/>
+          <p:cNvCxnSpPr>
+            <a:stCxn id="5" idx="3"/>
+            <a:endCxn id="13" idx="0"/>
+          </p:cNvCxnSpPr>
+          <p:nvPr/>
+        </p:nvCxnSpPr>
+        <p:spPr>
+          <a:xfrm>
+            <a:off x="4254522" y="1696010"/>
+            <a:ext cx="1503624" cy="1168066"/>
+          </a:xfrm>
+          <a:prstGeom prst="straightConnector1">
+            <a:avLst/>
+          </a:prstGeom>
+          <a:ln>
+            <a:solidFill>
+              <a:schemeClr val="tx1"/>
+            </a:solidFill>
+            <a:tailEnd type="triangle"/>
+          </a:ln>
+        </p:spPr>
+        <p:style>
+          <a:lnRef idx="1">
+            <a:schemeClr val="accent1"/>
+          </a:lnRef>
+          <a:fillRef idx="0">
+            <a:schemeClr val="accent1"/>
+          </a:fillRef>
+          <a:effectRef idx="0">
+            <a:schemeClr val="accent1"/>
+          </a:effectRef>
+          <a:fontRef idx="minor">
+            <a:schemeClr val="tx1"/>
+          </a:fontRef>
+        </p:style>
+      </p:cxnSp>
+      <p:cxnSp>
+        <p:nvCxnSpPr>
+          <p:cNvPr id="24" name="Прямая со стрелкой 23"/>
+          <p:cNvCxnSpPr>
+            <a:stCxn id="5" idx="2"/>
+            <a:endCxn id="14" idx="0"/>
+          </p:cNvCxnSpPr>
+          <p:nvPr/>
+        </p:nvCxnSpPr>
+        <p:spPr>
+          <a:xfrm>
+            <a:off x="3426522" y="1930010"/>
+            <a:ext cx="0" cy="934066"/>
+          </a:xfrm>
+          <a:prstGeom prst="straightConnector1">
+            <a:avLst/>
+          </a:prstGeom>
+          <a:ln>
+            <a:solidFill>
+              <a:schemeClr val="tx1"/>
+            </a:solidFill>
+            <a:tailEnd type="triangle"/>
+          </a:ln>
+        </p:spPr>
+        <p:style>
+          <a:lnRef idx="1">
+            <a:schemeClr val="accent1"/>
+          </a:lnRef>
+          <a:fillRef idx="0">
+            <a:schemeClr val="accent1"/>
+          </a:fillRef>
+          <a:effectRef idx="0">
+            <a:schemeClr val="accent1"/>
+          </a:effectRef>
+          <a:fontRef idx="minor">
+            <a:schemeClr val="tx1"/>
+          </a:fontRef>
+        </p:style>
+      </p:cxnSp>
+      <p:cxnSp>
+        <p:nvCxnSpPr>
+          <p:cNvPr id="27" name="Прямая со стрелкой 26"/>
+          <p:cNvCxnSpPr>
+            <a:stCxn id="5" idx="1"/>
+            <a:endCxn id="6" idx="0"/>
+          </p:cNvCxnSpPr>
+          <p:nvPr/>
+        </p:nvCxnSpPr>
+        <p:spPr>
+          <a:xfrm flipH="1">
+            <a:off x="1112036" y="1696010"/>
+            <a:ext cx="1486486" cy="1169348"/>
+          </a:xfrm>
+          <a:prstGeom prst="straightConnector1">
+            <a:avLst/>
+          </a:prstGeom>
+          <a:ln>
+            <a:solidFill>
+              <a:schemeClr val="tx1"/>
+            </a:solidFill>
+            <a:tailEnd type="triangle"/>
+          </a:ln>
+        </p:spPr>
+        <p:style>
+          <a:lnRef idx="1">
+            <a:schemeClr val="accent1"/>
+          </a:lnRef>
+          <a:fillRef idx="0">
+            <a:schemeClr val="accent1"/>
+          </a:fillRef>
+          <a:effectRef idx="0">
+            <a:schemeClr val="accent1"/>
+          </a:effectRef>
+          <a:fontRef idx="minor">
+            <a:schemeClr val="tx1"/>
+          </a:fontRef>
+        </p:style>
+      </p:cxnSp>
+      <p:cxnSp>
+        <p:nvCxnSpPr>
+          <p:cNvPr id="29" name="Прямая со стрелкой 28"/>
+          <p:cNvCxnSpPr>
+            <a:stCxn id="6" idx="2"/>
+            <a:endCxn id="7" idx="0"/>
+          </p:cNvCxnSpPr>
+          <p:nvPr/>
+        </p:nvCxnSpPr>
+        <p:spPr>
+          <a:xfrm>
+            <a:off x="1112036" y="3333358"/>
+            <a:ext cx="0" cy="930778"/>
+          </a:xfrm>
+          <a:prstGeom prst="straightConnector1">
+            <a:avLst/>
+          </a:prstGeom>
+          <a:ln>
+            <a:solidFill>
+              <a:schemeClr val="tx1"/>
+            </a:solidFill>
+            <a:tailEnd type="triangle"/>
+          </a:ln>
+        </p:spPr>
+        <p:style>
+          <a:lnRef idx="1">
+            <a:schemeClr val="accent1"/>
+          </a:lnRef>
+          <a:fillRef idx="0">
+            <a:schemeClr val="accent1"/>
+          </a:fillRef>
+          <a:effectRef idx="0">
+            <a:schemeClr val="accent1"/>
+          </a:effectRef>
+          <a:fontRef idx="minor">
+            <a:schemeClr val="tx1"/>
+          </a:fontRef>
+        </p:style>
+      </p:cxnSp>
+      <p:cxnSp>
+        <p:nvCxnSpPr>
+          <p:cNvPr id="36" name="Прямая со стрелкой 35"/>
+          <p:cNvCxnSpPr>
+            <a:stCxn id="6" idx="2"/>
+            <a:endCxn id="15" idx="0"/>
+          </p:cNvCxnSpPr>
+          <p:nvPr/>
+        </p:nvCxnSpPr>
+        <p:spPr>
+          <a:xfrm>
+            <a:off x="1112036" y="3333358"/>
+            <a:ext cx="2323055" cy="2346537"/>
+          </a:xfrm>
+          <a:prstGeom prst="straightConnector1">
+            <a:avLst/>
+          </a:prstGeom>
+          <a:ln>
+            <a:solidFill>
+              <a:schemeClr val="tx1"/>
+            </a:solidFill>
+            <a:tailEnd type="triangle"/>
+          </a:ln>
+        </p:spPr>
+        <p:style>
+          <a:lnRef idx="1">
+            <a:schemeClr val="accent1"/>
+          </a:lnRef>
+          <a:fillRef idx="0">
+            <a:schemeClr val="accent1"/>
+          </a:fillRef>
+          <a:effectRef idx="0">
+            <a:schemeClr val="accent1"/>
+          </a:effectRef>
+          <a:fontRef idx="minor">
+            <a:schemeClr val="tx1"/>
+          </a:fontRef>
+        </p:style>
+      </p:cxnSp>
+      <p:sp>
+        <p:nvSpPr>
+          <p:cNvPr id="44" name="TextBox 43"/>
+          <p:cNvSpPr txBox="1"/>
+          <p:nvPr/>
+        </p:nvSpPr>
+        <p:spPr>
+          <a:xfrm>
+            <a:off x="4930146" y="1458574"/>
+            <a:ext cx="1656000" cy="468000"/>
+          </a:xfrm>
+          <a:prstGeom prst="rect">
+            <a:avLst/>
+          </a:prstGeom>
+          <a:noFill/>
+          <a:ln>
+            <a:solidFill>
+              <a:schemeClr val="tx1"/>
+            </a:solidFill>
+          </a:ln>
+        </p:spPr>
+        <p:txBody>
+          <a:bodyPr wrap="square" rtlCol="0" anchor="ctr">
+            <a:noAutofit/>
+          </a:bodyPr>
+          <a:lstStyle/>
+          <a:p>
+            <a:pPr algn="ctr"/>
+            <a:r>
+              <a:rPr lang="ru-RU" sz="1200" dirty="0" smtClean="0">
+                <a:latin typeface="Times New Roman" panose="02020603050405020304" pitchFamily="18" charset="0"/>
+                <a:cs typeface="Times New Roman" panose="02020603050405020304" pitchFamily="18" charset="0"/>
+              </a:rPr>
+              <a:t>Инструкция</a:t>
+            </a:r>
+            <a:r>
+              <a:rPr lang="en-US" sz="1200" dirty="0" smtClean="0">
+                <a:latin typeface="Times New Roman" panose="02020603050405020304" pitchFamily="18" charset="0"/>
+                <a:cs typeface="Times New Roman" panose="02020603050405020304" pitchFamily="18" charset="0"/>
+              </a:rPr>
+              <a:t> </a:t>
+            </a:r>
+            <a:r>
+              <a:rPr lang="en-US" sz="1200" dirty="0">
+                <a:latin typeface="Times New Roman" panose="02020603050405020304" pitchFamily="18" charset="0"/>
+                <a:cs typeface="Times New Roman" panose="02020603050405020304" pitchFamily="18" charset="0"/>
+              </a:rPr>
+              <a:t>…</a:t>
+            </a:r>
+            <a:endParaRPr lang="ru-RU" sz="1200" dirty="0">
+              <a:latin typeface="Times New Roman" panose="02020603050405020304" pitchFamily="18" charset="0"/>
+              <a:cs typeface="Times New Roman" panose="02020603050405020304" pitchFamily="18" charset="0"/>
+            </a:endParaRPr>
+          </a:p>
+        </p:txBody>
+      </p:sp>
+      <p:sp>
+        <p:nvSpPr>
+          <p:cNvPr id="48" name="TextBox 47"/>
+          <p:cNvSpPr txBox="1">
+            <a:spLocks/>
+          </p:cNvSpPr>
+          <p:nvPr/>
+        </p:nvSpPr>
+        <p:spPr>
+          <a:xfrm>
+            <a:off x="4930146" y="8277846"/>
+            <a:ext cx="1656000" cy="468000"/>
+          </a:xfrm>
+          <a:prstGeom prst="rect">
+            <a:avLst/>
+          </a:prstGeom>
+          <a:noFill/>
+          <a:ln>
+            <a:solidFill>
+              <a:schemeClr val="tx1"/>
+            </a:solidFill>
+          </a:ln>
+        </p:spPr>
+        <p:txBody>
+          <a:bodyPr wrap="square" rtlCol="0" anchor="ctr">
+            <a:noAutofit/>
+          </a:bodyPr>
+          <a:lstStyle/>
+          <a:p>
+            <a:pPr algn="ctr"/>
+            <a:r>
+              <a:rPr lang="en-US" sz="1200" dirty="0" err="1" smtClean="0">
+                <a:latin typeface="Times New Roman" panose="02020603050405020304" pitchFamily="18" charset="0"/>
+                <a:cs typeface="Times New Roman" panose="02020603050405020304" pitchFamily="18" charset="0"/>
+              </a:rPr>
+              <a:t>i</a:t>
+            </a:r>
+            <a:r>
+              <a:rPr lang="en-US" sz="1200" dirty="0" smtClean="0">
+                <a:latin typeface="Times New Roman" panose="02020603050405020304" pitchFamily="18" charset="0"/>
+                <a:cs typeface="Times New Roman" panose="02020603050405020304" pitchFamily="18" charset="0"/>
+              </a:rPr>
+              <a:t> </a:t>
+            </a:r>
+            <a:r>
+              <a:rPr lang="en-US" sz="1200" dirty="0">
+                <a:latin typeface="Times New Roman" panose="02020603050405020304" pitchFamily="18" charset="0"/>
+                <a:cs typeface="Times New Roman" panose="02020603050405020304" pitchFamily="18" charset="0"/>
+              </a:rPr>
+              <a:t>% </a:t>
+            </a:r>
+            <a:r>
+              <a:rPr lang="en-US" sz="1200" dirty="0" smtClean="0">
+                <a:latin typeface="Times New Roman" panose="02020603050405020304" pitchFamily="18" charset="0"/>
+                <a:cs typeface="Times New Roman" panose="02020603050405020304" pitchFamily="18" charset="0"/>
+              </a:rPr>
+              <a:t>size</a:t>
+            </a:r>
+            <a:endParaRPr lang="ru-RU" sz="1200" dirty="0">
+              <a:latin typeface="Times New Roman" panose="02020603050405020304" pitchFamily="18" charset="0"/>
+              <a:cs typeface="Times New Roman" panose="02020603050405020304" pitchFamily="18" charset="0"/>
+            </a:endParaRPr>
+          </a:p>
+        </p:txBody>
+      </p:sp>
+      <p:sp>
+        <p:nvSpPr>
+          <p:cNvPr id="49" name="TextBox 48"/>
+          <p:cNvSpPr txBox="1"/>
+          <p:nvPr/>
+        </p:nvSpPr>
+        <p:spPr>
+          <a:xfrm>
+            <a:off x="2598521" y="4266142"/>
+            <a:ext cx="1656000" cy="468000"/>
+          </a:xfrm>
+          <a:prstGeom prst="rect">
+            <a:avLst/>
+          </a:prstGeom>
+          <a:noFill/>
+          <a:ln>
+            <a:solidFill>
+              <a:schemeClr val="tx1"/>
+            </a:solidFill>
+          </a:ln>
+        </p:spPr>
+        <p:txBody>
+          <a:bodyPr wrap="none" rtlCol="0" anchor="ctr">
+            <a:noAutofit/>
+          </a:bodyPr>
+          <a:lstStyle/>
+          <a:p>
+            <a:pPr algn="ctr"/>
+            <a:r>
+              <a:rPr lang="en-US" sz="1200" spc="-70" dirty="0" err="1">
+                <a:latin typeface="Times New Roman" panose="02020603050405020304" pitchFamily="18" charset="0"/>
+                <a:cs typeface="Times New Roman" panose="02020603050405020304" pitchFamily="18" charset="0"/>
+              </a:rPr>
+              <a:t>i</a:t>
+            </a:r>
+            <a:r>
+              <a:rPr lang="en-US" sz="1200" spc="-70" dirty="0">
+                <a:latin typeface="Times New Roman" panose="02020603050405020304" pitchFamily="18" charset="0"/>
+                <a:cs typeface="Times New Roman" panose="02020603050405020304" pitchFamily="18" charset="0"/>
+              </a:rPr>
+              <a:t> % </a:t>
+            </a:r>
+            <a:r>
+              <a:rPr lang="en-US" sz="1200" spc="-70" dirty="0" err="1">
+                <a:latin typeface="Times New Roman" panose="02020603050405020304" pitchFamily="18" charset="0"/>
+                <a:cs typeface="Times New Roman" panose="02020603050405020304" pitchFamily="18" charset="0"/>
+              </a:rPr>
+              <a:t>Places.MAX_PLACES</a:t>
+            </a:r>
+            <a:endParaRPr lang="ru-RU" sz="1200" spc="-70" dirty="0">
+              <a:latin typeface="Times New Roman" panose="02020603050405020304" pitchFamily="18" charset="0"/>
+              <a:cs typeface="Times New Roman" panose="02020603050405020304" pitchFamily="18" charset="0"/>
+            </a:endParaRPr>
+          </a:p>
+        </p:txBody>
+      </p:sp>
+      <p:sp>
+        <p:nvSpPr>
+          <p:cNvPr id="75" name="TextBox 74"/>
+          <p:cNvSpPr txBox="1"/>
+          <p:nvPr/>
+        </p:nvSpPr>
+        <p:spPr>
+          <a:xfrm>
+            <a:off x="4930146" y="4272511"/>
+            <a:ext cx="1656000" cy="468000"/>
+          </a:xfrm>
+          <a:prstGeom prst="rect">
+            <a:avLst/>
+          </a:prstGeom>
+          <a:noFill/>
+          <a:ln>
+            <a:solidFill>
+              <a:schemeClr val="tx1"/>
+            </a:solidFill>
+          </a:ln>
+        </p:spPr>
+        <p:txBody>
+          <a:bodyPr wrap="none" rtlCol="0" anchor="ctr">
+            <a:noAutofit/>
+          </a:bodyPr>
+          <a:lstStyle/>
+          <a:p>
+            <a:pPr algn="ctr"/>
+            <a:r>
+              <a:rPr lang="en-US" sz="1200" dirty="0">
+                <a:latin typeface="Times New Roman" panose="02020603050405020304" pitchFamily="18" charset="0"/>
+                <a:cs typeface="Times New Roman" panose="02020603050405020304" pitchFamily="18" charset="0"/>
+              </a:rPr>
+              <a:t>id: Long</a:t>
+            </a:r>
+            <a:endParaRPr lang="ru-RU" sz="1200" dirty="0">
+              <a:latin typeface="Times New Roman" panose="02020603050405020304" pitchFamily="18" charset="0"/>
+              <a:cs typeface="Times New Roman" panose="02020603050405020304" pitchFamily="18" charset="0"/>
+            </a:endParaRPr>
+          </a:p>
+        </p:txBody>
+      </p:sp>
+      <p:cxnSp>
+        <p:nvCxnSpPr>
+          <p:cNvPr id="77" name="Прямая со стрелкой 76"/>
+          <p:cNvCxnSpPr>
+            <a:stCxn id="7" idx="2"/>
+            <a:endCxn id="8" idx="0"/>
+          </p:cNvCxnSpPr>
+          <p:nvPr/>
+        </p:nvCxnSpPr>
+        <p:spPr>
+          <a:xfrm>
+            <a:off x="1112036" y="4732136"/>
+            <a:ext cx="0" cy="942438"/>
+          </a:xfrm>
+          <a:prstGeom prst="straightConnector1">
+            <a:avLst/>
+          </a:prstGeom>
+          <a:ln>
+            <a:solidFill>
+              <a:schemeClr val="tx1"/>
+            </a:solidFill>
+            <a:tailEnd type="triangle"/>
+          </a:ln>
+        </p:spPr>
+        <p:style>
+          <a:lnRef idx="1">
+            <a:schemeClr val="accent1"/>
+          </a:lnRef>
+          <a:fillRef idx="0">
+            <a:schemeClr val="accent1"/>
+          </a:fillRef>
+          <a:effectRef idx="0">
+            <a:schemeClr val="accent1"/>
+          </a:effectRef>
+          <a:fontRef idx="minor">
+            <a:schemeClr val="tx1"/>
+          </a:fontRef>
+        </p:style>
+      </p:cxnSp>
+      <p:cxnSp>
+        <p:nvCxnSpPr>
+          <p:cNvPr id="79" name="Прямая со стрелкой 78"/>
+          <p:cNvCxnSpPr>
+            <a:stCxn id="7" idx="2"/>
+            <a:endCxn id="10" idx="0"/>
+          </p:cNvCxnSpPr>
+          <p:nvPr/>
+        </p:nvCxnSpPr>
+        <p:spPr>
+          <a:xfrm>
+            <a:off x="1112036" y="4732136"/>
+            <a:ext cx="2323055" cy="2300195"/>
+          </a:xfrm>
+          <a:prstGeom prst="straightConnector1">
+            <a:avLst/>
+          </a:prstGeom>
+          <a:ln w="38100">
+            <a:solidFill>
+              <a:schemeClr val="tx1"/>
+            </a:solidFill>
+            <a:tailEnd type="triangle"/>
+          </a:ln>
+        </p:spPr>
+        <p:style>
+          <a:lnRef idx="1">
+            <a:schemeClr val="accent1"/>
+          </a:lnRef>
+          <a:fillRef idx="0">
+            <a:schemeClr val="accent1"/>
+          </a:fillRef>
+          <a:effectRef idx="0">
+            <a:schemeClr val="accent1"/>
+          </a:effectRef>
+          <a:fontRef idx="minor">
+            <a:schemeClr val="tx1"/>
+          </a:fontRef>
+        </p:style>
+      </p:cxnSp>
+      <p:cxnSp>
+        <p:nvCxnSpPr>
+          <p:cNvPr id="81" name="Прямая со стрелкой 80"/>
+          <p:cNvCxnSpPr>
+            <a:stCxn id="13" idx="2"/>
+            <a:endCxn id="49" idx="0"/>
+          </p:cNvCxnSpPr>
+          <p:nvPr/>
+        </p:nvCxnSpPr>
+        <p:spPr>
+          <a:xfrm flipH="1">
+            <a:off x="3426521" y="3332076"/>
+            <a:ext cx="2331625" cy="934066"/>
+          </a:xfrm>
+          <a:prstGeom prst="straightConnector1">
+            <a:avLst/>
+          </a:prstGeom>
+          <a:ln>
+            <a:solidFill>
+              <a:schemeClr val="tx1"/>
+            </a:solidFill>
+            <a:tailEnd type="triangle"/>
+          </a:ln>
+        </p:spPr>
+        <p:style>
+          <a:lnRef idx="1">
+            <a:schemeClr val="accent1"/>
+          </a:lnRef>
+          <a:fillRef idx="0">
+            <a:schemeClr val="accent1"/>
+          </a:fillRef>
+          <a:effectRef idx="0">
+            <a:schemeClr val="accent1"/>
+          </a:effectRef>
+          <a:fontRef idx="minor">
+            <a:schemeClr val="tx1"/>
+          </a:fontRef>
+        </p:style>
+      </p:cxnSp>
+      <p:cxnSp>
+        <p:nvCxnSpPr>
+          <p:cNvPr id="83" name="Прямая со стрелкой 82"/>
+          <p:cNvCxnSpPr>
+            <a:stCxn id="13" idx="2"/>
+            <a:endCxn id="75" idx="0"/>
+          </p:cNvCxnSpPr>
+          <p:nvPr/>
+        </p:nvCxnSpPr>
+        <p:spPr>
+          <a:xfrm>
+            <a:off x="5758146" y="3332076"/>
+            <a:ext cx="0" cy="940435"/>
+          </a:xfrm>
+          <a:prstGeom prst="straightConnector1">
+            <a:avLst/>
+          </a:prstGeom>
+          <a:ln>
+            <a:solidFill>
+              <a:schemeClr val="tx1"/>
+            </a:solidFill>
+            <a:tailEnd type="triangle"/>
+          </a:ln>
+        </p:spPr>
+        <p:style>
+          <a:lnRef idx="1">
+            <a:schemeClr val="accent1"/>
+          </a:lnRef>
+          <a:fillRef idx="0">
+            <a:schemeClr val="accent1"/>
+          </a:fillRef>
+          <a:effectRef idx="0">
+            <a:schemeClr val="accent1"/>
+          </a:effectRef>
+          <a:fontRef idx="minor">
+            <a:schemeClr val="tx1"/>
+          </a:fontRef>
+        </p:style>
+      </p:cxnSp>
+      <p:cxnSp>
+        <p:nvCxnSpPr>
+          <p:cNvPr id="85" name="Прямая со стрелкой 84"/>
+          <p:cNvCxnSpPr>
+            <a:stCxn id="10" idx="1"/>
+            <a:endCxn id="12" idx="0"/>
+          </p:cNvCxnSpPr>
+          <p:nvPr/>
+        </p:nvCxnSpPr>
+        <p:spPr>
+          <a:xfrm flipH="1">
+            <a:off x="1112036" y="7266331"/>
+            <a:ext cx="1495055" cy="1011515"/>
+          </a:xfrm>
+          <a:prstGeom prst="straightConnector1">
+            <a:avLst/>
+          </a:prstGeom>
+          <a:ln w="38100">
+            <a:solidFill>
+              <a:schemeClr val="tx1"/>
+            </a:solidFill>
+            <a:tailEnd type="triangle"/>
+          </a:ln>
+        </p:spPr>
+        <p:style>
+          <a:lnRef idx="1">
+            <a:schemeClr val="accent1"/>
+          </a:lnRef>
+          <a:fillRef idx="0">
+            <a:schemeClr val="accent1"/>
+          </a:fillRef>
+          <a:effectRef idx="0">
+            <a:schemeClr val="accent1"/>
+          </a:effectRef>
+          <a:fontRef idx="minor">
+            <a:schemeClr val="tx1"/>
+          </a:fontRef>
+        </p:style>
+      </p:cxnSp>
+      <p:cxnSp>
+        <p:nvCxnSpPr>
+          <p:cNvPr id="87" name="Прямая со стрелкой 86"/>
+          <p:cNvCxnSpPr>
+            <a:stCxn id="10" idx="2"/>
+            <a:endCxn id="9" idx="0"/>
+          </p:cNvCxnSpPr>
+          <p:nvPr/>
+        </p:nvCxnSpPr>
+        <p:spPr>
+          <a:xfrm>
+            <a:off x="3435091" y="7500331"/>
+            <a:ext cx="0" cy="777515"/>
+          </a:xfrm>
+          <a:prstGeom prst="straightConnector1">
+            <a:avLst/>
+          </a:prstGeom>
+          <a:ln>
+            <a:solidFill>
+              <a:schemeClr val="tx1"/>
+            </a:solidFill>
+            <a:tailEnd type="triangle"/>
+          </a:ln>
+        </p:spPr>
+        <p:style>
+          <a:lnRef idx="1">
+            <a:schemeClr val="accent1"/>
+          </a:lnRef>
+          <a:fillRef idx="0">
+            <a:schemeClr val="accent1"/>
+          </a:fillRef>
+          <a:effectRef idx="0">
+            <a:schemeClr val="accent1"/>
+          </a:effectRef>
+          <a:fontRef idx="minor">
+            <a:schemeClr val="tx1"/>
+          </a:fontRef>
+        </p:style>
+      </p:cxnSp>
+      <p:cxnSp>
+        <p:nvCxnSpPr>
+          <p:cNvPr id="89" name="Прямая со стрелкой 88"/>
+          <p:cNvCxnSpPr>
+            <a:stCxn id="10" idx="3"/>
+            <a:endCxn id="48" idx="0"/>
+          </p:cNvCxnSpPr>
+          <p:nvPr/>
+        </p:nvCxnSpPr>
+        <p:spPr>
+          <a:xfrm>
+            <a:off x="4263091" y="7266331"/>
+            <a:ext cx="1495055" cy="1011515"/>
+          </a:xfrm>
+          <a:prstGeom prst="straightConnector1">
+            <a:avLst/>
+          </a:prstGeom>
+          <a:ln>
+            <a:solidFill>
+              <a:schemeClr val="tx1"/>
+            </a:solidFill>
+            <a:tailEnd type="triangle"/>
+          </a:ln>
+        </p:spPr>
+        <p:style>
+          <a:lnRef idx="1">
+            <a:schemeClr val="accent1"/>
+          </a:lnRef>
+          <a:fillRef idx="0">
+            <a:schemeClr val="accent1"/>
+          </a:fillRef>
+          <a:effectRef idx="0">
+            <a:schemeClr val="accent1"/>
+          </a:effectRef>
+          <a:fontRef idx="minor">
+            <a:schemeClr val="tx1"/>
+          </a:fontRef>
+        </p:style>
+      </p:cxnSp>
+      <p:sp>
+        <p:nvSpPr>
+          <p:cNvPr id="91" name="TextBox 90"/>
+          <p:cNvSpPr txBox="1"/>
+          <p:nvPr/>
+        </p:nvSpPr>
+        <p:spPr>
+          <a:xfrm rot="2261096">
+            <a:off x="4565448" y="613982"/>
+            <a:ext cx="921783" cy="283185"/>
+          </a:xfrm>
+          <a:prstGeom prst="rect">
+            <a:avLst/>
+          </a:prstGeom>
+          <a:noFill/>
+        </p:spPr>
+        <p:txBody>
+          <a:bodyPr wrap="none" rtlCol="0">
+            <a:noAutofit/>
+          </a:bodyPr>
+          <a:lstStyle/>
+          <a:p>
+            <a:r>
+              <a:rPr lang="ru-RU" sz="1200" dirty="0" smtClean="0">
+                <a:latin typeface="Times New Roman" panose="02020603050405020304" pitchFamily="18" charset="0"/>
+                <a:cs typeface="Times New Roman" panose="02020603050405020304" pitchFamily="18" charset="0"/>
+              </a:rPr>
+              <a:t>Инструкция</a:t>
+            </a:r>
+            <a:endParaRPr lang="ru-RU" sz="1200" dirty="0">
+              <a:latin typeface="Times New Roman" panose="02020603050405020304" pitchFamily="18" charset="0"/>
+              <a:cs typeface="Times New Roman" panose="02020603050405020304" pitchFamily="18" charset="0"/>
+            </a:endParaRPr>
+          </a:p>
+        </p:txBody>
+      </p:sp>
+      <p:sp>
+        <p:nvSpPr>
+          <p:cNvPr id="92" name="TextBox 91"/>
+          <p:cNvSpPr txBox="1"/>
+          <p:nvPr/>
+        </p:nvSpPr>
+        <p:spPr>
+          <a:xfrm rot="2750105">
+            <a:off x="1789775" y="4241489"/>
+            <a:ext cx="1026347" cy="264900"/>
+          </a:xfrm>
+          <a:prstGeom prst="rect">
+            <a:avLst/>
+          </a:prstGeom>
+          <a:noFill/>
+        </p:spPr>
+        <p:txBody>
+          <a:bodyPr wrap="none" rtlCol="0">
+            <a:noAutofit/>
+          </a:bodyPr>
+          <a:lstStyle/>
+          <a:p>
+            <a:r>
+              <a:rPr lang="ru-RU" sz="1200" dirty="0" smtClean="0">
+                <a:latin typeface="Times New Roman" panose="02020603050405020304" pitchFamily="18" charset="0"/>
+                <a:cs typeface="Times New Roman" panose="02020603050405020304" pitchFamily="18" charset="0"/>
+              </a:rPr>
+              <a:t>Инструкция</a:t>
+            </a:r>
+            <a:endParaRPr lang="ru-RU" sz="1200" dirty="0">
+              <a:latin typeface="Times New Roman" panose="02020603050405020304" pitchFamily="18" charset="0"/>
+              <a:cs typeface="Times New Roman" panose="02020603050405020304" pitchFamily="18" charset="0"/>
+            </a:endParaRPr>
+          </a:p>
+        </p:txBody>
+      </p:sp>
+      <p:sp>
+        <p:nvSpPr>
+          <p:cNvPr id="93" name="TextBox 92"/>
+          <p:cNvSpPr txBox="1"/>
+          <p:nvPr/>
+        </p:nvSpPr>
+        <p:spPr>
+          <a:xfrm rot="16200000">
+            <a:off x="2978968" y="749398"/>
+            <a:ext cx="864521" cy="426325"/>
+          </a:xfrm>
+          <a:prstGeom prst="rect">
+            <a:avLst/>
+          </a:prstGeom>
+          <a:noFill/>
+        </p:spPr>
+        <p:txBody>
+          <a:bodyPr wrap="none" rtlCol="0">
+            <a:noAutofit/>
+          </a:bodyPr>
+          <a:lstStyle/>
+          <a:p>
+            <a:pPr algn="ctr"/>
+            <a:r>
+              <a:rPr lang="ru-RU" sz="1200" dirty="0" smtClean="0">
+                <a:latin typeface="Times New Roman" panose="02020603050405020304" pitchFamily="18" charset="0"/>
+                <a:cs typeface="Times New Roman" panose="02020603050405020304" pitchFamily="18" charset="0"/>
+              </a:rPr>
+              <a:t>Инструкция </a:t>
+            </a:r>
+            <a:br>
+              <a:rPr lang="ru-RU" sz="1200" dirty="0" smtClean="0">
+                <a:latin typeface="Times New Roman" panose="02020603050405020304" pitchFamily="18" charset="0"/>
+                <a:cs typeface="Times New Roman" panose="02020603050405020304" pitchFamily="18" charset="0"/>
+              </a:rPr>
+            </a:br>
+            <a:r>
+              <a:rPr lang="en-US" sz="1200" dirty="0" smtClean="0">
+                <a:latin typeface="Times New Roman" panose="02020603050405020304" pitchFamily="18" charset="0"/>
+                <a:cs typeface="Times New Roman" panose="02020603050405020304" pitchFamily="18" charset="0"/>
+              </a:rPr>
+              <a:t>Loop</a:t>
+            </a:r>
+            <a:endParaRPr lang="ru-RU" sz="1200" dirty="0">
+              <a:latin typeface="Times New Roman" panose="02020603050405020304" pitchFamily="18" charset="0"/>
+              <a:cs typeface="Times New Roman" panose="02020603050405020304" pitchFamily="18" charset="0"/>
+            </a:endParaRPr>
+          </a:p>
+        </p:txBody>
+      </p:sp>
+      <p:sp>
+        <p:nvSpPr>
+          <p:cNvPr id="94" name="TextBox 93"/>
+          <p:cNvSpPr txBox="1"/>
+          <p:nvPr/>
+        </p:nvSpPr>
+        <p:spPr>
+          <a:xfrm rot="19308478">
+            <a:off x="1279010" y="2091415"/>
+            <a:ext cx="1017871" cy="420438"/>
+          </a:xfrm>
+          <a:prstGeom prst="rect">
+            <a:avLst/>
+          </a:prstGeom>
+          <a:noFill/>
+        </p:spPr>
+        <p:txBody>
+          <a:bodyPr wrap="none" rtlCol="0">
+            <a:noAutofit/>
+          </a:bodyPr>
+          <a:lstStyle/>
+          <a:p>
+            <a:pPr algn="ctr"/>
+            <a:r>
+              <a:rPr lang="ru-RU" sz="1200" dirty="0">
+                <a:latin typeface="Times New Roman" panose="02020603050405020304" pitchFamily="18" charset="0"/>
+                <a:cs typeface="Times New Roman" panose="02020603050405020304" pitchFamily="18" charset="0"/>
+              </a:rPr>
+              <a:t>Инструкция </a:t>
+            </a:r>
+            <a:endParaRPr lang="ru-RU" sz="1200" dirty="0" smtClean="0">
+              <a:latin typeface="Times New Roman" panose="02020603050405020304" pitchFamily="18" charset="0"/>
+              <a:cs typeface="Times New Roman" panose="02020603050405020304" pitchFamily="18" charset="0"/>
+            </a:endParaRPr>
+          </a:p>
+          <a:p>
+            <a:pPr algn="ctr"/>
+            <a:r>
+              <a:rPr lang="en-US" sz="1200" dirty="0" smtClean="0">
+                <a:latin typeface="Times New Roman" panose="02020603050405020304" pitchFamily="18" charset="0"/>
+                <a:cs typeface="Times New Roman" panose="02020603050405020304" pitchFamily="18" charset="0"/>
+              </a:rPr>
+              <a:t>at</a:t>
+            </a:r>
+            <a:endParaRPr lang="ru-RU" sz="1200" dirty="0">
+              <a:latin typeface="Times New Roman" panose="02020603050405020304" pitchFamily="18" charset="0"/>
+              <a:cs typeface="Times New Roman" panose="02020603050405020304" pitchFamily="18" charset="0"/>
+            </a:endParaRPr>
+          </a:p>
+        </p:txBody>
+      </p:sp>
+      <p:sp>
+        <p:nvSpPr>
+          <p:cNvPr id="95" name="TextBox 94"/>
+          <p:cNvSpPr txBox="1"/>
+          <p:nvPr/>
+        </p:nvSpPr>
+        <p:spPr>
+          <a:xfrm rot="2241366">
+            <a:off x="4590645" y="2022604"/>
+            <a:ext cx="831379" cy="426325"/>
+          </a:xfrm>
+          <a:prstGeom prst="rect">
+            <a:avLst/>
+          </a:prstGeom>
+          <a:noFill/>
+        </p:spPr>
+        <p:txBody>
+          <a:bodyPr wrap="none" rtlCol="0">
+            <a:noAutofit/>
+          </a:bodyPr>
+          <a:lstStyle/>
+          <a:p>
+            <a:pPr algn="ctr"/>
+            <a:r>
+              <a:rPr lang="ru-RU" sz="1200" dirty="0" smtClean="0">
+                <a:latin typeface="Times New Roman" panose="02020603050405020304" pitchFamily="18" charset="0"/>
+                <a:cs typeface="Times New Roman" panose="02020603050405020304" pitchFamily="18" charset="0"/>
+              </a:rPr>
+              <a:t>Локальное</a:t>
+            </a:r>
+            <a:br>
+              <a:rPr lang="ru-RU" sz="1200" dirty="0" smtClean="0">
+                <a:latin typeface="Times New Roman" panose="02020603050405020304" pitchFamily="18" charset="0"/>
+                <a:cs typeface="Times New Roman" panose="02020603050405020304" pitchFamily="18" charset="0"/>
+              </a:rPr>
+            </a:br>
+            <a:r>
+              <a:rPr lang="ru-RU" sz="1200" dirty="0" smtClean="0">
+                <a:latin typeface="Times New Roman" panose="02020603050405020304" pitchFamily="18" charset="0"/>
+                <a:cs typeface="Times New Roman" panose="02020603050405020304" pitchFamily="18" charset="0"/>
+              </a:rPr>
+              <a:t>объявление</a:t>
+            </a:r>
+            <a:endParaRPr lang="ru-RU" sz="1200" dirty="0">
+              <a:latin typeface="Times New Roman" panose="02020603050405020304" pitchFamily="18" charset="0"/>
+              <a:cs typeface="Times New Roman" panose="02020603050405020304" pitchFamily="18" charset="0"/>
+            </a:endParaRPr>
+          </a:p>
+        </p:txBody>
+      </p:sp>
+      <p:sp>
+        <p:nvSpPr>
+          <p:cNvPr id="96" name="TextBox 95"/>
+          <p:cNvSpPr txBox="1"/>
+          <p:nvPr/>
+        </p:nvSpPr>
+        <p:spPr>
+          <a:xfrm rot="20300656" flipH="1">
+            <a:off x="3827082" y="3583099"/>
+            <a:ext cx="1345442" cy="473426"/>
+          </a:xfrm>
+          <a:prstGeom prst="rect">
+            <a:avLst/>
+          </a:prstGeom>
+          <a:noFill/>
+        </p:spPr>
+        <p:txBody>
+          <a:bodyPr wrap="none" rtlCol="0">
+            <a:noAutofit/>
+          </a:bodyPr>
+          <a:lstStyle/>
+          <a:p>
+            <a:pPr algn="ctr"/>
+            <a:r>
+              <a:rPr lang="ru-RU" sz="1200" dirty="0" smtClean="0">
+                <a:latin typeface="Times New Roman" panose="02020603050405020304" pitchFamily="18" charset="0"/>
+                <a:cs typeface="Times New Roman" panose="02020603050405020304" pitchFamily="18" charset="0"/>
+              </a:rPr>
+              <a:t>Выражение</a:t>
+            </a:r>
+            <a:br>
+              <a:rPr lang="ru-RU" sz="1200" dirty="0" smtClean="0">
+                <a:latin typeface="Times New Roman" panose="02020603050405020304" pitchFamily="18" charset="0"/>
+                <a:cs typeface="Times New Roman" panose="02020603050405020304" pitchFamily="18" charset="0"/>
+              </a:rPr>
+            </a:br>
+            <a:r>
+              <a:rPr lang="ru-RU" sz="1200" dirty="0" smtClean="0">
+                <a:latin typeface="Times New Roman" panose="02020603050405020304" pitchFamily="18" charset="0"/>
+                <a:cs typeface="Times New Roman" panose="02020603050405020304" pitchFamily="18" charset="0"/>
+              </a:rPr>
+              <a:t>инициализации</a:t>
+            </a:r>
+            <a:endParaRPr lang="ru-RU" sz="1200" dirty="0">
+              <a:latin typeface="Times New Roman" panose="02020603050405020304" pitchFamily="18" charset="0"/>
+              <a:cs typeface="Times New Roman" panose="02020603050405020304" pitchFamily="18" charset="0"/>
+            </a:endParaRPr>
+          </a:p>
+        </p:txBody>
+      </p:sp>
+      <p:sp>
+        <p:nvSpPr>
+          <p:cNvPr id="97" name="TextBox 96"/>
+          <p:cNvSpPr txBox="1"/>
+          <p:nvPr/>
+        </p:nvSpPr>
+        <p:spPr>
+          <a:xfrm rot="16200000">
+            <a:off x="5326809" y="3580072"/>
+            <a:ext cx="798435" cy="426325"/>
+          </a:xfrm>
+          <a:prstGeom prst="rect">
+            <a:avLst/>
+          </a:prstGeom>
+          <a:noFill/>
+        </p:spPr>
+        <p:txBody>
+          <a:bodyPr wrap="none" rtlCol="0">
+            <a:noAutofit/>
+          </a:bodyPr>
+          <a:lstStyle/>
+          <a:p>
+            <a:pPr algn="ctr"/>
+            <a:r>
+              <a:rPr lang="ru-RU" sz="1200" dirty="0" smtClean="0">
+                <a:latin typeface="Times New Roman" panose="02020603050405020304" pitchFamily="18" charset="0"/>
+                <a:cs typeface="Times New Roman" panose="02020603050405020304" pitchFamily="18" charset="0"/>
+              </a:rPr>
+              <a:t>Имя</a:t>
+            </a:r>
+            <a:br>
+              <a:rPr lang="ru-RU" sz="1200" dirty="0" smtClean="0">
+                <a:latin typeface="Times New Roman" panose="02020603050405020304" pitchFamily="18" charset="0"/>
+                <a:cs typeface="Times New Roman" panose="02020603050405020304" pitchFamily="18" charset="0"/>
+              </a:rPr>
+            </a:br>
+            <a:r>
+              <a:rPr lang="ru-RU" sz="1200" dirty="0" smtClean="0">
+                <a:latin typeface="Times New Roman" panose="02020603050405020304" pitchFamily="18" charset="0"/>
+                <a:cs typeface="Times New Roman" panose="02020603050405020304" pitchFamily="18" charset="0"/>
+              </a:rPr>
+              <a:t>переменной</a:t>
+            </a:r>
+            <a:endParaRPr lang="ru-RU" sz="1200" dirty="0">
+              <a:latin typeface="Times New Roman" panose="02020603050405020304" pitchFamily="18" charset="0"/>
+              <a:cs typeface="Times New Roman" panose="02020603050405020304" pitchFamily="18" charset="0"/>
+            </a:endParaRPr>
+          </a:p>
+        </p:txBody>
+      </p:sp>
+      <p:sp>
+        <p:nvSpPr>
+          <p:cNvPr id="103" name="TextBox 102"/>
+          <p:cNvSpPr txBox="1"/>
+          <p:nvPr/>
+        </p:nvSpPr>
+        <p:spPr>
+          <a:xfrm rot="2000469">
+            <a:off x="4648981" y="7560402"/>
+            <a:ext cx="917854" cy="309209"/>
+          </a:xfrm>
+          <a:prstGeom prst="rect">
+            <a:avLst/>
+          </a:prstGeom>
+          <a:noFill/>
+        </p:spPr>
+        <p:txBody>
+          <a:bodyPr wrap="none" rtlCol="0">
+            <a:noAutofit/>
+          </a:bodyPr>
+          <a:lstStyle/>
+          <a:p>
+            <a:pPr algn="ctr"/>
+            <a:r>
+              <a:rPr lang="ru-RU" sz="1200" dirty="0" smtClean="0">
+                <a:latin typeface="Times New Roman" panose="02020603050405020304" pitchFamily="18" charset="0"/>
+                <a:cs typeface="Times New Roman" panose="02020603050405020304" pitchFamily="18" charset="0"/>
+              </a:rPr>
+              <a:t>Аргументы</a:t>
+            </a:r>
+            <a:endParaRPr lang="ru-RU" sz="1200" dirty="0">
+              <a:latin typeface="Times New Roman" panose="02020603050405020304" pitchFamily="18" charset="0"/>
+              <a:cs typeface="Times New Roman" panose="02020603050405020304" pitchFamily="18" charset="0"/>
+            </a:endParaRPr>
+          </a:p>
+        </p:txBody>
+      </p:sp>
+      <p:sp>
+        <p:nvSpPr>
+          <p:cNvPr id="104" name="TextBox 103"/>
+          <p:cNvSpPr txBox="1"/>
+          <p:nvPr/>
+        </p:nvSpPr>
+        <p:spPr>
+          <a:xfrm rot="16200000">
+            <a:off x="3057479" y="7640918"/>
+            <a:ext cx="707498" cy="426325"/>
+          </a:xfrm>
+          <a:prstGeom prst="rect">
+            <a:avLst/>
+          </a:prstGeom>
+          <a:noFill/>
+        </p:spPr>
+        <p:txBody>
+          <a:bodyPr wrap="none" rtlCol="0">
+            <a:noAutofit/>
+          </a:bodyPr>
+          <a:lstStyle/>
+          <a:p>
+            <a:pPr algn="ctr"/>
+            <a:r>
+              <a:rPr lang="ru-RU" sz="1200" dirty="0" smtClean="0">
+                <a:latin typeface="Times New Roman" panose="02020603050405020304" pitchFamily="18" charset="0"/>
+                <a:cs typeface="Times New Roman" panose="02020603050405020304" pitchFamily="18" charset="0"/>
+              </a:rPr>
+              <a:t>Имя</a:t>
+            </a:r>
+            <a:r>
+              <a:rPr lang="en-US" sz="1200" dirty="0" smtClean="0">
+                <a:latin typeface="Times New Roman" panose="02020603050405020304" pitchFamily="18" charset="0"/>
+                <a:cs typeface="Times New Roman" panose="02020603050405020304" pitchFamily="18" charset="0"/>
+              </a:rPr>
+              <a:t/>
+            </a:r>
+            <a:br>
+              <a:rPr lang="en-US" sz="1200" dirty="0" smtClean="0">
+                <a:latin typeface="Times New Roman" panose="02020603050405020304" pitchFamily="18" charset="0"/>
+                <a:cs typeface="Times New Roman" panose="02020603050405020304" pitchFamily="18" charset="0"/>
+              </a:rPr>
+            </a:br>
+            <a:r>
+              <a:rPr lang="ru-RU" sz="1200" dirty="0" smtClean="0">
+                <a:latin typeface="Times New Roman" panose="02020603050405020304" pitchFamily="18" charset="0"/>
+                <a:cs typeface="Times New Roman" panose="02020603050405020304" pitchFamily="18" charset="0"/>
+              </a:rPr>
+              <a:t>функции</a:t>
+            </a:r>
+            <a:endParaRPr lang="ru-RU" sz="1200" dirty="0">
+              <a:latin typeface="Times New Roman" panose="02020603050405020304" pitchFamily="18" charset="0"/>
+              <a:cs typeface="Times New Roman" panose="02020603050405020304" pitchFamily="18" charset="0"/>
+            </a:endParaRPr>
+          </a:p>
+        </p:txBody>
+      </p:sp>
+      <p:sp>
+        <p:nvSpPr>
+          <p:cNvPr id="45" name="TextBox 44"/>
+          <p:cNvSpPr txBox="1"/>
+          <p:nvPr/>
+        </p:nvSpPr>
+        <p:spPr>
+          <a:xfrm rot="16200000">
+            <a:off x="655522" y="3637491"/>
+            <a:ext cx="896408" cy="426325"/>
+          </a:xfrm>
+          <a:prstGeom prst="rect">
+            <a:avLst/>
+          </a:prstGeom>
+          <a:noFill/>
+        </p:spPr>
+        <p:txBody>
+          <a:bodyPr wrap="none" rtlCol="0">
+            <a:noAutofit/>
+          </a:bodyPr>
+          <a:lstStyle/>
+          <a:p>
+            <a:pPr algn="ctr"/>
+            <a:r>
+              <a:rPr lang="ru-RU" sz="1200" dirty="0" smtClean="0">
+                <a:latin typeface="Times New Roman" panose="02020603050405020304" pitchFamily="18" charset="0"/>
+                <a:cs typeface="Times New Roman" panose="02020603050405020304" pitchFamily="18" charset="0"/>
+              </a:rPr>
+              <a:t>Локальное</a:t>
+            </a:r>
+            <a:br>
+              <a:rPr lang="ru-RU" sz="1200" dirty="0" smtClean="0">
+                <a:latin typeface="Times New Roman" panose="02020603050405020304" pitchFamily="18" charset="0"/>
+                <a:cs typeface="Times New Roman" panose="02020603050405020304" pitchFamily="18" charset="0"/>
+              </a:rPr>
+            </a:br>
+            <a:r>
+              <a:rPr lang="ru-RU" sz="1200" dirty="0" smtClean="0">
+                <a:latin typeface="Times New Roman" panose="02020603050405020304" pitchFamily="18" charset="0"/>
+                <a:cs typeface="Times New Roman" panose="02020603050405020304" pitchFamily="18" charset="0"/>
+              </a:rPr>
+              <a:t>объявление</a:t>
+            </a:r>
+            <a:endParaRPr lang="ru-RU" sz="1200" dirty="0">
+              <a:latin typeface="Times New Roman" panose="02020603050405020304" pitchFamily="18" charset="0"/>
+              <a:cs typeface="Times New Roman" panose="02020603050405020304" pitchFamily="18" charset="0"/>
+            </a:endParaRPr>
+          </a:p>
+        </p:txBody>
+      </p:sp>
+      <p:sp>
+        <p:nvSpPr>
+          <p:cNvPr id="46" name="TextBox 45"/>
+          <p:cNvSpPr txBox="1"/>
+          <p:nvPr/>
+        </p:nvSpPr>
+        <p:spPr>
+          <a:xfrm rot="16200000">
+            <a:off x="686041" y="5030899"/>
+            <a:ext cx="798435" cy="426325"/>
+          </a:xfrm>
+          <a:prstGeom prst="rect">
+            <a:avLst/>
+          </a:prstGeom>
+          <a:noFill/>
+        </p:spPr>
+        <p:txBody>
+          <a:bodyPr wrap="none" rtlCol="0">
+            <a:noAutofit/>
+          </a:bodyPr>
+          <a:lstStyle/>
+          <a:p>
+            <a:pPr algn="ctr"/>
+            <a:r>
+              <a:rPr lang="ru-RU" sz="1200" dirty="0" smtClean="0">
+                <a:latin typeface="Times New Roman" panose="02020603050405020304" pitchFamily="18" charset="0"/>
+                <a:cs typeface="Times New Roman" panose="02020603050405020304" pitchFamily="18" charset="0"/>
+              </a:rPr>
+              <a:t>Имя</a:t>
+            </a:r>
+            <a:br>
+              <a:rPr lang="ru-RU" sz="1200" dirty="0" smtClean="0">
+                <a:latin typeface="Times New Roman" panose="02020603050405020304" pitchFamily="18" charset="0"/>
+                <a:cs typeface="Times New Roman" panose="02020603050405020304" pitchFamily="18" charset="0"/>
+              </a:rPr>
+            </a:br>
+            <a:r>
+              <a:rPr lang="ru-RU" sz="1200" dirty="0" smtClean="0">
+                <a:latin typeface="Times New Roman" panose="02020603050405020304" pitchFamily="18" charset="0"/>
+                <a:cs typeface="Times New Roman" panose="02020603050405020304" pitchFamily="18" charset="0"/>
+              </a:rPr>
+              <a:t>переменной</a:t>
+            </a:r>
+            <a:endParaRPr lang="ru-RU" sz="1200" dirty="0">
+              <a:latin typeface="Times New Roman" panose="02020603050405020304" pitchFamily="18" charset="0"/>
+              <a:cs typeface="Times New Roman" panose="02020603050405020304" pitchFamily="18" charset="0"/>
+            </a:endParaRPr>
+          </a:p>
+        </p:txBody>
+      </p:sp>
+      <p:sp>
+        <p:nvSpPr>
+          <p:cNvPr id="47" name="TextBox 46"/>
+          <p:cNvSpPr txBox="1"/>
+          <p:nvPr/>
+        </p:nvSpPr>
+        <p:spPr>
+          <a:xfrm rot="19620607">
+            <a:off x="1273537" y="7469537"/>
+            <a:ext cx="1139737" cy="266155"/>
+          </a:xfrm>
+          <a:prstGeom prst="rect">
+            <a:avLst/>
+          </a:prstGeom>
+          <a:noFill/>
+        </p:spPr>
+        <p:txBody>
+          <a:bodyPr wrap="none" rtlCol="0">
+            <a:noAutofit/>
+          </a:bodyPr>
+          <a:lstStyle/>
+          <a:p>
+            <a:pPr algn="ctr"/>
+            <a:r>
+              <a:rPr lang="ru-RU" sz="1200" dirty="0" smtClean="0">
+                <a:latin typeface="Times New Roman" panose="02020603050405020304" pitchFamily="18" charset="0"/>
+                <a:cs typeface="Times New Roman" panose="02020603050405020304" pitchFamily="18" charset="0"/>
+              </a:rPr>
+              <a:t>Имя</a:t>
+            </a:r>
+            <a:r>
+              <a:rPr lang="en-US" sz="1200" dirty="0" smtClean="0">
+                <a:latin typeface="Times New Roman" panose="02020603050405020304" pitchFamily="18" charset="0"/>
+                <a:cs typeface="Times New Roman" panose="02020603050405020304" pitchFamily="18" charset="0"/>
+              </a:rPr>
+              <a:t> </a:t>
+            </a:r>
+            <a:r>
+              <a:rPr lang="ru-RU" sz="1200" dirty="0" smtClean="0">
+                <a:latin typeface="Times New Roman" panose="02020603050405020304" pitchFamily="18" charset="0"/>
+                <a:cs typeface="Times New Roman" panose="02020603050405020304" pitchFamily="18" charset="0"/>
+              </a:rPr>
+              <a:t>переменной</a:t>
+            </a:r>
+            <a:endParaRPr lang="ru-RU" sz="1200" dirty="0">
+              <a:latin typeface="Times New Roman" panose="02020603050405020304" pitchFamily="18" charset="0"/>
+              <a:cs typeface="Times New Roman" panose="02020603050405020304" pitchFamily="18" charset="0"/>
+            </a:endParaRPr>
+          </a:p>
+        </p:txBody>
+      </p:sp>
+      <p:sp>
+        <p:nvSpPr>
+          <p:cNvPr id="50" name="TextBox 49"/>
+          <p:cNvSpPr txBox="1"/>
+          <p:nvPr/>
+        </p:nvSpPr>
+        <p:spPr>
+          <a:xfrm rot="2679585">
+            <a:off x="1556627" y="5226881"/>
+            <a:ext cx="1163416" cy="427390"/>
+          </a:xfrm>
+          <a:prstGeom prst="rect">
+            <a:avLst/>
+          </a:prstGeom>
+          <a:noFill/>
+        </p:spPr>
+        <p:txBody>
+          <a:bodyPr wrap="none" rtlCol="0">
+            <a:noAutofit/>
+          </a:bodyPr>
+          <a:lstStyle/>
+          <a:p>
+            <a:pPr algn="ctr"/>
+            <a:r>
+              <a:rPr lang="ru-RU" sz="1200" dirty="0" smtClean="0">
+                <a:latin typeface="Times New Roman" panose="02020603050405020304" pitchFamily="18" charset="0"/>
+                <a:cs typeface="Times New Roman" panose="02020603050405020304" pitchFamily="18" charset="0"/>
+              </a:rPr>
+              <a:t>Выражение</a:t>
+            </a:r>
+            <a:br>
+              <a:rPr lang="ru-RU" sz="1200" dirty="0" smtClean="0">
+                <a:latin typeface="Times New Roman" panose="02020603050405020304" pitchFamily="18" charset="0"/>
+                <a:cs typeface="Times New Roman" panose="02020603050405020304" pitchFamily="18" charset="0"/>
+              </a:rPr>
+            </a:br>
+            <a:r>
+              <a:rPr lang="ru-RU" sz="1200" dirty="0" smtClean="0">
+                <a:latin typeface="Times New Roman" panose="02020603050405020304" pitchFamily="18" charset="0"/>
+                <a:cs typeface="Times New Roman" panose="02020603050405020304" pitchFamily="18" charset="0"/>
+              </a:rPr>
+              <a:t>инициализации</a:t>
+            </a:r>
+            <a:endParaRPr lang="ru-RU" sz="1200" dirty="0">
+              <a:latin typeface="Times New Roman" panose="02020603050405020304" pitchFamily="18" charset="0"/>
+              <a:cs typeface="Times New Roman" panose="02020603050405020304" pitchFamily="18" charset="0"/>
+            </a:endParaRPr>
+          </a:p>
+        </p:txBody>
+      </p:sp>
+      <p:sp>
+        <p:nvSpPr>
+          <p:cNvPr id="69" name="TextBox 68"/>
+          <p:cNvSpPr txBox="1"/>
+          <p:nvPr/>
+        </p:nvSpPr>
+        <p:spPr>
+          <a:xfrm rot="16200000">
+            <a:off x="2854463" y="2273658"/>
+            <a:ext cx="921783" cy="283185"/>
+          </a:xfrm>
+          <a:prstGeom prst="rect">
+            <a:avLst/>
+          </a:prstGeom>
+          <a:noFill/>
+        </p:spPr>
+        <p:txBody>
+          <a:bodyPr wrap="none" rtlCol="0">
+            <a:noAutofit/>
+          </a:bodyPr>
+          <a:lstStyle/>
+          <a:p>
+            <a:r>
+              <a:rPr lang="ru-RU" sz="1200" dirty="0" smtClean="0">
+                <a:latin typeface="Times New Roman" panose="02020603050405020304" pitchFamily="18" charset="0"/>
+                <a:cs typeface="Times New Roman" panose="02020603050405020304" pitchFamily="18" charset="0"/>
+              </a:rPr>
+              <a:t>Инструкция</a:t>
+            </a:r>
+            <a:endParaRPr lang="ru-RU" sz="1200" dirty="0">
+              <a:latin typeface="Times New Roman" panose="02020603050405020304" pitchFamily="18" charset="0"/>
+              <a:cs typeface="Times New Roman" panose="02020603050405020304" pitchFamily="18" charset="0"/>
+            </a:endParaRPr>
+          </a:p>
+        </p:txBody>
+      </p:sp>
+      <p:sp>
+        <p:nvSpPr>
+          <p:cNvPr id="128" name="TextBox 127"/>
+          <p:cNvSpPr txBox="1"/>
+          <p:nvPr/>
+        </p:nvSpPr>
+        <p:spPr>
+          <a:xfrm>
+            <a:off x="284036" y="1459912"/>
+            <a:ext cx="1656000" cy="468000"/>
+          </a:xfrm>
+          <a:prstGeom prst="rect">
+            <a:avLst/>
+          </a:prstGeom>
+          <a:noFill/>
+          <a:ln w="38100">
+            <a:solidFill>
+              <a:schemeClr val="tx1"/>
+            </a:solidFill>
+          </a:ln>
+        </p:spPr>
+        <p:txBody>
+          <a:bodyPr wrap="none" rtlCol="0" anchor="ctr">
+            <a:noAutofit/>
+          </a:bodyPr>
+          <a:lstStyle/>
+          <a:p>
+            <a:pPr algn="ctr"/>
+            <a:r>
+              <a:rPr lang="en-US" sz="1200" dirty="0" err="1">
+                <a:latin typeface="Times New Roman" panose="02020603050405020304" pitchFamily="18" charset="0"/>
+                <a:cs typeface="Times New Roman" panose="02020603050405020304" pitchFamily="18" charset="0"/>
+              </a:rPr>
+              <a:t>val</a:t>
+            </a:r>
+            <a:r>
+              <a:rPr lang="en-US" sz="1200" dirty="0">
+                <a:latin typeface="Times New Roman" panose="02020603050405020304" pitchFamily="18" charset="0"/>
+                <a:cs typeface="Times New Roman" panose="02020603050405020304" pitchFamily="18" charset="0"/>
+              </a:rPr>
+              <a:t> </a:t>
+            </a:r>
+            <a:r>
+              <a:rPr lang="en-US" sz="1200" dirty="0" err="1">
+                <a:latin typeface="Times New Roman" panose="02020603050405020304" pitchFamily="18" charset="0"/>
+                <a:cs typeface="Times New Roman" panose="02020603050405020304" pitchFamily="18" charset="0"/>
+              </a:rPr>
+              <a:t>localA</a:t>
+            </a:r>
+            <a:r>
+              <a:rPr lang="en-US" sz="1200" dirty="0">
+                <a:latin typeface="Times New Roman" panose="02020603050405020304" pitchFamily="18" charset="0"/>
+                <a:cs typeface="Times New Roman" panose="02020603050405020304" pitchFamily="18" charset="0"/>
+              </a:rPr>
+              <a:t>: </a:t>
+            </a:r>
+            <a:r>
+              <a:rPr lang="en-US" sz="1200" dirty="0" smtClean="0">
+                <a:latin typeface="Times New Roman" panose="02020603050405020304" pitchFamily="18" charset="0"/>
+                <a:cs typeface="Times New Roman" panose="02020603050405020304" pitchFamily="18" charset="0"/>
+              </a:rPr>
+              <a:t/>
+            </a:r>
+            <a:br>
+              <a:rPr lang="en-US" sz="1200" dirty="0" smtClean="0">
+                <a:latin typeface="Times New Roman" panose="02020603050405020304" pitchFamily="18" charset="0"/>
+                <a:cs typeface="Times New Roman" panose="02020603050405020304" pitchFamily="18" charset="0"/>
+              </a:rPr>
+            </a:br>
+            <a:r>
+              <a:rPr lang="en-US" sz="1200" dirty="0" err="1" smtClean="0">
+                <a:latin typeface="Times New Roman" panose="02020603050405020304" pitchFamily="18" charset="0"/>
+                <a:cs typeface="Times New Roman" panose="02020603050405020304" pitchFamily="18" charset="0"/>
+              </a:rPr>
+              <a:t>DistArray</a:t>
+            </a:r>
+            <a:r>
+              <a:rPr lang="en-US" sz="1200" dirty="0" smtClean="0">
+                <a:latin typeface="Times New Roman" panose="02020603050405020304" pitchFamily="18" charset="0"/>
+                <a:cs typeface="Times New Roman" panose="02020603050405020304" pitchFamily="18" charset="0"/>
+              </a:rPr>
+              <a:t>[Array[Long</a:t>
+            </a:r>
+            <a:r>
+              <a:rPr lang="en-US" sz="1200" dirty="0">
+                <a:latin typeface="Times New Roman" panose="02020603050405020304" pitchFamily="18" charset="0"/>
+                <a:cs typeface="Times New Roman" panose="02020603050405020304" pitchFamily="18" charset="0"/>
+              </a:rPr>
+              <a:t>]]</a:t>
+            </a:r>
+            <a:endParaRPr lang="ru-RU" sz="1200" dirty="0">
+              <a:latin typeface="Times New Roman" panose="02020603050405020304" pitchFamily="18" charset="0"/>
+              <a:cs typeface="Times New Roman" panose="02020603050405020304" pitchFamily="18" charset="0"/>
+            </a:endParaRPr>
+          </a:p>
+        </p:txBody>
+      </p:sp>
+      <p:sp>
+        <p:nvSpPr>
+          <p:cNvPr id="129" name="TextBox 128"/>
+          <p:cNvSpPr txBox="1"/>
+          <p:nvPr/>
+        </p:nvSpPr>
+        <p:spPr>
+          <a:xfrm rot="19296738">
+            <a:off x="1461965" y="584702"/>
+            <a:ext cx="896408" cy="426325"/>
+          </a:xfrm>
+          <a:prstGeom prst="rect">
+            <a:avLst/>
+          </a:prstGeom>
+          <a:noFill/>
+        </p:spPr>
+        <p:txBody>
+          <a:bodyPr wrap="none" rtlCol="0">
+            <a:noAutofit/>
+          </a:bodyPr>
+          <a:lstStyle/>
+          <a:p>
+            <a:pPr algn="ctr"/>
+            <a:r>
+              <a:rPr lang="ru-RU" sz="1200" dirty="0" smtClean="0">
+                <a:latin typeface="Times New Roman" panose="02020603050405020304" pitchFamily="18" charset="0"/>
+                <a:cs typeface="Times New Roman" panose="02020603050405020304" pitchFamily="18" charset="0"/>
+              </a:rPr>
+              <a:t>Локальное</a:t>
+            </a:r>
+            <a:br>
+              <a:rPr lang="ru-RU" sz="1200" dirty="0" smtClean="0">
+                <a:latin typeface="Times New Roman" panose="02020603050405020304" pitchFamily="18" charset="0"/>
+                <a:cs typeface="Times New Roman" panose="02020603050405020304" pitchFamily="18" charset="0"/>
+              </a:rPr>
+            </a:br>
+            <a:r>
+              <a:rPr lang="ru-RU" sz="1200" dirty="0" smtClean="0">
+                <a:latin typeface="Times New Roman" panose="02020603050405020304" pitchFamily="18" charset="0"/>
+                <a:cs typeface="Times New Roman" panose="02020603050405020304" pitchFamily="18" charset="0"/>
+              </a:rPr>
+              <a:t>объявление</a:t>
+            </a:r>
+            <a:endParaRPr lang="ru-RU" sz="1200" dirty="0">
+              <a:latin typeface="Times New Roman" panose="02020603050405020304" pitchFamily="18" charset="0"/>
+              <a:cs typeface="Times New Roman" panose="02020603050405020304" pitchFamily="18" charset="0"/>
+            </a:endParaRPr>
+          </a:p>
+        </p:txBody>
+      </p:sp>
+      <p:cxnSp>
+        <p:nvCxnSpPr>
+          <p:cNvPr id="130" name="Прямая со стрелкой 129"/>
+          <p:cNvCxnSpPr>
+            <a:stCxn id="3" idx="1"/>
+            <a:endCxn id="128" idx="0"/>
+          </p:cNvCxnSpPr>
+          <p:nvPr/>
+        </p:nvCxnSpPr>
+        <p:spPr>
+          <a:xfrm flipH="1">
+            <a:off x="1112036" y="281878"/>
+            <a:ext cx="1488964" cy="1178034"/>
+          </a:xfrm>
+          <a:prstGeom prst="straightConnector1">
+            <a:avLst/>
+          </a:prstGeom>
+          <a:ln w="38100">
+            <a:solidFill>
+              <a:schemeClr val="tx1"/>
+            </a:solidFill>
+            <a:tailEnd type="triangle"/>
+          </a:ln>
+        </p:spPr>
+        <p:style>
+          <a:lnRef idx="1">
+            <a:schemeClr val="accent1"/>
+          </a:lnRef>
+          <a:fillRef idx="0">
+            <a:schemeClr val="accent1"/>
+          </a:fillRef>
+          <a:effectRef idx="0">
+            <a:schemeClr val="accent1"/>
+          </a:effectRef>
+          <a:fontRef idx="minor">
+            <a:schemeClr val="tx1"/>
+          </a:fontRef>
+        </p:style>
+      </p:cxnSp>
+    </p:spTree>
+    <p:extLst>
+      <p:ext uri="{BB962C8B-B14F-4D97-AF65-F5344CB8AC3E}">
+        <p14:creationId xmlns:p14="http://schemas.microsoft.com/office/powerpoint/2010/main" val="2140808722"/>
+      </p:ext>
+    </p:extLst>
+  </p:cSld>
+  <p:clrMapOvr>
+    <a:masterClrMapping/>
+  </p:clrMapOvr>
+  <p:timing>
+    <p:tnLst>
+      <p:par>
+        <p:cTn id="1" dur="indefinite" restart="never" nodeType="tmRoot"/>
+      </p:par>
+    </p:tnLst>
+  </p:timing>
+</p:sld>
+</file>
+
+<file path=ppt/slides/slide7.xml><?xml version="1.0" encoding="utf-8"?>
+<p:sld xmlns:a="http://schemas.openxmlformats.org/drawingml/2006/main" xmlns:r="http://schemas.openxmlformats.org/officeDocument/2006/relationships" xmlns:p="http://schemas.openxmlformats.org/presentationml/2006/main">
+  <p:cSld>
+    <p:spTree>
+      <p:nvGrpSpPr>
+        <p:cNvPr id="1" name=""/>
+        <p:cNvGrpSpPr/>
+        <p:nvPr/>
+      </p:nvGrpSpPr>
+      <p:grpSpPr>
+        <a:xfrm>
+          <a:off x="0" y="0"/>
+          <a:ext cx="0" cy="0"/>
+          <a:chOff x="0" y="0"/>
+          <a:chExt cx="0" cy="0"/>
+        </a:xfrm>
+      </p:grpSpPr>
+      <p:graphicFrame>
+        <p:nvGraphicFramePr>
+          <p:cNvPr id="4" name="Диаграмма 3"/>
+          <p:cNvGraphicFramePr>
+            <a:graphicFrameLocks/>
+          </p:cNvGraphicFramePr>
+          <p:nvPr>
+            <p:extLst>
+              <p:ext uri="{D42A27DB-BD31-4B8C-83A1-F6EECF244321}">
+                <p14:modId xmlns:p14="http://schemas.microsoft.com/office/powerpoint/2010/main" val="4202294114"/>
+              </p:ext>
+            </p:extLst>
+          </p:nvPr>
+        </p:nvGraphicFramePr>
+        <p:xfrm>
+          <a:off x="241301" y="368301"/>
+          <a:ext cx="2926080" cy="2371724"/>
+        </p:xfrm>
+        <a:graphic>
+          <a:graphicData uri="http://schemas.openxmlformats.org/drawingml/2006/chart">
+            <c:chart xmlns:c="http://schemas.openxmlformats.org/drawingml/2006/chart" xmlns:r="http://schemas.openxmlformats.org/officeDocument/2006/relationships" r:id="rId3"/>
+          </a:graphicData>
+        </a:graphic>
+      </p:graphicFrame>
+    </p:spTree>
+    <p:extLst>
+      <p:ext uri="{BB962C8B-B14F-4D97-AF65-F5344CB8AC3E}">
+        <p14:creationId xmlns:p14="http://schemas.microsoft.com/office/powerpoint/2010/main" val="2978413311"/>
+      </p:ext>
+    </p:extLst>
+  </p:cSld>
+  <p:clrMapOvr>
+    <a:masterClrMapping/>
+  </p:clrMapOvr>
+</p:sld>
+</file>
+
+<file path=ppt/slides/slide8.xml><?xml version="1.0" encoding="utf-8"?>
+<p:sld xmlns:a="http://schemas.openxmlformats.org/drawingml/2006/main" xmlns:r="http://schemas.openxmlformats.org/officeDocument/2006/relationships" xmlns:p="http://schemas.openxmlformats.org/presentationml/2006/main">
+  <p:cSld>
+    <p:spTree>
+      <p:nvGrpSpPr>
+        <p:cNvPr id="1" name=""/>
+        <p:cNvGrpSpPr/>
+        <p:nvPr/>
+      </p:nvGrpSpPr>
+      <p:grpSpPr>
+        <a:xfrm>
+          <a:off x="0" y="0"/>
+          <a:ext cx="0" cy="0"/>
+          <a:chOff x="0" y="0"/>
+          <a:chExt cx="0" cy="0"/>
+        </a:xfrm>
+      </p:grpSpPr>
+      <p:graphicFrame>
+        <p:nvGraphicFramePr>
+          <p:cNvPr id="2" name="Диаграмма 1"/>
+          <p:cNvGraphicFramePr>
+            <a:graphicFrameLocks/>
+          </p:cNvGraphicFramePr>
+          <p:nvPr>
+            <p:extLst>
+              <p:ext uri="{D42A27DB-BD31-4B8C-83A1-F6EECF244321}">
+                <p14:modId xmlns:p14="http://schemas.microsoft.com/office/powerpoint/2010/main" val="336348659"/>
+              </p:ext>
+            </p:extLst>
+          </p:nvPr>
+        </p:nvGraphicFramePr>
+        <p:xfrm>
+          <a:off x="457200" y="646430"/>
+          <a:ext cx="2926080" cy="2466975"/>
+        </p:xfrm>
+        <a:graphic>
+          <a:graphicData uri="http://schemas.openxmlformats.org/drawingml/2006/chart">
+            <c:chart xmlns:c="http://schemas.openxmlformats.org/drawingml/2006/chart" xmlns:r="http://schemas.openxmlformats.org/officeDocument/2006/relationships" r:id="rId3"/>
+          </a:graphicData>
+        </a:graphic>
+      </p:graphicFrame>
+    </p:spTree>
+    <p:extLst>
+      <p:ext uri="{BB962C8B-B14F-4D97-AF65-F5344CB8AC3E}">
+        <p14:creationId xmlns:p14="http://schemas.microsoft.com/office/powerpoint/2010/main" val="4136558961"/>
+      </p:ext>
+    </p:extLst>
+  </p:cSld>
+  <p:clrMapOvr>
+    <a:masterClrMapping/>
+  </p:clrMapOvr>
+</p:sld>
+</file>
+
+<file path=ppt/slides/slide9.xml><?xml version="1.0" encoding="utf-8"?>
+<p:sld xmlns:a="http://schemas.openxmlformats.org/drawingml/2006/main" xmlns:r="http://schemas.openxmlformats.org/officeDocument/2006/relationships" xmlns:p="http://schemas.openxmlformats.org/presentationml/2006/main">
+  <p:cSld>
+    <p:spTree>
+      <p:nvGrpSpPr>
+        <p:cNvPr id="1" name=""/>
+        <p:cNvGrpSpPr/>
+        <p:nvPr/>
+      </p:nvGrpSpPr>
+      <p:grpSpPr>
+        <a:xfrm>
+          <a:off x="0" y="0"/>
+          <a:ext cx="0" cy="0"/>
+          <a:chOff x="0" y="0"/>
+          <a:chExt cx="0" cy="0"/>
+        </a:xfrm>
+      </p:grpSpPr>
+      <p:graphicFrame>
+        <p:nvGraphicFramePr>
+          <p:cNvPr id="2" name="Диаграмма 1"/>
+          <p:cNvGraphicFramePr>
+            <a:graphicFrameLocks/>
+          </p:cNvGraphicFramePr>
+          <p:nvPr>
+            <p:extLst>
+              <p:ext uri="{D42A27DB-BD31-4B8C-83A1-F6EECF244321}">
+                <p14:modId xmlns:p14="http://schemas.microsoft.com/office/powerpoint/2010/main" val="1605559423"/>
+              </p:ext>
+            </p:extLst>
+          </p:nvPr>
+        </p:nvGraphicFramePr>
+        <p:xfrm>
+          <a:off x="50800" y="292100"/>
+          <a:ext cx="3429000" cy="2361406"/>
+        </p:xfrm>
+        <a:graphic>
+          <a:graphicData uri="http://schemas.openxmlformats.org/drawingml/2006/chart">
+            <c:chart xmlns:c="http://schemas.openxmlformats.org/drawingml/2006/chart" xmlns:r="http://schemas.openxmlformats.org/officeDocument/2006/relationships" r:id="rId3"/>
+          </a:graphicData>
+        </a:graphic>
+      </p:graphicFrame>
+    </p:spTree>
+    <p:extLst>
+      <p:ext uri="{BB962C8B-B14F-4D97-AF65-F5344CB8AC3E}">
+        <p14:creationId xmlns:p14="http://schemas.microsoft.com/office/powerpoint/2010/main" val="4025708337"/>
+      </p:ext>
+    </p:extLst>
+  </p:cSld>
+  <p:clrMapOvr>
+    <a:masterClrMapping/>
+  </p:clrMapOvr>
 </p:sld>
 </file>
 
@@ -13278,4 +20560,285 @@
     </a:ext>
   </a:extLst>
 </a:theme>
+</file>
+
+<file path=ppt/theme/themeOverride1.xml><?xml version="1.0" encoding="utf-8"?>
+<a:themeOverride xmlns:a="http://schemas.openxmlformats.org/drawingml/2006/main">
+  <a:clrScheme name="Стандартная">
+    <a:dk1>
+      <a:sysClr val="windowText" lastClr="000000"/>
+    </a:dk1>
+    <a:lt1>
+      <a:sysClr val="window" lastClr="FFFFFF"/>
+    </a:lt1>
+    <a:dk2>
+      <a:srgbClr val="1F497D"/>
+    </a:dk2>
+    <a:lt2>
+      <a:srgbClr val="EEECE1"/>
+    </a:lt2>
+    <a:accent1>
+      <a:srgbClr val="4F81BD"/>
+    </a:accent1>
+    <a:accent2>
+      <a:srgbClr val="C0504D"/>
+    </a:accent2>
+    <a:accent3>
+      <a:srgbClr val="9BBB59"/>
+    </a:accent3>
+    <a:accent4>
+      <a:srgbClr val="8064A2"/>
+    </a:accent4>
+    <a:accent5>
+      <a:srgbClr val="4BACC6"/>
+    </a:accent5>
+    <a:accent6>
+      <a:srgbClr val="F79646"/>
+    </a:accent6>
+    <a:hlink>
+      <a:srgbClr val="0000FF"/>
+    </a:hlink>
+    <a:folHlink>
+      <a:srgbClr val="800080"/>
+    </a:folHlink>
+  </a:clrScheme>
+  <a:fontScheme name="Стандартная">
+    <a:majorFont>
+      <a:latin typeface="Cambria" panose="020F0302020204030204"/>
+      <a:ea typeface=""/>
+      <a:cs typeface=""/>
+      <a:font script="Jpan" typeface="ＭＳ Ｐゴシック"/>
+      <a:font script="Hang" typeface="맑은 고딕"/>
+      <a:font script="Hans" typeface="宋体"/>
+      <a:font script="Hant" typeface="新細明體"/>
+      <a:font script="Arab" typeface="Times New Roman"/>
+      <a:font script="Hebr" typeface="Times New Roman"/>
+      <a:font script="Thai" typeface="Tahoma"/>
+      <a:font script="Ethi" typeface="Nyala"/>
+      <a:font script="Beng" typeface="Vrinda"/>
+      <a:font script="Gujr" typeface="Shruti"/>
+      <a:font script="Khmr" typeface="MoolBoran"/>
+      <a:font script="Knda" typeface="Tunga"/>
+      <a:font script="Guru" typeface="Raavi"/>
+      <a:font script="Cans" typeface="Euphemia"/>
+      <a:font script="Cher" typeface="Plantagenet Cherokee"/>
+      <a:font script="Yiii" typeface="Microsoft Yi Baiti"/>
+      <a:font script="Tibt" typeface="Microsoft Himalaya"/>
+      <a:font script="Thaa" typeface="MV Boli"/>
+      <a:font script="Deva" typeface="Mangal"/>
+      <a:font script="Telu" typeface="Gautami"/>
+      <a:font script="Taml" typeface="Latha"/>
+      <a:font script="Syrc" typeface="Estrangelo Edessa"/>
+      <a:font script="Orya" typeface="Kalinga"/>
+      <a:font script="Mlym" typeface="Kartika"/>
+      <a:font script="Laoo" typeface="DokChampa"/>
+      <a:font script="Sinh" typeface="Iskoola Pota"/>
+      <a:font script="Mong" typeface="Mongolian Baiti"/>
+      <a:font script="Viet" typeface="Times New Roman"/>
+      <a:font script="Uigh" typeface="Microsoft Uighur"/>
+      <a:font script="Geor" typeface="Sylfaen"/>
+    </a:majorFont>
+    <a:minorFont>
+      <a:latin typeface="Calibri" panose="020F0502020204030204"/>
+      <a:ea typeface=""/>
+      <a:cs typeface=""/>
+      <a:font script="Jpan" typeface="ＭＳ Ｐゴシック"/>
+      <a:font script="Hang" typeface="맑은 고딕"/>
+      <a:font script="Hans" typeface="宋体"/>
+      <a:font script="Hant" typeface="新細明體"/>
+      <a:font script="Arab" typeface="Arial"/>
+      <a:font script="Hebr" typeface="Arial"/>
+      <a:font script="Thai" typeface="Tahoma"/>
+      <a:font script="Ethi" typeface="Nyala"/>
+      <a:font script="Beng" typeface="Vrinda"/>
+      <a:font script="Gujr" typeface="Shruti"/>
+      <a:font script="Khmr" typeface="DaunPenh"/>
+      <a:font script="Knda" typeface="Tunga"/>
+      <a:font script="Guru" typeface="Raavi"/>
+      <a:font script="Cans" typeface="Euphemia"/>
+      <a:font script="Cher" typeface="Plantagenet Cherokee"/>
+      <a:font script="Yiii" typeface="Microsoft Yi Baiti"/>
+      <a:font script="Tibt" typeface="Microsoft Himalaya"/>
+      <a:font script="Thaa" typeface="MV Boli"/>
+      <a:font script="Deva" typeface="Mangal"/>
+      <a:font script="Telu" typeface="Gautami"/>
+      <a:font script="Taml" typeface="Latha"/>
+      <a:font script="Syrc" typeface="Estrangelo Edessa"/>
+      <a:font script="Orya" typeface="Kalinga"/>
+      <a:font script="Mlym" typeface="Kartika"/>
+      <a:font script="Laoo" typeface="DokChampa"/>
+      <a:font script="Sinh" typeface="Iskoola Pota"/>
+      <a:font script="Mong" typeface="Mongolian Baiti"/>
+      <a:font script="Viet" typeface="Arial"/>
+      <a:font script="Uigh" typeface="Microsoft Uighur"/>
+      <a:font script="Geor" typeface="Sylfaen"/>
+    </a:minorFont>
+  </a:fontScheme>
+  <a:fmtScheme name="Стандартная">
+    <a:fillStyleLst>
+      <a:solidFill>
+        <a:schemeClr val="phClr"/>
+      </a:solidFill>
+      <a:gradFill rotWithShape="1">
+        <a:gsLst>
+          <a:gs pos="0">
+            <a:schemeClr val="phClr">
+              <a:tint val="50000"/>
+              <a:satMod val="300000"/>
+            </a:schemeClr>
+          </a:gs>
+          <a:gs pos="35000">
+            <a:schemeClr val="phClr">
+              <a:tint val="37000"/>
+              <a:satMod val="300000"/>
+            </a:schemeClr>
+          </a:gs>
+          <a:gs pos="100000">
+            <a:schemeClr val="phClr">
+              <a:tint val="15000"/>
+              <a:satMod val="350000"/>
+            </a:schemeClr>
+          </a:gs>
+        </a:gsLst>
+        <a:lin ang="16200000" scaled="1"/>
+      </a:gradFill>
+      <a:gradFill rotWithShape="1">
+        <a:gsLst>
+          <a:gs pos="0">
+            <a:schemeClr val="phClr">
+              <a:shade val="51000"/>
+              <a:satMod val="130000"/>
+            </a:schemeClr>
+          </a:gs>
+          <a:gs pos="80000">
+            <a:schemeClr val="phClr">
+              <a:shade val="93000"/>
+              <a:satMod val="130000"/>
+            </a:schemeClr>
+          </a:gs>
+          <a:gs pos="100000">
+            <a:schemeClr val="phClr">
+              <a:shade val="94000"/>
+              <a:satMod val="135000"/>
+            </a:schemeClr>
+          </a:gs>
+        </a:gsLst>
+        <a:lin ang="16200000" scaled="0"/>
+      </a:gradFill>
+    </a:fillStyleLst>
+    <a:lnStyleLst>
+      <a:ln w="9525" cap="flat" cmpd="sng" algn="ctr">
+        <a:solidFill>
+          <a:schemeClr val="phClr">
+            <a:shade val="95000"/>
+            <a:satMod val="105000"/>
+          </a:schemeClr>
+        </a:solidFill>
+        <a:prstDash val="solid"/>
+      </a:ln>
+      <a:ln w="25400" cap="flat" cmpd="sng" algn="ctr">
+        <a:solidFill>
+          <a:schemeClr val="phClr"/>
+        </a:solidFill>
+        <a:prstDash val="solid"/>
+      </a:ln>
+      <a:ln w="38100" cap="flat" cmpd="sng" algn="ctr">
+        <a:solidFill>
+          <a:schemeClr val="phClr"/>
+        </a:solidFill>
+        <a:prstDash val="solid"/>
+      </a:ln>
+    </a:lnStyleLst>
+    <a:effectStyleLst>
+      <a:effectStyle>
+        <a:effectLst>
+          <a:outerShdw blurRad="40000" dist="20000" dir="5400000" rotWithShape="0">
+            <a:srgbClr val="000000">
+              <a:alpha val="38000"/>
+            </a:srgbClr>
+          </a:outerShdw>
+        </a:effectLst>
+      </a:effectStyle>
+      <a:effectStyle>
+        <a:effectLst>
+          <a:outerShdw blurRad="40000" dist="23000" dir="5400000" rotWithShape="0">
+            <a:srgbClr val="000000">
+              <a:alpha val="35000"/>
+            </a:srgbClr>
+          </a:outerShdw>
+        </a:effectLst>
+      </a:effectStyle>
+      <a:effectStyle>
+        <a:effectLst>
+          <a:outerShdw blurRad="40000" dist="23000" dir="5400000" rotWithShape="0">
+            <a:srgbClr val="000000">
+              <a:alpha val="35000"/>
+            </a:srgbClr>
+          </a:outerShdw>
+        </a:effectLst>
+        <a:scene3d>
+          <a:camera prst="orthographicFront">
+            <a:rot lat="0" lon="0" rev="0"/>
+          </a:camera>
+          <a:lightRig rig="threePt" dir="t">
+            <a:rot lat="0" lon="0" rev="1200000"/>
+          </a:lightRig>
+        </a:scene3d>
+        <a:sp3d>
+          <a:bevelT w="63500" h="25400"/>
+        </a:sp3d>
+      </a:effectStyle>
+    </a:effectStyleLst>
+    <a:bgFillStyleLst>
+      <a:solidFill>
+        <a:schemeClr val="phClr"/>
+      </a:solidFill>
+      <a:gradFill rotWithShape="1">
+        <a:gsLst>
+          <a:gs pos="0">
+            <a:schemeClr val="phClr">
+              <a:tint val="40000"/>
+              <a:satMod val="350000"/>
+            </a:schemeClr>
+          </a:gs>
+          <a:gs pos="40000">
+            <a:schemeClr val="phClr">
+              <a:tint val="45000"/>
+              <a:shade val="99000"/>
+              <a:satMod val="350000"/>
+            </a:schemeClr>
+          </a:gs>
+          <a:gs pos="100000">
+            <a:schemeClr val="phClr">
+              <a:shade val="20000"/>
+              <a:satMod val="255000"/>
+            </a:schemeClr>
+          </a:gs>
+        </a:gsLst>
+        <a:path path="circle">
+          <a:fillToRect l="50000" t="-80000" r="50000" b="180000"/>
+        </a:path>
+      </a:gradFill>
+      <a:gradFill rotWithShape="1">
+        <a:gsLst>
+          <a:gs pos="0">
+            <a:schemeClr val="phClr">
+              <a:tint val="80000"/>
+              <a:satMod val="300000"/>
+            </a:schemeClr>
+          </a:gs>
+          <a:gs pos="100000">
+            <a:schemeClr val="phClr">
+              <a:shade val="30000"/>
+              <a:satMod val="200000"/>
+            </a:schemeClr>
+          </a:gs>
+        </a:gsLst>
+        <a:path path="circle">
+          <a:fillToRect l="50000" t="50000" r="50000" b="50000"/>
+        </a:path>
+      </a:gradFill>
+    </a:bgFillStyleLst>
+  </a:fmtScheme>
+</a:themeOverride>
 </file>